--- a/Report.pptx
+++ b/Report.pptx
@@ -5,17 +5,22 @@
     <p:sldMasterId id="2147483648" r:id="rId1"/>
   </p:sldMasterIdLst>
   <p:notesMasterIdLst>
-    <p:notesMasterId r:id="rId7"/>
+    <p:notesMasterId r:id="rId12"/>
   </p:notesMasterIdLst>
   <p:handoutMasterIdLst>
-    <p:handoutMasterId r:id="rId8"/>
+    <p:handoutMasterId r:id="rId13"/>
   </p:handoutMasterIdLst>
   <p:sldIdLst>
     <p:sldId id="256" r:id="rId2"/>
     <p:sldId id="287" r:id="rId3"/>
     <p:sldId id="288" r:id="rId4"/>
     <p:sldId id="289" r:id="rId5"/>
-    <p:sldId id="279" r:id="rId6"/>
+    <p:sldId id="290" r:id="rId6"/>
+    <p:sldId id="291" r:id="rId7"/>
+    <p:sldId id="292" r:id="rId8"/>
+    <p:sldId id="293" r:id="rId9"/>
+    <p:sldId id="294" r:id="rId10"/>
+    <p:sldId id="279" r:id="rId11"/>
   </p:sldIdLst>
   <p:sldSz cx="12192000" cy="6858000"/>
   <p:notesSz cx="6858000" cy="9144000"/>
@@ -247,7 +252,7 @@
                 <a:latin typeface="맑은 고딕" panose="020B0503020000020004" pitchFamily="50" charset="-127"/>
                 <a:ea typeface="맑은 고딕" panose="020B0503020000020004" pitchFamily="50" charset="-127"/>
               </a:rPr>
-              <a:t>2025년 11월 25일</a:t>
+              <a:t>2025년 11월 26일</a:t>
             </a:fld>
             <a:endParaRPr lang="ko-KR" altLang="en-ZA" dirty="0">
               <a:latin typeface="맑은 고딕" panose="020B0503020000020004" pitchFamily="50" charset="-127"/>
@@ -445,7 +450,7 @@
             <a:fld id="{117870AF-1C7D-40B6-B679-6F8254403883}" type="datetime4">
               <a:rPr lang="ko-KR" altLang="en-US" smtClean="0"/>
               <a:pPr/>
-              <a:t>2025년 11월 25일</a:t>
+              <a:t>2025년 11월 26일</a:t>
             </a:fld>
             <a:endParaRPr lang="ko-KR" altLang="en-US" dirty="0"/>
           </a:p>
@@ -872,7 +877,7 @@
             <a:fld id="{B8649DAF-093F-4482-AA38-346E9A2DEE94}" type="slidenum">
               <a:rPr lang="en-ZA" altLang="ko-KR" smtClean="0"/>
               <a:pPr/>
-              <a:t>5</a:t>
+              <a:t>10</a:t>
             </a:fld>
             <a:endParaRPr lang="ko-KR" altLang="en-US" dirty="0"/>
           </a:p>
@@ -957,10 +962,9 @@
           <a:p>
             <a:pPr rtl="0"/>
             <a:r>
-              <a:rPr lang="ko-KR" altLang="en-US" noProof="0" dirty="0" smtClean="0"/>
+              <a:rPr lang="ko-KR" altLang="en-US" noProof="0" dirty="0"/>
               <a:t>여기에 이미지 삽입 또는 끌어서 놓기</a:t>
             </a:r>
-            <a:endParaRPr lang="ko-KR" altLang="en-US" noProof="0" dirty="0"/>
           </a:p>
         </p:txBody>
       </p:sp>
@@ -1093,7 +1097,7 @@
           <a:p>
             <a:pPr rtl="0"/>
             <a:r>
-              <a:rPr lang="ko-KR" altLang="en-US" noProof="0" smtClean="0"/>
+              <a:rPr lang="ko-KR" altLang="en-US" noProof="0"/>
               <a:t>클릭하여 마스터 부제목 스타일 편집</a:t>
             </a:r>
             <a:endParaRPr lang="ko-KR" altLang="en-ZA" noProof="0" dirty="0"/>
@@ -1169,7 +1173,7 @@
           <a:p>
             <a:pPr rtl="0"/>
             <a:r>
-              <a:rPr lang="ko-KR" altLang="en-US" noProof="0" smtClean="0"/>
+              <a:rPr lang="ko-KR" altLang="en-US" noProof="0"/>
               <a:t>마스터 제목 스타일 편집</a:t>
             </a:r>
             <a:endParaRPr lang="ko-KR" altLang="en-ZA" noProof="0" dirty="0"/>
@@ -1248,7 +1252,7 @@
           <a:p>
             <a:pPr lvl="0" rtl="0"/>
             <a:r>
-              <a:rPr lang="ko-KR" altLang="en-US" noProof="0" smtClean="0"/>
+              <a:rPr lang="ko-KR" altLang="en-US" noProof="0"/>
               <a:t>마스터 텍스트 스타일 편집</a:t>
             </a:r>
           </a:p>
@@ -1333,35 +1337,35 @@
           <a:p>
             <a:pPr lvl="0" rtl="0"/>
             <a:r>
-              <a:rPr lang="ko-KR" altLang="en-US" noProof="0" smtClean="0"/>
+              <a:rPr lang="ko-KR" altLang="en-US" noProof="0"/>
               <a:t>마스터 텍스트 스타일 편집</a:t>
             </a:r>
           </a:p>
           <a:p>
             <a:pPr lvl="1" rtl="0"/>
             <a:r>
-              <a:rPr lang="ko-KR" altLang="en-US" noProof="0" smtClean="0"/>
+              <a:rPr lang="ko-KR" altLang="en-US" noProof="0"/>
               <a:t>둘째 수준</a:t>
             </a:r>
           </a:p>
           <a:p>
             <a:pPr lvl="2" rtl="0"/>
             <a:r>
-              <a:rPr lang="ko-KR" altLang="en-US" noProof="0" smtClean="0"/>
+              <a:rPr lang="ko-KR" altLang="en-US" noProof="0"/>
               <a:t>셋째 수준</a:t>
             </a:r>
           </a:p>
           <a:p>
             <a:pPr lvl="3" rtl="0"/>
             <a:r>
-              <a:rPr lang="ko-KR" altLang="en-US" noProof="0" smtClean="0"/>
+              <a:rPr lang="ko-KR" altLang="en-US" noProof="0"/>
               <a:t>넷째 수준</a:t>
             </a:r>
           </a:p>
           <a:p>
             <a:pPr lvl="4" rtl="0"/>
             <a:r>
-              <a:rPr lang="ko-KR" altLang="en-US" noProof="0" smtClean="0"/>
+              <a:rPr lang="ko-KR" altLang="en-US" noProof="0"/>
               <a:t>다섯째 수준</a:t>
             </a:r>
             <a:endParaRPr lang="ko-KR" altLang="en-ZA" noProof="0" dirty="0"/>
@@ -1402,10 +1406,9 @@
           <a:p>
             <a:pPr rtl="0"/>
             <a:r>
-              <a:rPr lang="ko-KR" altLang="en-US" noProof="0" dirty="0" smtClean="0"/>
+              <a:rPr lang="ko-KR" altLang="en-US" noProof="0" dirty="0"/>
               <a:t>바닥글 추가</a:t>
             </a:r>
-            <a:endParaRPr lang="ko-KR" altLang="en-US" noProof="0" dirty="0"/>
           </a:p>
         </p:txBody>
       </p:sp>
@@ -1479,35 +1482,35 @@
           <a:p>
             <a:pPr lvl="0" rtl="0"/>
             <a:r>
-              <a:rPr lang="ko-KR" altLang="en-US" noProof="0" smtClean="0"/>
+              <a:rPr lang="ko-KR" altLang="en-US" noProof="0"/>
               <a:t>마스터 텍스트 스타일 편집</a:t>
             </a:r>
           </a:p>
           <a:p>
             <a:pPr lvl="1" rtl="0"/>
             <a:r>
-              <a:rPr lang="ko-KR" altLang="en-US" noProof="0" smtClean="0"/>
+              <a:rPr lang="ko-KR" altLang="en-US" noProof="0"/>
               <a:t>둘째 수준</a:t>
             </a:r>
           </a:p>
           <a:p>
             <a:pPr lvl="2" rtl="0"/>
             <a:r>
-              <a:rPr lang="ko-KR" altLang="en-US" noProof="0" smtClean="0"/>
+              <a:rPr lang="ko-KR" altLang="en-US" noProof="0"/>
               <a:t>셋째 수준</a:t>
             </a:r>
           </a:p>
           <a:p>
             <a:pPr lvl="3" rtl="0"/>
             <a:r>
-              <a:rPr lang="ko-KR" altLang="en-US" noProof="0" smtClean="0"/>
+              <a:rPr lang="ko-KR" altLang="en-US" noProof="0"/>
               <a:t>넷째 수준</a:t>
             </a:r>
           </a:p>
           <a:p>
             <a:pPr lvl="4" rtl="0"/>
             <a:r>
-              <a:rPr lang="ko-KR" altLang="en-US" noProof="0" smtClean="0"/>
+              <a:rPr lang="ko-KR" altLang="en-US" noProof="0"/>
               <a:t>다섯째 수준</a:t>
             </a:r>
             <a:endParaRPr lang="ko-KR" altLang="en-ZA" noProof="0" dirty="0"/>
@@ -1547,7 +1550,7 @@
           <a:p>
             <a:pPr lvl="0" rtl="0"/>
             <a:r>
-              <a:rPr lang="ko-KR" altLang="en-US" noProof="0" smtClean="0"/>
+              <a:rPr lang="ko-KR" altLang="en-US" noProof="0"/>
               <a:t>마스터 텍스트 스타일 편집</a:t>
             </a:r>
           </a:p>
@@ -1624,7 +1627,7 @@
           <a:p>
             <a:pPr rtl="0"/>
             <a:r>
-              <a:rPr lang="ko-KR" altLang="en-US" noProof="0" smtClean="0"/>
+              <a:rPr lang="ko-KR" altLang="en-US" noProof="0"/>
               <a:t>마스터 제목 스타일 편집</a:t>
             </a:r>
             <a:endParaRPr lang="ko-KR" altLang="en-ZA" noProof="0" dirty="0"/>
@@ -1733,35 +1736,35 @@
           <a:p>
             <a:pPr lvl="0" rtl="0"/>
             <a:r>
-              <a:rPr lang="ko-KR" altLang="en-US" noProof="0" smtClean="0"/>
+              <a:rPr lang="ko-KR" altLang="en-US" noProof="0"/>
               <a:t>마스터 텍스트 스타일 편집</a:t>
             </a:r>
           </a:p>
           <a:p>
             <a:pPr lvl="1" rtl="0"/>
             <a:r>
-              <a:rPr lang="ko-KR" altLang="en-US" noProof="0" smtClean="0"/>
+              <a:rPr lang="ko-KR" altLang="en-US" noProof="0"/>
               <a:t>둘째 수준</a:t>
             </a:r>
           </a:p>
           <a:p>
             <a:pPr lvl="2" rtl="0"/>
             <a:r>
-              <a:rPr lang="ko-KR" altLang="en-US" noProof="0" smtClean="0"/>
+              <a:rPr lang="ko-KR" altLang="en-US" noProof="0"/>
               <a:t>셋째 수준</a:t>
             </a:r>
           </a:p>
           <a:p>
             <a:pPr lvl="3" rtl="0"/>
             <a:r>
-              <a:rPr lang="ko-KR" altLang="en-US" noProof="0" smtClean="0"/>
+              <a:rPr lang="ko-KR" altLang="en-US" noProof="0"/>
               <a:t>넷째 수준</a:t>
             </a:r>
           </a:p>
           <a:p>
             <a:pPr lvl="4" rtl="0"/>
             <a:r>
-              <a:rPr lang="ko-KR" altLang="en-US" noProof="0" smtClean="0"/>
+              <a:rPr lang="ko-KR" altLang="en-US" noProof="0"/>
               <a:t>다섯째 수준</a:t>
             </a:r>
             <a:endParaRPr lang="ko-KR" altLang="en-ZA" noProof="0" dirty="0"/>
@@ -1803,7 +1806,7 @@
           </a:lstStyle>
           <a:p>
             <a:r>
-              <a:rPr lang="ko-KR" altLang="en-US" smtClean="0"/>
+              <a:rPr lang="ko-KR" altLang="en-US"/>
               <a:t>바닥글 추가</a:t>
             </a:r>
             <a:endParaRPr lang="ko-KR" altLang="en-US" dirty="0"/>
@@ -1925,35 +1928,35 @@
           <a:p>
             <a:pPr lvl="0" rtl="0"/>
             <a:r>
-              <a:rPr lang="ko-KR" altLang="en-US" noProof="0" smtClean="0"/>
+              <a:rPr lang="ko-KR" altLang="en-US" noProof="0"/>
               <a:t>마스터 텍스트 스타일 편집</a:t>
             </a:r>
           </a:p>
           <a:p>
             <a:pPr lvl="1" rtl="0"/>
             <a:r>
-              <a:rPr lang="ko-KR" altLang="en-US" noProof="0" smtClean="0"/>
+              <a:rPr lang="ko-KR" altLang="en-US" noProof="0"/>
               <a:t>둘째 수준</a:t>
             </a:r>
           </a:p>
           <a:p>
             <a:pPr lvl="2" rtl="0"/>
             <a:r>
-              <a:rPr lang="ko-KR" altLang="en-US" noProof="0" smtClean="0"/>
+              <a:rPr lang="ko-KR" altLang="en-US" noProof="0"/>
               <a:t>셋째 수준</a:t>
             </a:r>
           </a:p>
           <a:p>
             <a:pPr lvl="3" rtl="0"/>
             <a:r>
-              <a:rPr lang="ko-KR" altLang="en-US" noProof="0" smtClean="0"/>
+              <a:rPr lang="ko-KR" altLang="en-US" noProof="0"/>
               <a:t>넷째 수준</a:t>
             </a:r>
           </a:p>
           <a:p>
             <a:pPr lvl="4" rtl="0"/>
             <a:r>
-              <a:rPr lang="ko-KR" altLang="en-US" noProof="0" smtClean="0"/>
+              <a:rPr lang="ko-KR" altLang="en-US" noProof="0"/>
               <a:t>다섯째 수준</a:t>
             </a:r>
             <a:endParaRPr lang="ko-KR" altLang="en-ZA" noProof="0" dirty="0"/>
@@ -2027,35 +2030,35 @@
           <a:p>
             <a:pPr lvl="0" rtl="0"/>
             <a:r>
-              <a:rPr lang="ko-KR" altLang="en-US" noProof="0" smtClean="0"/>
+              <a:rPr lang="ko-KR" altLang="en-US" noProof="0"/>
               <a:t>마스터 텍스트 스타일 편집</a:t>
             </a:r>
           </a:p>
           <a:p>
             <a:pPr lvl="1" rtl="0"/>
             <a:r>
-              <a:rPr lang="ko-KR" altLang="en-US" noProof="0" smtClean="0"/>
+              <a:rPr lang="ko-KR" altLang="en-US" noProof="0"/>
               <a:t>둘째 수준</a:t>
             </a:r>
           </a:p>
           <a:p>
             <a:pPr lvl="2" rtl="0"/>
             <a:r>
-              <a:rPr lang="ko-KR" altLang="en-US" noProof="0" smtClean="0"/>
+              <a:rPr lang="ko-KR" altLang="en-US" noProof="0"/>
               <a:t>셋째 수준</a:t>
             </a:r>
           </a:p>
           <a:p>
             <a:pPr lvl="3" rtl="0"/>
             <a:r>
-              <a:rPr lang="ko-KR" altLang="en-US" noProof="0" smtClean="0"/>
+              <a:rPr lang="ko-KR" altLang="en-US" noProof="0"/>
               <a:t>넷째 수준</a:t>
             </a:r>
           </a:p>
           <a:p>
             <a:pPr lvl="4" rtl="0"/>
             <a:r>
-              <a:rPr lang="ko-KR" altLang="en-US" noProof="0" smtClean="0"/>
+              <a:rPr lang="ko-KR" altLang="en-US" noProof="0"/>
               <a:t>다섯째 수준</a:t>
             </a:r>
             <a:endParaRPr lang="ko-KR" altLang="en-ZA" noProof="0" dirty="0"/>
@@ -2369,7 +2372,7 @@
           <a:p>
             <a:pPr rtl="0"/>
             <a:r>
-              <a:rPr lang="ko-KR" altLang="en-US" noProof="0" smtClean="0"/>
+              <a:rPr lang="ko-KR" altLang="en-US" noProof="0"/>
               <a:t>마스터 제목 스타일 편집</a:t>
             </a:r>
             <a:endParaRPr lang="ko-KR" altLang="en-ZA" noProof="0" dirty="0"/>
@@ -2410,10 +2413,9 @@
           <a:p>
             <a:pPr rtl="0"/>
             <a:r>
-              <a:rPr lang="ko-KR" altLang="en-US" noProof="0" dirty="0" smtClean="0"/>
+              <a:rPr lang="ko-KR" altLang="en-US" noProof="0" dirty="0"/>
               <a:t>바닥글 추가</a:t>
             </a:r>
-            <a:endParaRPr lang="ko-KR" altLang="en-US" noProof="0" dirty="0"/>
           </a:p>
         </p:txBody>
       </p:sp>
@@ -3953,7 +3955,7 @@
           <a:p>
             <a:pPr rtl="0"/>
             <a:r>
-              <a:rPr lang="ko-KR" altLang="en-US" noProof="0" smtClean="0"/>
+              <a:rPr lang="ko-KR" altLang="en-US" noProof="0"/>
               <a:t>마스터 제목 스타일 편집</a:t>
             </a:r>
             <a:endParaRPr lang="ko-KR" altLang="en-ZA" noProof="0" dirty="0"/>
@@ -3994,10 +3996,9 @@
           <a:p>
             <a:pPr rtl="0"/>
             <a:r>
-              <a:rPr lang="ko-KR" altLang="en-US" noProof="0" dirty="0" smtClean="0"/>
+              <a:rPr lang="ko-KR" altLang="en-US" noProof="0" dirty="0"/>
               <a:t>바닥글 추가</a:t>
             </a:r>
-            <a:endParaRPr lang="ko-KR" altLang="en-US" noProof="0" dirty="0"/>
           </a:p>
         </p:txBody>
       </p:sp>
@@ -4076,10 +4077,9 @@
           <a:p>
             <a:pPr lvl="0" rtl="0"/>
             <a:r>
-              <a:rPr lang="ko-KR" altLang="en-US" noProof="0" dirty="0" smtClean="0"/>
+              <a:rPr lang="ko-KR" altLang="en-US" noProof="0" dirty="0"/>
               <a:t>직함</a:t>
             </a:r>
-            <a:endParaRPr lang="ko-KR" altLang="en-US" noProof="0" dirty="0"/>
           </a:p>
         </p:txBody>
       </p:sp>
@@ -4116,10 +4116,9 @@
           <a:p>
             <a:pPr lvl="0" rtl="0"/>
             <a:r>
-              <a:rPr lang="ko-KR" altLang="en-US" noProof="0" dirty="0" smtClean="0"/>
+              <a:rPr lang="ko-KR" altLang="en-US" noProof="0" dirty="0"/>
               <a:t>제목</a:t>
             </a:r>
-            <a:endParaRPr lang="ko-KR" altLang="en-US" noProof="0" dirty="0"/>
           </a:p>
         </p:txBody>
       </p:sp>
@@ -4156,10 +4155,9 @@
           <a:p>
             <a:pPr lvl="0" rtl="0"/>
             <a:r>
-              <a:rPr lang="ko-KR" altLang="en-US" noProof="0" dirty="0" smtClean="0"/>
+              <a:rPr lang="ko-KR" altLang="en-US" noProof="0" dirty="0"/>
               <a:t>직함</a:t>
             </a:r>
-            <a:endParaRPr lang="ko-KR" altLang="en-US" noProof="0" dirty="0"/>
           </a:p>
         </p:txBody>
       </p:sp>
@@ -4337,7 +4335,7 @@
           <a:p>
             <a:pPr rtl="0"/>
             <a:r>
-              <a:rPr lang="ko-KR" altLang="en-US" noProof="0" smtClean="0"/>
+              <a:rPr lang="ko-KR" altLang="en-US" noProof="0"/>
               <a:t>그림을 추가하려면 아이콘을 클릭하십시오</a:t>
             </a:r>
             <a:endParaRPr lang="ko-KR" altLang="en-ZA" noProof="0" dirty="0"/>
@@ -4392,7 +4390,7 @@
           <a:p>
             <a:pPr rtl="0"/>
             <a:r>
-              <a:rPr lang="ko-KR" altLang="en-US" noProof="0" smtClean="0"/>
+              <a:rPr lang="ko-KR" altLang="en-US" noProof="0"/>
               <a:t>그림을 추가하려면 아이콘을 클릭하십시오</a:t>
             </a:r>
             <a:endParaRPr lang="ko-KR" altLang="en-ZA" noProof="0" dirty="0"/>
@@ -4447,7 +4445,7 @@
           <a:p>
             <a:pPr rtl="0"/>
             <a:r>
-              <a:rPr lang="ko-KR" altLang="en-US" noProof="0" smtClean="0"/>
+              <a:rPr lang="ko-KR" altLang="en-US" noProof="0"/>
               <a:t>그림을 추가하려면 아이콘을 클릭하십시오</a:t>
             </a:r>
             <a:endParaRPr lang="ko-KR" altLang="en-ZA" noProof="0" dirty="0"/>
@@ -4716,7 +4714,7 @@
           <a:p>
             <a:pPr rtl="0"/>
             <a:r>
-              <a:rPr lang="ko-KR" altLang="en-US" noProof="0" smtClean="0"/>
+              <a:rPr lang="ko-KR" altLang="en-US" noProof="0"/>
               <a:t>마스터 제목 스타일 편집</a:t>
             </a:r>
             <a:endParaRPr lang="ko-KR" altLang="en-ZA" noProof="0" dirty="0"/>
@@ -4757,10 +4755,9 @@
           <a:p>
             <a:pPr rtl="0"/>
             <a:r>
-              <a:rPr lang="ko-KR" altLang="en-US" noProof="0" dirty="0" smtClean="0"/>
+              <a:rPr lang="ko-KR" altLang="en-US" noProof="0" dirty="0"/>
               <a:t>바닥글 추가</a:t>
             </a:r>
-            <a:endParaRPr lang="ko-KR" altLang="en-US" noProof="0" dirty="0"/>
           </a:p>
         </p:txBody>
       </p:sp>
@@ -4839,10 +4836,9 @@
           <a:p>
             <a:pPr lvl="0" rtl="0"/>
             <a:r>
-              <a:rPr lang="ko-KR" altLang="en-US" noProof="0" dirty="0" smtClean="0"/>
+              <a:rPr lang="ko-KR" altLang="en-US" noProof="0" dirty="0"/>
               <a:t>직함</a:t>
             </a:r>
-            <a:endParaRPr lang="ko-KR" altLang="en-US" noProof="0" dirty="0"/>
           </a:p>
         </p:txBody>
       </p:sp>
@@ -4879,10 +4875,9 @@
           <a:p>
             <a:pPr lvl="0" rtl="0"/>
             <a:r>
-              <a:rPr lang="ko-KR" altLang="en-US" noProof="0" dirty="0" smtClean="0"/>
+              <a:rPr lang="ko-KR" altLang="en-US" noProof="0" dirty="0"/>
               <a:t>직함</a:t>
             </a:r>
-            <a:endParaRPr lang="ko-KR" altLang="en-US" noProof="0" dirty="0"/>
           </a:p>
         </p:txBody>
       </p:sp>
@@ -4919,10 +4914,9 @@
           <a:p>
             <a:pPr lvl="0" rtl="0"/>
             <a:r>
-              <a:rPr lang="ko-KR" altLang="en-US" noProof="0" dirty="0" smtClean="0"/>
+              <a:rPr lang="ko-KR" altLang="en-US" noProof="0" dirty="0"/>
               <a:t>직함</a:t>
             </a:r>
-            <a:endParaRPr lang="ko-KR" altLang="en-US" noProof="0" dirty="0"/>
           </a:p>
         </p:txBody>
       </p:sp>
@@ -4959,10 +4953,9 @@
           <a:p>
             <a:pPr lvl="0" rtl="0"/>
             <a:r>
-              <a:rPr lang="ko-KR" altLang="en-US" noProof="0" dirty="0" smtClean="0"/>
+              <a:rPr lang="ko-KR" altLang="en-US" noProof="0" dirty="0"/>
               <a:t>직함</a:t>
             </a:r>
-            <a:endParaRPr lang="ko-KR" altLang="en-US" noProof="0" dirty="0"/>
           </a:p>
         </p:txBody>
       </p:sp>
@@ -5043,10 +5036,9 @@
           <a:p>
             <a:pPr lvl="0" rtl="0"/>
             <a:r>
-              <a:rPr lang="ko-KR" altLang="en-US" noProof="0" dirty="0" smtClean="0"/>
+              <a:rPr lang="ko-KR" altLang="en-US" noProof="0" dirty="0"/>
               <a:t>전체 이름</a:t>
             </a:r>
-            <a:endParaRPr lang="ko-KR" altLang="en-US" noProof="0" dirty="0"/>
           </a:p>
         </p:txBody>
       </p:sp>
@@ -5085,10 +5077,9 @@
           <a:p>
             <a:pPr lvl="0" rtl="0"/>
             <a:r>
-              <a:rPr lang="ko-KR" altLang="en-US" noProof="0" dirty="0" smtClean="0"/>
+              <a:rPr lang="ko-KR" altLang="en-US" noProof="0" dirty="0"/>
               <a:t>전체 이름</a:t>
             </a:r>
-            <a:endParaRPr lang="ko-KR" altLang="en-US" noProof="0" dirty="0"/>
           </a:p>
         </p:txBody>
       </p:sp>
@@ -5127,10 +5118,9 @@
           <a:p>
             <a:pPr lvl="0" rtl="0"/>
             <a:r>
-              <a:rPr lang="ko-KR" altLang="en-US" noProof="0" dirty="0" smtClean="0"/>
+              <a:rPr lang="ko-KR" altLang="en-US" noProof="0" dirty="0"/>
               <a:t>전체 이름</a:t>
             </a:r>
-            <a:endParaRPr lang="ko-KR" altLang="en-US" noProof="0" dirty="0"/>
           </a:p>
         </p:txBody>
       </p:sp>
@@ -5169,10 +5159,9 @@
           <a:p>
             <a:pPr lvl="0" rtl="0"/>
             <a:r>
-              <a:rPr lang="ko-KR" altLang="en-US" noProof="0" dirty="0" smtClean="0"/>
+              <a:rPr lang="ko-KR" altLang="en-US" noProof="0" dirty="0"/>
               <a:t>전체 이름</a:t>
             </a:r>
-            <a:endParaRPr lang="ko-KR" altLang="en-US" noProof="0" dirty="0"/>
           </a:p>
         </p:txBody>
       </p:sp>
@@ -5209,10 +5198,9 @@
           <a:p>
             <a:pPr lvl="0" rtl="0"/>
             <a:r>
-              <a:rPr lang="ko-KR" altLang="en-US" noProof="0" dirty="0" smtClean="0"/>
+              <a:rPr lang="ko-KR" altLang="en-US" noProof="0" dirty="0"/>
               <a:t>제목</a:t>
             </a:r>
-            <a:endParaRPr lang="ko-KR" altLang="en-US" noProof="0" dirty="0"/>
           </a:p>
         </p:txBody>
       </p:sp>
@@ -5264,7 +5252,7 @@
           <a:p>
             <a:pPr rtl="0"/>
             <a:r>
-              <a:rPr lang="ko-KR" altLang="en-US" noProof="0" smtClean="0"/>
+              <a:rPr lang="ko-KR" altLang="en-US" noProof="0"/>
               <a:t>그림을 추가하려면 아이콘을 클릭하십시오</a:t>
             </a:r>
             <a:endParaRPr lang="ko-KR" altLang="en-ZA" noProof="0" dirty="0"/>
@@ -5319,7 +5307,7 @@
           <a:p>
             <a:pPr rtl="0"/>
             <a:r>
-              <a:rPr lang="ko-KR" altLang="en-US" noProof="0" smtClean="0"/>
+              <a:rPr lang="ko-KR" altLang="en-US" noProof="0"/>
               <a:t>그림을 추가하려면 아이콘을 클릭하십시오</a:t>
             </a:r>
             <a:endParaRPr lang="ko-KR" altLang="en-ZA" noProof="0" dirty="0"/>
@@ -5374,7 +5362,7 @@
           <a:p>
             <a:pPr rtl="0"/>
             <a:r>
-              <a:rPr lang="ko-KR" altLang="en-US" noProof="0" smtClean="0"/>
+              <a:rPr lang="ko-KR" altLang="en-US" noProof="0"/>
               <a:t>그림을 추가하려면 아이콘을 클릭하십시오</a:t>
             </a:r>
             <a:endParaRPr lang="ko-KR" altLang="en-ZA" noProof="0" dirty="0"/>
@@ -5429,7 +5417,7 @@
           <a:p>
             <a:pPr rtl="0"/>
             <a:r>
-              <a:rPr lang="ko-KR" altLang="en-US" noProof="0" smtClean="0"/>
+              <a:rPr lang="ko-KR" altLang="en-US" noProof="0"/>
               <a:t>그림을 추가하려면 아이콘을 클릭하십시오</a:t>
             </a:r>
             <a:endParaRPr lang="ko-KR" altLang="en-ZA" noProof="0" dirty="0"/>
@@ -5484,7 +5472,7 @@
           <a:p>
             <a:pPr rtl="0"/>
             <a:r>
-              <a:rPr lang="ko-KR" altLang="en-US" noProof="0" smtClean="0"/>
+              <a:rPr lang="ko-KR" altLang="en-US" noProof="0"/>
               <a:t>그림을 추가하려면 아이콘을 클릭하십시오</a:t>
             </a:r>
             <a:endParaRPr lang="ko-KR" altLang="en-ZA" noProof="0" dirty="0"/>
@@ -5539,7 +5527,7 @@
           <a:p>
             <a:pPr rtl="0"/>
             <a:r>
-              <a:rPr lang="ko-KR" altLang="en-US" noProof="0" smtClean="0"/>
+              <a:rPr lang="ko-KR" altLang="en-US" noProof="0"/>
               <a:t>그림을 추가하려면 아이콘을 클릭하십시오</a:t>
             </a:r>
             <a:endParaRPr lang="ko-KR" altLang="en-ZA" noProof="0" dirty="0"/>
@@ -5926,7 +5914,7 @@
           <a:p>
             <a:pPr rtl="0"/>
             <a:r>
-              <a:rPr lang="ko-KR" altLang="en-US" noProof="0" smtClean="0"/>
+              <a:rPr lang="ko-KR" altLang="en-US" noProof="0"/>
               <a:t>마스터 제목 스타일 편집</a:t>
             </a:r>
             <a:endParaRPr lang="ko-KR" altLang="en-ZA" noProof="0" dirty="0"/>
@@ -5968,7 +5956,7 @@
           </a:lstStyle>
           <a:p>
             <a:r>
-              <a:rPr lang="ko-KR" altLang="en-US" smtClean="0"/>
+              <a:rPr lang="ko-KR" altLang="en-US"/>
               <a:t>바닥글 추가</a:t>
             </a:r>
             <a:endParaRPr lang="ko-KR" altLang="en-US" dirty="0"/>
@@ -7111,7 +7099,7 @@
           <a:p>
             <a:pPr rtl="0"/>
             <a:r>
-              <a:rPr lang="ko-KR" altLang="en-US" noProof="0" smtClean="0"/>
+              <a:rPr lang="ko-KR" altLang="en-US" noProof="0"/>
               <a:t>마스터 제목 스타일 편집</a:t>
             </a:r>
             <a:endParaRPr lang="ko-KR" altLang="en-ZA" noProof="0" dirty="0"/>
@@ -7153,7 +7141,7 @@
           </a:lstStyle>
           <a:p>
             <a:r>
-              <a:rPr lang="ko-KR" altLang="en-US" smtClean="0"/>
+              <a:rPr lang="ko-KR" altLang="en-US"/>
               <a:t>바닥글 추가</a:t>
             </a:r>
             <a:endParaRPr lang="ko-KR" altLang="en-US" dirty="0"/>
@@ -7875,7 +7863,7 @@
           <a:p>
             <a:pPr rtl="0"/>
             <a:r>
-              <a:rPr lang="ko-KR" altLang="en-US" noProof="0" smtClean="0"/>
+              <a:rPr lang="ko-KR" altLang="en-US" noProof="0"/>
               <a:t>마스터 제목 스타일 편집</a:t>
             </a:r>
             <a:endParaRPr lang="ko-KR" altLang="en-ZA" noProof="0" dirty="0"/>
@@ -7916,10 +7904,9 @@
           <a:p>
             <a:pPr rtl="0"/>
             <a:r>
-              <a:rPr lang="ko-KR" altLang="en-US" noProof="0" dirty="0" smtClean="0"/>
+              <a:rPr lang="ko-KR" altLang="en-US" noProof="0" dirty="0"/>
               <a:t>바닥글 추가</a:t>
             </a:r>
-            <a:endParaRPr lang="ko-KR" altLang="en-US" noProof="0" dirty="0"/>
           </a:p>
         </p:txBody>
       </p:sp>
@@ -8044,10 +8031,9 @@
           <a:p>
             <a:pPr rtl="0"/>
             <a:r>
-              <a:rPr lang="ko-KR" altLang="en-US" noProof="0" dirty="0" smtClean="0"/>
+              <a:rPr lang="ko-KR" altLang="en-US" noProof="0" dirty="0"/>
               <a:t>여기에 이미지 삽입 또는 끌어서 놓기</a:t>
             </a:r>
-            <a:endParaRPr lang="ko-KR" altLang="en-US" noProof="0" dirty="0"/>
           </a:p>
         </p:txBody>
       </p:sp>
@@ -8178,7 +8164,7 @@
           <a:p>
             <a:pPr rtl="0"/>
             <a:r>
-              <a:rPr lang="ko-KR" altLang="en-US" noProof="0" smtClean="0"/>
+              <a:rPr lang="ko-KR" altLang="en-US" noProof="0"/>
               <a:t>클릭하여 마스터 부제목 스타일 편집</a:t>
             </a:r>
             <a:endParaRPr lang="ko-KR" altLang="en-ZA" noProof="0" dirty="0"/>
@@ -8418,10 +8404,9 @@
           <a:p>
             <a:pPr rtl="0"/>
             <a:r>
-              <a:rPr lang="ko-KR" altLang="en-US" noProof="0" dirty="0" smtClean="0"/>
+              <a:rPr lang="ko-KR" altLang="en-US" noProof="0" dirty="0"/>
               <a:t>로고</a:t>
             </a:r>
-            <a:endParaRPr lang="ko-KR" altLang="en-US" noProof="0" dirty="0"/>
           </a:p>
         </p:txBody>
       </p:sp>
@@ -8804,10 +8789,9 @@
           <a:p>
             <a:pPr rtl="0"/>
             <a:r>
-              <a:rPr lang="ko-KR" altLang="en-US" noProof="0" dirty="0" smtClean="0"/>
+              <a:rPr lang="ko-KR" altLang="en-US" noProof="0" dirty="0"/>
               <a:t>여기에 이미지 삽입 또는 끌어서 놓기</a:t>
             </a:r>
-            <a:endParaRPr lang="ko-KR" altLang="en-US" noProof="0" dirty="0"/>
           </a:p>
         </p:txBody>
       </p:sp>
@@ -8945,7 +8929,7 @@
           <a:p>
             <a:pPr rtl="0"/>
             <a:r>
-              <a:rPr lang="ko-KR" altLang="en-US" noProof="0" smtClean="0"/>
+              <a:rPr lang="ko-KR" altLang="en-US" noProof="0"/>
               <a:t>클릭하여 마스터 부제목 스타일 편집</a:t>
             </a:r>
             <a:endParaRPr lang="ko-KR" altLang="en-ZA" noProof="0" dirty="0"/>
@@ -9201,7 +9185,7 @@
           <a:p>
             <a:pPr rtl="0"/>
             <a:r>
-              <a:rPr lang="ko-KR" altLang="en-US" noProof="0" smtClean="0"/>
+              <a:rPr lang="ko-KR" altLang="en-US" noProof="0"/>
               <a:t>클릭하여 마스터 부제목 스타일 편집</a:t>
             </a:r>
             <a:endParaRPr lang="ko-KR" altLang="en-ZA" noProof="0" dirty="0"/>
@@ -9332,10 +9316,9 @@
           <a:p>
             <a:pPr rtl="0"/>
             <a:r>
-              <a:rPr lang="ko-KR" altLang="en-US" noProof="0" dirty="0" smtClean="0"/>
+              <a:rPr lang="ko-KR" altLang="en-US" noProof="0" dirty="0"/>
               <a:t>여기에 이미지 삽입 또는 끌어서 놓기</a:t>
             </a:r>
-            <a:endParaRPr lang="ko-KR" altLang="en-US" noProof="0" dirty="0"/>
           </a:p>
         </p:txBody>
       </p:sp>
@@ -9428,35 +9411,35 @@
           <a:p>
             <a:pPr lvl="0" rtl="0"/>
             <a:r>
-              <a:rPr lang="ko-KR" altLang="en-US" noProof="0" smtClean="0"/>
+              <a:rPr lang="ko-KR" altLang="en-US" noProof="0"/>
               <a:t>마스터 텍스트 스타일 편집</a:t>
             </a:r>
           </a:p>
           <a:p>
             <a:pPr lvl="1" rtl="0"/>
             <a:r>
-              <a:rPr lang="ko-KR" altLang="en-US" noProof="0" smtClean="0"/>
+              <a:rPr lang="ko-KR" altLang="en-US" noProof="0"/>
               <a:t>둘째 수준</a:t>
             </a:r>
           </a:p>
           <a:p>
             <a:pPr lvl="2" rtl="0"/>
             <a:r>
-              <a:rPr lang="ko-KR" altLang="en-US" noProof="0" smtClean="0"/>
+              <a:rPr lang="ko-KR" altLang="en-US" noProof="0"/>
               <a:t>셋째 수준</a:t>
             </a:r>
           </a:p>
           <a:p>
             <a:pPr lvl="3" rtl="0"/>
             <a:r>
-              <a:rPr lang="ko-KR" altLang="en-US" noProof="0" smtClean="0"/>
+              <a:rPr lang="ko-KR" altLang="en-US" noProof="0"/>
               <a:t>넷째 수준</a:t>
             </a:r>
           </a:p>
           <a:p>
             <a:pPr lvl="4" rtl="0"/>
             <a:r>
-              <a:rPr lang="ko-KR" altLang="en-US" noProof="0" smtClean="0"/>
+              <a:rPr lang="ko-KR" altLang="en-US" noProof="0"/>
               <a:t>다섯째 수준</a:t>
             </a:r>
             <a:endParaRPr lang="ko-KR" altLang="en-ZA" noProof="0" dirty="0"/>
@@ -9582,35 +9565,35 @@
           <a:p>
             <a:pPr lvl="0" rtl="0"/>
             <a:r>
-              <a:rPr lang="ko-KR" altLang="en-US" noProof="0" smtClean="0"/>
+              <a:rPr lang="ko-KR" altLang="en-US" noProof="0"/>
               <a:t>마스터 텍스트 스타일 편집</a:t>
             </a:r>
           </a:p>
           <a:p>
             <a:pPr lvl="1" rtl="0"/>
             <a:r>
-              <a:rPr lang="ko-KR" altLang="en-US" noProof="0" smtClean="0"/>
+              <a:rPr lang="ko-KR" altLang="en-US" noProof="0"/>
               <a:t>둘째 수준</a:t>
             </a:r>
           </a:p>
           <a:p>
             <a:pPr lvl="2" rtl="0"/>
             <a:r>
-              <a:rPr lang="ko-KR" altLang="en-US" noProof="0" smtClean="0"/>
+              <a:rPr lang="ko-KR" altLang="en-US" noProof="0"/>
               <a:t>셋째 수준</a:t>
             </a:r>
           </a:p>
           <a:p>
             <a:pPr lvl="3" rtl="0"/>
             <a:r>
-              <a:rPr lang="ko-KR" altLang="en-US" noProof="0" smtClean="0"/>
+              <a:rPr lang="ko-KR" altLang="en-US" noProof="0"/>
               <a:t>넷째 수준</a:t>
             </a:r>
           </a:p>
           <a:p>
             <a:pPr lvl="4" rtl="0"/>
             <a:r>
-              <a:rPr lang="ko-KR" altLang="en-US" noProof="0" smtClean="0"/>
+              <a:rPr lang="ko-KR" altLang="en-US" noProof="0"/>
               <a:t>다섯째 수준</a:t>
             </a:r>
             <a:endParaRPr lang="ko-KR" altLang="en-ZA" noProof="0" dirty="0"/>
@@ -9653,7 +9636,7 @@
           <a:p>
             <a:pPr rtl="0"/>
             <a:r>
-              <a:rPr lang="ko-KR" altLang="en-US" noProof="0" smtClean="0"/>
+              <a:rPr lang="ko-KR" altLang="en-US" noProof="0"/>
               <a:t>마스터 제목 스타일 편집</a:t>
             </a:r>
             <a:endParaRPr lang="ko-KR" altLang="en-ZA" noProof="0" dirty="0"/>
@@ -9695,7 +9678,7 @@
           </a:lstStyle>
           <a:p>
             <a:r>
-              <a:rPr lang="ko-KR" altLang="en-US" smtClean="0"/>
+              <a:rPr lang="ko-KR" altLang="en-US"/>
               <a:t>바닥글 추가</a:t>
             </a:r>
             <a:endParaRPr lang="ko-KR" altLang="en-US" dirty="0"/>
@@ -11350,7 +11333,7 @@
           <a:p>
             <a:pPr rtl="0"/>
             <a:r>
-              <a:rPr lang="ko-KR" altLang="en-US" noProof="0" smtClean="0"/>
+              <a:rPr lang="ko-KR" altLang="en-US" noProof="0"/>
               <a:t>마스터 제목 스타일 편집</a:t>
             </a:r>
             <a:endParaRPr lang="ko-KR" altLang="en-ZA" noProof="0" dirty="0"/>
@@ -11436,35 +11419,35 @@
           <a:p>
             <a:pPr lvl="0" rtl="0"/>
             <a:r>
-              <a:rPr lang="ko-KR" altLang="en-US" noProof="0" smtClean="0"/>
+              <a:rPr lang="ko-KR" altLang="en-US" noProof="0"/>
               <a:t>마스터 텍스트 스타일 편집</a:t>
             </a:r>
           </a:p>
           <a:p>
             <a:pPr lvl="1" rtl="0"/>
             <a:r>
-              <a:rPr lang="ko-KR" altLang="en-US" noProof="0" smtClean="0"/>
+              <a:rPr lang="ko-KR" altLang="en-US" noProof="0"/>
               <a:t>둘째 수준</a:t>
             </a:r>
           </a:p>
           <a:p>
             <a:pPr lvl="2" rtl="0"/>
             <a:r>
-              <a:rPr lang="ko-KR" altLang="en-US" noProof="0" smtClean="0"/>
+              <a:rPr lang="ko-KR" altLang="en-US" noProof="0"/>
               <a:t>셋째 수준</a:t>
             </a:r>
           </a:p>
           <a:p>
             <a:pPr lvl="3" rtl="0"/>
             <a:r>
-              <a:rPr lang="ko-KR" altLang="en-US" noProof="0" smtClean="0"/>
+              <a:rPr lang="ko-KR" altLang="en-US" noProof="0"/>
               <a:t>넷째 수준</a:t>
             </a:r>
           </a:p>
           <a:p>
             <a:pPr lvl="4" rtl="0"/>
             <a:r>
-              <a:rPr lang="ko-KR" altLang="en-US" noProof="0" smtClean="0"/>
+              <a:rPr lang="ko-KR" altLang="en-US" noProof="0"/>
               <a:t>다섯째 수준</a:t>
             </a:r>
             <a:endParaRPr lang="ko-KR" altLang="en-ZA" noProof="0" dirty="0"/>
@@ -11505,10 +11488,9 @@
           <a:p>
             <a:pPr rtl="0"/>
             <a:r>
-              <a:rPr lang="ko-KR" altLang="en-US" noProof="0" dirty="0" smtClean="0"/>
+              <a:rPr lang="ko-KR" altLang="en-US" noProof="0" dirty="0"/>
               <a:t>바닥글 추가</a:t>
             </a:r>
-            <a:endParaRPr lang="ko-KR" altLang="en-US" noProof="0" dirty="0"/>
           </a:p>
         </p:txBody>
       </p:sp>
@@ -11582,35 +11564,35 @@
           <a:p>
             <a:pPr lvl="0" rtl="0"/>
             <a:r>
-              <a:rPr lang="ko-KR" altLang="en-US" noProof="0" smtClean="0"/>
+              <a:rPr lang="ko-KR" altLang="en-US" noProof="0"/>
               <a:t>마스터 텍스트 스타일 편집</a:t>
             </a:r>
           </a:p>
           <a:p>
             <a:pPr lvl="1" rtl="0"/>
             <a:r>
-              <a:rPr lang="ko-KR" altLang="en-US" noProof="0" smtClean="0"/>
+              <a:rPr lang="ko-KR" altLang="en-US" noProof="0"/>
               <a:t>둘째 수준</a:t>
             </a:r>
           </a:p>
           <a:p>
             <a:pPr lvl="2" rtl="0"/>
             <a:r>
-              <a:rPr lang="ko-KR" altLang="en-US" noProof="0" smtClean="0"/>
+              <a:rPr lang="ko-KR" altLang="en-US" noProof="0"/>
               <a:t>셋째 수준</a:t>
             </a:r>
           </a:p>
           <a:p>
             <a:pPr lvl="3" rtl="0"/>
             <a:r>
-              <a:rPr lang="ko-KR" altLang="en-US" noProof="0" smtClean="0"/>
+              <a:rPr lang="ko-KR" altLang="en-US" noProof="0"/>
               <a:t>넷째 수준</a:t>
             </a:r>
           </a:p>
           <a:p>
             <a:pPr lvl="4" rtl="0"/>
             <a:r>
-              <a:rPr lang="ko-KR" altLang="en-US" noProof="0" smtClean="0"/>
+              <a:rPr lang="ko-KR" altLang="en-US" noProof="0"/>
               <a:t>다섯째 수준</a:t>
             </a:r>
             <a:endParaRPr lang="ko-KR" altLang="en-ZA" noProof="0" dirty="0"/>
@@ -11686,7 +11668,7 @@
           <a:p>
             <a:pPr rtl="0"/>
             <a:r>
-              <a:rPr lang="ko-KR" altLang="en-US" noProof="0" smtClean="0"/>
+              <a:rPr lang="ko-KR" altLang="en-US" noProof="0"/>
               <a:t>마스터 제목 스타일 편집</a:t>
             </a:r>
             <a:endParaRPr lang="ko-KR" altLang="en-ZA" noProof="0" dirty="0"/>
@@ -11772,35 +11754,35 @@
           <a:p>
             <a:pPr lvl="0" rtl="0"/>
             <a:r>
-              <a:rPr lang="ko-KR" altLang="en-US" noProof="0" smtClean="0"/>
+              <a:rPr lang="ko-KR" altLang="en-US" noProof="0"/>
               <a:t>마스터 텍스트 스타일 편집</a:t>
             </a:r>
           </a:p>
           <a:p>
             <a:pPr lvl="1" rtl="0"/>
             <a:r>
-              <a:rPr lang="ko-KR" altLang="en-US" noProof="0" smtClean="0"/>
+              <a:rPr lang="ko-KR" altLang="en-US" noProof="0"/>
               <a:t>둘째 수준</a:t>
             </a:r>
           </a:p>
           <a:p>
             <a:pPr lvl="2" rtl="0"/>
             <a:r>
-              <a:rPr lang="ko-KR" altLang="en-US" noProof="0" smtClean="0"/>
+              <a:rPr lang="ko-KR" altLang="en-US" noProof="0"/>
               <a:t>셋째 수준</a:t>
             </a:r>
           </a:p>
           <a:p>
             <a:pPr lvl="3" rtl="0"/>
             <a:r>
-              <a:rPr lang="ko-KR" altLang="en-US" noProof="0" smtClean="0"/>
+              <a:rPr lang="ko-KR" altLang="en-US" noProof="0"/>
               <a:t>넷째 수준</a:t>
             </a:r>
           </a:p>
           <a:p>
             <a:pPr lvl="4" rtl="0"/>
             <a:r>
-              <a:rPr lang="ko-KR" altLang="en-US" noProof="0" smtClean="0"/>
+              <a:rPr lang="ko-KR" altLang="en-US" noProof="0"/>
               <a:t>다섯째 수준</a:t>
             </a:r>
             <a:endParaRPr lang="ko-KR" altLang="en-ZA" noProof="0" dirty="0"/>
@@ -11841,10 +11823,9 @@
           <a:p>
             <a:pPr rtl="0"/>
             <a:r>
-              <a:rPr lang="ko-KR" altLang="en-US" noProof="0" dirty="0" smtClean="0"/>
+              <a:rPr lang="ko-KR" altLang="en-US" noProof="0" dirty="0"/>
               <a:t>바닥글 추가</a:t>
             </a:r>
-            <a:endParaRPr lang="ko-KR" altLang="en-US" noProof="0" dirty="0"/>
           </a:p>
         </p:txBody>
       </p:sp>
@@ -11918,35 +11899,35 @@
           <a:p>
             <a:pPr lvl="0" rtl="0"/>
             <a:r>
-              <a:rPr lang="ko-KR" altLang="en-US" noProof="0" smtClean="0"/>
+              <a:rPr lang="ko-KR" altLang="en-US" noProof="0"/>
               <a:t>마스터 텍스트 스타일 편집</a:t>
             </a:r>
           </a:p>
           <a:p>
             <a:pPr lvl="1" rtl="0"/>
             <a:r>
-              <a:rPr lang="ko-KR" altLang="en-US" noProof="0" smtClean="0"/>
+              <a:rPr lang="ko-KR" altLang="en-US" noProof="0"/>
               <a:t>둘째 수준</a:t>
             </a:r>
           </a:p>
           <a:p>
             <a:pPr lvl="2" rtl="0"/>
             <a:r>
-              <a:rPr lang="ko-KR" altLang="en-US" noProof="0" smtClean="0"/>
+              <a:rPr lang="ko-KR" altLang="en-US" noProof="0"/>
               <a:t>셋째 수준</a:t>
             </a:r>
           </a:p>
           <a:p>
             <a:pPr lvl="3" rtl="0"/>
             <a:r>
-              <a:rPr lang="ko-KR" altLang="en-US" noProof="0" smtClean="0"/>
+              <a:rPr lang="ko-KR" altLang="en-US" noProof="0"/>
               <a:t>넷째 수준</a:t>
             </a:r>
           </a:p>
           <a:p>
             <a:pPr lvl="4" rtl="0"/>
             <a:r>
-              <a:rPr lang="ko-KR" altLang="en-US" noProof="0" smtClean="0"/>
+              <a:rPr lang="ko-KR" altLang="en-US" noProof="0"/>
               <a:t>다섯째 수준</a:t>
             </a:r>
             <a:endParaRPr lang="ko-KR" altLang="en-ZA" noProof="0" dirty="0"/>
@@ -11981,35 +11962,35 @@
           <a:p>
             <a:pPr lvl="0" rtl="0"/>
             <a:r>
-              <a:rPr lang="ko-KR" altLang="en-US" noProof="0" smtClean="0"/>
+              <a:rPr lang="ko-KR" altLang="en-US" noProof="0"/>
               <a:t>마스터 텍스트 스타일 편집</a:t>
             </a:r>
           </a:p>
           <a:p>
             <a:pPr lvl="1" rtl="0"/>
             <a:r>
-              <a:rPr lang="ko-KR" altLang="en-US" noProof="0" smtClean="0"/>
+              <a:rPr lang="ko-KR" altLang="en-US" noProof="0"/>
               <a:t>둘째 수준</a:t>
             </a:r>
           </a:p>
           <a:p>
             <a:pPr lvl="2" rtl="0"/>
             <a:r>
-              <a:rPr lang="ko-KR" altLang="en-US" noProof="0" smtClean="0"/>
+              <a:rPr lang="ko-KR" altLang="en-US" noProof="0"/>
               <a:t>셋째 수준</a:t>
             </a:r>
           </a:p>
           <a:p>
             <a:pPr lvl="3" rtl="0"/>
             <a:r>
-              <a:rPr lang="ko-KR" altLang="en-US" noProof="0" smtClean="0"/>
+              <a:rPr lang="ko-KR" altLang="en-US" noProof="0"/>
               <a:t>넷째 수준</a:t>
             </a:r>
           </a:p>
           <a:p>
             <a:pPr lvl="4" rtl="0"/>
             <a:r>
-              <a:rPr lang="ko-KR" altLang="en-US" noProof="0" smtClean="0"/>
+              <a:rPr lang="ko-KR" altLang="en-US" noProof="0"/>
               <a:t>다섯째 수준</a:t>
             </a:r>
             <a:endParaRPr lang="ko-KR" altLang="en-ZA" noProof="0" dirty="0"/>
@@ -12085,7 +12066,7 @@
           <a:p>
             <a:pPr rtl="0"/>
             <a:r>
-              <a:rPr lang="ko-KR" altLang="en-US" noProof="0" smtClean="0"/>
+              <a:rPr lang="ko-KR" altLang="en-US" noProof="0"/>
               <a:t>마스터 제목 스타일 편집</a:t>
             </a:r>
             <a:endParaRPr lang="ko-KR" altLang="en-ZA" noProof="0" dirty="0"/>
@@ -12171,35 +12152,35 @@
           <a:p>
             <a:pPr lvl="0" rtl="0"/>
             <a:r>
-              <a:rPr lang="ko-KR" altLang="en-US" noProof="0" smtClean="0"/>
+              <a:rPr lang="ko-KR" altLang="en-US" noProof="0"/>
               <a:t>마스터 텍스트 스타일 편집</a:t>
             </a:r>
           </a:p>
           <a:p>
             <a:pPr lvl="1" rtl="0"/>
             <a:r>
-              <a:rPr lang="ko-KR" altLang="en-US" noProof="0" smtClean="0"/>
+              <a:rPr lang="ko-KR" altLang="en-US" noProof="0"/>
               <a:t>둘째 수준</a:t>
             </a:r>
           </a:p>
           <a:p>
             <a:pPr lvl="2" rtl="0"/>
             <a:r>
-              <a:rPr lang="ko-KR" altLang="en-US" noProof="0" smtClean="0"/>
+              <a:rPr lang="ko-KR" altLang="en-US" noProof="0"/>
               <a:t>셋째 수준</a:t>
             </a:r>
           </a:p>
           <a:p>
             <a:pPr lvl="3" rtl="0"/>
             <a:r>
-              <a:rPr lang="ko-KR" altLang="en-US" noProof="0" smtClean="0"/>
+              <a:rPr lang="ko-KR" altLang="en-US" noProof="0"/>
               <a:t>넷째 수준</a:t>
             </a:r>
           </a:p>
           <a:p>
             <a:pPr lvl="4" rtl="0"/>
             <a:r>
-              <a:rPr lang="ko-KR" altLang="en-US" noProof="0" smtClean="0"/>
+              <a:rPr lang="ko-KR" altLang="en-US" noProof="0"/>
               <a:t>다섯째 수준</a:t>
             </a:r>
             <a:endParaRPr lang="ko-KR" altLang="en-ZA" noProof="0" dirty="0"/>
@@ -12240,10 +12221,9 @@
           <a:p>
             <a:pPr rtl="0"/>
             <a:r>
-              <a:rPr lang="ko-KR" altLang="en-US" noProof="0" dirty="0" smtClean="0"/>
+              <a:rPr lang="ko-KR" altLang="en-US" noProof="0" dirty="0"/>
               <a:t>바닥글 추가</a:t>
             </a:r>
-            <a:endParaRPr lang="ko-KR" altLang="en-US" noProof="0" dirty="0"/>
           </a:p>
         </p:txBody>
       </p:sp>
@@ -12317,35 +12297,35 @@
           <a:p>
             <a:pPr lvl="0" rtl="0"/>
             <a:r>
-              <a:rPr lang="ko-KR" altLang="en-US" noProof="0" smtClean="0"/>
+              <a:rPr lang="ko-KR" altLang="en-US" noProof="0"/>
               <a:t>마스터 텍스트 스타일 편집</a:t>
             </a:r>
           </a:p>
           <a:p>
             <a:pPr lvl="1" rtl="0"/>
             <a:r>
-              <a:rPr lang="ko-KR" altLang="en-US" noProof="0" smtClean="0"/>
+              <a:rPr lang="ko-KR" altLang="en-US" noProof="0"/>
               <a:t>둘째 수준</a:t>
             </a:r>
           </a:p>
           <a:p>
             <a:pPr lvl="2" rtl="0"/>
             <a:r>
-              <a:rPr lang="ko-KR" altLang="en-US" noProof="0" smtClean="0"/>
+              <a:rPr lang="ko-KR" altLang="en-US" noProof="0"/>
               <a:t>셋째 수준</a:t>
             </a:r>
           </a:p>
           <a:p>
             <a:pPr lvl="3" rtl="0"/>
             <a:r>
-              <a:rPr lang="ko-KR" altLang="en-US" noProof="0" smtClean="0"/>
+              <a:rPr lang="ko-KR" altLang="en-US" noProof="0"/>
               <a:t>넷째 수준</a:t>
             </a:r>
           </a:p>
           <a:p>
             <a:pPr lvl="4" rtl="0"/>
             <a:r>
-              <a:rPr lang="ko-KR" altLang="en-US" noProof="0" smtClean="0"/>
+              <a:rPr lang="ko-KR" altLang="en-US" noProof="0"/>
               <a:t>다섯째 수준</a:t>
             </a:r>
             <a:endParaRPr lang="ko-KR" altLang="en-ZA" noProof="0" dirty="0"/>
@@ -12380,35 +12360,35 @@
           <a:p>
             <a:pPr lvl="0" rtl="0"/>
             <a:r>
-              <a:rPr lang="ko-KR" altLang="en-US" noProof="0" smtClean="0"/>
+              <a:rPr lang="ko-KR" altLang="en-US" noProof="0"/>
               <a:t>마스터 텍스트 스타일 편집</a:t>
             </a:r>
           </a:p>
           <a:p>
             <a:pPr lvl="1" rtl="0"/>
             <a:r>
-              <a:rPr lang="ko-KR" altLang="en-US" noProof="0" smtClean="0"/>
+              <a:rPr lang="ko-KR" altLang="en-US" noProof="0"/>
               <a:t>둘째 수준</a:t>
             </a:r>
           </a:p>
           <a:p>
             <a:pPr lvl="2" rtl="0"/>
             <a:r>
-              <a:rPr lang="ko-KR" altLang="en-US" noProof="0" smtClean="0"/>
+              <a:rPr lang="ko-KR" altLang="en-US" noProof="0"/>
               <a:t>셋째 수준</a:t>
             </a:r>
           </a:p>
           <a:p>
             <a:pPr lvl="3" rtl="0"/>
             <a:r>
-              <a:rPr lang="ko-KR" altLang="en-US" noProof="0" smtClean="0"/>
+              <a:rPr lang="ko-KR" altLang="en-US" noProof="0"/>
               <a:t>넷째 수준</a:t>
             </a:r>
           </a:p>
           <a:p>
             <a:pPr lvl="4" rtl="0"/>
             <a:r>
-              <a:rPr lang="ko-KR" altLang="en-US" noProof="0" smtClean="0"/>
+              <a:rPr lang="ko-KR" altLang="en-US" noProof="0"/>
               <a:t>다섯째 수준</a:t>
             </a:r>
             <a:endParaRPr lang="ko-KR" altLang="en-ZA" noProof="0" dirty="0"/>
@@ -12443,35 +12423,35 @@
           <a:p>
             <a:pPr lvl="0" rtl="0"/>
             <a:r>
-              <a:rPr lang="ko-KR" altLang="en-US" noProof="0" smtClean="0"/>
+              <a:rPr lang="ko-KR" altLang="en-US" noProof="0"/>
               <a:t>마스터 텍스트 스타일 편집</a:t>
             </a:r>
           </a:p>
           <a:p>
             <a:pPr lvl="1" rtl="0"/>
             <a:r>
-              <a:rPr lang="ko-KR" altLang="en-US" noProof="0" smtClean="0"/>
+              <a:rPr lang="ko-KR" altLang="en-US" noProof="0"/>
               <a:t>둘째 수준</a:t>
             </a:r>
           </a:p>
           <a:p>
             <a:pPr lvl="2" rtl="0"/>
             <a:r>
-              <a:rPr lang="ko-KR" altLang="en-US" noProof="0" smtClean="0"/>
+              <a:rPr lang="ko-KR" altLang="en-US" noProof="0"/>
               <a:t>셋째 수준</a:t>
             </a:r>
           </a:p>
           <a:p>
             <a:pPr lvl="3" rtl="0"/>
             <a:r>
-              <a:rPr lang="ko-KR" altLang="en-US" noProof="0" smtClean="0"/>
+              <a:rPr lang="ko-KR" altLang="en-US" noProof="0"/>
               <a:t>넷째 수준</a:t>
             </a:r>
           </a:p>
           <a:p>
             <a:pPr lvl="4" rtl="0"/>
             <a:r>
-              <a:rPr lang="ko-KR" altLang="en-US" noProof="0" smtClean="0"/>
+              <a:rPr lang="ko-KR" altLang="en-US" noProof="0"/>
               <a:t>다섯째 수준</a:t>
             </a:r>
             <a:endParaRPr lang="ko-KR" altLang="en-ZA" noProof="0" dirty="0"/>
@@ -12506,35 +12486,35 @@
           <a:p>
             <a:pPr lvl="0" rtl="0"/>
             <a:r>
-              <a:rPr lang="ko-KR" altLang="en-US" noProof="0" smtClean="0"/>
+              <a:rPr lang="ko-KR" altLang="en-US" noProof="0"/>
               <a:t>마스터 텍스트 스타일 편집</a:t>
             </a:r>
           </a:p>
           <a:p>
             <a:pPr lvl="1" rtl="0"/>
             <a:r>
-              <a:rPr lang="ko-KR" altLang="en-US" noProof="0" smtClean="0"/>
+              <a:rPr lang="ko-KR" altLang="en-US" noProof="0"/>
               <a:t>둘째 수준</a:t>
             </a:r>
           </a:p>
           <a:p>
             <a:pPr lvl="2" rtl="0"/>
             <a:r>
-              <a:rPr lang="ko-KR" altLang="en-US" noProof="0" smtClean="0"/>
+              <a:rPr lang="ko-KR" altLang="en-US" noProof="0"/>
               <a:t>셋째 수준</a:t>
             </a:r>
           </a:p>
           <a:p>
             <a:pPr lvl="3" rtl="0"/>
             <a:r>
-              <a:rPr lang="ko-KR" altLang="en-US" noProof="0" smtClean="0"/>
+              <a:rPr lang="ko-KR" altLang="en-US" noProof="0"/>
               <a:t>넷째 수준</a:t>
             </a:r>
           </a:p>
           <a:p>
             <a:pPr lvl="4" rtl="0"/>
             <a:r>
-              <a:rPr lang="ko-KR" altLang="en-US" noProof="0" smtClean="0"/>
+              <a:rPr lang="ko-KR" altLang="en-US" noProof="0"/>
               <a:t>다섯째 수준</a:t>
             </a:r>
             <a:endParaRPr lang="ko-KR" altLang="en-ZA" noProof="0" dirty="0"/>
@@ -14809,7 +14789,7 @@
           <a:p>
             <a:pPr rtl="0"/>
             <a:r>
-              <a:rPr lang="ko-KR" altLang="en-US" noProof="0" smtClean="0"/>
+              <a:rPr lang="ko-KR" altLang="en-US" noProof="0"/>
               <a:t>마스터 제목 스타일 편집</a:t>
             </a:r>
             <a:endParaRPr lang="ko-KR" altLang="en-ZA" noProof="0" dirty="0"/>
@@ -14851,7 +14831,7 @@
           </a:lstStyle>
           <a:p>
             <a:r>
-              <a:rPr lang="ko-KR" altLang="en-US" smtClean="0"/>
+              <a:rPr lang="ko-KR" altLang="en-US"/>
               <a:t>바닥글 추가</a:t>
             </a:r>
             <a:endParaRPr lang="ko-KR" altLang="en-US" dirty="0"/>
@@ -14980,10 +14960,9 @@
               <a:defRPr/>
             </a:pPr>
             <a:r>
-              <a:rPr lang="ko-KR" altLang="en-US" noProof="0" dirty="0" smtClean="0"/>
+              <a:rPr lang="ko-KR" altLang="en-US" noProof="0" dirty="0"/>
               <a:t>여기에 이미지 삽입 또는 끌어서 놓기</a:t>
             </a:r>
-            <a:endParaRPr lang="ko-KR" altLang="en-US" noProof="0" dirty="0"/>
           </a:p>
         </p:txBody>
       </p:sp>
@@ -15046,35 +15025,35 @@
           <a:p>
             <a:pPr lvl="0" rtl="0"/>
             <a:r>
-              <a:rPr lang="ko-KR" altLang="en-US" noProof="0" smtClean="0"/>
+              <a:rPr lang="ko-KR" altLang="en-US" noProof="0"/>
               <a:t>마스터 텍스트 스타일 편집</a:t>
             </a:r>
           </a:p>
           <a:p>
             <a:pPr lvl="1" rtl="0"/>
             <a:r>
-              <a:rPr lang="ko-KR" altLang="en-US" noProof="0" smtClean="0"/>
+              <a:rPr lang="ko-KR" altLang="en-US" noProof="0"/>
               <a:t>둘째 수준</a:t>
             </a:r>
           </a:p>
           <a:p>
             <a:pPr lvl="2" rtl="0"/>
             <a:r>
-              <a:rPr lang="ko-KR" altLang="en-US" noProof="0" smtClean="0"/>
+              <a:rPr lang="ko-KR" altLang="en-US" noProof="0"/>
               <a:t>셋째 수준</a:t>
             </a:r>
           </a:p>
           <a:p>
             <a:pPr lvl="3" rtl="0"/>
             <a:r>
-              <a:rPr lang="ko-KR" altLang="en-US" noProof="0" smtClean="0"/>
+              <a:rPr lang="ko-KR" altLang="en-US" noProof="0"/>
               <a:t>넷째 수준</a:t>
             </a:r>
           </a:p>
           <a:p>
             <a:pPr lvl="4" rtl="0"/>
             <a:r>
-              <a:rPr lang="ko-KR" altLang="en-US" noProof="0" smtClean="0"/>
+              <a:rPr lang="ko-KR" altLang="en-US" noProof="0"/>
               <a:t>다섯째 수준</a:t>
             </a:r>
             <a:endParaRPr lang="ko-KR" altLang="en-ZA" noProof="0" dirty="0"/>
@@ -15425,7 +15404,7 @@
           <a:p>
             <a:pPr rtl="0"/>
             <a:r>
-              <a:rPr lang="ko-KR" altLang="en-US" noProof="0" smtClean="0"/>
+              <a:rPr lang="ko-KR" altLang="en-US" noProof="0"/>
               <a:t>마스터 제목 스타일 편집</a:t>
             </a:r>
             <a:endParaRPr lang="ko-KR" altLang="en-ZA" noProof="0" dirty="0"/>
@@ -15521,35 +15500,35 @@
           <a:p>
             <a:pPr lvl="0" rtl="0"/>
             <a:r>
-              <a:rPr lang="ko-KR" altLang="en-US" noProof="0" smtClean="0"/>
+              <a:rPr lang="ko-KR" altLang="en-US" noProof="0"/>
               <a:t>마스터 텍스트 스타일 편집</a:t>
             </a:r>
           </a:p>
           <a:p>
             <a:pPr lvl="1" rtl="0"/>
             <a:r>
-              <a:rPr lang="ko-KR" altLang="en-US" noProof="0" smtClean="0"/>
+              <a:rPr lang="ko-KR" altLang="en-US" noProof="0"/>
               <a:t>둘째 수준</a:t>
             </a:r>
           </a:p>
           <a:p>
             <a:pPr lvl="2" rtl="0"/>
             <a:r>
-              <a:rPr lang="ko-KR" altLang="en-US" noProof="0" smtClean="0"/>
+              <a:rPr lang="ko-KR" altLang="en-US" noProof="0"/>
               <a:t>셋째 수준</a:t>
             </a:r>
           </a:p>
           <a:p>
             <a:pPr lvl="3" rtl="0"/>
             <a:r>
-              <a:rPr lang="ko-KR" altLang="en-US" noProof="0" smtClean="0"/>
+              <a:rPr lang="ko-KR" altLang="en-US" noProof="0"/>
               <a:t>넷째 수준</a:t>
             </a:r>
           </a:p>
           <a:p>
             <a:pPr lvl="4" rtl="0"/>
             <a:r>
-              <a:rPr lang="ko-KR" altLang="en-US" noProof="0" smtClean="0"/>
+              <a:rPr lang="ko-KR" altLang="en-US" noProof="0"/>
               <a:t>다섯째 수준</a:t>
             </a:r>
             <a:endParaRPr lang="ko-KR" altLang="en-ZA" noProof="0" dirty="0"/>
@@ -15591,7 +15570,7 @@
           </a:lstStyle>
           <a:p>
             <a:r>
-              <a:rPr lang="ko-KR" altLang="en-US" smtClean="0"/>
+              <a:rPr lang="ko-KR" altLang="en-US"/>
               <a:t>바닥글 추가</a:t>
             </a:r>
             <a:endParaRPr lang="ko-KR" altLang="en-US" dirty="0"/>
@@ -15700,35 +15679,35 @@
           <a:p>
             <a:pPr lvl="0" rtl="0"/>
             <a:r>
-              <a:rPr lang="ko-KR" altLang="en-US" noProof="0" smtClean="0"/>
+              <a:rPr lang="ko-KR" altLang="en-US" noProof="0"/>
               <a:t>마스터 텍스트 스타일 편집</a:t>
             </a:r>
           </a:p>
           <a:p>
             <a:pPr lvl="1" rtl="0"/>
             <a:r>
-              <a:rPr lang="ko-KR" altLang="en-US" noProof="0" smtClean="0"/>
+              <a:rPr lang="ko-KR" altLang="en-US" noProof="0"/>
               <a:t>둘째 수준</a:t>
             </a:r>
           </a:p>
           <a:p>
             <a:pPr lvl="2" rtl="0"/>
             <a:r>
-              <a:rPr lang="ko-KR" altLang="en-US" noProof="0" smtClean="0"/>
+              <a:rPr lang="ko-KR" altLang="en-US" noProof="0"/>
               <a:t>셋째 수준</a:t>
             </a:r>
           </a:p>
           <a:p>
             <a:pPr lvl="3" rtl="0"/>
             <a:r>
-              <a:rPr lang="ko-KR" altLang="en-US" noProof="0" smtClean="0"/>
+              <a:rPr lang="ko-KR" altLang="en-US" noProof="0"/>
               <a:t>넷째 수준</a:t>
             </a:r>
           </a:p>
           <a:p>
             <a:pPr lvl="4" rtl="0"/>
             <a:r>
-              <a:rPr lang="ko-KR" altLang="en-US" noProof="0" smtClean="0"/>
+              <a:rPr lang="ko-KR" altLang="en-US" noProof="0"/>
               <a:t>다섯째 수준</a:t>
             </a:r>
             <a:endParaRPr lang="ko-KR" altLang="en-ZA" noProof="0" dirty="0"/>
@@ -16092,10 +16071,9 @@
           </a:lstStyle>
           <a:p>
             <a:r>
-              <a:rPr lang="ko-KR" altLang="en-US" dirty="0" smtClean="0"/>
+              <a:rPr lang="ko-KR" altLang="en-US" dirty="0"/>
               <a:t>바닥글 추가</a:t>
             </a:r>
-            <a:endParaRPr lang="ko-KR" altLang="en-US" dirty="0"/>
           </a:p>
         </p:txBody>
       </p:sp>
@@ -16301,7 +16279,7 @@
           <a:p>
             <a:pPr algn="r" rtl="0"/>
             <a:r>
-              <a:rPr lang="ko-KR" altLang="en-US" sz="1200" noProof="0" dirty="0" smtClean="0">
+              <a:rPr lang="ko-KR" altLang="en-US" sz="1200" noProof="0" dirty="0">
                 <a:solidFill>
                   <a:schemeClr val="tx2"/>
                 </a:solidFill>
@@ -16310,13 +16288,6 @@
               </a:rPr>
               <a:t>여기에 로고 또는 이름 삽입</a:t>
             </a:r>
-            <a:endParaRPr lang="ko-KR" altLang="en-US" sz="1200" noProof="0" dirty="0">
-              <a:solidFill>
-                <a:schemeClr val="tx2"/>
-              </a:solidFill>
-              <a:latin typeface="맑은 고딕" panose="020B0503020000020004" pitchFamily="50" charset="-127"/>
-              <a:ea typeface="맑은 고딕" panose="020B0503020000020004" pitchFamily="50" charset="-127"/>
-            </a:endParaRPr>
           </a:p>
         </p:txBody>
       </p:sp>
@@ -17212,6 +17183,452 @@
 </p:sld>
 </file>
 
+<file path=ppt/slides/slide10.xml><?xml version="1.0" encoding="utf-8"?>
+<p:sld xmlns:a="http://schemas.openxmlformats.org/drawingml/2006/main" xmlns:r="http://schemas.openxmlformats.org/officeDocument/2006/relationships" xmlns:p="http://schemas.openxmlformats.org/presentationml/2006/main">
+  <p:cSld>
+    <p:spTree>
+      <p:nvGrpSpPr>
+        <p:cNvPr id="1" name=""/>
+        <p:cNvGrpSpPr/>
+        <p:nvPr/>
+      </p:nvGrpSpPr>
+      <p:grpSpPr>
+        <a:xfrm>
+          <a:off x="0" y="0"/>
+          <a:ext cx="0" cy="0"/>
+          <a:chOff x="0" y="0"/>
+          <a:chExt cx="0" cy="0"/>
+        </a:xfrm>
+      </p:grpSpPr>
+      <p:pic>
+        <p:nvPicPr>
+          <p:cNvPr id="19" name="그림 개체 틀 18" descr="자연 풍경 그림&#10;&#10;높은 신뢰도로 생성된 설명">
+            <a:extLst>
+              <a:ext uri="{FF2B5EF4-FFF2-40B4-BE49-F238E27FC236}">
+                <a16:creationId xmlns:a16="http://schemas.microsoft.com/office/drawing/2014/main" id="{7DD607C7-7CF7-4A0F-BFF7-6F3C46205E68}"/>
+              </a:ext>
+            </a:extLst>
+          </p:cNvPr>
+          <p:cNvPicPr>
+            <a:picLocks noGrp="1" noChangeAspect="1"/>
+          </p:cNvPicPr>
+          <p:nvPr>
+            <p:ph type="pic" sz="quarter" idx="12"/>
+          </p:nvPr>
+        </p:nvPicPr>
+        <p:blipFill>
+          <a:blip r:embed="rId3" cstate="screen">
+            <a:extLst>
+              <a:ext uri="{28A0092B-C50C-407E-A947-70E740481C1C}">
+                <a14:useLocalDpi xmlns:a14="http://schemas.microsoft.com/office/drawing/2010/main"/>
+              </a:ext>
+            </a:extLst>
+          </a:blip>
+          <a:srcRect l="11" r="11"/>
+          <a:stretch>
+            <a:fillRect/>
+          </a:stretch>
+        </p:blipFill>
+        <p:spPr/>
+      </p:pic>
+      <p:sp>
+        <p:nvSpPr>
+          <p:cNvPr id="3" name="제목 2">
+            <a:extLst>
+              <a:ext uri="{FF2B5EF4-FFF2-40B4-BE49-F238E27FC236}">
+                <a16:creationId xmlns:a16="http://schemas.microsoft.com/office/drawing/2014/main" id="{EBDC24D3-EEF0-4B69-A174-E4DFF7884894}"/>
+              </a:ext>
+            </a:extLst>
+          </p:cNvPr>
+          <p:cNvSpPr>
+            <a:spLocks noGrp="1"/>
+          </p:cNvSpPr>
+          <p:nvPr>
+            <p:ph type="ctrTitle"/>
+          </p:nvPr>
+        </p:nvSpPr>
+        <p:spPr/>
+        <p:txBody>
+          <a:bodyPr rtlCol="0"/>
+          <a:lstStyle/>
+          <a:p>
+            <a:pPr rtl="0"/>
+            <a:r>
+              <a:rPr lang="ko-KR" altLang="en-US" dirty="0"/>
+              <a:t>감사합니다</a:t>
+            </a:r>
+            <a:r>
+              <a:rPr lang="en-US" altLang="ko-KR" dirty="0"/>
+              <a:t>!</a:t>
+            </a:r>
+          </a:p>
+        </p:txBody>
+      </p:sp>
+      <p:cxnSp>
+        <p:nvCxnSpPr>
+          <p:cNvPr id="5" name="직선 연결선(S) 4" descr="구분선">
+            <a:extLst>
+              <a:ext uri="{FF2B5EF4-FFF2-40B4-BE49-F238E27FC236}">
+                <a16:creationId xmlns:a16="http://schemas.microsoft.com/office/drawing/2014/main" id="{FE07C9EC-5158-440C-995A-EAC50D3E05DA}"/>
+              </a:ext>
+              <a:ext uri="{C183D7F6-B498-43B3-948B-1728B52AA6E4}">
+                <adec:decorative xmlns:adec="http://schemas.microsoft.com/office/drawing/2017/decorative" val="1"/>
+              </a:ext>
+            </a:extLst>
+          </p:cNvPr>
+          <p:cNvCxnSpPr>
+            <a:cxnSpLocks/>
+          </p:cNvCxnSpPr>
+          <p:nvPr/>
+        </p:nvCxnSpPr>
+        <p:spPr>
+          <a:xfrm>
+            <a:off x="7777113" y="2412127"/>
+            <a:ext cx="0" cy="1100190"/>
+          </a:xfrm>
+          <a:prstGeom prst="line">
+            <a:avLst/>
+          </a:prstGeom>
+        </p:spPr>
+        <p:style>
+          <a:lnRef idx="1">
+            <a:schemeClr val="accent1"/>
+          </a:lnRef>
+          <a:fillRef idx="0">
+            <a:schemeClr val="accent1"/>
+          </a:fillRef>
+          <a:effectRef idx="0">
+            <a:schemeClr val="accent1"/>
+          </a:effectRef>
+          <a:fontRef idx="minor">
+            <a:schemeClr val="tx1"/>
+          </a:fontRef>
+        </p:style>
+      </p:cxnSp>
+      <p:pic>
+        <p:nvPicPr>
+          <p:cNvPr id="29" name="그림 개체 틀 28">
+            <a:extLst>
+              <a:ext uri="{FF2B5EF4-FFF2-40B4-BE49-F238E27FC236}">
+                <a16:creationId xmlns:a16="http://schemas.microsoft.com/office/drawing/2014/main" id="{F7A1C9A3-D9CA-3245-A622-A160A2C4AC84}"/>
+              </a:ext>
+            </a:extLst>
+          </p:cNvPr>
+          <p:cNvPicPr>
+            <a:picLocks noGrp="1" noChangeAspect="1"/>
+          </p:cNvPicPr>
+          <p:nvPr>
+            <p:ph type="pic" sz="quarter" idx="15"/>
+          </p:nvPr>
+        </p:nvPicPr>
+        <p:blipFill>
+          <a:blip r:embed="rId4"/>
+          <a:stretch>
+            <a:fillRect/>
+          </a:stretch>
+        </p:blipFill>
+        <p:spPr>
+          <a:xfrm>
+            <a:off x="8065008" y="2591534"/>
+            <a:ext cx="1344168" cy="696523"/>
+          </a:xfrm>
+        </p:spPr>
+      </p:pic>
+      <p:sp>
+        <p:nvSpPr>
+          <p:cNvPr id="7" name="부제목 6">
+            <a:extLst>
+              <a:ext uri="{FF2B5EF4-FFF2-40B4-BE49-F238E27FC236}">
+                <a16:creationId xmlns:a16="http://schemas.microsoft.com/office/drawing/2014/main" id="{ACCCCDAD-0E0B-437F-8CAA-0536470B2E2F}"/>
+              </a:ext>
+            </a:extLst>
+          </p:cNvPr>
+          <p:cNvSpPr>
+            <a:spLocks noGrp="1"/>
+          </p:cNvSpPr>
+          <p:nvPr>
+            <p:ph type="subTitle" idx="1"/>
+          </p:nvPr>
+        </p:nvSpPr>
+        <p:spPr/>
+        <p:txBody>
+          <a:bodyPr rtlCol="0"/>
+          <a:lstStyle/>
+          <a:p>
+            <a:pPr rtl="0"/>
+            <a:r>
+              <a:rPr lang="ko-KR" altLang="en-US" dirty="0"/>
+              <a:t>조지민</a:t>
+            </a:r>
+          </a:p>
+        </p:txBody>
+      </p:sp>
+      <p:pic>
+        <p:nvPicPr>
+          <p:cNvPr id="13" name="그래픽 12" descr="사용자" title="아이콘 - 발표자 이름">
+            <a:extLst>
+              <a:ext uri="{FF2B5EF4-FFF2-40B4-BE49-F238E27FC236}">
+                <a16:creationId xmlns:a16="http://schemas.microsoft.com/office/drawing/2014/main" id="{708AF784-88DE-4E89-A28B-BECD54FC11CC}"/>
+              </a:ext>
+            </a:extLst>
+          </p:cNvPr>
+          <p:cNvPicPr>
+            <a:picLocks noChangeAspect="1"/>
+          </p:cNvPicPr>
+          <p:nvPr/>
+        </p:nvPicPr>
+        <p:blipFill>
+          <a:blip r:embed="rId5" cstate="screen">
+            <a:extLst>
+              <a:ext uri="{28A0092B-C50C-407E-A947-70E740481C1C}">
+                <a14:useLocalDpi xmlns:a14="http://schemas.microsoft.com/office/drawing/2010/main"/>
+              </a:ext>
+              <a:ext uri="{96DAC541-7B7A-43D3-8B79-37D633B846F1}">
+                <asvg:svgBlip xmlns:asvg="http://schemas.microsoft.com/office/drawing/2016/SVG/main" r:embed="rId6"/>
+              </a:ext>
+            </a:extLst>
+          </a:blip>
+          <a:stretch>
+            <a:fillRect/>
+          </a:stretch>
+        </p:blipFill>
+        <p:spPr>
+          <a:xfrm>
+            <a:off x="7284624" y="3886690"/>
+            <a:ext cx="164463" cy="164463"/>
+          </a:xfrm>
+          <a:prstGeom prst="rect">
+            <a:avLst/>
+          </a:prstGeom>
+        </p:spPr>
+      </p:pic>
+      <p:sp>
+        <p:nvSpPr>
+          <p:cNvPr id="9" name="텍스트 개체 틀 8">
+            <a:extLst>
+              <a:ext uri="{FF2B5EF4-FFF2-40B4-BE49-F238E27FC236}">
+                <a16:creationId xmlns:a16="http://schemas.microsoft.com/office/drawing/2014/main" id="{650F9D0C-7F14-4B83-A0A3-5710128C815A}"/>
+              </a:ext>
+            </a:extLst>
+          </p:cNvPr>
+          <p:cNvSpPr>
+            <a:spLocks noGrp="1"/>
+          </p:cNvSpPr>
+          <p:nvPr>
+            <p:ph type="body" sz="quarter" idx="13"/>
+          </p:nvPr>
+        </p:nvSpPr>
+        <p:spPr/>
+        <p:txBody>
+          <a:bodyPr rtlCol="0"/>
+          <a:lstStyle/>
+          <a:p>
+            <a:pPr rtl="0"/>
+            <a:r>
+              <a:rPr lang="en-US" altLang="ko-KR" dirty="0"/>
+              <a:t>+1 23 987 6554</a:t>
+            </a:r>
+          </a:p>
+        </p:txBody>
+      </p:sp>
+      <p:pic>
+        <p:nvPicPr>
+          <p:cNvPr id="15" name="그래픽 14" descr="휴대폰" title="아이콘 - 발표자 전화 번호">
+            <a:extLst>
+              <a:ext uri="{FF2B5EF4-FFF2-40B4-BE49-F238E27FC236}">
+                <a16:creationId xmlns:a16="http://schemas.microsoft.com/office/drawing/2014/main" id="{E276E47B-4C08-4FEC-AAE8-3DCCBA7EE72D}"/>
+              </a:ext>
+            </a:extLst>
+          </p:cNvPr>
+          <p:cNvPicPr>
+            <a:picLocks noChangeAspect="1"/>
+          </p:cNvPicPr>
+          <p:nvPr/>
+        </p:nvPicPr>
+        <p:blipFill>
+          <a:blip r:embed="rId7" cstate="screen">
+            <a:extLst>
+              <a:ext uri="{28A0092B-C50C-407E-A947-70E740481C1C}">
+                <a14:useLocalDpi xmlns:a14="http://schemas.microsoft.com/office/drawing/2010/main"/>
+              </a:ext>
+              <a:ext uri="{96DAC541-7B7A-43D3-8B79-37D633B846F1}">
+                <asvg:svgBlip xmlns:asvg="http://schemas.microsoft.com/office/drawing/2016/SVG/main" r:embed="rId8"/>
+              </a:ext>
+            </a:extLst>
+          </a:blip>
+          <a:stretch>
+            <a:fillRect/>
+          </a:stretch>
+        </p:blipFill>
+        <p:spPr>
+          <a:xfrm>
+            <a:off x="7284624" y="4196776"/>
+            <a:ext cx="164463" cy="164463"/>
+          </a:xfrm>
+          <a:prstGeom prst="rect">
+            <a:avLst/>
+          </a:prstGeom>
+        </p:spPr>
+      </p:pic>
+      <p:sp>
+        <p:nvSpPr>
+          <p:cNvPr id="10" name="텍스트 개체 틀 9">
+            <a:extLst>
+              <a:ext uri="{FF2B5EF4-FFF2-40B4-BE49-F238E27FC236}">
+                <a16:creationId xmlns:a16="http://schemas.microsoft.com/office/drawing/2014/main" id="{2EF9E03C-A81E-4083-9F20-EF8FFAF5914D}"/>
+              </a:ext>
+            </a:extLst>
+          </p:cNvPr>
+          <p:cNvSpPr>
+            <a:spLocks noGrp="1"/>
+          </p:cNvSpPr>
+          <p:nvPr>
+            <p:ph type="body" sz="quarter" idx="14"/>
+          </p:nvPr>
+        </p:nvSpPr>
+        <p:spPr/>
+        <p:txBody>
+          <a:bodyPr rtlCol="0"/>
+          <a:lstStyle/>
+          <a:p>
+            <a:pPr rtl="0"/>
+            <a:r>
+              <a:rPr lang="ko-KR" altLang="en-US" dirty="0"/>
+              <a:t>지민</a:t>
+            </a:r>
+            <a:r>
+              <a:rPr lang="en-US" altLang="ko-KR" dirty="0"/>
+              <a:t>@email.com</a:t>
+            </a:r>
+          </a:p>
+        </p:txBody>
+      </p:sp>
+      <p:pic>
+        <p:nvPicPr>
+          <p:cNvPr id="14" name="그래픽 13" descr="봉투" title="발표자 전자 메일 아이콘">
+            <a:extLst>
+              <a:ext uri="{FF2B5EF4-FFF2-40B4-BE49-F238E27FC236}">
+                <a16:creationId xmlns:a16="http://schemas.microsoft.com/office/drawing/2014/main" id="{4F2D4997-93AD-4A62-8488-4572923DB817}"/>
+              </a:ext>
+            </a:extLst>
+          </p:cNvPr>
+          <p:cNvPicPr>
+            <a:picLocks noChangeAspect="1"/>
+          </p:cNvPicPr>
+          <p:nvPr/>
+        </p:nvPicPr>
+        <p:blipFill>
+          <a:blip r:embed="rId9" cstate="screen">
+            <a:extLst>
+              <a:ext uri="{28A0092B-C50C-407E-A947-70E740481C1C}">
+                <a14:useLocalDpi xmlns:a14="http://schemas.microsoft.com/office/drawing/2010/main"/>
+              </a:ext>
+              <a:ext uri="{96DAC541-7B7A-43D3-8B79-37D633B846F1}">
+                <asvg:svgBlip xmlns:asvg="http://schemas.microsoft.com/office/drawing/2016/SVG/main" r:embed="rId10"/>
+              </a:ext>
+            </a:extLst>
+          </a:blip>
+          <a:stretch>
+            <a:fillRect/>
+          </a:stretch>
+        </p:blipFill>
+        <p:spPr>
+          <a:xfrm>
+            <a:off x="7284624" y="4530964"/>
+            <a:ext cx="164463" cy="164463"/>
+          </a:xfrm>
+          <a:prstGeom prst="rect">
+            <a:avLst/>
+          </a:prstGeom>
+        </p:spPr>
+      </p:pic>
+      <p:sp>
+        <p:nvSpPr>
+          <p:cNvPr id="26" name="텍스트 개체 틀 25">
+            <a:extLst>
+              <a:ext uri="{FF2B5EF4-FFF2-40B4-BE49-F238E27FC236}">
+                <a16:creationId xmlns:a16="http://schemas.microsoft.com/office/drawing/2014/main" id="{88557579-7DEF-FF4C-AD37-0E81A6BB3B75}"/>
+              </a:ext>
+            </a:extLst>
+          </p:cNvPr>
+          <p:cNvSpPr>
+            <a:spLocks noGrp="1"/>
+          </p:cNvSpPr>
+          <p:nvPr>
+            <p:ph type="body" sz="quarter" idx="16"/>
+          </p:nvPr>
+        </p:nvSpPr>
+        <p:spPr/>
+        <p:txBody>
+          <a:bodyPr rtlCol="0"/>
+          <a:lstStyle/>
+          <a:p>
+            <a:pPr rtl="0"/>
+            <a:r>
+              <a:rPr lang="en-US" altLang="ko-KR" dirty="0">
+                <a:hlinkClick r:id="rId11"/>
+              </a:rPr>
+              <a:t>www.fabrikam.com</a:t>
+            </a:r>
+            <a:r>
+              <a:rPr lang="ko-KR" altLang="en-US" dirty="0"/>
+              <a:t> </a:t>
+            </a:r>
+          </a:p>
+        </p:txBody>
+      </p:sp>
+      <p:pic>
+        <p:nvPicPr>
+          <p:cNvPr id="30" name="그래픽 29" descr="세계">
+            <a:extLst>
+              <a:ext uri="{FF2B5EF4-FFF2-40B4-BE49-F238E27FC236}">
+                <a16:creationId xmlns:a16="http://schemas.microsoft.com/office/drawing/2014/main" id="{07973E30-0C12-8442-90B5-47D1C45545AE}"/>
+              </a:ext>
+            </a:extLst>
+          </p:cNvPr>
+          <p:cNvPicPr>
+            <a:picLocks noChangeAspect="1"/>
+          </p:cNvPicPr>
+          <p:nvPr/>
+        </p:nvPicPr>
+        <p:blipFill>
+          <a:blip r:embed="rId12">
+            <a:extLst>
+              <a:ext uri="{28A0092B-C50C-407E-A947-70E740481C1C}">
+                <a14:useLocalDpi xmlns:a14="http://schemas.microsoft.com/office/drawing/2010/main" val="0"/>
+              </a:ext>
+              <a:ext uri="{96DAC541-7B7A-43D3-8B79-37D633B846F1}">
+                <asvg:svgBlip xmlns:asvg="http://schemas.microsoft.com/office/drawing/2016/SVG/main" r:embed="rId13"/>
+              </a:ext>
+            </a:extLst>
+          </a:blip>
+          <a:stretch>
+            <a:fillRect/>
+          </a:stretch>
+        </p:blipFill>
+        <p:spPr>
+          <a:xfrm>
+            <a:off x="7278999" y="4843614"/>
+            <a:ext cx="170088" cy="170088"/>
+          </a:xfrm>
+          <a:prstGeom prst="rect">
+            <a:avLst/>
+          </a:prstGeom>
+        </p:spPr>
+      </p:pic>
+    </p:spTree>
+    <p:extLst>
+      <p:ext uri="{BB962C8B-B14F-4D97-AF65-F5344CB8AC3E}">
+        <p14:creationId xmlns:p14="http://schemas.microsoft.com/office/powerpoint/2010/main" val="2201429680"/>
+      </p:ext>
+    </p:extLst>
+  </p:cSld>
+  <p:clrMapOvr>
+    <a:masterClrMapping/>
+  </p:clrMapOvr>
+</p:sld>
+</file>
+
 <file path=ppt/slides/slide2.xml><?xml version="1.0" encoding="utf-8"?>
 <p:sld xmlns:a="http://schemas.openxmlformats.org/drawingml/2006/main" xmlns:r="http://schemas.openxmlformats.org/officeDocument/2006/relationships" xmlns:p="http://schemas.openxmlformats.org/presentationml/2006/main">
   <p:cSld>
@@ -17320,7 +17737,7 @@
           <a:p>
             <a:pPr algn="l"/>
             <a:r>
-              <a:rPr lang="en-US" altLang="ko-KR" sz="1200" dirty="0" smtClean="0">
+              <a:rPr lang="en-US" altLang="ko-KR" sz="1200" dirty="0">
                 <a:solidFill>
                   <a:schemeClr val="tx1">
                     <a:lumMod val="75000"/>
@@ -17332,7 +17749,7 @@
               <a:t>Word </a:t>
             </a:r>
             <a:r>
-              <a:rPr lang="ko-KR" altLang="en-US" sz="1200" dirty="0" smtClean="0">
+              <a:rPr lang="ko-KR" altLang="en-US" sz="1200" dirty="0">
                 <a:solidFill>
                   <a:schemeClr val="tx1">
                     <a:lumMod val="75000"/>
@@ -17344,7 +17761,7 @@
               <a:t>파일이 </a:t>
             </a:r>
             <a:r>
-              <a:rPr lang="en-US" altLang="ko-KR" sz="1200" dirty="0" smtClean="0">
+              <a:rPr lang="en-US" altLang="ko-KR" sz="1200" dirty="0">
                 <a:solidFill>
                   <a:schemeClr val="tx1">
                     <a:lumMod val="75000"/>
@@ -17356,7 +17773,7 @@
               <a:t>1</a:t>
             </a:r>
             <a:r>
-              <a:rPr lang="ko-KR" altLang="en-US" sz="1200" dirty="0" smtClean="0">
+              <a:rPr lang="ko-KR" altLang="en-US" sz="1200" dirty="0">
                 <a:solidFill>
                   <a:schemeClr val="tx1">
                     <a:lumMod val="75000"/>
@@ -17368,7 +17785,7 @@
               <a:t>개 문서로 통으로 읽고 있어</a:t>
             </a:r>
             <a:r>
-              <a:rPr lang="en-US" altLang="ko-KR" sz="1200" dirty="0" smtClean="0">
+              <a:rPr lang="en-US" altLang="ko-KR" sz="1200" dirty="0">
                 <a:solidFill>
                   <a:schemeClr val="tx1">
                     <a:lumMod val="75000"/>
@@ -17380,7 +17797,7 @@
               <a:t>, </a:t>
             </a:r>
             <a:r>
-              <a:rPr lang="ko-KR" altLang="en-US" sz="1200" dirty="0" smtClean="0">
+              <a:rPr lang="ko-KR" altLang="en-US" sz="1200" dirty="0">
                 <a:solidFill>
                   <a:schemeClr val="tx1">
                     <a:lumMod val="75000"/>
@@ -17392,7 +17809,7 @@
               <a:t>검색 결과가 없음</a:t>
             </a:r>
             <a:r>
-              <a:rPr lang="en-US" altLang="ko-KR" sz="1200" dirty="0" smtClean="0">
+              <a:rPr lang="en-US" altLang="ko-KR" sz="1200" dirty="0">
                 <a:solidFill>
                   <a:schemeClr val="tx1">
                     <a:lumMod val="75000"/>
@@ -17406,7 +17823,7 @@
           </a:p>
           <a:p>
             <a:pPr algn="l"/>
-            <a:endParaRPr lang="ko-KR" altLang="en-US" sz="1200" dirty="0" smtClean="0">
+            <a:endParaRPr lang="ko-KR" altLang="en-US" sz="1200" dirty="0">
               <a:solidFill>
                 <a:schemeClr val="tx1">
                   <a:lumMod val="75000"/>
@@ -17466,7 +17883,7 @@
           <a:p>
             <a:pPr algn="l"/>
             <a:r>
-              <a:rPr lang="en-US" altLang="ko-KR" sz="1200" dirty="0" smtClean="0">
+              <a:rPr lang="en-US" altLang="ko-KR" sz="1200" dirty="0">
                 <a:solidFill>
                   <a:schemeClr val="tx1">
                     <a:lumMod val="75000"/>
@@ -17477,7 +17894,7 @@
               <a:t>‘\n’ , ‘.’ </a:t>
             </a:r>
             <a:r>
-              <a:rPr lang="ko-KR" altLang="en-US" sz="1200" dirty="0" smtClean="0">
+              <a:rPr lang="ko-KR" altLang="en-US" sz="1200" dirty="0">
                 <a:solidFill>
                   <a:schemeClr val="tx1">
                     <a:lumMod val="75000"/>
@@ -17488,7 +17905,7 @@
               <a:t>기준으로 </a:t>
             </a:r>
             <a:r>
-              <a:rPr lang="en-US" altLang="ko-KR" sz="1200" dirty="0" smtClean="0">
+              <a:rPr lang="en-US" altLang="ko-KR" sz="1200" dirty="0">
                 <a:solidFill>
                   <a:schemeClr val="tx1">
                     <a:lumMod val="75000"/>
@@ -17499,7 +17916,7 @@
               <a:t>sentence </a:t>
             </a:r>
             <a:r>
-              <a:rPr lang="ko-KR" altLang="en-US" sz="1200" dirty="0" smtClean="0">
+              <a:rPr lang="ko-KR" altLang="en-US" sz="1200" dirty="0">
                 <a:solidFill>
                   <a:schemeClr val="tx1">
                     <a:lumMod val="75000"/>
@@ -17510,7 +17927,7 @@
               <a:t>로 나누고</a:t>
             </a:r>
             <a:r>
-              <a:rPr lang="en-US" altLang="ko-KR" sz="1200" dirty="0" smtClean="0">
+              <a:rPr lang="en-US" altLang="ko-KR" sz="1200" dirty="0">
                 <a:solidFill>
                   <a:schemeClr val="tx1">
                     <a:lumMod val="75000"/>
@@ -17521,7 +17938,7 @@
               <a:t>, </a:t>
             </a:r>
             <a:r>
-              <a:rPr lang="ko-KR" altLang="en-US" sz="1200" dirty="0" smtClean="0">
+              <a:rPr lang="ko-KR" altLang="en-US" sz="1200" dirty="0">
                 <a:solidFill>
                   <a:schemeClr val="tx1">
                     <a:lumMod val="75000"/>
@@ -17532,7 +17949,7 @@
               <a:t>이를 </a:t>
             </a:r>
             <a:r>
-              <a:rPr lang="en-US" altLang="ko-KR" sz="1200" dirty="0" smtClean="0">
+              <a:rPr lang="en-US" altLang="ko-KR" sz="1200" dirty="0">
                 <a:solidFill>
                   <a:schemeClr val="tx1">
                     <a:lumMod val="75000"/>
@@ -17542,7 +17959,7 @@
               </a:rPr>
               <a:t>embedding</a:t>
             </a:r>
-            <a:endParaRPr lang="en-US" altLang="ko-KR" sz="1200" dirty="0" smtClean="0">
+            <a:endParaRPr lang="en-US" altLang="ko-KR" sz="1200" dirty="0">
               <a:solidFill>
                 <a:schemeClr val="tx1">
                   <a:lumMod val="75000"/>
@@ -17554,7 +17971,7 @@
           </a:p>
           <a:p>
             <a:pPr algn="l"/>
-            <a:endParaRPr lang="ko-KR" altLang="en-US" sz="1200" dirty="0" smtClean="0">
+            <a:endParaRPr lang="ko-KR" altLang="en-US" sz="1200" dirty="0">
               <a:solidFill>
                 <a:schemeClr val="tx1">
                   <a:lumMod val="75000"/>
@@ -17687,7 +18104,7 @@
           <a:p>
             <a:pPr algn="l"/>
             <a:r>
-              <a:rPr lang="ko-KR" altLang="en-US" sz="1200" dirty="0" smtClean="0">
+              <a:rPr lang="ko-KR" altLang="en-US" sz="1200" dirty="0">
                 <a:solidFill>
                   <a:schemeClr val="tx1">
                     <a:lumMod val="75000"/>
@@ -17697,7 +18114,7 @@
               </a:rPr>
               <a:t>엉뚱한 답변</a:t>
             </a:r>
-            <a:endParaRPr lang="en-US" altLang="ko-KR" sz="1200" dirty="0" smtClean="0">
+            <a:endParaRPr lang="en-US" altLang="ko-KR" sz="1200" dirty="0">
               <a:solidFill>
                 <a:schemeClr val="tx1">
                   <a:lumMod val="75000"/>
@@ -17730,7 +18147,7 @@
           </a:p>
           <a:p>
             <a:pPr algn="l"/>
-            <a:endParaRPr lang="ko-KR" altLang="en-US" sz="1200" dirty="0" smtClean="0">
+            <a:endParaRPr lang="ko-KR" altLang="en-US" sz="1200" dirty="0">
               <a:solidFill>
                 <a:schemeClr val="tx1">
                   <a:lumMod val="75000"/>
@@ -17790,7 +18207,7 @@
           <a:p>
             <a:pPr algn="l"/>
             <a:r>
-              <a:rPr lang="ko-KR" altLang="en-US" sz="1200" dirty="0" smtClean="0">
+              <a:rPr lang="ko-KR" altLang="en-US" sz="1200" dirty="0">
                 <a:solidFill>
                   <a:schemeClr val="tx1">
                     <a:lumMod val="75000"/>
@@ -17901,7 +18318,7 @@
           </a:p>
           <a:p>
             <a:pPr algn="l"/>
-            <a:endParaRPr lang="ko-KR" altLang="en-US" sz="1200" dirty="0" smtClean="0">
+            <a:endParaRPr lang="ko-KR" altLang="en-US" sz="1200" dirty="0">
               <a:solidFill>
                 <a:schemeClr val="tx1">
                   <a:lumMod val="75000"/>
@@ -18013,52 +18430,55 @@
       </p:sp>
       <p:pic>
         <p:nvPicPr>
-          <p:cNvPr id="4" name="그림 3"/>
-          <p:cNvPicPr/>
+          <p:cNvPr id="7" name="그림 6">
+            <a:extLst>
+              <a:ext uri="{FF2B5EF4-FFF2-40B4-BE49-F238E27FC236}">
+                <a16:creationId xmlns:a16="http://schemas.microsoft.com/office/drawing/2014/main" id="{E456E680-91E7-4B5E-BF8F-30234A8B6A52}"/>
+              </a:ext>
+            </a:extLst>
+          </p:cNvPr>
+          <p:cNvPicPr>
+            <a:picLocks noChangeAspect="1"/>
+          </p:cNvPicPr>
           <p:nvPr/>
         </p:nvPicPr>
         <p:blipFill>
-          <a:blip r:embed="rId2">
-            <a:extLst>
-              <a:ext uri="{28A0092B-C50C-407E-A947-70E740481C1C}">
-                <a14:useLocalDpi xmlns:a14="http://schemas.microsoft.com/office/drawing/2010/main" val="0"/>
-              </a:ext>
-            </a:extLst>
-          </a:blip>
-          <a:srcRect/>
+          <a:blip r:embed="rId2"/>
           <a:stretch>
             <a:fillRect/>
           </a:stretch>
         </p:blipFill>
-        <p:spPr bwMode="auto">
+        <p:spPr>
           <a:xfrm>
-            <a:off x="432000" y="1561342"/>
-            <a:ext cx="3455670" cy="956945"/>
+            <a:off x="236163" y="864000"/>
+            <a:ext cx="9496425" cy="3524250"/>
+          </a:xfrm>
+          <a:prstGeom prst="rect">
+            <a:avLst/>
+          </a:prstGeom>
+        </p:spPr>
+      </p:pic>
+      <p:sp>
+        <p:nvSpPr>
+          <p:cNvPr id="8" name="TextBox 7">
+            <a:extLst>
+              <a:ext uri="{FF2B5EF4-FFF2-40B4-BE49-F238E27FC236}">
+                <a16:creationId xmlns:a16="http://schemas.microsoft.com/office/drawing/2014/main" id="{34754495-4A0A-4E89-8051-CDA084ADA917}"/>
+              </a:ext>
+            </a:extLst>
+          </p:cNvPr>
+          <p:cNvSpPr txBox="1"/>
+          <p:nvPr/>
+        </p:nvSpPr>
+        <p:spPr>
+          <a:xfrm>
+            <a:off x="300902" y="4656157"/>
+            <a:ext cx="2460229" cy="328186"/>
           </a:xfrm>
           <a:prstGeom prst="rect">
             <a:avLst/>
           </a:prstGeom>
           <a:noFill/>
-          <a:ln>
-            <a:noFill/>
-          </a:ln>
-        </p:spPr>
-      </p:pic>
-      <p:sp>
-        <p:nvSpPr>
-          <p:cNvPr id="5" name="TextBox 4"/>
-          <p:cNvSpPr txBox="1"/>
-          <p:nvPr/>
-        </p:nvSpPr>
-        <p:spPr>
-          <a:xfrm>
-            <a:off x="622595" y="2751803"/>
-            <a:ext cx="10429461" cy="927652"/>
-          </a:xfrm>
-          <a:prstGeom prst="rect">
-            <a:avLst/>
-          </a:prstGeom>
-          <a:noFill/>
         </p:spPr>
         <p:txBody>
           <a:bodyPr wrap="square" lIns="0" tIns="0" rIns="0" bIns="0" rtlCol="0">
@@ -18068,7 +18488,7 @@
           <a:p>
             <a:pPr algn="l"/>
             <a:r>
-              <a:rPr lang="en-US" altLang="ko-KR" sz="1200" dirty="0" smtClean="0">
+              <a:rPr lang="ko-KR" altLang="en-US" sz="1200" dirty="0">
                 <a:solidFill>
                   <a:schemeClr val="tx1">
                     <a:lumMod val="75000"/>
@@ -18076,31 +18496,13 @@
                   </a:schemeClr>
                 </a:solidFill>
               </a:rPr>
-              <a:t>File </a:t>
-            </a:r>
-            <a:r>
-              <a:rPr lang="ko-KR" altLang="en-US" sz="1200" dirty="0" smtClean="0">
-                <a:solidFill>
-                  <a:schemeClr val="tx1">
-                    <a:lumMod val="75000"/>
-                    <a:lumOff val="25000"/>
-                  </a:schemeClr>
-                </a:solidFill>
-              </a:rPr>
-              <a:t>내 캡쳐 이미지 추출</a:t>
-            </a:r>
-            <a:endParaRPr lang="en-US" altLang="ko-KR" sz="1200" dirty="0" smtClean="0">
-              <a:solidFill>
-                <a:schemeClr val="tx1">
-                  <a:lumMod val="75000"/>
-                  <a:lumOff val="25000"/>
-                </a:schemeClr>
-              </a:solidFill>
-            </a:endParaRPr>
+              <a:t>의미 없는 답변을 반복 생성</a:t>
+            </a:r>
+            <a:endParaRPr lang="en-US" altLang="ko-KR" dirty="0"/>
           </a:p>
           <a:p>
             <a:pPr algn="l"/>
-            <a:endParaRPr lang="en-US" altLang="ko-KR" sz="1200" dirty="0">
+            <a:endParaRPr lang="ko-KR" altLang="en-US" sz="1200" dirty="0">
               <a:solidFill>
                 <a:schemeClr val="tx1">
                   <a:lumMod val="75000"/>
@@ -18110,9 +18512,123 @@
               <a:latin typeface="+mn-lt"/>
             </a:endParaRPr>
           </a:p>
+        </p:txBody>
+      </p:sp>
+      <p:pic>
+        <p:nvPicPr>
+          <p:cNvPr id="10" name="그림 9">
+            <a:extLst>
+              <a:ext uri="{FF2B5EF4-FFF2-40B4-BE49-F238E27FC236}">
+                <a16:creationId xmlns:a16="http://schemas.microsoft.com/office/drawing/2014/main" id="{A13DEA67-09F3-412B-9209-D77F97E12306}"/>
+              </a:ext>
+            </a:extLst>
+          </p:cNvPr>
+          <p:cNvPicPr>
+            <a:picLocks noChangeAspect="1"/>
+          </p:cNvPicPr>
+          <p:nvPr/>
+        </p:nvPicPr>
+        <p:blipFill>
+          <a:blip r:embed="rId3"/>
+          <a:stretch>
+            <a:fillRect/>
+          </a:stretch>
+        </p:blipFill>
+        <p:spPr>
+          <a:xfrm>
+            <a:off x="2761131" y="2626125"/>
+            <a:ext cx="8839200" cy="3390900"/>
+          </a:xfrm>
+          <a:prstGeom prst="rect">
+            <a:avLst/>
+          </a:prstGeom>
+        </p:spPr>
+      </p:pic>
+      <p:sp>
+        <p:nvSpPr>
+          <p:cNvPr id="11" name="TextBox 10">
+            <a:extLst>
+              <a:ext uri="{FF2B5EF4-FFF2-40B4-BE49-F238E27FC236}">
+                <a16:creationId xmlns:a16="http://schemas.microsoft.com/office/drawing/2014/main" id="{A099E1BA-9711-48C0-B45C-BC79520855AB}"/>
+              </a:ext>
+            </a:extLst>
+          </p:cNvPr>
+          <p:cNvSpPr txBox="1"/>
+          <p:nvPr/>
+        </p:nvSpPr>
+        <p:spPr>
+          <a:xfrm>
+            <a:off x="5518360" y="6043004"/>
+            <a:ext cx="2460229" cy="328186"/>
+          </a:xfrm>
+          <a:prstGeom prst="rect">
+            <a:avLst/>
+          </a:prstGeom>
+          <a:noFill/>
+        </p:spPr>
+        <p:txBody>
+          <a:bodyPr wrap="square" lIns="0" tIns="0" rIns="0" bIns="0" rtlCol="0">
+            <a:noAutofit/>
+          </a:bodyPr>
+          <a:lstStyle/>
           <a:p>
             <a:pPr algn="l"/>
-            <a:endParaRPr lang="ko-KR" altLang="en-US" sz="1200" dirty="0" smtClean="0">
+            <a:r>
+              <a:rPr lang="en-US" altLang="ko-KR" sz="1200" dirty="0">
+                <a:solidFill>
+                  <a:schemeClr val="tx1">
+                    <a:lumMod val="75000"/>
+                    <a:lumOff val="25000"/>
+                  </a:schemeClr>
+                </a:solidFill>
+              </a:rPr>
+              <a:t>Model</a:t>
+            </a:r>
+            <a:r>
+              <a:rPr lang="ko-KR" altLang="en-US" sz="1200" dirty="0">
+                <a:solidFill>
+                  <a:schemeClr val="tx1">
+                    <a:lumMod val="75000"/>
+                    <a:lumOff val="25000"/>
+                  </a:schemeClr>
+                </a:solidFill>
+              </a:rPr>
+              <a:t> 변경과</a:t>
+            </a:r>
+            <a:r>
+              <a:rPr lang="en-US" altLang="ko-KR" sz="1200" dirty="0">
+                <a:solidFill>
+                  <a:schemeClr val="tx1">
+                    <a:lumMod val="75000"/>
+                    <a:lumOff val="25000"/>
+                  </a:schemeClr>
+                </a:solidFill>
+              </a:rPr>
+              <a:t>, prompt </a:t>
+            </a:r>
+            <a:r>
+              <a:rPr lang="ko-KR" altLang="en-US" sz="1200" dirty="0">
+                <a:solidFill>
+                  <a:schemeClr val="tx1">
+                    <a:lumMod val="75000"/>
+                    <a:lumOff val="25000"/>
+                  </a:schemeClr>
+                </a:solidFill>
+              </a:rPr>
+              <a:t>변경 해도 개선이 없음</a:t>
+            </a:r>
+            <a:r>
+              <a:rPr lang="en-US" altLang="ko-KR" sz="1200" dirty="0">
+                <a:solidFill>
+                  <a:schemeClr val="tx1">
+                    <a:lumMod val="75000"/>
+                    <a:lumOff val="25000"/>
+                  </a:schemeClr>
+                </a:solidFill>
+              </a:rPr>
+              <a:t>. </a:t>
+            </a:r>
+            <a:endParaRPr lang="ko-KR" altLang="en-US" sz="1200" dirty="0">
               <a:solidFill>
                 <a:schemeClr val="tx1">
                   <a:lumMod val="75000"/>
@@ -18154,43 +18670,464 @@
           <a:chExt cx="0" cy="0"/>
         </a:xfrm>
       </p:grpSpPr>
+      <p:sp>
+        <p:nvSpPr>
+          <p:cNvPr id="2" name="제목 1">
+            <a:extLst>
+              <a:ext uri="{FF2B5EF4-FFF2-40B4-BE49-F238E27FC236}">
+                <a16:creationId xmlns:a16="http://schemas.microsoft.com/office/drawing/2014/main" id="{366A866F-395E-47DA-B715-C43305D59A3C}"/>
+              </a:ext>
+            </a:extLst>
+          </p:cNvPr>
+          <p:cNvSpPr>
+            <a:spLocks noGrp="1"/>
+          </p:cNvSpPr>
+          <p:nvPr>
+            <p:ph type="title"/>
+          </p:nvPr>
+        </p:nvSpPr>
+        <p:spPr/>
+        <p:txBody>
+          <a:bodyPr/>
+          <a:lstStyle/>
+          <a:p>
+            <a:endParaRPr lang="ko-KR" altLang="en-US"/>
+          </a:p>
+        </p:txBody>
+      </p:sp>
+      <p:sp>
+        <p:nvSpPr>
+          <p:cNvPr id="3" name="슬라이드 번호 개체 틀 2">
+            <a:extLst>
+              <a:ext uri="{FF2B5EF4-FFF2-40B4-BE49-F238E27FC236}">
+                <a16:creationId xmlns:a16="http://schemas.microsoft.com/office/drawing/2014/main" id="{CE807BD8-40DD-4C99-AE4D-10BF2780EB69}"/>
+              </a:ext>
+            </a:extLst>
+          </p:cNvPr>
+          <p:cNvSpPr>
+            <a:spLocks noGrp="1"/>
+          </p:cNvSpPr>
+          <p:nvPr>
+            <p:ph type="sldNum" sz="quarter" idx="11"/>
+          </p:nvPr>
+        </p:nvSpPr>
+        <p:spPr/>
+        <p:txBody>
+          <a:bodyPr/>
+          <a:lstStyle/>
+          <a:p>
+            <a:pPr rtl="0"/>
+            <a:fld id="{19B51A1E-902D-48AF-9020-955120F399B6}" type="slidenum">
+              <a:rPr lang="en-ZA" altLang="ko-KR" noProof="0" smtClean="0"/>
+              <a:pPr rtl="0"/>
+              <a:t>5</a:t>
+            </a:fld>
+            <a:endParaRPr lang="ko-KR" altLang="en-US" noProof="0" dirty="0"/>
+          </a:p>
+        </p:txBody>
+      </p:sp>
       <p:pic>
         <p:nvPicPr>
-          <p:cNvPr id="19" name="그림 개체 틀 18" descr="자연 풍경 그림&#10;&#10;높은 신뢰도로 생성된 설명">
-            <a:extLst>
-              <a:ext uri="{FF2B5EF4-FFF2-40B4-BE49-F238E27FC236}">
-                <a16:creationId xmlns:a16="http://schemas.microsoft.com/office/drawing/2014/main" id="{7DD607C7-7CF7-4A0F-BFF7-6F3C46205E68}"/>
+          <p:cNvPr id="5" name="그림 4">
+            <a:extLst>
+              <a:ext uri="{FF2B5EF4-FFF2-40B4-BE49-F238E27FC236}">
+                <a16:creationId xmlns:a16="http://schemas.microsoft.com/office/drawing/2014/main" id="{DB13B996-4612-48B2-9AAC-81DF4B9E8E17}"/>
               </a:ext>
             </a:extLst>
           </p:cNvPr>
           <p:cNvPicPr>
-            <a:picLocks noGrp="1" noChangeAspect="1"/>
+            <a:picLocks noChangeAspect="1"/>
           </p:cNvPicPr>
-          <p:nvPr>
-            <p:ph type="pic" sz="quarter" idx="12"/>
-          </p:nvPr>
+          <p:nvPr/>
         </p:nvPicPr>
         <p:blipFill>
-          <a:blip r:embed="rId3" cstate="screen">
-            <a:extLst>
-              <a:ext uri="{28A0092B-C50C-407E-A947-70E740481C1C}">
-                <a14:useLocalDpi xmlns:a14="http://schemas.microsoft.com/office/drawing/2010/main"/>
-              </a:ext>
-            </a:extLst>
-          </a:blip>
-          <a:srcRect l="11" r="11"/>
+          <a:blip r:embed="rId2"/>
           <a:stretch>
             <a:fillRect/>
           </a:stretch>
         </p:blipFill>
-        <p:spPr/>
+        <p:spPr>
+          <a:xfrm>
+            <a:off x="645178" y="1932734"/>
+            <a:ext cx="3209925" cy="733425"/>
+          </a:xfrm>
+          <a:prstGeom prst="rect">
+            <a:avLst/>
+          </a:prstGeom>
+        </p:spPr>
       </p:pic>
       <p:sp>
         <p:nvSpPr>
-          <p:cNvPr id="3" name="제목 2">
-            <a:extLst>
-              <a:ext uri="{FF2B5EF4-FFF2-40B4-BE49-F238E27FC236}">
-                <a16:creationId xmlns:a16="http://schemas.microsoft.com/office/drawing/2014/main" id="{EBDC24D3-EEF0-4B69-A174-E4DFF7884894}"/>
+          <p:cNvPr id="6" name="TextBox 5">
+            <a:extLst>
+              <a:ext uri="{FF2B5EF4-FFF2-40B4-BE49-F238E27FC236}">
+                <a16:creationId xmlns:a16="http://schemas.microsoft.com/office/drawing/2014/main" id="{758475B8-44AF-4897-A743-ACE0B0176D25}"/>
+              </a:ext>
+            </a:extLst>
+          </p:cNvPr>
+          <p:cNvSpPr txBox="1"/>
+          <p:nvPr/>
+        </p:nvSpPr>
+        <p:spPr>
+          <a:xfrm>
+            <a:off x="758102" y="2896392"/>
+            <a:ext cx="2460229" cy="328186"/>
+          </a:xfrm>
+          <a:prstGeom prst="rect">
+            <a:avLst/>
+          </a:prstGeom>
+          <a:noFill/>
+        </p:spPr>
+        <p:txBody>
+          <a:bodyPr wrap="square" lIns="0" tIns="0" rIns="0" bIns="0" rtlCol="0">
+            <a:noAutofit/>
+          </a:bodyPr>
+          <a:lstStyle/>
+          <a:p>
+            <a:pPr algn="l"/>
+            <a:r>
+              <a:rPr lang="en-US" altLang="ko-KR" sz="1200" dirty="0" err="1">
+                <a:solidFill>
+                  <a:schemeClr val="tx1">
+                    <a:lumMod val="75000"/>
+                    <a:lumOff val="25000"/>
+                  </a:schemeClr>
+                </a:solidFill>
+                <a:latin typeface="+mn-lt"/>
+              </a:rPr>
+              <a:t>Repetiion</a:t>
+            </a:r>
+            <a:r>
+              <a:rPr lang="ko-KR" altLang="en-US" sz="1200" dirty="0">
+                <a:solidFill>
+                  <a:schemeClr val="tx1">
+                    <a:lumMod val="75000"/>
+                    <a:lumOff val="25000"/>
+                  </a:schemeClr>
+                </a:solidFill>
+                <a:latin typeface="+mn-lt"/>
+              </a:rPr>
+              <a:t> </a:t>
+            </a:r>
+            <a:r>
+              <a:rPr lang="en-US" altLang="ko-KR" sz="1200" dirty="0">
+                <a:solidFill>
+                  <a:schemeClr val="tx1">
+                    <a:lumMod val="75000"/>
+                    <a:lumOff val="25000"/>
+                  </a:schemeClr>
+                </a:solidFill>
+              </a:rPr>
+              <a:t>_</a:t>
+            </a:r>
+            <a:r>
+              <a:rPr lang="en-US" altLang="ko-KR" sz="1200" dirty="0" err="1">
+                <a:solidFill>
+                  <a:schemeClr val="tx1">
+                    <a:lumMod val="75000"/>
+                    <a:lumOff val="25000"/>
+                  </a:schemeClr>
+                </a:solidFill>
+              </a:rPr>
+              <a:t>penaly</a:t>
+            </a:r>
+            <a:r>
+              <a:rPr lang="en-US" altLang="ko-KR" sz="1200" dirty="0">
+                <a:solidFill>
+                  <a:schemeClr val="tx1">
+                    <a:lumMod val="75000"/>
+                    <a:lumOff val="25000"/>
+                  </a:schemeClr>
+                </a:solidFill>
+              </a:rPr>
+              <a:t> </a:t>
+            </a:r>
+            <a:r>
+              <a:rPr lang="ko-KR" altLang="en-US" sz="1200" dirty="0">
+                <a:solidFill>
+                  <a:schemeClr val="tx1">
+                    <a:lumMod val="75000"/>
+                    <a:lumOff val="25000"/>
+                  </a:schemeClr>
+                </a:solidFill>
+              </a:rPr>
+              <a:t>부여로 개선 확인</a:t>
+            </a:r>
+            <a:endParaRPr lang="ko-KR" altLang="en-US" sz="1200" dirty="0">
+              <a:solidFill>
+                <a:schemeClr val="tx1">
+                  <a:lumMod val="75000"/>
+                  <a:lumOff val="25000"/>
+                </a:schemeClr>
+              </a:solidFill>
+              <a:latin typeface="+mn-lt"/>
+            </a:endParaRPr>
+          </a:p>
+        </p:txBody>
+      </p:sp>
+      <p:pic>
+        <p:nvPicPr>
+          <p:cNvPr id="8" name="그림 7">
+            <a:extLst>
+              <a:ext uri="{FF2B5EF4-FFF2-40B4-BE49-F238E27FC236}">
+                <a16:creationId xmlns:a16="http://schemas.microsoft.com/office/drawing/2014/main" id="{98D80F32-E192-42C3-BAA3-5DFA28E914C5}"/>
+              </a:ext>
+            </a:extLst>
+          </p:cNvPr>
+          <p:cNvPicPr>
+            <a:picLocks noChangeAspect="1"/>
+          </p:cNvPicPr>
+          <p:nvPr/>
+        </p:nvPicPr>
+        <p:blipFill>
+          <a:blip r:embed="rId3"/>
+          <a:stretch>
+            <a:fillRect/>
+          </a:stretch>
+        </p:blipFill>
+        <p:spPr>
+          <a:xfrm>
+            <a:off x="2461932" y="3224578"/>
+            <a:ext cx="9563100" cy="2876550"/>
+          </a:xfrm>
+          <a:prstGeom prst="rect">
+            <a:avLst/>
+          </a:prstGeom>
+        </p:spPr>
+      </p:pic>
+      <p:sp>
+        <p:nvSpPr>
+          <p:cNvPr id="9" name="TextBox 8">
+            <a:extLst>
+              <a:ext uri="{FF2B5EF4-FFF2-40B4-BE49-F238E27FC236}">
+                <a16:creationId xmlns:a16="http://schemas.microsoft.com/office/drawing/2014/main" id="{F68503FB-D29D-4AB8-B361-8A6ED94CF53B}"/>
+              </a:ext>
+            </a:extLst>
+          </p:cNvPr>
+          <p:cNvSpPr txBox="1"/>
+          <p:nvPr/>
+        </p:nvSpPr>
+        <p:spPr>
+          <a:xfrm>
+            <a:off x="4675678" y="6299345"/>
+            <a:ext cx="4387640" cy="328186"/>
+          </a:xfrm>
+          <a:prstGeom prst="rect">
+            <a:avLst/>
+          </a:prstGeom>
+          <a:noFill/>
+        </p:spPr>
+        <p:txBody>
+          <a:bodyPr wrap="square" lIns="0" tIns="0" rIns="0" bIns="0" rtlCol="0">
+            <a:noAutofit/>
+          </a:bodyPr>
+          <a:lstStyle/>
+          <a:p>
+            <a:pPr algn="l"/>
+            <a:r>
+              <a:rPr lang="ko-KR" altLang="en-US" sz="1200" dirty="0">
+                <a:solidFill>
+                  <a:schemeClr val="tx1">
+                    <a:lumMod val="75000"/>
+                    <a:lumOff val="25000"/>
+                  </a:schemeClr>
+                </a:solidFill>
+                <a:latin typeface="+mn-lt"/>
+              </a:rPr>
+              <a:t>하지만 여전히 중복된 표현이 존재</a:t>
+            </a:r>
+            <a:endParaRPr lang="en-US" altLang="ko-KR" sz="1200" dirty="0">
+              <a:solidFill>
+                <a:schemeClr val="tx1">
+                  <a:lumMod val="75000"/>
+                  <a:lumOff val="25000"/>
+                </a:schemeClr>
+              </a:solidFill>
+              <a:latin typeface="+mn-lt"/>
+            </a:endParaRPr>
+          </a:p>
+          <a:p>
+            <a:pPr algn="l"/>
+            <a:r>
+              <a:rPr lang="en-US" altLang="ko-KR" sz="1200" dirty="0">
+                <a:solidFill>
+                  <a:schemeClr val="tx1">
+                    <a:lumMod val="75000"/>
+                    <a:lumOff val="25000"/>
+                  </a:schemeClr>
+                </a:solidFill>
+              </a:rPr>
+              <a:t>-&gt; 7B model </a:t>
+            </a:r>
+            <a:r>
+              <a:rPr lang="ko-KR" altLang="en-US" sz="1200" dirty="0">
+                <a:solidFill>
+                  <a:schemeClr val="tx1">
+                    <a:lumMod val="75000"/>
+                    <a:lumOff val="25000"/>
+                  </a:schemeClr>
+                </a:solidFill>
+              </a:rPr>
+              <a:t>은 </a:t>
+            </a:r>
+            <a:r>
+              <a:rPr lang="en-US" altLang="ko-KR" sz="1200" dirty="0">
+                <a:solidFill>
+                  <a:schemeClr val="tx1">
+                    <a:lumMod val="75000"/>
+                    <a:lumOff val="25000"/>
+                  </a:schemeClr>
+                </a:solidFill>
+              </a:rPr>
+              <a:t>kernel crash </a:t>
+            </a:r>
+            <a:r>
+              <a:rPr lang="ko-KR" altLang="en-US" sz="1200" dirty="0">
+                <a:solidFill>
+                  <a:schemeClr val="tx1">
+                    <a:lumMod val="75000"/>
+                    <a:lumOff val="25000"/>
+                  </a:schemeClr>
+                </a:solidFill>
+              </a:rPr>
+              <a:t>유발 </a:t>
+            </a:r>
+            <a:r>
+              <a:rPr lang="en-US" altLang="ko-KR" sz="1200" dirty="0">
+                <a:solidFill>
+                  <a:schemeClr val="tx1">
+                    <a:lumMod val="75000"/>
+                    <a:lumOff val="25000"/>
+                  </a:schemeClr>
+                </a:solidFill>
+              </a:rPr>
+              <a:t>-&gt; 4bit </a:t>
+            </a:r>
+            <a:r>
+              <a:rPr lang="en-US" altLang="ko-KR" sz="1200" dirty="0" err="1">
+                <a:solidFill>
+                  <a:schemeClr val="tx1">
+                    <a:lumMod val="75000"/>
+                    <a:lumOff val="25000"/>
+                  </a:schemeClr>
+                </a:solidFill>
+              </a:rPr>
+              <a:t>quatization</a:t>
+            </a:r>
+            <a:r>
+              <a:rPr lang="en-US" altLang="ko-KR" sz="1200" dirty="0">
+                <a:solidFill>
+                  <a:schemeClr val="tx1">
+                    <a:lumMod val="75000"/>
+                    <a:lumOff val="25000"/>
+                  </a:schemeClr>
+                </a:solidFill>
+              </a:rPr>
+              <a:t> </a:t>
+            </a:r>
+            <a:r>
+              <a:rPr lang="ko-KR" altLang="en-US" sz="1200" dirty="0">
+                <a:solidFill>
+                  <a:schemeClr val="tx1">
+                    <a:lumMod val="75000"/>
+                    <a:lumOff val="25000"/>
+                  </a:schemeClr>
+                </a:solidFill>
+              </a:rPr>
+              <a:t>방법 사용  </a:t>
+            </a:r>
+            <a:r>
+              <a:rPr lang="en-US" altLang="ko-KR" sz="1200" dirty="0">
+                <a:solidFill>
+                  <a:schemeClr val="tx1">
+                    <a:lumMod val="75000"/>
+                    <a:lumOff val="25000"/>
+                  </a:schemeClr>
+                </a:solidFill>
+              </a:rPr>
+              <a:t>-&gt; </a:t>
+            </a:r>
+            <a:r>
+              <a:rPr lang="ko-KR" altLang="en-US" sz="1200" dirty="0">
+                <a:solidFill>
+                  <a:schemeClr val="tx1">
+                    <a:lumMod val="75000"/>
+                    <a:lumOff val="25000"/>
+                  </a:schemeClr>
+                </a:solidFill>
+              </a:rPr>
+              <a:t>적합한 모델 검색</a:t>
+            </a:r>
+            <a:r>
+              <a:rPr lang="en-US" altLang="ko-KR" sz="1200" dirty="0">
+                <a:solidFill>
+                  <a:schemeClr val="tx1">
+                    <a:lumMod val="75000"/>
+                    <a:lumOff val="25000"/>
+                  </a:schemeClr>
+                </a:solidFill>
+              </a:rPr>
+              <a:t>/download</a:t>
+            </a:r>
+            <a:r>
+              <a:rPr lang="ko-KR" altLang="en-US" sz="1200" dirty="0">
+                <a:solidFill>
+                  <a:schemeClr val="tx1">
+                    <a:lumMod val="75000"/>
+                    <a:lumOff val="25000"/>
+                  </a:schemeClr>
+                </a:solidFill>
+              </a:rPr>
+              <a:t>에 많은 시간 소모</a:t>
+            </a:r>
+            <a:endParaRPr lang="ko-KR" altLang="en-US" sz="1200" dirty="0">
+              <a:solidFill>
+                <a:schemeClr val="tx1">
+                  <a:lumMod val="75000"/>
+                  <a:lumOff val="25000"/>
+                </a:schemeClr>
+              </a:solidFill>
+              <a:latin typeface="+mn-lt"/>
+            </a:endParaRPr>
+          </a:p>
+        </p:txBody>
+      </p:sp>
+    </p:spTree>
+    <p:extLst>
+      <p:ext uri="{BB962C8B-B14F-4D97-AF65-F5344CB8AC3E}">
+        <p14:creationId xmlns:p14="http://schemas.microsoft.com/office/powerpoint/2010/main" val="3982167595"/>
+      </p:ext>
+    </p:extLst>
+  </p:cSld>
+  <p:clrMapOvr>
+    <a:masterClrMapping/>
+  </p:clrMapOvr>
+</p:sld>
+</file>
+
+<file path=ppt/slides/slide6.xml><?xml version="1.0" encoding="utf-8"?>
+<p:sld xmlns:a="http://schemas.openxmlformats.org/drawingml/2006/main" xmlns:r="http://schemas.openxmlformats.org/officeDocument/2006/relationships" xmlns:p="http://schemas.openxmlformats.org/presentationml/2006/main">
+  <p:cSld>
+    <p:spTree>
+      <p:nvGrpSpPr>
+        <p:cNvPr id="1" name=""/>
+        <p:cNvGrpSpPr/>
+        <p:nvPr/>
+      </p:nvGrpSpPr>
+      <p:grpSpPr>
+        <a:xfrm>
+          <a:off x="0" y="0"/>
+          <a:ext cx="0" cy="0"/>
+          <a:chOff x="0" y="0"/>
+          <a:chExt cx="0" cy="0"/>
+        </a:xfrm>
+      </p:grpSpPr>
+      <p:sp>
+        <p:nvSpPr>
+          <p:cNvPr id="2" name="제목 1">
+            <a:extLst>
+              <a:ext uri="{FF2B5EF4-FFF2-40B4-BE49-F238E27FC236}">
+                <a16:creationId xmlns:a16="http://schemas.microsoft.com/office/drawing/2014/main" id="{18D81F6F-B418-4FE3-AD24-8255F8ED8339}"/>
               </a:ext>
             </a:extLst>
           </p:cNvPr>
@@ -18198,83 +19135,1274 @@
             <a:spLocks noGrp="1"/>
           </p:cNvSpPr>
           <p:nvPr>
-            <p:ph type="ctrTitle"/>
+            <p:ph type="title"/>
           </p:nvPr>
         </p:nvSpPr>
         <p:spPr/>
         <p:txBody>
-          <a:bodyPr rtlCol="0"/>
+          <a:bodyPr/>
           <a:lstStyle/>
           <a:p>
+            <a:endParaRPr lang="ko-KR" altLang="en-US"/>
+          </a:p>
+        </p:txBody>
+      </p:sp>
+      <p:sp>
+        <p:nvSpPr>
+          <p:cNvPr id="3" name="슬라이드 번호 개체 틀 2">
+            <a:extLst>
+              <a:ext uri="{FF2B5EF4-FFF2-40B4-BE49-F238E27FC236}">
+                <a16:creationId xmlns:a16="http://schemas.microsoft.com/office/drawing/2014/main" id="{FBE3FE46-08CE-4258-B7FA-0127A097F18B}"/>
+              </a:ext>
+            </a:extLst>
+          </p:cNvPr>
+          <p:cNvSpPr>
+            <a:spLocks noGrp="1"/>
+          </p:cNvSpPr>
+          <p:nvPr>
+            <p:ph type="sldNum" sz="quarter" idx="11"/>
+          </p:nvPr>
+        </p:nvSpPr>
+        <p:spPr/>
+        <p:txBody>
+          <a:bodyPr/>
+          <a:lstStyle/>
+          <a:p>
             <a:pPr rtl="0"/>
-            <a:r>
-              <a:rPr lang="ko-KR" altLang="en-US" dirty="0" smtClean="0"/>
-              <a:t>감사합니다</a:t>
-            </a:r>
-            <a:r>
-              <a:rPr lang="en-US" altLang="ko-KR" dirty="0" smtClean="0"/>
-              <a:t>!</a:t>
-            </a:r>
-            <a:endParaRPr lang="en-US" altLang="ko-KR" dirty="0"/>
-          </a:p>
-        </p:txBody>
-      </p:sp>
-      <p:cxnSp>
-        <p:nvCxnSpPr>
-          <p:cNvPr id="5" name="직선 연결선(S) 4" descr="구분선">
-            <a:extLst>
-              <a:ext uri="{FF2B5EF4-FFF2-40B4-BE49-F238E27FC236}">
-                <a16:creationId xmlns:a16="http://schemas.microsoft.com/office/drawing/2014/main" id="{FE07C9EC-5158-440C-995A-EAC50D3E05DA}"/>
-              </a:ext>
-              <a:ext uri="{C183D7F6-B498-43B3-948B-1728B52AA6E4}">
-                <adec:decorative xmlns="" xmlns:adec="http://schemas.microsoft.com/office/drawing/2017/decorative" val="1"/>
-              </a:ext>
-            </a:extLst>
-          </p:cNvPr>
-          <p:cNvCxnSpPr>
-            <a:cxnSpLocks/>
-          </p:cNvCxnSpPr>
+            <a:fld id="{19B51A1E-902D-48AF-9020-955120F399B6}" type="slidenum">
+              <a:rPr lang="en-ZA" altLang="ko-KR" noProof="0" smtClean="0"/>
+              <a:pPr rtl="0"/>
+              <a:t>6</a:t>
+            </a:fld>
+            <a:endParaRPr lang="ko-KR" altLang="en-US" noProof="0" dirty="0"/>
+          </a:p>
+        </p:txBody>
+      </p:sp>
+      <p:pic>
+        <p:nvPicPr>
+          <p:cNvPr id="5" name="그림 4">
+            <a:extLst>
+              <a:ext uri="{FF2B5EF4-FFF2-40B4-BE49-F238E27FC236}">
+                <a16:creationId xmlns:a16="http://schemas.microsoft.com/office/drawing/2014/main" id="{0E03F736-14C5-485A-BF5C-A8B1D2D9E133}"/>
+              </a:ext>
+            </a:extLst>
+          </p:cNvPr>
+          <p:cNvPicPr>
+            <a:picLocks noChangeAspect="1"/>
+          </p:cNvPicPr>
           <p:nvPr/>
-        </p:nvCxnSpPr>
+        </p:nvPicPr>
+        <p:blipFill>
+          <a:blip r:embed="rId2"/>
+          <a:stretch>
+            <a:fillRect/>
+          </a:stretch>
+        </p:blipFill>
         <p:spPr>
           <a:xfrm>
-            <a:off x="7777113" y="2412127"/>
-            <a:ext cx="0" cy="1100190"/>
-          </a:xfrm>
-          <a:prstGeom prst="line">
+            <a:off x="3495675" y="3086100"/>
+            <a:ext cx="5200650" cy="685800"/>
+          </a:xfrm>
+          <a:prstGeom prst="rect">
             <a:avLst/>
           </a:prstGeom>
         </p:spPr>
-        <p:style>
-          <a:lnRef idx="1">
-            <a:schemeClr val="accent1"/>
-          </a:lnRef>
-          <a:fillRef idx="0">
-            <a:schemeClr val="accent1"/>
-          </a:fillRef>
-          <a:effectRef idx="0">
-            <a:schemeClr val="accent1"/>
-          </a:effectRef>
-          <a:fontRef idx="minor">
-            <a:schemeClr val="tx1"/>
-          </a:fontRef>
-        </p:style>
-      </p:cxnSp>
+      </p:pic>
+      <p:sp>
+        <p:nvSpPr>
+          <p:cNvPr id="6" name="TextBox 5">
+            <a:extLst>
+              <a:ext uri="{FF2B5EF4-FFF2-40B4-BE49-F238E27FC236}">
+                <a16:creationId xmlns:a16="http://schemas.microsoft.com/office/drawing/2014/main" id="{CF32BBDC-6214-4EBF-AE93-96E9241F8ECE}"/>
+              </a:ext>
+            </a:extLst>
+          </p:cNvPr>
+          <p:cNvSpPr txBox="1"/>
+          <p:nvPr/>
+        </p:nvSpPr>
+        <p:spPr>
+          <a:xfrm>
+            <a:off x="776032" y="2510910"/>
+            <a:ext cx="5875780" cy="328186"/>
+          </a:xfrm>
+          <a:prstGeom prst="rect">
+            <a:avLst/>
+          </a:prstGeom>
+          <a:noFill/>
+        </p:spPr>
+        <p:txBody>
+          <a:bodyPr wrap="square" lIns="0" tIns="0" rIns="0" bIns="0" rtlCol="0">
+            <a:noAutofit/>
+          </a:bodyPr>
+          <a:lstStyle/>
+          <a:p>
+            <a:pPr algn="l"/>
+            <a:r>
+              <a:rPr lang="en-US" altLang="ko-KR" sz="1200" dirty="0">
+                <a:solidFill>
+                  <a:schemeClr val="tx1">
+                    <a:lumMod val="75000"/>
+                    <a:lumOff val="25000"/>
+                  </a:schemeClr>
+                </a:solidFill>
+                <a:latin typeface="+mn-lt"/>
+              </a:rPr>
+              <a:t>Model</a:t>
+            </a:r>
+            <a:r>
+              <a:rPr lang="ko-KR" altLang="en-US" sz="1200" dirty="0">
+                <a:solidFill>
+                  <a:schemeClr val="tx1">
+                    <a:lumMod val="75000"/>
+                    <a:lumOff val="25000"/>
+                  </a:schemeClr>
+                </a:solidFill>
+                <a:latin typeface="+mn-lt"/>
+              </a:rPr>
+              <a:t> 변경 </a:t>
+            </a:r>
+            <a:r>
+              <a:rPr lang="en-US" altLang="ko-KR" sz="1200" dirty="0">
+                <a:solidFill>
+                  <a:schemeClr val="tx1">
+                    <a:lumMod val="75000"/>
+                    <a:lumOff val="25000"/>
+                  </a:schemeClr>
+                </a:solidFill>
+                <a:latin typeface="+mn-lt"/>
+              </a:rPr>
+              <a:t>(</a:t>
+            </a:r>
+            <a:r>
+              <a:rPr lang="en-US" altLang="ko-KR" sz="1200" dirty="0" err="1">
+                <a:solidFill>
+                  <a:schemeClr val="tx1">
+                    <a:lumMod val="75000"/>
+                    <a:lumOff val="25000"/>
+                  </a:schemeClr>
+                </a:solidFill>
+                <a:latin typeface="+mn-lt"/>
+              </a:rPr>
+              <a:t>gen_model_id</a:t>
+            </a:r>
+            <a:r>
+              <a:rPr lang="en-US" altLang="ko-KR" sz="1200" dirty="0">
+                <a:solidFill>
+                  <a:schemeClr val="tx1">
+                    <a:lumMod val="75000"/>
+                    <a:lumOff val="25000"/>
+                  </a:schemeClr>
+                </a:solidFill>
+                <a:latin typeface="+mn-lt"/>
+              </a:rPr>
+              <a:t> = "</a:t>
+            </a:r>
+            <a:r>
+              <a:rPr lang="en-US" altLang="ko-KR" sz="1200" dirty="0" err="1">
+                <a:solidFill>
+                  <a:schemeClr val="tx1">
+                    <a:lumMod val="75000"/>
+                    <a:lumOff val="25000"/>
+                  </a:schemeClr>
+                </a:solidFill>
+                <a:latin typeface="+mn-lt"/>
+              </a:rPr>
+              <a:t>mlabonne</a:t>
+            </a:r>
+            <a:r>
+              <a:rPr lang="en-US" altLang="ko-KR" sz="1200" dirty="0">
+                <a:solidFill>
+                  <a:schemeClr val="tx1">
+                    <a:lumMod val="75000"/>
+                    <a:lumOff val="25000"/>
+                  </a:schemeClr>
+                </a:solidFill>
+                <a:latin typeface="+mn-lt"/>
+              </a:rPr>
+              <a:t>/gemma-2b“) </a:t>
+            </a:r>
+            <a:r>
+              <a:rPr lang="ko-KR" altLang="en-US" sz="1200" dirty="0">
+                <a:solidFill>
+                  <a:schemeClr val="tx1">
+                    <a:lumMod val="75000"/>
+                    <a:lumOff val="25000"/>
+                  </a:schemeClr>
+                </a:solidFill>
+                <a:latin typeface="+mn-lt"/>
+              </a:rPr>
+              <a:t>으로</a:t>
+            </a:r>
+            <a:r>
+              <a:rPr lang="en-US" altLang="ko-KR" sz="1200" dirty="0">
+                <a:solidFill>
+                  <a:schemeClr val="tx1">
+                    <a:lumMod val="75000"/>
+                    <a:lumOff val="25000"/>
+                  </a:schemeClr>
+                </a:solidFill>
+                <a:latin typeface="+mn-lt"/>
+              </a:rPr>
+              <a:t> </a:t>
+            </a:r>
+            <a:r>
+              <a:rPr lang="ko-KR" altLang="en-US" sz="1200" dirty="0">
+                <a:solidFill>
+                  <a:schemeClr val="tx1">
+                    <a:lumMod val="75000"/>
+                    <a:lumOff val="25000"/>
+                  </a:schemeClr>
+                </a:solidFill>
+                <a:latin typeface="+mn-lt"/>
+              </a:rPr>
+              <a:t>자연어 처리 개선</a:t>
+            </a:r>
+          </a:p>
+        </p:txBody>
+      </p:sp>
       <p:pic>
         <p:nvPicPr>
-          <p:cNvPr id="29" name="그림 개체 틀 28">
-            <a:extLst>
-              <a:ext uri="{FF2B5EF4-FFF2-40B4-BE49-F238E27FC236}">
-                <a16:creationId xmlns:a16="http://schemas.microsoft.com/office/drawing/2014/main" id="{F7A1C9A3-D9CA-3245-A622-A160A2C4AC84}"/>
+          <p:cNvPr id="8" name="그림 7">
+            <a:extLst>
+              <a:ext uri="{FF2B5EF4-FFF2-40B4-BE49-F238E27FC236}">
+                <a16:creationId xmlns:a16="http://schemas.microsoft.com/office/drawing/2014/main" id="{E47A0BE9-9034-4F71-A70E-D2831F66BF49}"/>
               </a:ext>
             </a:extLst>
           </p:cNvPr>
           <p:cNvPicPr>
-            <a:picLocks noGrp="1" noChangeAspect="1"/>
+            <a:picLocks noChangeAspect="1"/>
           </p:cNvPicPr>
+          <p:nvPr/>
+        </p:nvPicPr>
+        <p:blipFill>
+          <a:blip r:embed="rId3"/>
+          <a:stretch>
+            <a:fillRect/>
+          </a:stretch>
+        </p:blipFill>
+        <p:spPr>
+          <a:xfrm>
+            <a:off x="152400" y="4259725"/>
+            <a:ext cx="12192000" cy="452561"/>
+          </a:xfrm>
+          <a:prstGeom prst="rect">
+            <a:avLst/>
+          </a:prstGeom>
+        </p:spPr>
+      </p:pic>
+    </p:spTree>
+    <p:extLst>
+      <p:ext uri="{BB962C8B-B14F-4D97-AF65-F5344CB8AC3E}">
+        <p14:creationId xmlns:p14="http://schemas.microsoft.com/office/powerpoint/2010/main" val="4058079450"/>
+      </p:ext>
+    </p:extLst>
+  </p:cSld>
+  <p:clrMapOvr>
+    <a:masterClrMapping/>
+  </p:clrMapOvr>
+</p:sld>
+</file>
+
+<file path=ppt/slides/slide7.xml><?xml version="1.0" encoding="utf-8"?>
+<p:sld xmlns:a="http://schemas.openxmlformats.org/drawingml/2006/main" xmlns:r="http://schemas.openxmlformats.org/officeDocument/2006/relationships" xmlns:p="http://schemas.openxmlformats.org/presentationml/2006/main">
+  <p:cSld>
+    <p:spTree>
+      <p:nvGrpSpPr>
+        <p:cNvPr id="1" name=""/>
+        <p:cNvGrpSpPr/>
+        <p:nvPr/>
+      </p:nvGrpSpPr>
+      <p:grpSpPr>
+        <a:xfrm>
+          <a:off x="0" y="0"/>
+          <a:ext cx="0" cy="0"/>
+          <a:chOff x="0" y="0"/>
+          <a:chExt cx="0" cy="0"/>
+        </a:xfrm>
+      </p:grpSpPr>
+      <p:sp>
+        <p:nvSpPr>
+          <p:cNvPr id="2" name="제목 1">
+            <a:extLst>
+              <a:ext uri="{FF2B5EF4-FFF2-40B4-BE49-F238E27FC236}">
+                <a16:creationId xmlns:a16="http://schemas.microsoft.com/office/drawing/2014/main" id="{F6AE7AF7-C471-4F75-854F-7A96E8243BEC}"/>
+              </a:ext>
+            </a:extLst>
+          </p:cNvPr>
+          <p:cNvSpPr>
+            <a:spLocks noGrp="1"/>
+          </p:cNvSpPr>
           <p:nvPr>
-            <p:ph type="pic" sz="quarter" idx="15"/>
+            <p:ph type="title"/>
           </p:nvPr>
+        </p:nvSpPr>
+        <p:spPr/>
+        <p:txBody>
+          <a:bodyPr/>
+          <a:lstStyle/>
+          <a:p>
+            <a:endParaRPr lang="ko-KR" altLang="en-US"/>
+          </a:p>
+        </p:txBody>
+      </p:sp>
+      <p:sp>
+        <p:nvSpPr>
+          <p:cNvPr id="3" name="슬라이드 번호 개체 틀 2">
+            <a:extLst>
+              <a:ext uri="{FF2B5EF4-FFF2-40B4-BE49-F238E27FC236}">
+                <a16:creationId xmlns:a16="http://schemas.microsoft.com/office/drawing/2014/main" id="{1A028ACE-4486-42D1-B5AB-8C3C3256147C}"/>
+              </a:ext>
+            </a:extLst>
+          </p:cNvPr>
+          <p:cNvSpPr>
+            <a:spLocks noGrp="1"/>
+          </p:cNvSpPr>
+          <p:nvPr>
+            <p:ph type="sldNum" sz="quarter" idx="11"/>
+          </p:nvPr>
+        </p:nvSpPr>
+        <p:spPr/>
+        <p:txBody>
+          <a:bodyPr/>
+          <a:lstStyle/>
+          <a:p>
+            <a:pPr rtl="0"/>
+            <a:fld id="{19B51A1E-902D-48AF-9020-955120F399B6}" type="slidenum">
+              <a:rPr lang="en-ZA" altLang="ko-KR" noProof="0" smtClean="0"/>
+              <a:pPr rtl="0"/>
+              <a:t>7</a:t>
+            </a:fld>
+            <a:endParaRPr lang="ko-KR" altLang="en-US" noProof="0" dirty="0"/>
+          </a:p>
+        </p:txBody>
+      </p:sp>
+      <p:sp>
+        <p:nvSpPr>
+          <p:cNvPr id="4" name="TextBox 3">
+            <a:extLst>
+              <a:ext uri="{FF2B5EF4-FFF2-40B4-BE49-F238E27FC236}">
+                <a16:creationId xmlns:a16="http://schemas.microsoft.com/office/drawing/2014/main" id="{D8AD52BF-5953-4C39-BDA8-57FA8154E877}"/>
+              </a:ext>
+            </a:extLst>
+          </p:cNvPr>
+          <p:cNvSpPr txBox="1"/>
+          <p:nvPr/>
+        </p:nvSpPr>
+        <p:spPr>
+          <a:xfrm>
+            <a:off x="432000" y="1506863"/>
+            <a:ext cx="5875780" cy="328186"/>
+          </a:xfrm>
+          <a:prstGeom prst="rect">
+            <a:avLst/>
+          </a:prstGeom>
+          <a:noFill/>
+        </p:spPr>
+        <p:txBody>
+          <a:bodyPr wrap="square" lIns="0" tIns="0" rIns="0" bIns="0" rtlCol="0">
+            <a:noAutofit/>
+          </a:bodyPr>
+          <a:lstStyle/>
+          <a:p>
+            <a:pPr algn="l"/>
+            <a:r>
+              <a:rPr lang="en-US" altLang="ko-KR" sz="1200" dirty="0" err="1">
+                <a:solidFill>
+                  <a:schemeClr val="tx1">
+                    <a:lumMod val="75000"/>
+                    <a:lumOff val="25000"/>
+                  </a:schemeClr>
+                </a:solidFill>
+              </a:rPr>
+              <a:t>Jupyter</a:t>
+            </a:r>
+            <a:r>
+              <a:rPr lang="en-US" altLang="ko-KR" sz="1200" dirty="0">
+                <a:solidFill>
+                  <a:schemeClr val="tx1">
+                    <a:lumMod val="75000"/>
+                    <a:lumOff val="25000"/>
+                  </a:schemeClr>
+                </a:solidFill>
+              </a:rPr>
+              <a:t> </a:t>
+            </a:r>
+            <a:r>
+              <a:rPr lang="ko-KR" altLang="en-US" sz="1200" dirty="0">
+                <a:solidFill>
+                  <a:schemeClr val="tx1">
+                    <a:lumMod val="75000"/>
+                    <a:lumOff val="25000"/>
+                  </a:schemeClr>
+                </a:solidFill>
+              </a:rPr>
+              <a:t>환경에서는 </a:t>
+            </a:r>
+            <a:r>
+              <a:rPr lang="en-US" altLang="ko-KR" sz="1200" dirty="0">
+                <a:solidFill>
+                  <a:schemeClr val="tx1">
+                    <a:lumMod val="75000"/>
+                    <a:lumOff val="25000"/>
+                  </a:schemeClr>
+                </a:solidFill>
+              </a:rPr>
+              <a:t>file load </a:t>
+            </a:r>
+            <a:r>
+              <a:rPr lang="ko-KR" altLang="en-US" sz="1200" dirty="0">
+                <a:solidFill>
+                  <a:schemeClr val="tx1">
+                    <a:lumMod val="75000"/>
+                    <a:lumOff val="25000"/>
+                  </a:schemeClr>
+                </a:solidFill>
+              </a:rPr>
+              <a:t>에 약 </a:t>
+            </a:r>
+            <a:r>
+              <a:rPr lang="en-US" altLang="ko-KR" sz="1200" dirty="0">
+                <a:solidFill>
+                  <a:schemeClr val="tx1">
+                    <a:lumMod val="75000"/>
+                    <a:lumOff val="25000"/>
+                  </a:schemeClr>
+                </a:solidFill>
+              </a:rPr>
+              <a:t>5</a:t>
+            </a:r>
+            <a:r>
+              <a:rPr lang="ko-KR" altLang="en-US" sz="1200" dirty="0">
+                <a:solidFill>
+                  <a:schemeClr val="tx1">
+                    <a:lumMod val="75000"/>
+                    <a:lumOff val="25000"/>
+                  </a:schemeClr>
+                </a:solidFill>
+              </a:rPr>
+              <a:t>초 소모되었으나</a:t>
+            </a:r>
+            <a:r>
+              <a:rPr lang="en-US" altLang="ko-KR" sz="1200" dirty="0">
+                <a:solidFill>
+                  <a:schemeClr val="tx1">
+                    <a:lumMod val="75000"/>
+                    <a:lumOff val="25000"/>
+                  </a:schemeClr>
+                </a:solidFill>
+              </a:rPr>
+              <a:t>, </a:t>
+            </a:r>
+            <a:r>
+              <a:rPr lang="en-US" altLang="ko-KR" sz="1200" dirty="0" err="1">
+                <a:solidFill>
+                  <a:schemeClr val="tx1">
+                    <a:lumMod val="75000"/>
+                    <a:lumOff val="25000"/>
+                  </a:schemeClr>
+                </a:solidFill>
+              </a:rPr>
+              <a:t>streamlit</a:t>
+            </a:r>
+            <a:r>
+              <a:rPr lang="ko-KR" altLang="en-US" sz="1200" dirty="0">
+                <a:solidFill>
+                  <a:schemeClr val="tx1">
+                    <a:lumMod val="75000"/>
+                    <a:lumOff val="25000"/>
+                  </a:schemeClr>
+                </a:solidFill>
+              </a:rPr>
+              <a:t>에서는 매우 오래 소모되어</a:t>
+            </a:r>
+            <a:r>
+              <a:rPr lang="en-US" altLang="ko-KR" sz="1200" dirty="0">
+                <a:solidFill>
+                  <a:schemeClr val="tx1">
+                    <a:lumMod val="75000"/>
+                    <a:lumOff val="25000"/>
+                  </a:schemeClr>
+                </a:solidFill>
+              </a:rPr>
+              <a:t>, </a:t>
+            </a:r>
+            <a:r>
+              <a:rPr lang="ko-KR" altLang="en-US" sz="1200" dirty="0">
+                <a:solidFill>
+                  <a:schemeClr val="tx1">
+                    <a:lumMod val="75000"/>
+                    <a:lumOff val="25000"/>
+                  </a:schemeClr>
+                </a:solidFill>
+              </a:rPr>
+              <a:t>진행 사항 표현하고자 함</a:t>
+            </a:r>
+            <a:r>
+              <a:rPr lang="en-US" altLang="ko-KR" sz="1200" dirty="0">
+                <a:solidFill>
+                  <a:schemeClr val="tx1">
+                    <a:lumMod val="75000"/>
+                    <a:lumOff val="25000"/>
+                  </a:schemeClr>
+                </a:solidFill>
+              </a:rPr>
+              <a:t>. (progress bar) </a:t>
+            </a:r>
+            <a:endParaRPr lang="ko-KR" altLang="en-US" sz="1200" dirty="0">
+              <a:solidFill>
+                <a:schemeClr val="tx1">
+                  <a:lumMod val="75000"/>
+                  <a:lumOff val="25000"/>
+                </a:schemeClr>
+              </a:solidFill>
+              <a:latin typeface="+mn-lt"/>
+            </a:endParaRPr>
+          </a:p>
+        </p:txBody>
+      </p:sp>
+      <p:sp>
+        <p:nvSpPr>
+          <p:cNvPr id="7" name="TextBox 6">
+            <a:extLst>
+              <a:ext uri="{FF2B5EF4-FFF2-40B4-BE49-F238E27FC236}">
+                <a16:creationId xmlns:a16="http://schemas.microsoft.com/office/drawing/2014/main" id="{470C52FF-8253-4B8E-BED9-46C2E602B179}"/>
+              </a:ext>
+            </a:extLst>
+          </p:cNvPr>
+          <p:cNvSpPr txBox="1"/>
+          <p:nvPr/>
+        </p:nvSpPr>
+        <p:spPr>
+          <a:xfrm>
+            <a:off x="7324164" y="2275973"/>
+            <a:ext cx="3532094" cy="328186"/>
+          </a:xfrm>
+          <a:prstGeom prst="rect">
+            <a:avLst/>
+          </a:prstGeom>
+          <a:noFill/>
+        </p:spPr>
+        <p:txBody>
+          <a:bodyPr wrap="square" lIns="0" tIns="0" rIns="0" bIns="0" rtlCol="0">
+            <a:noAutofit/>
+          </a:bodyPr>
+          <a:lstStyle/>
+          <a:p>
+            <a:pPr algn="l"/>
+            <a:r>
+              <a:rPr lang="en-US" altLang="ko-KR" sz="1200" dirty="0" err="1">
+                <a:solidFill>
+                  <a:schemeClr val="tx1">
+                    <a:lumMod val="75000"/>
+                    <a:lumOff val="25000"/>
+                  </a:schemeClr>
+                </a:solidFill>
+                <a:latin typeface="+mn-lt"/>
+              </a:rPr>
+              <a:t>Streamlit</a:t>
+            </a:r>
+            <a:r>
+              <a:rPr lang="ko-KR" altLang="en-US" sz="1200" dirty="0">
+                <a:solidFill>
+                  <a:schemeClr val="tx1">
+                    <a:lumMod val="75000"/>
+                    <a:lumOff val="25000"/>
+                  </a:schemeClr>
+                </a:solidFill>
+                <a:latin typeface="+mn-lt"/>
+              </a:rPr>
+              <a:t>이 </a:t>
+            </a:r>
+            <a:r>
+              <a:rPr lang="en-US" altLang="ko-KR" sz="1200" dirty="0">
+                <a:solidFill>
+                  <a:schemeClr val="tx1">
+                    <a:lumMod val="75000"/>
+                    <a:lumOff val="25000"/>
+                  </a:schemeClr>
+                </a:solidFill>
+                <a:latin typeface="+mn-lt"/>
+              </a:rPr>
+              <a:t>single thread </a:t>
+            </a:r>
+            <a:r>
+              <a:rPr lang="ko-KR" altLang="en-US" sz="1200" dirty="0">
+                <a:solidFill>
+                  <a:schemeClr val="tx1">
+                    <a:lumMod val="75000"/>
+                    <a:lumOff val="25000"/>
+                  </a:schemeClr>
+                </a:solidFill>
+              </a:rPr>
+              <a:t>동작하면서</a:t>
+            </a:r>
+            <a:r>
+              <a:rPr lang="en-US" altLang="ko-KR" sz="1200" dirty="0">
+                <a:solidFill>
+                  <a:schemeClr val="tx1">
+                    <a:lumMod val="75000"/>
+                    <a:lumOff val="25000"/>
+                  </a:schemeClr>
+                </a:solidFill>
+              </a:rPr>
+              <a:t>, </a:t>
+            </a:r>
+            <a:r>
+              <a:rPr lang="ko-KR" altLang="en-US" sz="1200" dirty="0">
+                <a:solidFill>
+                  <a:schemeClr val="tx1">
+                    <a:lumMod val="75000"/>
+                    <a:lumOff val="25000"/>
+                  </a:schemeClr>
+                </a:solidFill>
+              </a:rPr>
+              <a:t>뒤의 수행을 </a:t>
+            </a:r>
+            <a:r>
+              <a:rPr lang="en-US" altLang="ko-KR" sz="1200" dirty="0">
+                <a:solidFill>
+                  <a:schemeClr val="tx1">
+                    <a:lumMod val="75000"/>
+                    <a:lumOff val="25000"/>
+                  </a:schemeClr>
+                </a:solidFill>
+              </a:rPr>
+              <a:t>block</a:t>
+            </a:r>
+            <a:r>
+              <a:rPr lang="ko-KR" altLang="en-US" sz="1200" dirty="0">
+                <a:solidFill>
+                  <a:schemeClr val="tx1">
+                    <a:lumMod val="75000"/>
+                    <a:lumOff val="25000"/>
+                  </a:schemeClr>
+                </a:solidFill>
+              </a:rPr>
+              <a:t> 시킴 </a:t>
+            </a:r>
+            <a:endParaRPr lang="en-US" altLang="ko-KR" sz="1200" dirty="0">
+              <a:solidFill>
+                <a:schemeClr val="tx1">
+                  <a:lumMod val="75000"/>
+                  <a:lumOff val="25000"/>
+                </a:schemeClr>
+              </a:solidFill>
+            </a:endParaRPr>
+          </a:p>
+          <a:p>
+            <a:pPr algn="l"/>
+            <a:r>
+              <a:rPr lang="en-US" altLang="ko-KR" sz="1200" dirty="0">
+                <a:solidFill>
+                  <a:schemeClr val="tx1">
+                    <a:lumMod val="75000"/>
+                    <a:lumOff val="25000"/>
+                  </a:schemeClr>
+                </a:solidFill>
+                <a:latin typeface="+mn-lt"/>
+              </a:rPr>
+              <a:t>-&gt; </a:t>
+            </a:r>
+          </a:p>
+          <a:p>
+            <a:pPr algn="l"/>
+            <a:r>
+              <a:rPr lang="en-US" altLang="ko-KR" sz="1200" dirty="0">
+                <a:solidFill>
+                  <a:schemeClr val="tx1">
+                    <a:lumMod val="75000"/>
+                    <a:lumOff val="25000"/>
+                  </a:schemeClr>
+                </a:solidFill>
+                <a:latin typeface="+mn-lt"/>
+              </a:rPr>
+              <a:t>Progress</a:t>
+            </a:r>
+            <a:r>
+              <a:rPr lang="ko-KR" altLang="en-US" sz="1200" dirty="0">
+                <a:solidFill>
+                  <a:schemeClr val="tx1">
+                    <a:lumMod val="75000"/>
+                    <a:lumOff val="25000"/>
+                  </a:schemeClr>
+                </a:solidFill>
+                <a:latin typeface="+mn-lt"/>
+              </a:rPr>
+              <a:t> </a:t>
+            </a:r>
+            <a:r>
+              <a:rPr lang="en-US" altLang="ko-KR" sz="1200" dirty="0">
+                <a:solidFill>
+                  <a:schemeClr val="tx1">
+                    <a:lumMod val="75000"/>
+                    <a:lumOff val="25000"/>
+                  </a:schemeClr>
+                </a:solidFill>
+                <a:latin typeface="+mn-lt"/>
+              </a:rPr>
+              <a:t>bar</a:t>
+            </a:r>
+            <a:r>
+              <a:rPr lang="ko-KR" altLang="en-US" sz="1200" dirty="0">
+                <a:solidFill>
+                  <a:schemeClr val="tx1">
+                    <a:lumMod val="75000"/>
+                    <a:lumOff val="25000"/>
+                  </a:schemeClr>
+                </a:solidFill>
+                <a:latin typeface="+mn-lt"/>
+              </a:rPr>
+              <a:t>도 </a:t>
+            </a:r>
+            <a:r>
+              <a:rPr lang="en-US" altLang="ko-KR" sz="1200" dirty="0" err="1">
+                <a:solidFill>
+                  <a:schemeClr val="tx1">
+                    <a:lumMod val="75000"/>
+                    <a:lumOff val="25000"/>
+                  </a:schemeClr>
+                </a:solidFill>
+                <a:latin typeface="+mn-lt"/>
+              </a:rPr>
+              <a:t>loader.load</a:t>
+            </a:r>
+            <a:r>
+              <a:rPr lang="en-US" altLang="ko-KR" sz="1200" dirty="0">
+                <a:solidFill>
+                  <a:schemeClr val="tx1">
+                    <a:lumMod val="75000"/>
+                    <a:lumOff val="25000"/>
+                  </a:schemeClr>
+                </a:solidFill>
+                <a:latin typeface="+mn-lt"/>
+              </a:rPr>
+              <a:t>() </a:t>
+            </a:r>
+            <a:r>
+              <a:rPr lang="ko-KR" altLang="en-US" sz="1200" dirty="0">
+                <a:solidFill>
+                  <a:schemeClr val="tx1">
+                    <a:lumMod val="75000"/>
+                    <a:lumOff val="25000"/>
+                  </a:schemeClr>
+                </a:solidFill>
+                <a:latin typeface="+mn-lt"/>
+              </a:rPr>
+              <a:t>에 </a:t>
+            </a:r>
+            <a:r>
+              <a:rPr lang="en-US" altLang="ko-KR" sz="1200" dirty="0">
+                <a:solidFill>
+                  <a:schemeClr val="tx1">
+                    <a:lumMod val="75000"/>
+                    <a:lumOff val="25000"/>
+                  </a:schemeClr>
+                </a:solidFill>
+                <a:latin typeface="+mn-lt"/>
+              </a:rPr>
+              <a:t>block </a:t>
+            </a:r>
+            <a:r>
+              <a:rPr lang="ko-KR" altLang="en-US" sz="1200" dirty="0">
+                <a:solidFill>
+                  <a:schemeClr val="tx1">
+                    <a:lumMod val="75000"/>
+                    <a:lumOff val="25000"/>
+                  </a:schemeClr>
+                </a:solidFill>
+                <a:latin typeface="+mn-lt"/>
+              </a:rPr>
+              <a:t>되면서</a:t>
+            </a:r>
+            <a:r>
+              <a:rPr lang="en-US" altLang="ko-KR" sz="1200" dirty="0">
+                <a:solidFill>
+                  <a:schemeClr val="tx1">
+                    <a:lumMod val="75000"/>
+                    <a:lumOff val="25000"/>
+                  </a:schemeClr>
+                </a:solidFill>
+                <a:latin typeface="+mn-lt"/>
+              </a:rPr>
+              <a:t> </a:t>
+            </a:r>
+            <a:r>
+              <a:rPr lang="ko-KR" altLang="en-US" sz="1200" dirty="0">
+                <a:solidFill>
+                  <a:schemeClr val="tx1">
+                    <a:lumMod val="75000"/>
+                    <a:lumOff val="25000"/>
+                  </a:schemeClr>
+                </a:solidFill>
+                <a:latin typeface="+mn-lt"/>
+              </a:rPr>
+              <a:t>표시가 안됨</a:t>
+            </a:r>
+            <a:endParaRPr lang="en-US" altLang="ko-KR" sz="1200" dirty="0">
+              <a:solidFill>
+                <a:schemeClr val="tx1">
+                  <a:lumMod val="75000"/>
+                  <a:lumOff val="25000"/>
+                </a:schemeClr>
+              </a:solidFill>
+              <a:latin typeface="+mn-lt"/>
+            </a:endParaRPr>
+          </a:p>
+          <a:p>
+            <a:pPr algn="l"/>
+            <a:endParaRPr lang="en-US" altLang="ko-KR" sz="1200" dirty="0">
+              <a:solidFill>
+                <a:schemeClr val="tx1">
+                  <a:lumMod val="75000"/>
+                  <a:lumOff val="25000"/>
+                </a:schemeClr>
+              </a:solidFill>
+            </a:endParaRPr>
+          </a:p>
+        </p:txBody>
+      </p:sp>
+      <p:pic>
+        <p:nvPicPr>
+          <p:cNvPr id="9" name="그림 8">
+            <a:extLst>
+              <a:ext uri="{FF2B5EF4-FFF2-40B4-BE49-F238E27FC236}">
+                <a16:creationId xmlns:a16="http://schemas.microsoft.com/office/drawing/2014/main" id="{5E629DBF-83A9-4053-987F-2A85812BE059}"/>
+              </a:ext>
+            </a:extLst>
+          </p:cNvPr>
+          <p:cNvPicPr>
+            <a:picLocks noChangeAspect="1"/>
+          </p:cNvPicPr>
+          <p:nvPr/>
+        </p:nvPicPr>
+        <p:blipFill>
+          <a:blip r:embed="rId2"/>
+          <a:stretch>
+            <a:fillRect/>
+          </a:stretch>
+        </p:blipFill>
+        <p:spPr>
+          <a:xfrm>
+            <a:off x="275104" y="2085134"/>
+            <a:ext cx="6496050" cy="3781425"/>
+          </a:xfrm>
+          <a:prstGeom prst="rect">
+            <a:avLst/>
+          </a:prstGeom>
+        </p:spPr>
+      </p:pic>
+    </p:spTree>
+    <p:extLst>
+      <p:ext uri="{BB962C8B-B14F-4D97-AF65-F5344CB8AC3E}">
+        <p14:creationId xmlns:p14="http://schemas.microsoft.com/office/powerpoint/2010/main" val="549370765"/>
+      </p:ext>
+    </p:extLst>
+  </p:cSld>
+  <p:clrMapOvr>
+    <a:masterClrMapping/>
+  </p:clrMapOvr>
+</p:sld>
+</file>
+
+<file path=ppt/slides/slide8.xml><?xml version="1.0" encoding="utf-8"?>
+<p:sld xmlns:a="http://schemas.openxmlformats.org/drawingml/2006/main" xmlns:r="http://schemas.openxmlformats.org/officeDocument/2006/relationships" xmlns:p="http://schemas.openxmlformats.org/presentationml/2006/main">
+  <p:cSld>
+    <p:spTree>
+      <p:nvGrpSpPr>
+        <p:cNvPr id="1" name=""/>
+        <p:cNvGrpSpPr/>
+        <p:nvPr/>
+      </p:nvGrpSpPr>
+      <p:grpSpPr>
+        <a:xfrm>
+          <a:off x="0" y="0"/>
+          <a:ext cx="0" cy="0"/>
+          <a:chOff x="0" y="0"/>
+          <a:chExt cx="0" cy="0"/>
+        </a:xfrm>
+      </p:grpSpPr>
+      <p:sp>
+        <p:nvSpPr>
+          <p:cNvPr id="2" name="제목 1">
+            <a:extLst>
+              <a:ext uri="{FF2B5EF4-FFF2-40B4-BE49-F238E27FC236}">
+                <a16:creationId xmlns:a16="http://schemas.microsoft.com/office/drawing/2014/main" id="{4FBA71A8-6742-4252-BCC7-3B5A4058D41E}"/>
+              </a:ext>
+            </a:extLst>
+          </p:cNvPr>
+          <p:cNvSpPr>
+            <a:spLocks noGrp="1"/>
+          </p:cNvSpPr>
+          <p:nvPr>
+            <p:ph type="title"/>
+          </p:nvPr>
+        </p:nvSpPr>
+        <p:spPr/>
+        <p:txBody>
+          <a:bodyPr/>
+          <a:lstStyle/>
+          <a:p>
+            <a:endParaRPr lang="ko-KR" altLang="en-US"/>
+          </a:p>
+        </p:txBody>
+      </p:sp>
+      <p:sp>
+        <p:nvSpPr>
+          <p:cNvPr id="3" name="슬라이드 번호 개체 틀 2">
+            <a:extLst>
+              <a:ext uri="{FF2B5EF4-FFF2-40B4-BE49-F238E27FC236}">
+                <a16:creationId xmlns:a16="http://schemas.microsoft.com/office/drawing/2014/main" id="{91D875C5-5A28-4EF7-87DB-56F0F6C31124}"/>
+              </a:ext>
+            </a:extLst>
+          </p:cNvPr>
+          <p:cNvSpPr>
+            <a:spLocks noGrp="1"/>
+          </p:cNvSpPr>
+          <p:nvPr>
+            <p:ph type="sldNum" sz="quarter" idx="11"/>
+          </p:nvPr>
+        </p:nvSpPr>
+        <p:spPr/>
+        <p:txBody>
+          <a:bodyPr/>
+          <a:lstStyle/>
+          <a:p>
+            <a:pPr rtl="0"/>
+            <a:fld id="{19B51A1E-902D-48AF-9020-955120F399B6}" type="slidenum">
+              <a:rPr lang="en-ZA" altLang="ko-KR" noProof="0" smtClean="0"/>
+              <a:pPr rtl="0"/>
+              <a:t>8</a:t>
+            </a:fld>
+            <a:endParaRPr lang="ko-KR" altLang="en-US" noProof="0" dirty="0"/>
+          </a:p>
+        </p:txBody>
+      </p:sp>
+      <p:pic>
+        <p:nvPicPr>
+          <p:cNvPr id="5" name="그림 4">
+            <a:extLst>
+              <a:ext uri="{FF2B5EF4-FFF2-40B4-BE49-F238E27FC236}">
+                <a16:creationId xmlns:a16="http://schemas.microsoft.com/office/drawing/2014/main" id="{DD314497-B1FE-4012-A29A-09ACB92B5486}"/>
+              </a:ext>
+            </a:extLst>
+          </p:cNvPr>
+          <p:cNvPicPr>
+            <a:picLocks noChangeAspect="1"/>
+          </p:cNvPicPr>
+          <p:nvPr/>
+        </p:nvPicPr>
+        <p:blipFill>
+          <a:blip r:embed="rId2"/>
+          <a:stretch>
+            <a:fillRect/>
+          </a:stretch>
+        </p:blipFill>
+        <p:spPr>
+          <a:xfrm>
+            <a:off x="4175872" y="1180065"/>
+            <a:ext cx="7067550" cy="5191125"/>
+          </a:xfrm>
+          <a:prstGeom prst="rect">
+            <a:avLst/>
+          </a:prstGeom>
+        </p:spPr>
+      </p:pic>
+      <p:sp>
+        <p:nvSpPr>
+          <p:cNvPr id="7" name="TextBox 6">
+            <a:extLst>
+              <a:ext uri="{FF2B5EF4-FFF2-40B4-BE49-F238E27FC236}">
+                <a16:creationId xmlns:a16="http://schemas.microsoft.com/office/drawing/2014/main" id="{4697C909-476B-4866-8A42-B31EA6995D0B}"/>
+              </a:ext>
+            </a:extLst>
+          </p:cNvPr>
+          <p:cNvSpPr txBox="1"/>
+          <p:nvPr/>
+        </p:nvSpPr>
+        <p:spPr>
+          <a:xfrm>
+            <a:off x="312083" y="1738263"/>
+            <a:ext cx="4528857" cy="1200329"/>
+          </a:xfrm>
+          <a:prstGeom prst="rect">
+            <a:avLst/>
+          </a:prstGeom>
+          <a:noFill/>
+        </p:spPr>
+        <p:txBody>
+          <a:bodyPr wrap="square">
+            <a:spAutoFit/>
+          </a:bodyPr>
+          <a:lstStyle/>
+          <a:p>
+            <a:pPr algn="l"/>
+            <a:r>
+              <a:rPr lang="en-US" altLang="ko-KR" sz="1800" dirty="0">
+                <a:solidFill>
+                  <a:schemeClr val="tx1">
+                    <a:lumMod val="75000"/>
+                    <a:lumOff val="25000"/>
+                  </a:schemeClr>
+                </a:solidFill>
+                <a:latin typeface="+mn-lt"/>
+              </a:rPr>
+              <a:t>-&gt; docx2txt </a:t>
+            </a:r>
+            <a:r>
+              <a:rPr lang="ko-KR" altLang="en-US" sz="1800" dirty="0">
+                <a:solidFill>
+                  <a:schemeClr val="tx1">
+                    <a:lumMod val="75000"/>
+                    <a:lumOff val="25000"/>
+                  </a:schemeClr>
+                </a:solidFill>
+                <a:latin typeface="+mn-lt"/>
+              </a:rPr>
+              <a:t>라이브러리로 변경</a:t>
+            </a:r>
+            <a:endParaRPr lang="en-US" altLang="ko-KR" sz="1800" dirty="0">
+              <a:solidFill>
+                <a:schemeClr val="tx1">
+                  <a:lumMod val="75000"/>
+                  <a:lumOff val="25000"/>
+                </a:schemeClr>
+              </a:solidFill>
+              <a:latin typeface="+mn-lt"/>
+            </a:endParaRPr>
+          </a:p>
+          <a:p>
+            <a:pPr algn="l"/>
+            <a:r>
+              <a:rPr lang="en-US" altLang="ko-KR" dirty="0">
+                <a:solidFill>
+                  <a:schemeClr val="tx1">
+                    <a:lumMod val="75000"/>
+                    <a:lumOff val="25000"/>
+                  </a:schemeClr>
+                </a:solidFill>
+              </a:rPr>
+              <a:t>-&gt; DB</a:t>
+            </a:r>
+            <a:r>
+              <a:rPr lang="ko-KR" altLang="en-US" dirty="0">
+                <a:solidFill>
+                  <a:schemeClr val="tx1">
+                    <a:lumMod val="75000"/>
+                    <a:lumOff val="25000"/>
+                  </a:schemeClr>
+                </a:solidFill>
+              </a:rPr>
+              <a:t> 저장도 </a:t>
+            </a:r>
+            <a:r>
+              <a:rPr lang="en-US" altLang="ko-KR" dirty="0">
+                <a:solidFill>
+                  <a:schemeClr val="tx1">
+                    <a:lumMod val="75000"/>
+                    <a:lumOff val="25000"/>
+                  </a:schemeClr>
+                </a:solidFill>
+              </a:rPr>
+              <a:t>progress bar </a:t>
+            </a:r>
+            <a:r>
+              <a:rPr lang="ko-KR" altLang="en-US" dirty="0">
+                <a:solidFill>
+                  <a:schemeClr val="tx1">
+                    <a:lumMod val="75000"/>
+                    <a:lumOff val="25000"/>
+                  </a:schemeClr>
+                </a:solidFill>
+              </a:rPr>
+              <a:t>추가하여</a:t>
+            </a:r>
+            <a:r>
+              <a:rPr lang="en-US" altLang="ko-KR" dirty="0">
+                <a:solidFill>
+                  <a:schemeClr val="tx1">
+                    <a:lumMod val="75000"/>
+                    <a:lumOff val="25000"/>
+                  </a:schemeClr>
+                </a:solidFill>
+              </a:rPr>
+              <a:t>, </a:t>
+            </a:r>
+            <a:r>
+              <a:rPr lang="ko-KR" altLang="en-US" dirty="0">
+                <a:solidFill>
+                  <a:schemeClr val="tx1">
+                    <a:lumMod val="75000"/>
+                    <a:lumOff val="25000"/>
+                  </a:schemeClr>
+                </a:solidFill>
+              </a:rPr>
+              <a:t>진행 사항 표시 </a:t>
+            </a:r>
+            <a:r>
+              <a:rPr lang="en-US" altLang="ko-KR" dirty="0">
+                <a:solidFill>
+                  <a:schemeClr val="tx1">
+                    <a:lumMod val="75000"/>
+                    <a:lumOff val="25000"/>
+                  </a:schemeClr>
+                </a:solidFill>
+              </a:rPr>
+              <a:t>(docs </a:t>
+            </a:r>
+            <a:r>
+              <a:rPr lang="ko-KR" altLang="en-US" dirty="0">
+                <a:solidFill>
+                  <a:schemeClr val="tx1">
+                    <a:lumMod val="75000"/>
+                    <a:lumOff val="25000"/>
+                  </a:schemeClr>
+                </a:solidFill>
+              </a:rPr>
+              <a:t>한번에 </a:t>
+            </a:r>
+            <a:r>
+              <a:rPr lang="ko-KR" altLang="en-US" dirty="0" err="1">
+                <a:solidFill>
+                  <a:schemeClr val="tx1">
+                    <a:lumMod val="75000"/>
+                    <a:lumOff val="25000"/>
+                  </a:schemeClr>
+                </a:solidFill>
+              </a:rPr>
+              <a:t>저장되는것을</a:t>
+            </a:r>
+            <a:r>
+              <a:rPr lang="en-US" altLang="ko-KR" dirty="0">
+                <a:solidFill>
+                  <a:schemeClr val="tx1">
+                    <a:lumMod val="75000"/>
+                    <a:lumOff val="25000"/>
+                  </a:schemeClr>
+                </a:solidFill>
+              </a:rPr>
+              <a:t>, </a:t>
+            </a:r>
+            <a:r>
+              <a:rPr lang="ko-KR" altLang="en-US" dirty="0">
+                <a:solidFill>
+                  <a:schemeClr val="tx1">
+                    <a:lumMod val="75000"/>
+                    <a:lumOff val="25000"/>
+                  </a:schemeClr>
+                </a:solidFill>
+              </a:rPr>
+              <a:t>개별 </a:t>
+            </a:r>
+            <a:r>
+              <a:rPr lang="en-US" altLang="ko-KR" dirty="0">
+                <a:solidFill>
+                  <a:schemeClr val="tx1">
+                    <a:lumMod val="75000"/>
+                    <a:lumOff val="25000"/>
+                  </a:schemeClr>
+                </a:solidFill>
+              </a:rPr>
+              <a:t>doc </a:t>
+            </a:r>
+            <a:r>
+              <a:rPr lang="ko-KR" altLang="en-US" dirty="0">
+                <a:solidFill>
+                  <a:schemeClr val="tx1">
+                    <a:lumMod val="75000"/>
+                    <a:lumOff val="25000"/>
+                  </a:schemeClr>
+                </a:solidFill>
+              </a:rPr>
+              <a:t>단위로 </a:t>
+            </a:r>
+            <a:r>
+              <a:rPr lang="en-US" altLang="ko-KR" dirty="0">
+                <a:solidFill>
+                  <a:schemeClr val="tx1">
+                    <a:lumMod val="75000"/>
+                    <a:lumOff val="25000"/>
+                  </a:schemeClr>
+                </a:solidFill>
+              </a:rPr>
+              <a:t>progress </a:t>
+            </a:r>
+            <a:r>
+              <a:rPr lang="ko-KR" altLang="en-US" dirty="0">
+                <a:solidFill>
+                  <a:schemeClr val="tx1">
+                    <a:lumMod val="75000"/>
+                    <a:lumOff val="25000"/>
+                  </a:schemeClr>
+                </a:solidFill>
+              </a:rPr>
+              <a:t>표시</a:t>
+            </a:r>
+            <a:r>
+              <a:rPr lang="en-US" altLang="ko-KR" dirty="0">
+                <a:solidFill>
+                  <a:schemeClr val="tx1">
+                    <a:lumMod val="75000"/>
+                    <a:lumOff val="25000"/>
+                  </a:schemeClr>
+                </a:solidFill>
+              </a:rPr>
+              <a:t>) </a:t>
+            </a:r>
+            <a:endParaRPr lang="ko-KR" altLang="en-US" sz="1800" dirty="0">
+              <a:solidFill>
+                <a:schemeClr val="tx1">
+                  <a:lumMod val="75000"/>
+                  <a:lumOff val="25000"/>
+                </a:schemeClr>
+              </a:solidFill>
+              <a:latin typeface="+mn-lt"/>
+            </a:endParaRPr>
+          </a:p>
+        </p:txBody>
+      </p:sp>
+      <p:pic>
+        <p:nvPicPr>
+          <p:cNvPr id="9" name="그림 8">
+            <a:extLst>
+              <a:ext uri="{FF2B5EF4-FFF2-40B4-BE49-F238E27FC236}">
+                <a16:creationId xmlns:a16="http://schemas.microsoft.com/office/drawing/2014/main" id="{374AEE62-EA47-4FA6-9237-5D2BE21D8CFC}"/>
+              </a:ext>
+            </a:extLst>
+          </p:cNvPr>
+          <p:cNvPicPr>
+            <a:picLocks noChangeAspect="1"/>
+          </p:cNvPicPr>
+          <p:nvPr/>
+        </p:nvPicPr>
+        <p:blipFill>
+          <a:blip r:embed="rId3"/>
+          <a:stretch>
+            <a:fillRect/>
+          </a:stretch>
+        </p:blipFill>
+        <p:spPr>
+          <a:xfrm>
+            <a:off x="312084" y="3137452"/>
+            <a:ext cx="4352925" cy="1276350"/>
+          </a:xfrm>
+          <a:prstGeom prst="rect">
+            <a:avLst/>
+          </a:prstGeom>
+        </p:spPr>
+      </p:pic>
+      <p:pic>
+        <p:nvPicPr>
+          <p:cNvPr id="11" name="그림 10">
+            <a:extLst>
+              <a:ext uri="{FF2B5EF4-FFF2-40B4-BE49-F238E27FC236}">
+                <a16:creationId xmlns:a16="http://schemas.microsoft.com/office/drawing/2014/main" id="{1B368E58-3688-441D-8F80-74CE79B775D2}"/>
+              </a:ext>
+            </a:extLst>
+          </p:cNvPr>
+          <p:cNvPicPr>
+            <a:picLocks noChangeAspect="1"/>
+          </p:cNvPicPr>
+          <p:nvPr/>
         </p:nvPicPr>
         <p:blipFill>
           <a:blip r:embed="rId4"/>
@@ -18284,17 +20412,50 @@
         </p:blipFill>
         <p:spPr>
           <a:xfrm>
-            <a:off x="8065008" y="2591534"/>
-            <a:ext cx="1344168" cy="696523"/>
-          </a:xfrm>
+            <a:off x="312084" y="4700307"/>
+            <a:ext cx="8858250" cy="2162175"/>
+          </a:xfrm>
+          <a:prstGeom prst="rect">
+            <a:avLst/>
+          </a:prstGeom>
         </p:spPr>
       </p:pic>
-      <p:sp>
-        <p:nvSpPr>
-          <p:cNvPr id="7" name="부제목 6">
-            <a:extLst>
-              <a:ext uri="{FF2B5EF4-FFF2-40B4-BE49-F238E27FC236}">
-                <a16:creationId xmlns:a16="http://schemas.microsoft.com/office/drawing/2014/main" id="{ACCCCDAD-0E0B-437F-8CAA-0536470B2E2F}"/>
+    </p:spTree>
+    <p:extLst>
+      <p:ext uri="{BB962C8B-B14F-4D97-AF65-F5344CB8AC3E}">
+        <p14:creationId xmlns:p14="http://schemas.microsoft.com/office/powerpoint/2010/main" val="1201833587"/>
+      </p:ext>
+    </p:extLst>
+  </p:cSld>
+  <p:clrMapOvr>
+    <a:masterClrMapping/>
+  </p:clrMapOvr>
+</p:sld>
+</file>
+
+<file path=ppt/slides/slide9.xml><?xml version="1.0" encoding="utf-8"?>
+<p:sld xmlns:a="http://schemas.openxmlformats.org/drawingml/2006/main" xmlns:r="http://schemas.openxmlformats.org/officeDocument/2006/relationships" xmlns:p="http://schemas.openxmlformats.org/presentationml/2006/main">
+  <p:cSld>
+    <p:spTree>
+      <p:nvGrpSpPr>
+        <p:cNvPr id="1" name=""/>
+        <p:cNvGrpSpPr/>
+        <p:nvPr/>
+      </p:nvGrpSpPr>
+      <p:grpSpPr>
+        <a:xfrm>
+          <a:off x="0" y="0"/>
+          <a:ext cx="0" cy="0"/>
+          <a:chOff x="0" y="0"/>
+          <a:chExt cx="0" cy="0"/>
+        </a:xfrm>
+      </p:grpSpPr>
+      <p:sp>
+        <p:nvSpPr>
+          <p:cNvPr id="2" name="제목 1">
+            <a:extLst>
+              <a:ext uri="{FF2B5EF4-FFF2-40B4-BE49-F238E27FC236}">
+                <a16:creationId xmlns:a16="http://schemas.microsoft.com/office/drawing/2014/main" id="{7E801633-AA69-4A0B-A26F-7E26E1486477}"/>
               </a:ext>
             </a:extLst>
           </p:cNvPr>
@@ -18302,29 +20463,55 @@
             <a:spLocks noGrp="1"/>
           </p:cNvSpPr>
           <p:nvPr>
-            <p:ph type="subTitle" idx="1"/>
+            <p:ph type="title"/>
           </p:nvPr>
         </p:nvSpPr>
         <p:spPr/>
         <p:txBody>
-          <a:bodyPr rtlCol="0"/>
+          <a:bodyPr/>
           <a:lstStyle/>
           <a:p>
+            <a:endParaRPr lang="ko-KR" altLang="en-US"/>
+          </a:p>
+        </p:txBody>
+      </p:sp>
+      <p:sp>
+        <p:nvSpPr>
+          <p:cNvPr id="3" name="슬라이드 번호 개체 틀 2">
+            <a:extLst>
+              <a:ext uri="{FF2B5EF4-FFF2-40B4-BE49-F238E27FC236}">
+                <a16:creationId xmlns:a16="http://schemas.microsoft.com/office/drawing/2014/main" id="{BB872E07-8B45-4C70-BCF3-BDDAE60E815C}"/>
+              </a:ext>
+            </a:extLst>
+          </p:cNvPr>
+          <p:cNvSpPr>
+            <a:spLocks noGrp="1"/>
+          </p:cNvSpPr>
+          <p:nvPr>
+            <p:ph type="sldNum" sz="quarter" idx="11"/>
+          </p:nvPr>
+        </p:nvSpPr>
+        <p:spPr/>
+        <p:txBody>
+          <a:bodyPr/>
+          <a:lstStyle/>
+          <a:p>
             <a:pPr rtl="0"/>
-            <a:r>
-              <a:rPr lang="ko-KR" altLang="en-US" dirty="0" smtClean="0"/>
-              <a:t>조지민</a:t>
-            </a:r>
-            <a:endParaRPr lang="ko-KR" altLang="en-US" dirty="0"/>
+            <a:fld id="{19B51A1E-902D-48AF-9020-955120F399B6}" type="slidenum">
+              <a:rPr lang="en-ZA" altLang="ko-KR" noProof="0" smtClean="0"/>
+              <a:pPr rtl="0"/>
+              <a:t>9</a:t>
+            </a:fld>
+            <a:endParaRPr lang="ko-KR" altLang="en-US" noProof="0" dirty="0"/>
           </a:p>
         </p:txBody>
       </p:sp>
       <p:pic>
         <p:nvPicPr>
-          <p:cNvPr id="13" name="그래픽 12" descr="사용자" title="아이콘 - 발표자 이름">
-            <a:extLst>
-              <a:ext uri="{FF2B5EF4-FFF2-40B4-BE49-F238E27FC236}">
-                <a16:creationId xmlns:a16="http://schemas.microsoft.com/office/drawing/2014/main" id="{708AF784-88DE-4E89-A28B-BECD54FC11CC}"/>
+          <p:cNvPr id="5" name="그림 4">
+            <a:extLst>
+              <a:ext uri="{FF2B5EF4-FFF2-40B4-BE49-F238E27FC236}">
+                <a16:creationId xmlns:a16="http://schemas.microsoft.com/office/drawing/2014/main" id="{D43D2CAF-1461-4C54-BE44-F6DCF95C6726}"/>
               </a:ext>
             </a:extLst>
           </p:cNvPr>
@@ -18334,24 +20521,15 @@
           <p:nvPr/>
         </p:nvPicPr>
         <p:blipFill>
-          <a:blip r:embed="rId5" cstate="screen">
-            <a:extLst>
-              <a:ext uri="{28A0092B-C50C-407E-A947-70E740481C1C}">
-                <a14:useLocalDpi xmlns:a14="http://schemas.microsoft.com/office/drawing/2010/main"/>
-              </a:ext>
-              <a:ext uri="{96DAC541-7B7A-43D3-8B79-37D633B846F1}">
-                <asvg:svgBlip xmlns="" xmlns:asvg="http://schemas.microsoft.com/office/drawing/2016/SVG/main" r:embed="rId6"/>
-              </a:ext>
-            </a:extLst>
-          </a:blip>
+          <a:blip r:embed="rId2"/>
           <a:stretch>
             <a:fillRect/>
           </a:stretch>
         </p:blipFill>
         <p:spPr>
           <a:xfrm>
-            <a:off x="7284624" y="3886690"/>
-            <a:ext cx="164463" cy="164463"/>
+            <a:off x="0" y="3144223"/>
+            <a:ext cx="12192000" cy="569553"/>
           </a:xfrm>
           <a:prstGeom prst="rect">
             <a:avLst/>
@@ -18360,225 +20538,181 @@
       </p:pic>
       <p:sp>
         <p:nvSpPr>
-          <p:cNvPr id="9" name="텍스트 개체 틀 8">
-            <a:extLst>
-              <a:ext uri="{FF2B5EF4-FFF2-40B4-BE49-F238E27FC236}">
-                <a16:creationId xmlns:a16="http://schemas.microsoft.com/office/drawing/2014/main" id="{650F9D0C-7F14-4B83-A0A3-5710128C815A}"/>
-              </a:ext>
-            </a:extLst>
-          </p:cNvPr>
-          <p:cNvSpPr>
-            <a:spLocks noGrp="1"/>
-          </p:cNvSpPr>
-          <p:nvPr>
-            <p:ph type="body" sz="quarter" idx="13"/>
-          </p:nvPr>
-        </p:nvSpPr>
-        <p:spPr/>
-        <p:txBody>
-          <a:bodyPr rtlCol="0"/>
-          <a:lstStyle/>
-          <a:p>
-            <a:pPr rtl="0"/>
-            <a:r>
-              <a:rPr lang="en-US" altLang="ko-KR" dirty="0" smtClean="0"/>
-              <a:t>+1 23 987 6554</a:t>
-            </a:r>
-            <a:endParaRPr lang="en-US" altLang="ko-KR" dirty="0"/>
-          </a:p>
-        </p:txBody>
-      </p:sp>
-      <p:pic>
-        <p:nvPicPr>
-          <p:cNvPr id="15" name="그래픽 14" descr="휴대폰" title="아이콘 - 발표자 전화 번호">
-            <a:extLst>
-              <a:ext uri="{FF2B5EF4-FFF2-40B4-BE49-F238E27FC236}">
-                <a16:creationId xmlns:a16="http://schemas.microsoft.com/office/drawing/2014/main" id="{E276E47B-4C08-4FEC-AAE8-3DCCBA7EE72D}"/>
-              </a:ext>
-            </a:extLst>
-          </p:cNvPr>
-          <p:cNvPicPr>
-            <a:picLocks noChangeAspect="1"/>
-          </p:cNvPicPr>
+          <p:cNvPr id="6" name="TextBox 5">
+            <a:extLst>
+              <a:ext uri="{FF2B5EF4-FFF2-40B4-BE49-F238E27FC236}">
+                <a16:creationId xmlns:a16="http://schemas.microsoft.com/office/drawing/2014/main" id="{6447C6E7-29F5-4409-9332-51AF3E6902A3}"/>
+              </a:ext>
+            </a:extLst>
+          </p:cNvPr>
+          <p:cNvSpPr txBox="1"/>
           <p:nvPr/>
-        </p:nvPicPr>
-        <p:blipFill>
-          <a:blip r:embed="rId7" cstate="screen">
-            <a:extLst>
-              <a:ext uri="{28A0092B-C50C-407E-A947-70E740481C1C}">
-                <a14:useLocalDpi xmlns:a14="http://schemas.microsoft.com/office/drawing/2010/main"/>
-              </a:ext>
-              <a:ext uri="{96DAC541-7B7A-43D3-8B79-37D633B846F1}">
-                <asvg:svgBlip xmlns="" xmlns:asvg="http://schemas.microsoft.com/office/drawing/2016/SVG/main" r:embed="rId8"/>
-              </a:ext>
-            </a:extLst>
-          </a:blip>
-          <a:stretch>
-            <a:fillRect/>
-          </a:stretch>
-        </p:blipFill>
+        </p:nvSpPr>
         <p:spPr>
           <a:xfrm>
-            <a:off x="7284624" y="4196776"/>
-            <a:ext cx="164463" cy="164463"/>
+            <a:off x="312083" y="1738263"/>
+            <a:ext cx="4528857" cy="923330"/>
           </a:xfrm>
           <a:prstGeom prst="rect">
             <a:avLst/>
           </a:prstGeom>
-        </p:spPr>
-      </p:pic>
-      <p:sp>
-        <p:nvSpPr>
-          <p:cNvPr id="10" name="텍스트 개체 틀 9">
-            <a:extLst>
-              <a:ext uri="{FF2B5EF4-FFF2-40B4-BE49-F238E27FC236}">
-                <a16:creationId xmlns:a16="http://schemas.microsoft.com/office/drawing/2014/main" id="{2EF9E03C-A81E-4083-9F20-EF8FFAF5914D}"/>
-              </a:ext>
-            </a:extLst>
-          </p:cNvPr>
-          <p:cNvSpPr>
-            <a:spLocks noGrp="1"/>
-          </p:cNvSpPr>
-          <p:nvPr>
-            <p:ph type="body" sz="quarter" idx="14"/>
-          </p:nvPr>
-        </p:nvSpPr>
-        <p:spPr/>
-        <p:txBody>
-          <a:bodyPr rtlCol="0"/>
+          <a:noFill/>
+        </p:spPr>
+        <p:txBody>
+          <a:bodyPr wrap="square">
+            <a:spAutoFit/>
+          </a:bodyPr>
           <a:lstStyle/>
           <a:p>
-            <a:pPr rtl="0"/>
-            <a:r>
-              <a:rPr lang="ko-KR" altLang="en-US" dirty="0" smtClean="0"/>
-              <a:t>지민</a:t>
-            </a:r>
-            <a:r>
-              <a:rPr lang="en-US" altLang="ko-KR" dirty="0" smtClean="0"/>
-              <a:t>@email.com</a:t>
-            </a:r>
-            <a:endParaRPr lang="en-US" altLang="ko-KR" dirty="0"/>
-          </a:p>
-        </p:txBody>
-      </p:sp>
-      <p:pic>
-        <p:nvPicPr>
-          <p:cNvPr id="14" name="그래픽 13" descr="봉투" title="발표자 전자 메일 아이콘">
-            <a:extLst>
-              <a:ext uri="{FF2B5EF4-FFF2-40B4-BE49-F238E27FC236}">
-                <a16:creationId xmlns:a16="http://schemas.microsoft.com/office/drawing/2014/main" id="{4F2D4997-93AD-4A62-8488-4572923DB817}"/>
-              </a:ext>
-            </a:extLst>
-          </p:cNvPr>
-          <p:cNvPicPr>
-            <a:picLocks noChangeAspect="1"/>
-          </p:cNvPicPr>
-          <p:nvPr/>
-        </p:nvPicPr>
-        <p:blipFill>
-          <a:blip r:embed="rId9" cstate="screen">
-            <a:extLst>
-              <a:ext uri="{28A0092B-C50C-407E-A947-70E740481C1C}">
-                <a14:useLocalDpi xmlns:a14="http://schemas.microsoft.com/office/drawing/2010/main"/>
-              </a:ext>
-              <a:ext uri="{96DAC541-7B7A-43D3-8B79-37D633B846F1}">
-                <asvg:svgBlip xmlns="" xmlns:asvg="http://schemas.microsoft.com/office/drawing/2016/SVG/main" r:embed="rId10"/>
-              </a:ext>
-            </a:extLst>
-          </a:blip>
-          <a:stretch>
-            <a:fillRect/>
-          </a:stretch>
-        </p:blipFill>
-        <p:spPr>
-          <a:xfrm>
-            <a:off x="7284624" y="4530964"/>
-            <a:ext cx="164463" cy="164463"/>
-          </a:xfrm>
-          <a:prstGeom prst="rect">
-            <a:avLst/>
-          </a:prstGeom>
-        </p:spPr>
-      </p:pic>
-      <p:sp>
-        <p:nvSpPr>
-          <p:cNvPr id="26" name="텍스트 개체 틀 25">
-            <a:extLst>
-              <a:ext uri="{FF2B5EF4-FFF2-40B4-BE49-F238E27FC236}">
-                <a16:creationId xmlns:a16="http://schemas.microsoft.com/office/drawing/2014/main" id="{88557579-7DEF-FF4C-AD37-0E81A6BB3B75}"/>
-              </a:ext>
-            </a:extLst>
-          </p:cNvPr>
-          <p:cNvSpPr>
-            <a:spLocks noGrp="1"/>
-          </p:cNvSpPr>
-          <p:nvPr>
-            <p:ph type="body" sz="quarter" idx="16"/>
-          </p:nvPr>
-        </p:nvSpPr>
-        <p:spPr/>
-        <p:txBody>
-          <a:bodyPr rtlCol="0"/>
-          <a:lstStyle/>
-          <a:p>
-            <a:pPr rtl="0"/>
-            <a:r>
-              <a:rPr lang="en-US" altLang="ko-KR" dirty="0" smtClean="0">
-                <a:hlinkClick r:id="rId11"/>
+            <a:pPr algn="l"/>
+            <a:r>
+              <a:rPr lang="en-US" altLang="ko-KR" dirty="0">
+                <a:solidFill>
+                  <a:schemeClr val="tx1">
+                    <a:lumMod val="75000"/>
+                    <a:lumOff val="25000"/>
+                  </a:schemeClr>
+                </a:solidFill>
               </a:rPr>
-              <a:t>www.fabrikam.com</a:t>
-            </a:r>
-            <a:r>
-              <a:rPr lang="ko-KR" altLang="en-US" dirty="0" smtClean="0"/>
+              <a:t>RAG</a:t>
+            </a:r>
+            <a:r>
+              <a:rPr lang="ko-KR" altLang="en-US" dirty="0">
+                <a:solidFill>
+                  <a:schemeClr val="tx1">
+                    <a:lumMod val="75000"/>
+                    <a:lumOff val="25000"/>
+                  </a:schemeClr>
+                </a:solidFill>
+              </a:rPr>
               <a:t> </a:t>
             </a:r>
-            <a:endParaRPr lang="ko-KR" altLang="en-US" dirty="0"/>
-          </a:p>
-        </p:txBody>
-      </p:sp>
-      <p:pic>
-        <p:nvPicPr>
-          <p:cNvPr id="30" name="그래픽 29" descr="세계">
-            <a:extLst>
-              <a:ext uri="{FF2B5EF4-FFF2-40B4-BE49-F238E27FC236}">
-                <a16:creationId xmlns:a16="http://schemas.microsoft.com/office/drawing/2014/main" id="{07973E30-0C12-8442-90B5-47D1C45545AE}"/>
-              </a:ext>
-            </a:extLst>
-          </p:cNvPr>
-          <p:cNvPicPr>
-            <a:picLocks noChangeAspect="1"/>
-          </p:cNvPicPr>
-          <p:nvPr/>
-        </p:nvPicPr>
-        <p:blipFill>
-          <a:blip r:embed="rId12">
-            <a:extLst>
-              <a:ext uri="{28A0092B-C50C-407E-A947-70E740481C1C}">
-                <a14:useLocalDpi xmlns:a14="http://schemas.microsoft.com/office/drawing/2010/main" val="0"/>
-              </a:ext>
-              <a:ext uri="{96DAC541-7B7A-43D3-8B79-37D633B846F1}">
-                <asvg:svgBlip xmlns="" xmlns:asvg="http://schemas.microsoft.com/office/drawing/2016/SVG/main" r:embed="rId13"/>
-              </a:ext>
-            </a:extLst>
-          </a:blip>
-          <a:stretch>
-            <a:fillRect/>
-          </a:stretch>
-        </p:blipFill>
-        <p:spPr>
-          <a:xfrm>
-            <a:off x="7278999" y="4843614"/>
-            <a:ext cx="170088" cy="170088"/>
-          </a:xfrm>
-          <a:prstGeom prst="rect">
-            <a:avLst/>
-          </a:prstGeom>
-        </p:spPr>
-      </p:pic>
+            <a:r>
+              <a:rPr lang="ko-KR" altLang="en-US" dirty="0" err="1">
+                <a:solidFill>
+                  <a:schemeClr val="tx1">
+                    <a:lumMod val="75000"/>
+                    <a:lumOff val="25000"/>
+                  </a:schemeClr>
+                </a:solidFill>
+              </a:rPr>
+              <a:t>질의시</a:t>
+            </a:r>
+            <a:r>
+              <a:rPr lang="en-US" altLang="ko-KR" dirty="0">
+                <a:solidFill>
+                  <a:schemeClr val="tx1">
+                    <a:lumMod val="75000"/>
+                    <a:lumOff val="25000"/>
+                  </a:schemeClr>
+                </a:solidFill>
+              </a:rPr>
+              <a:t>, </a:t>
+            </a:r>
+            <a:r>
+              <a:rPr lang="ko-KR" altLang="en-US" dirty="0">
+                <a:solidFill>
+                  <a:schemeClr val="tx1">
+                    <a:lumMod val="75000"/>
+                    <a:lumOff val="25000"/>
+                  </a:schemeClr>
+                </a:solidFill>
+              </a:rPr>
+              <a:t>이전 </a:t>
+            </a:r>
+            <a:r>
+              <a:rPr lang="en-US" altLang="ko-KR" dirty="0">
+                <a:solidFill>
+                  <a:schemeClr val="tx1">
+                    <a:lumMod val="75000"/>
+                    <a:lumOff val="25000"/>
+                  </a:schemeClr>
+                </a:solidFill>
+              </a:rPr>
+              <a:t>history </a:t>
+            </a:r>
+            <a:r>
+              <a:rPr lang="ko-KR" altLang="en-US" dirty="0">
+                <a:solidFill>
+                  <a:schemeClr val="tx1">
+                    <a:lumMod val="75000"/>
+                    <a:lumOff val="25000"/>
+                  </a:schemeClr>
+                </a:solidFill>
+              </a:rPr>
+              <a:t>를 적용했더니</a:t>
+            </a:r>
+            <a:r>
+              <a:rPr lang="en-US" altLang="ko-KR" dirty="0">
+                <a:solidFill>
+                  <a:schemeClr val="tx1">
+                    <a:lumMod val="75000"/>
+                    <a:lumOff val="25000"/>
+                  </a:schemeClr>
+                </a:solidFill>
+              </a:rPr>
+              <a:t>, </a:t>
+            </a:r>
+            <a:r>
+              <a:rPr lang="ko-KR" altLang="en-US" dirty="0">
+                <a:solidFill>
+                  <a:schemeClr val="tx1">
+                    <a:lumMod val="75000"/>
+                    <a:lumOff val="25000"/>
+                  </a:schemeClr>
+                </a:solidFill>
+              </a:rPr>
+              <a:t>여러 질문 이후</a:t>
+            </a:r>
+            <a:r>
+              <a:rPr lang="en-US" altLang="ko-KR" dirty="0">
+                <a:solidFill>
+                  <a:schemeClr val="tx1">
+                    <a:lumMod val="75000"/>
+                    <a:lumOff val="25000"/>
+                  </a:schemeClr>
+                </a:solidFill>
+              </a:rPr>
+              <a:t>, </a:t>
+            </a:r>
+            <a:r>
+              <a:rPr lang="ko-KR" altLang="en-US" dirty="0">
+                <a:solidFill>
+                  <a:schemeClr val="tx1">
+                    <a:lumMod val="75000"/>
+                    <a:lumOff val="25000"/>
+                  </a:schemeClr>
+                </a:solidFill>
+              </a:rPr>
+              <a:t>아래 메시지가 나오면서 수행이 안됨</a:t>
+            </a:r>
+            <a:r>
+              <a:rPr lang="en-US" altLang="ko-KR" dirty="0">
+                <a:solidFill>
+                  <a:schemeClr val="tx1">
+                    <a:lumMod val="75000"/>
+                    <a:lumOff val="25000"/>
+                  </a:schemeClr>
+                </a:solidFill>
+              </a:rPr>
+              <a:t>. </a:t>
+            </a:r>
+            <a:endParaRPr lang="ko-KR" altLang="en-US" sz="1800" dirty="0">
+              <a:solidFill>
+                <a:schemeClr val="tx1">
+                  <a:lumMod val="75000"/>
+                  <a:lumOff val="25000"/>
+                </a:schemeClr>
+              </a:solidFill>
+              <a:latin typeface="+mn-lt"/>
+            </a:endParaRPr>
+          </a:p>
+        </p:txBody>
+      </p:sp>
     </p:spTree>
     <p:extLst>
       <p:ext uri="{BB962C8B-B14F-4D97-AF65-F5344CB8AC3E}">
-        <p14:creationId xmlns:p14="http://schemas.microsoft.com/office/powerpoint/2010/main" val="2201429680"/>
+        <p14:creationId xmlns:p14="http://schemas.microsoft.com/office/powerpoint/2010/main" val="4194279988"/>
       </p:ext>
     </p:extLst>
   </p:cSld>

--- a/Report.pptx
+++ b/Report.pptx
@@ -5,22 +5,25 @@
     <p:sldMasterId id="2147483648" r:id="rId1"/>
   </p:sldMasterIdLst>
   <p:notesMasterIdLst>
-    <p:notesMasterId r:id="rId12"/>
+    <p:notesMasterId r:id="rId15"/>
   </p:notesMasterIdLst>
   <p:handoutMasterIdLst>
-    <p:handoutMasterId r:id="rId13"/>
+    <p:handoutMasterId r:id="rId16"/>
   </p:handoutMasterIdLst>
   <p:sldIdLst>
     <p:sldId id="256" r:id="rId2"/>
-    <p:sldId id="287" r:id="rId3"/>
-    <p:sldId id="288" r:id="rId4"/>
-    <p:sldId id="289" r:id="rId5"/>
-    <p:sldId id="290" r:id="rId6"/>
-    <p:sldId id="291" r:id="rId7"/>
-    <p:sldId id="292" r:id="rId8"/>
-    <p:sldId id="293" r:id="rId9"/>
-    <p:sldId id="294" r:id="rId10"/>
-    <p:sldId id="279" r:id="rId11"/>
+    <p:sldId id="297" r:id="rId3"/>
+    <p:sldId id="298" r:id="rId4"/>
+    <p:sldId id="299" r:id="rId5"/>
+    <p:sldId id="287" r:id="rId6"/>
+    <p:sldId id="288" r:id="rId7"/>
+    <p:sldId id="289" r:id="rId8"/>
+    <p:sldId id="290" r:id="rId9"/>
+    <p:sldId id="291" r:id="rId10"/>
+    <p:sldId id="292" r:id="rId11"/>
+    <p:sldId id="293" r:id="rId12"/>
+    <p:sldId id="294" r:id="rId13"/>
+    <p:sldId id="279" r:id="rId14"/>
   </p:sldIdLst>
   <p:sldSz cx="12192000" cy="6858000"/>
   <p:notesSz cx="6858000" cy="9144000"/>
@@ -877,7 +880,7 @@
             <a:fld id="{B8649DAF-093F-4482-AA38-346E9A2DEE94}" type="slidenum">
               <a:rPr lang="en-ZA" altLang="ko-KR" smtClean="0"/>
               <a:pPr/>
-              <a:t>10</a:t>
+              <a:t>13</a:t>
             </a:fld>
             <a:endParaRPr lang="ko-KR" altLang="en-US" dirty="0"/>
           </a:p>
@@ -1388,7 +1391,15 @@
             <p:ph type="ftr" sz="quarter" idx="10"/>
           </p:nvPr>
         </p:nvSpPr>
-        <p:spPr/>
+        <p:spPr>
+          <a:xfrm>
+            <a:off x="431999" y="6188628"/>
+            <a:ext cx="8784941" cy="365125"/>
+          </a:xfrm>
+          <a:prstGeom prst="rect">
+            <a:avLst/>
+          </a:prstGeom>
+        </p:spPr>
         <p:txBody>
           <a:bodyPr rtlCol="0"/>
           <a:lstStyle>
@@ -1428,7 +1439,15 @@
             <p:ph type="sldNum" sz="quarter" idx="11"/>
           </p:nvPr>
         </p:nvSpPr>
-        <p:spPr/>
+        <p:spPr>
+          <a:xfrm>
+            <a:off x="10719228" y="6049533"/>
+            <a:ext cx="432000" cy="432000"/>
+          </a:xfrm>
+          <a:prstGeom prst="ellipse">
+            <a:avLst/>
+          </a:prstGeom>
+        </p:spPr>
         <p:txBody>
           <a:bodyPr rtlCol="0"/>
           <a:lstStyle>
@@ -1787,7 +1806,15 @@
             <p:ph type="ftr" sz="quarter" idx="10"/>
           </p:nvPr>
         </p:nvSpPr>
-        <p:spPr/>
+        <p:spPr>
+          <a:xfrm>
+            <a:off x="431999" y="6188628"/>
+            <a:ext cx="8784941" cy="365125"/>
+          </a:xfrm>
+          <a:prstGeom prst="rect">
+            <a:avLst/>
+          </a:prstGeom>
+        </p:spPr>
         <p:txBody>
           <a:bodyPr rtlCol="0"/>
           <a:lstStyle>
@@ -1829,7 +1856,15 @@
             <p:ph type="sldNum" sz="quarter" idx="11"/>
           </p:nvPr>
         </p:nvSpPr>
-        <p:spPr/>
+        <p:spPr>
+          <a:xfrm>
+            <a:off x="10719228" y="6049533"/>
+            <a:ext cx="432000" cy="432000"/>
+          </a:xfrm>
+          <a:prstGeom prst="ellipse">
+            <a:avLst/>
+          </a:prstGeom>
+        </p:spPr>
         <p:txBody>
           <a:bodyPr rtlCol="0"/>
           <a:lstStyle>
@@ -2395,7 +2430,15 @@
             <p:ph type="ftr" sz="quarter" idx="10"/>
           </p:nvPr>
         </p:nvSpPr>
-        <p:spPr/>
+        <p:spPr>
+          <a:xfrm>
+            <a:off x="431999" y="6188628"/>
+            <a:ext cx="8784941" cy="365125"/>
+          </a:xfrm>
+          <a:prstGeom prst="rect">
+            <a:avLst/>
+          </a:prstGeom>
+        </p:spPr>
         <p:txBody>
           <a:bodyPr rtlCol="0"/>
           <a:lstStyle>
@@ -2435,7 +2478,15 @@
             <p:ph type="sldNum" sz="quarter" idx="11"/>
           </p:nvPr>
         </p:nvSpPr>
-        <p:spPr/>
+        <p:spPr>
+          <a:xfrm>
+            <a:off x="10719228" y="6049533"/>
+            <a:ext cx="432000" cy="432000"/>
+          </a:xfrm>
+          <a:prstGeom prst="ellipse">
+            <a:avLst/>
+          </a:prstGeom>
+        </p:spPr>
         <p:txBody>
           <a:bodyPr rtlCol="0"/>
           <a:lstStyle>
@@ -3978,7 +4029,15 @@
             <p:ph type="ftr" sz="quarter" idx="10"/>
           </p:nvPr>
         </p:nvSpPr>
-        <p:spPr/>
+        <p:spPr>
+          <a:xfrm>
+            <a:off x="431999" y="6188628"/>
+            <a:ext cx="8784941" cy="365125"/>
+          </a:xfrm>
+          <a:prstGeom prst="rect">
+            <a:avLst/>
+          </a:prstGeom>
+        </p:spPr>
         <p:txBody>
           <a:bodyPr rtlCol="0"/>
           <a:lstStyle>
@@ -4018,7 +4077,15 @@
             <p:ph type="sldNum" sz="quarter" idx="11"/>
           </p:nvPr>
         </p:nvSpPr>
-        <p:spPr/>
+        <p:spPr>
+          <a:xfrm>
+            <a:off x="10719228" y="6049533"/>
+            <a:ext cx="432000" cy="432000"/>
+          </a:xfrm>
+          <a:prstGeom prst="ellipse">
+            <a:avLst/>
+          </a:prstGeom>
+        </p:spPr>
         <p:txBody>
           <a:bodyPr rtlCol="0"/>
           <a:lstStyle>
@@ -4737,7 +4804,15 @@
             <p:ph type="ftr" sz="quarter" idx="10"/>
           </p:nvPr>
         </p:nvSpPr>
-        <p:spPr/>
+        <p:spPr>
+          <a:xfrm>
+            <a:off x="431999" y="6188628"/>
+            <a:ext cx="8784941" cy="365125"/>
+          </a:xfrm>
+          <a:prstGeom prst="rect">
+            <a:avLst/>
+          </a:prstGeom>
+        </p:spPr>
         <p:txBody>
           <a:bodyPr rtlCol="0"/>
           <a:lstStyle>
@@ -4777,7 +4852,15 @@
             <p:ph type="sldNum" sz="quarter" idx="11"/>
           </p:nvPr>
         </p:nvSpPr>
-        <p:spPr/>
+        <p:spPr>
+          <a:xfrm>
+            <a:off x="10719228" y="6049533"/>
+            <a:ext cx="432000" cy="432000"/>
+          </a:xfrm>
+          <a:prstGeom prst="ellipse">
+            <a:avLst/>
+          </a:prstGeom>
+        </p:spPr>
         <p:txBody>
           <a:bodyPr rtlCol="0"/>
           <a:lstStyle>
@@ -5918,91 +6001,6 @@
               <a:t>마스터 제목 스타일 편집</a:t>
             </a:r>
             <a:endParaRPr lang="ko-KR" altLang="en-ZA" noProof="0" dirty="0"/>
-          </a:p>
-        </p:txBody>
-      </p:sp>
-      <p:sp>
-        <p:nvSpPr>
-          <p:cNvPr id="6" name="바닥글 개체 틀 5">
-            <a:extLst>
-              <a:ext uri="{FF2B5EF4-FFF2-40B4-BE49-F238E27FC236}">
-                <a16:creationId xmlns:a16="http://schemas.microsoft.com/office/drawing/2014/main" id="{29E5E346-F307-4307-949D-77CDB6E6577A}"/>
-              </a:ext>
-            </a:extLst>
-          </p:cNvPr>
-          <p:cNvSpPr>
-            <a:spLocks noGrp="1"/>
-          </p:cNvSpPr>
-          <p:nvPr>
-            <p:ph type="ftr" sz="quarter" idx="10"/>
-          </p:nvPr>
-        </p:nvSpPr>
-        <p:spPr/>
-        <p:txBody>
-          <a:bodyPr rtlCol="0"/>
-          <a:lstStyle>
-            <a:lvl1pPr>
-              <a:defRPr>
-                <a:solidFill>
-                  <a:schemeClr val="tx1">
-                    <a:lumMod val="75000"/>
-                    <a:lumOff val="25000"/>
-                  </a:schemeClr>
-                </a:solidFill>
-                <a:latin typeface="맑은 고딕" panose="020B0503020000020004" pitchFamily="50" charset="-127"/>
-                <a:ea typeface="맑은 고딕" panose="020B0503020000020004" pitchFamily="50" charset="-127"/>
-              </a:defRPr>
-            </a:lvl1pPr>
-          </a:lstStyle>
-          <a:p>
-            <a:r>
-              <a:rPr lang="ko-KR" altLang="en-US"/>
-              <a:t>바닥글 추가</a:t>
-            </a:r>
-            <a:endParaRPr lang="ko-KR" altLang="en-US" dirty="0"/>
-          </a:p>
-        </p:txBody>
-      </p:sp>
-      <p:sp>
-        <p:nvSpPr>
-          <p:cNvPr id="7" name="슬라이드 번호 개체 틀 6">
-            <a:extLst>
-              <a:ext uri="{FF2B5EF4-FFF2-40B4-BE49-F238E27FC236}">
-                <a16:creationId xmlns:a16="http://schemas.microsoft.com/office/drawing/2014/main" id="{BB4446C0-A637-4726-88A6-815A6AB63B96}"/>
-              </a:ext>
-            </a:extLst>
-          </p:cNvPr>
-          <p:cNvSpPr>
-            <a:spLocks noGrp="1"/>
-          </p:cNvSpPr>
-          <p:nvPr>
-            <p:ph type="sldNum" sz="quarter" idx="11"/>
-          </p:nvPr>
-        </p:nvSpPr>
-        <p:spPr/>
-        <p:txBody>
-          <a:bodyPr rtlCol="0"/>
-          <a:lstStyle>
-            <a:lvl1pPr>
-              <a:defRPr>
-                <a:solidFill>
-                  <a:schemeClr val="tx1">
-                    <a:lumMod val="75000"/>
-                    <a:lumOff val="25000"/>
-                  </a:schemeClr>
-                </a:solidFill>
-                <a:latin typeface="맑은 고딕" panose="020B0503020000020004" pitchFamily="50" charset="-127"/>
-                <a:ea typeface="맑은 고딕" panose="020B0503020000020004" pitchFamily="50" charset="-127"/>
-              </a:defRPr>
-            </a:lvl1pPr>
-          </a:lstStyle>
-          <a:p>
-            <a:fld id="{19B51A1E-902D-48AF-9020-955120F399B6}" type="slidenum">
-              <a:rPr lang="en-ZA" altLang="ko-KR" smtClean="0"/>
-              <a:pPr/>
-              <a:t>‹#›</a:t>
-            </a:fld>
-            <a:endParaRPr lang="ko-KR" altLang="en-US" dirty="0"/>
           </a:p>
         </p:txBody>
       </p:sp>
@@ -6757,6 +6755,47 @@
           </a:p>
         </p:txBody>
       </p:sp>
+      <p:sp>
+        <p:nvSpPr>
+          <p:cNvPr id="15" name="슬라이드 번호 개체 틀 3"/>
+          <p:cNvSpPr>
+            <a:spLocks noGrp="1"/>
+          </p:cNvSpPr>
+          <p:nvPr>
+            <p:ph type="sldNum" sz="quarter" idx="4"/>
+          </p:nvPr>
+        </p:nvSpPr>
+        <p:spPr>
+          <a:xfrm>
+            <a:off x="5908698" y="6119080"/>
+            <a:ext cx="461318" cy="365125"/>
+          </a:xfrm>
+          <a:prstGeom prst="rect">
+            <a:avLst/>
+          </a:prstGeom>
+        </p:spPr>
+        <p:txBody>
+          <a:bodyPr vert="horz" lIns="91440" tIns="45720" rIns="91440" bIns="45720" rtlCol="0" anchor="ctr"/>
+          <a:lstStyle>
+            <a:lvl1pPr algn="r">
+              <a:defRPr sz="1200">
+                <a:solidFill>
+                  <a:schemeClr val="tx1">
+                    <a:tint val="75000"/>
+                  </a:schemeClr>
+                </a:solidFill>
+              </a:defRPr>
+            </a:lvl1pPr>
+          </a:lstStyle>
+          <a:p>
+            <a:fld id="{AFD6F7B2-6BF5-405E-9100-D56ABF79EB94}" type="slidenum">
+              <a:rPr lang="ko-KR" altLang="en-US" smtClean="0"/>
+              <a:t>‹#›</a:t>
+            </a:fld>
+            <a:endParaRPr lang="ko-KR" altLang="en-US"/>
+          </a:p>
+        </p:txBody>
+      </p:sp>
     </p:spTree>
     <p:extLst>
       <p:ext uri="{BB962C8B-B14F-4D97-AF65-F5344CB8AC3E}">
@@ -7103,91 +7142,6 @@
               <a:t>마스터 제목 스타일 편집</a:t>
             </a:r>
             <a:endParaRPr lang="ko-KR" altLang="en-ZA" noProof="0" dirty="0"/>
-          </a:p>
-        </p:txBody>
-      </p:sp>
-      <p:sp>
-        <p:nvSpPr>
-          <p:cNvPr id="6" name="바닥글 개체 틀 5">
-            <a:extLst>
-              <a:ext uri="{FF2B5EF4-FFF2-40B4-BE49-F238E27FC236}">
-                <a16:creationId xmlns:a16="http://schemas.microsoft.com/office/drawing/2014/main" id="{29E5E346-F307-4307-949D-77CDB6E6577A}"/>
-              </a:ext>
-            </a:extLst>
-          </p:cNvPr>
-          <p:cNvSpPr>
-            <a:spLocks noGrp="1"/>
-          </p:cNvSpPr>
-          <p:nvPr>
-            <p:ph type="ftr" sz="quarter" idx="10"/>
-          </p:nvPr>
-        </p:nvSpPr>
-        <p:spPr/>
-        <p:txBody>
-          <a:bodyPr rtlCol="0"/>
-          <a:lstStyle>
-            <a:lvl1pPr>
-              <a:defRPr>
-                <a:solidFill>
-                  <a:schemeClr val="tx1">
-                    <a:lumMod val="75000"/>
-                    <a:lumOff val="25000"/>
-                  </a:schemeClr>
-                </a:solidFill>
-                <a:latin typeface="맑은 고딕" panose="020B0503020000020004" pitchFamily="50" charset="-127"/>
-                <a:ea typeface="맑은 고딕" panose="020B0503020000020004" pitchFamily="50" charset="-127"/>
-              </a:defRPr>
-            </a:lvl1pPr>
-          </a:lstStyle>
-          <a:p>
-            <a:r>
-              <a:rPr lang="ko-KR" altLang="en-US"/>
-              <a:t>바닥글 추가</a:t>
-            </a:r>
-            <a:endParaRPr lang="ko-KR" altLang="en-US" dirty="0"/>
-          </a:p>
-        </p:txBody>
-      </p:sp>
-      <p:sp>
-        <p:nvSpPr>
-          <p:cNvPr id="7" name="슬라이드 번호 개체 틀 6">
-            <a:extLst>
-              <a:ext uri="{FF2B5EF4-FFF2-40B4-BE49-F238E27FC236}">
-                <a16:creationId xmlns:a16="http://schemas.microsoft.com/office/drawing/2014/main" id="{BB4446C0-A637-4726-88A6-815A6AB63B96}"/>
-              </a:ext>
-            </a:extLst>
-          </p:cNvPr>
-          <p:cNvSpPr>
-            <a:spLocks noGrp="1"/>
-          </p:cNvSpPr>
-          <p:nvPr>
-            <p:ph type="sldNum" sz="quarter" idx="11"/>
-          </p:nvPr>
-        </p:nvSpPr>
-        <p:spPr/>
-        <p:txBody>
-          <a:bodyPr rtlCol="0"/>
-          <a:lstStyle>
-            <a:lvl1pPr>
-              <a:defRPr>
-                <a:solidFill>
-                  <a:schemeClr val="tx1">
-                    <a:lumMod val="75000"/>
-                    <a:lumOff val="25000"/>
-                  </a:schemeClr>
-                </a:solidFill>
-                <a:latin typeface="맑은 고딕" panose="020B0503020000020004" pitchFamily="50" charset="-127"/>
-                <a:ea typeface="맑은 고딕" panose="020B0503020000020004" pitchFamily="50" charset="-127"/>
-              </a:defRPr>
-            </a:lvl1pPr>
-          </a:lstStyle>
-          <a:p>
-            <a:fld id="{19B51A1E-902D-48AF-9020-955120F399B6}" type="slidenum">
-              <a:rPr lang="en-ZA" altLang="ko-KR" smtClean="0"/>
-              <a:pPr/>
-              <a:t>‹#›</a:t>
-            </a:fld>
-            <a:endParaRPr lang="ko-KR" altLang="en-US" dirty="0"/>
           </a:p>
         </p:txBody>
       </p:sp>
@@ -7799,6 +7753,47 @@
           </a:p>
         </p:txBody>
       </p:sp>
+      <p:sp>
+        <p:nvSpPr>
+          <p:cNvPr id="12" name="슬라이드 번호 개체 틀 3"/>
+          <p:cNvSpPr>
+            <a:spLocks noGrp="1"/>
+          </p:cNvSpPr>
+          <p:nvPr>
+            <p:ph type="sldNum" sz="quarter" idx="4"/>
+          </p:nvPr>
+        </p:nvSpPr>
+        <p:spPr>
+          <a:xfrm>
+            <a:off x="5908698" y="6119080"/>
+            <a:ext cx="461318" cy="365125"/>
+          </a:xfrm>
+          <a:prstGeom prst="rect">
+            <a:avLst/>
+          </a:prstGeom>
+        </p:spPr>
+        <p:txBody>
+          <a:bodyPr vert="horz" lIns="91440" tIns="45720" rIns="91440" bIns="45720" rtlCol="0" anchor="ctr"/>
+          <a:lstStyle>
+            <a:lvl1pPr algn="r">
+              <a:defRPr sz="1200">
+                <a:solidFill>
+                  <a:schemeClr val="tx1">
+                    <a:tint val="75000"/>
+                  </a:schemeClr>
+                </a:solidFill>
+              </a:defRPr>
+            </a:lvl1pPr>
+          </a:lstStyle>
+          <a:p>
+            <a:fld id="{AFD6F7B2-6BF5-405E-9100-D56ABF79EB94}" type="slidenum">
+              <a:rPr lang="ko-KR" altLang="en-US" smtClean="0"/>
+              <a:t>‹#›</a:t>
+            </a:fld>
+            <a:endParaRPr lang="ko-KR" altLang="en-US"/>
+          </a:p>
+        </p:txBody>
+      </p:sp>
     </p:spTree>
     <p:extLst>
       <p:ext uri="{BB962C8B-B14F-4D97-AF65-F5344CB8AC3E}">
@@ -7872,83 +7867,127 @@
       </p:sp>
       <p:sp>
         <p:nvSpPr>
-          <p:cNvPr id="6" name="바닥글 개체 틀 5">
-            <a:extLst>
-              <a:ext uri="{FF2B5EF4-FFF2-40B4-BE49-F238E27FC236}">
-                <a16:creationId xmlns:a16="http://schemas.microsoft.com/office/drawing/2014/main" id="{29E5E346-F307-4307-949D-77CDB6E6577A}"/>
-              </a:ext>
-            </a:extLst>
-          </p:cNvPr>
-          <p:cNvSpPr>
-            <a:spLocks noGrp="1"/>
+          <p:cNvPr id="5" name="슬라이드 번호 개체 틀 3"/>
+          <p:cNvSpPr txBox="1">
+            <a:spLocks/>
           </p:cNvSpPr>
-          <p:nvPr>
-            <p:ph type="ftr" sz="quarter" idx="10"/>
-          </p:nvPr>
-        </p:nvSpPr>
-        <p:spPr/>
-        <p:txBody>
-          <a:bodyPr rtlCol="0"/>
+          <p:nvPr userDrawn="1"/>
+        </p:nvSpPr>
+        <p:spPr>
+          <a:xfrm>
+            <a:off x="5908698" y="6119080"/>
+            <a:ext cx="461318" cy="365125"/>
+          </a:xfrm>
+          <a:prstGeom prst="rect">
+            <a:avLst/>
+          </a:prstGeom>
+        </p:spPr>
+        <p:txBody>
+          <a:bodyPr vert="horz" lIns="91440" tIns="45720" rIns="91440" bIns="45720" rtlCol="0" anchor="ctr"/>
           <a:lstStyle>
-            <a:lvl1pPr>
-              <a:defRPr>
-                <a:solidFill>
-                  <a:schemeClr val="tx1">
-                    <a:lumMod val="75000"/>
-                    <a:lumOff val="25000"/>
-                  </a:schemeClr>
-                </a:solidFill>
+            <a:defPPr rtl="0">
+              <a:defRPr lang="ko-kr"/>
+            </a:defPPr>
+            <a:lvl1pPr marL="0" algn="r" defTabSz="914400" rtl="0" eaLnBrk="1" latinLnBrk="0" hangingPunct="1">
+              <a:defRPr sz="1200" kern="1200">
+                <a:solidFill>
+                  <a:schemeClr val="tx1">
+                    <a:tint val="75000"/>
+                  </a:schemeClr>
+                </a:solidFill>
+                <a:latin typeface="+mn-lt"/>
+                <a:ea typeface="+mn-ea"/>
+                <a:cs typeface="+mn-cs"/>
               </a:defRPr>
             </a:lvl1pPr>
+            <a:lvl2pPr marL="457200" algn="l" defTabSz="914400" rtl="0" eaLnBrk="1" latinLnBrk="0" hangingPunct="1">
+              <a:defRPr sz="1800" kern="1200">
+                <a:solidFill>
+                  <a:schemeClr val="tx1"/>
+                </a:solidFill>
+                <a:latin typeface="+mn-lt"/>
+                <a:ea typeface="+mn-ea"/>
+                <a:cs typeface="+mn-cs"/>
+              </a:defRPr>
+            </a:lvl2pPr>
+            <a:lvl3pPr marL="914400" algn="l" defTabSz="914400" rtl="0" eaLnBrk="1" latinLnBrk="0" hangingPunct="1">
+              <a:defRPr sz="1800" kern="1200">
+                <a:solidFill>
+                  <a:schemeClr val="tx1"/>
+                </a:solidFill>
+                <a:latin typeface="+mn-lt"/>
+                <a:ea typeface="+mn-ea"/>
+                <a:cs typeface="+mn-cs"/>
+              </a:defRPr>
+            </a:lvl3pPr>
+            <a:lvl4pPr marL="1371600" algn="l" defTabSz="914400" rtl="0" eaLnBrk="1" latinLnBrk="0" hangingPunct="1">
+              <a:defRPr sz="1800" kern="1200">
+                <a:solidFill>
+                  <a:schemeClr val="tx1"/>
+                </a:solidFill>
+                <a:latin typeface="+mn-lt"/>
+                <a:ea typeface="+mn-ea"/>
+                <a:cs typeface="+mn-cs"/>
+              </a:defRPr>
+            </a:lvl4pPr>
+            <a:lvl5pPr marL="1828800" algn="l" defTabSz="914400" rtl="0" eaLnBrk="1" latinLnBrk="0" hangingPunct="1">
+              <a:defRPr sz="1800" kern="1200">
+                <a:solidFill>
+                  <a:schemeClr val="tx1"/>
+                </a:solidFill>
+                <a:latin typeface="+mn-lt"/>
+                <a:ea typeface="+mn-ea"/>
+                <a:cs typeface="+mn-cs"/>
+              </a:defRPr>
+            </a:lvl5pPr>
+            <a:lvl6pPr marL="2286000" algn="l" defTabSz="914400" rtl="0" eaLnBrk="1" latinLnBrk="0" hangingPunct="1">
+              <a:defRPr sz="1800" kern="1200">
+                <a:solidFill>
+                  <a:schemeClr val="tx1"/>
+                </a:solidFill>
+                <a:latin typeface="+mn-lt"/>
+                <a:ea typeface="+mn-ea"/>
+                <a:cs typeface="+mn-cs"/>
+              </a:defRPr>
+            </a:lvl6pPr>
+            <a:lvl7pPr marL="2743200" algn="l" defTabSz="914400" rtl="0" eaLnBrk="1" latinLnBrk="0" hangingPunct="1">
+              <a:defRPr sz="1800" kern="1200">
+                <a:solidFill>
+                  <a:schemeClr val="tx1"/>
+                </a:solidFill>
+                <a:latin typeface="+mn-lt"/>
+                <a:ea typeface="+mn-ea"/>
+                <a:cs typeface="+mn-cs"/>
+              </a:defRPr>
+            </a:lvl7pPr>
+            <a:lvl8pPr marL="3200400" algn="l" defTabSz="914400" rtl="0" eaLnBrk="1" latinLnBrk="0" hangingPunct="1">
+              <a:defRPr sz="1800" kern="1200">
+                <a:solidFill>
+                  <a:schemeClr val="tx1"/>
+                </a:solidFill>
+                <a:latin typeface="+mn-lt"/>
+                <a:ea typeface="+mn-ea"/>
+                <a:cs typeface="+mn-cs"/>
+              </a:defRPr>
+            </a:lvl8pPr>
+            <a:lvl9pPr marL="3657600" algn="l" defTabSz="914400" rtl="0" eaLnBrk="1" latinLnBrk="0" hangingPunct="1">
+              <a:defRPr sz="1800" kern="1200">
+                <a:solidFill>
+                  <a:schemeClr val="tx1"/>
+                </a:solidFill>
+                <a:latin typeface="+mn-lt"/>
+                <a:ea typeface="+mn-ea"/>
+                <a:cs typeface="+mn-cs"/>
+              </a:defRPr>
+            </a:lvl9pPr>
           </a:lstStyle>
           <a:p>
-            <a:pPr rtl="0"/>
-            <a:r>
-              <a:rPr lang="ko-KR" altLang="en-US" noProof="0" dirty="0"/>
-              <a:t>바닥글 추가</a:t>
-            </a:r>
-          </a:p>
-        </p:txBody>
-      </p:sp>
-      <p:sp>
-        <p:nvSpPr>
-          <p:cNvPr id="7" name="슬라이드 번호 개체 틀 6">
-            <a:extLst>
-              <a:ext uri="{FF2B5EF4-FFF2-40B4-BE49-F238E27FC236}">
-                <a16:creationId xmlns:a16="http://schemas.microsoft.com/office/drawing/2014/main" id="{BB4446C0-A637-4726-88A6-815A6AB63B96}"/>
-              </a:ext>
-            </a:extLst>
-          </p:cNvPr>
-          <p:cNvSpPr>
-            <a:spLocks noGrp="1"/>
-          </p:cNvSpPr>
-          <p:nvPr>
-            <p:ph type="sldNum" sz="quarter" idx="11"/>
-          </p:nvPr>
-        </p:nvSpPr>
-        <p:spPr/>
-        <p:txBody>
-          <a:bodyPr rtlCol="0"/>
-          <a:lstStyle>
-            <a:lvl1pPr>
-              <a:defRPr>
-                <a:solidFill>
-                  <a:schemeClr val="tx1">
-                    <a:lumMod val="75000"/>
-                    <a:lumOff val="25000"/>
-                  </a:schemeClr>
-                </a:solidFill>
-              </a:defRPr>
-            </a:lvl1pPr>
-          </a:lstStyle>
-          <a:p>
-            <a:pPr rtl="0"/>
-            <a:fld id="{19B51A1E-902D-48AF-9020-955120F399B6}" type="slidenum">
-              <a:rPr lang="en-ZA" altLang="ko-KR" noProof="0" smtClean="0"/>
+            <a:fld id="{AFD6F7B2-6BF5-405E-9100-D56ABF79EB94}" type="slidenum">
+              <a:rPr lang="ko-KR" altLang="en-US" smtClean="0"/>
               <a:pPr/>
               <a:t>‹#›</a:t>
             </a:fld>
-            <a:endParaRPr lang="ko-KR" altLang="en-US" noProof="0" dirty="0"/>
+            <a:endParaRPr lang="ko-KR" altLang="en-US"/>
           </a:p>
         </p:txBody>
       </p:sp>
@@ -8952,7 +8991,15 @@
             <p:ph type="sldNum" sz="quarter" idx="14"/>
           </p:nvPr>
         </p:nvSpPr>
-        <p:spPr/>
+        <p:spPr>
+          <a:xfrm>
+            <a:off x="10719228" y="6049533"/>
+            <a:ext cx="432000" cy="432000"/>
+          </a:xfrm>
+          <a:prstGeom prst="ellipse">
+            <a:avLst/>
+          </a:prstGeom>
+        </p:spPr>
         <p:txBody>
           <a:bodyPr rtlCol="0"/>
           <a:lstStyle>
@@ -9208,7 +9255,15 @@
             <p:ph type="sldNum" sz="quarter" idx="14"/>
           </p:nvPr>
         </p:nvSpPr>
-        <p:spPr/>
+        <p:spPr>
+          <a:xfrm>
+            <a:off x="10719228" y="6049533"/>
+            <a:ext cx="432000" cy="432000"/>
+          </a:xfrm>
+          <a:prstGeom prst="ellipse">
+            <a:avLst/>
+          </a:prstGeom>
+        </p:spPr>
         <p:txBody>
           <a:bodyPr rtlCol="0"/>
           <a:lstStyle>
@@ -9659,7 +9714,15 @@
             <p:ph type="ftr" sz="quarter" idx="10"/>
           </p:nvPr>
         </p:nvSpPr>
-        <p:spPr/>
+        <p:spPr>
+          <a:xfrm>
+            <a:off x="431999" y="6188628"/>
+            <a:ext cx="8784941" cy="365125"/>
+          </a:xfrm>
+          <a:prstGeom prst="rect">
+            <a:avLst/>
+          </a:prstGeom>
+        </p:spPr>
         <p:txBody>
           <a:bodyPr rtlCol="0"/>
           <a:lstStyle>
@@ -9701,7 +9764,15 @@
             <p:ph type="sldNum" sz="quarter" idx="11"/>
           </p:nvPr>
         </p:nvSpPr>
-        <p:spPr/>
+        <p:spPr>
+          <a:xfrm>
+            <a:off x="10719228" y="6049533"/>
+            <a:ext cx="432000" cy="432000"/>
+          </a:xfrm>
+          <a:prstGeom prst="ellipse">
+            <a:avLst/>
+          </a:prstGeom>
+        </p:spPr>
         <p:txBody>
           <a:bodyPr rtlCol="0"/>
           <a:lstStyle>
@@ -11470,7 +11541,15 @@
             <p:ph type="ftr" sz="quarter" idx="10"/>
           </p:nvPr>
         </p:nvSpPr>
-        <p:spPr/>
+        <p:spPr>
+          <a:xfrm>
+            <a:off x="431999" y="6188628"/>
+            <a:ext cx="8784941" cy="365125"/>
+          </a:xfrm>
+          <a:prstGeom prst="rect">
+            <a:avLst/>
+          </a:prstGeom>
+        </p:spPr>
         <p:txBody>
           <a:bodyPr rtlCol="0"/>
           <a:lstStyle>
@@ -11510,7 +11589,15 @@
             <p:ph type="sldNum" sz="quarter" idx="11"/>
           </p:nvPr>
         </p:nvSpPr>
-        <p:spPr/>
+        <p:spPr>
+          <a:xfrm>
+            <a:off x="10719228" y="6049533"/>
+            <a:ext cx="432000" cy="432000"/>
+          </a:xfrm>
+          <a:prstGeom prst="ellipse">
+            <a:avLst/>
+          </a:prstGeom>
+        </p:spPr>
         <p:txBody>
           <a:bodyPr rtlCol="0"/>
           <a:lstStyle>
@@ -11805,7 +11892,15 @@
             <p:ph type="ftr" sz="quarter" idx="10"/>
           </p:nvPr>
         </p:nvSpPr>
-        <p:spPr/>
+        <p:spPr>
+          <a:xfrm>
+            <a:off x="431999" y="6188628"/>
+            <a:ext cx="8784941" cy="365125"/>
+          </a:xfrm>
+          <a:prstGeom prst="rect">
+            <a:avLst/>
+          </a:prstGeom>
+        </p:spPr>
         <p:txBody>
           <a:bodyPr rtlCol="0"/>
           <a:lstStyle>
@@ -11845,7 +11940,15 @@
             <p:ph type="sldNum" sz="quarter" idx="11"/>
           </p:nvPr>
         </p:nvSpPr>
-        <p:spPr/>
+        <p:spPr>
+          <a:xfrm>
+            <a:off x="10719228" y="6049533"/>
+            <a:ext cx="432000" cy="432000"/>
+          </a:xfrm>
+          <a:prstGeom prst="ellipse">
+            <a:avLst/>
+          </a:prstGeom>
+        </p:spPr>
         <p:txBody>
           <a:bodyPr rtlCol="0"/>
           <a:lstStyle>
@@ -12203,7 +12306,15 @@
             <p:ph type="ftr" sz="quarter" idx="10"/>
           </p:nvPr>
         </p:nvSpPr>
-        <p:spPr/>
+        <p:spPr>
+          <a:xfrm>
+            <a:off x="431999" y="6188628"/>
+            <a:ext cx="8784941" cy="365125"/>
+          </a:xfrm>
+          <a:prstGeom prst="rect">
+            <a:avLst/>
+          </a:prstGeom>
+        </p:spPr>
         <p:txBody>
           <a:bodyPr rtlCol="0"/>
           <a:lstStyle>
@@ -12243,7 +12354,15 @@
             <p:ph type="sldNum" sz="quarter" idx="11"/>
           </p:nvPr>
         </p:nvSpPr>
-        <p:spPr/>
+        <p:spPr>
+          <a:xfrm>
+            <a:off x="10719228" y="6049533"/>
+            <a:ext cx="432000" cy="432000"/>
+          </a:xfrm>
+          <a:prstGeom prst="ellipse">
+            <a:avLst/>
+          </a:prstGeom>
+        </p:spPr>
         <p:txBody>
           <a:bodyPr rtlCol="0"/>
           <a:lstStyle>
@@ -14812,7 +14931,15 @@
             <p:ph type="ftr" sz="quarter" idx="10"/>
           </p:nvPr>
         </p:nvSpPr>
-        <p:spPr/>
+        <p:spPr>
+          <a:xfrm>
+            <a:off x="431999" y="6188628"/>
+            <a:ext cx="8784941" cy="365125"/>
+          </a:xfrm>
+          <a:prstGeom prst="rect">
+            <a:avLst/>
+          </a:prstGeom>
+        </p:spPr>
         <p:txBody>
           <a:bodyPr rtlCol="0"/>
           <a:lstStyle>
@@ -14854,7 +14981,15 @@
             <p:ph type="sldNum" sz="quarter" idx="11"/>
           </p:nvPr>
         </p:nvSpPr>
-        <p:spPr/>
+        <p:spPr>
+          <a:xfrm>
+            <a:off x="10719228" y="6049533"/>
+            <a:ext cx="432000" cy="432000"/>
+          </a:xfrm>
+          <a:prstGeom prst="ellipse">
+            <a:avLst/>
+          </a:prstGeom>
+        </p:spPr>
         <p:txBody>
           <a:bodyPr rtlCol="0"/>
           <a:lstStyle>
@@ -15551,7 +15686,15 @@
             <p:ph type="ftr" sz="quarter" idx="10"/>
           </p:nvPr>
         </p:nvSpPr>
-        <p:spPr/>
+        <p:spPr>
+          <a:xfrm>
+            <a:off x="431999" y="6188628"/>
+            <a:ext cx="8784941" cy="365125"/>
+          </a:xfrm>
+          <a:prstGeom prst="rect">
+            <a:avLst/>
+          </a:prstGeom>
+        </p:spPr>
         <p:txBody>
           <a:bodyPr rtlCol="0"/>
           <a:lstStyle>
@@ -15593,7 +15736,15 @@
             <p:ph type="sldNum" sz="quarter" idx="11"/>
           </p:nvPr>
         </p:nvSpPr>
-        <p:spPr/>
+        <p:spPr>
+          <a:xfrm>
+            <a:off x="10719228" y="6049533"/>
+            <a:ext cx="432000" cy="432000"/>
+          </a:xfrm>
+          <a:prstGeom prst="ellipse">
+            <a:avLst/>
+          </a:prstGeom>
+        </p:spPr>
         <p:txBody>
           <a:bodyPr rtlCol="0"/>
           <a:lstStyle>
@@ -15864,10 +16015,118 @@
       </p:grpSpPr>
       <p:sp>
         <p:nvSpPr>
-          <p:cNvPr id="7" name="팔각형 6">
-            <a:extLst>
-              <a:ext uri="{FF2B5EF4-FFF2-40B4-BE49-F238E27FC236}">
-                <a16:creationId xmlns:a16="http://schemas.microsoft.com/office/drawing/2014/main" id="{12B87281-2FCA-44C5-BFC9-FD653787EFC4}"/>
+          <p:cNvPr id="2" name="제목 개체 틀 1">
+            <a:extLst>
+              <a:ext uri="{FF2B5EF4-FFF2-40B4-BE49-F238E27FC236}">
+                <a16:creationId xmlns:a16="http://schemas.microsoft.com/office/drawing/2014/main" id="{090F41A2-6535-4CA6-81E4-026A5B56D9D7}"/>
+              </a:ext>
+            </a:extLst>
+          </p:cNvPr>
+          <p:cNvSpPr>
+            <a:spLocks noGrp="1"/>
+          </p:cNvSpPr>
+          <p:nvPr>
+            <p:ph type="title"/>
+          </p:nvPr>
+        </p:nvSpPr>
+        <p:spPr>
+          <a:xfrm>
+            <a:off x="432000" y="432000"/>
+            <a:ext cx="11340000" cy="432000"/>
+          </a:xfrm>
+          <a:prstGeom prst="rect">
+            <a:avLst/>
+          </a:prstGeom>
+        </p:spPr>
+        <p:txBody>
+          <a:bodyPr vert="horz" lIns="0" tIns="0" rIns="0" bIns="0" rtlCol="0" anchor="ctr">
+            <a:noAutofit/>
+          </a:bodyPr>
+          <a:lstStyle/>
+          <a:p>
+            <a:pPr rtl="0"/>
+            <a:r>
+              <a:rPr lang="ko-KR" altLang="en-US" noProof="0" dirty="0"/>
+              <a:t>마스터 제목 스타일 편집</a:t>
+            </a:r>
+            <a:endParaRPr lang="ko-KR" altLang="en-ZA" noProof="0" dirty="0"/>
+          </a:p>
+        </p:txBody>
+      </p:sp>
+      <p:sp>
+        <p:nvSpPr>
+          <p:cNvPr id="3" name="텍스트 개체 틀 2">
+            <a:extLst>
+              <a:ext uri="{FF2B5EF4-FFF2-40B4-BE49-F238E27FC236}">
+                <a16:creationId xmlns:a16="http://schemas.microsoft.com/office/drawing/2014/main" id="{213AB95C-7DD4-4796-80E4-1B7466A2A037}"/>
+              </a:ext>
+            </a:extLst>
+          </p:cNvPr>
+          <p:cNvSpPr>
+            <a:spLocks noGrp="1"/>
+          </p:cNvSpPr>
+          <p:nvPr>
+            <p:ph type="body" idx="1"/>
+          </p:nvPr>
+        </p:nvSpPr>
+        <p:spPr>
+          <a:xfrm>
+            <a:off x="432000" y="1152000"/>
+            <a:ext cx="11340000" cy="4680000"/>
+          </a:xfrm>
+          <a:prstGeom prst="rect">
+            <a:avLst/>
+          </a:prstGeom>
+        </p:spPr>
+        <p:txBody>
+          <a:bodyPr vert="horz" lIns="0" tIns="0" rIns="0" bIns="0" rtlCol="0">
+            <a:noAutofit/>
+          </a:bodyPr>
+          <a:lstStyle/>
+          <a:p>
+            <a:pPr lvl="0" rtl="0"/>
+            <a:r>
+              <a:rPr lang="ko-KR" altLang="en-US" noProof="0" dirty="0"/>
+              <a:t>마스터 텍스트 스타일 편집</a:t>
+            </a:r>
+          </a:p>
+          <a:p>
+            <a:pPr lvl="1" rtl="0"/>
+            <a:r>
+              <a:rPr lang="ko-KR" altLang="en-US" noProof="0" dirty="0"/>
+              <a:t>둘째 수준</a:t>
+            </a:r>
+          </a:p>
+          <a:p>
+            <a:pPr lvl="2" rtl="0"/>
+            <a:r>
+              <a:rPr lang="ko-KR" altLang="en-US" noProof="0" dirty="0"/>
+              <a:t>셋째 수준</a:t>
+            </a:r>
+          </a:p>
+          <a:p>
+            <a:pPr lvl="3" rtl="0"/>
+            <a:r>
+              <a:rPr lang="ko-KR" altLang="en-US" noProof="0" dirty="0"/>
+              <a:t>넷째 수준</a:t>
+            </a:r>
+          </a:p>
+          <a:p>
+            <a:pPr lvl="4" rtl="0"/>
+            <a:r>
+              <a:rPr lang="ko-KR" altLang="en-US" noProof="0" dirty="0"/>
+              <a:t>다섯째 수준</a:t>
+            </a:r>
+            <a:endParaRPr lang="ko-KR" altLang="en-ZA" noProof="0" dirty="0"/>
+          </a:p>
+        </p:txBody>
+      </p:sp>
+      <p:sp>
+        <p:nvSpPr>
+          <p:cNvPr id="18" name="직사각형 17">
+            <a:extLst>
+              <a:ext uri="{FF2B5EF4-FFF2-40B4-BE49-F238E27FC236}">
+                <a16:creationId xmlns:a16="http://schemas.microsoft.com/office/drawing/2014/main" id="{7E3C8C5B-6356-4B7C-887C-A436D7DB4059}"/>
               </a:ext>
             </a:extLst>
           </p:cNvPr>
@@ -15875,21 +16134,20 @@
           <p:nvPr userDrawn="1"/>
         </p:nvSpPr>
         <p:spPr>
-          <a:xfrm rot="1361022">
-            <a:off x="11394972" y="6053793"/>
-            <a:ext cx="634795" cy="634795"/>
-          </a:xfrm>
-          <a:prstGeom prst="octagon">
+          <a:xfrm>
+            <a:off x="0" y="6771286"/>
+            <a:ext cx="12192000" cy="86714"/>
+          </a:xfrm>
+          <a:prstGeom prst="rect">
             <a:avLst/>
           </a:prstGeom>
-          <a:noFill/>
-          <a:ln w="3175">
-            <a:solidFill>
-              <a:schemeClr val="bg1">
-                <a:lumMod val="85000"/>
-              </a:schemeClr>
-            </a:solidFill>
-            <a:prstDash val="solid"/>
+          <a:solidFill>
+            <a:schemeClr val="bg1">
+              <a:lumMod val="95000"/>
+            </a:schemeClr>
+          </a:solidFill>
+          <a:ln>
+            <a:noFill/>
           </a:ln>
         </p:spPr>
         <p:style>
@@ -15922,239 +16180,27 @@
       </p:sp>
       <p:sp>
         <p:nvSpPr>
-          <p:cNvPr id="2" name="제목 개체 틀 1">
-            <a:extLst>
-              <a:ext uri="{FF2B5EF4-FFF2-40B4-BE49-F238E27FC236}">
-                <a16:creationId xmlns:a16="http://schemas.microsoft.com/office/drawing/2014/main" id="{090F41A2-6535-4CA6-81E4-026A5B56D9D7}"/>
-              </a:ext>
-            </a:extLst>
-          </p:cNvPr>
-          <p:cNvSpPr>
-            <a:spLocks noGrp="1"/>
-          </p:cNvSpPr>
-          <p:nvPr>
-            <p:ph type="title"/>
-          </p:nvPr>
+          <p:cNvPr id="19" name="직사각형 18">
+            <a:extLst>
+              <a:ext uri="{FF2B5EF4-FFF2-40B4-BE49-F238E27FC236}">
+                <a16:creationId xmlns:a16="http://schemas.microsoft.com/office/drawing/2014/main" id="{13120C00-0FF6-411F-B2D6-C625ED6BD241}"/>
+              </a:ext>
+            </a:extLst>
+          </p:cNvPr>
+          <p:cNvSpPr/>
+          <p:nvPr userDrawn="1"/>
         </p:nvSpPr>
         <p:spPr>
           <a:xfrm>
-            <a:off x="432000" y="432000"/>
-            <a:ext cx="11340000" cy="432000"/>
+            <a:off x="0" y="0"/>
+            <a:ext cx="12192000" cy="86714"/>
           </a:xfrm>
           <a:prstGeom prst="rect">
             <a:avLst/>
           </a:prstGeom>
-        </p:spPr>
-        <p:txBody>
-          <a:bodyPr vert="horz" lIns="0" tIns="0" rIns="0" bIns="0" rtlCol="0" anchor="ctr">
-            <a:noAutofit/>
-          </a:bodyPr>
-          <a:lstStyle/>
-          <a:p>
-            <a:pPr rtl="0"/>
-            <a:r>
-              <a:rPr lang="ko-KR" altLang="en-US" noProof="0" dirty="0"/>
-              <a:t>마스터 제목 스타일 편집</a:t>
-            </a:r>
-            <a:endParaRPr lang="ko-KR" altLang="en-ZA" noProof="0" dirty="0"/>
-          </a:p>
-        </p:txBody>
-      </p:sp>
-      <p:sp>
-        <p:nvSpPr>
-          <p:cNvPr id="3" name="텍스트 개체 틀 2">
-            <a:extLst>
-              <a:ext uri="{FF2B5EF4-FFF2-40B4-BE49-F238E27FC236}">
-                <a16:creationId xmlns:a16="http://schemas.microsoft.com/office/drawing/2014/main" id="{213AB95C-7DD4-4796-80E4-1B7466A2A037}"/>
-              </a:ext>
-            </a:extLst>
-          </p:cNvPr>
-          <p:cNvSpPr>
-            <a:spLocks noGrp="1"/>
-          </p:cNvSpPr>
-          <p:nvPr>
-            <p:ph type="body" idx="1"/>
-          </p:nvPr>
-        </p:nvSpPr>
-        <p:spPr>
-          <a:xfrm>
-            <a:off x="432000" y="1152000"/>
-            <a:ext cx="11340000" cy="4680000"/>
-          </a:xfrm>
-          <a:prstGeom prst="rect">
-            <a:avLst/>
-          </a:prstGeom>
-        </p:spPr>
-        <p:txBody>
-          <a:bodyPr vert="horz" lIns="0" tIns="0" rIns="0" bIns="0" rtlCol="0">
-            <a:noAutofit/>
-          </a:bodyPr>
-          <a:lstStyle/>
-          <a:p>
-            <a:pPr lvl="0" rtl="0"/>
-            <a:r>
-              <a:rPr lang="ko-KR" altLang="en-US" noProof="0" dirty="0"/>
-              <a:t>마스터 텍스트 스타일 편집</a:t>
-            </a:r>
-          </a:p>
-          <a:p>
-            <a:pPr lvl="1" rtl="0"/>
-            <a:r>
-              <a:rPr lang="ko-KR" altLang="en-US" noProof="0" dirty="0"/>
-              <a:t>둘째 수준</a:t>
-            </a:r>
-          </a:p>
-          <a:p>
-            <a:pPr lvl="2" rtl="0"/>
-            <a:r>
-              <a:rPr lang="ko-KR" altLang="en-US" noProof="0" dirty="0"/>
-              <a:t>셋째 수준</a:t>
-            </a:r>
-          </a:p>
-          <a:p>
-            <a:pPr lvl="3" rtl="0"/>
-            <a:r>
-              <a:rPr lang="ko-KR" altLang="en-US" noProof="0" dirty="0"/>
-              <a:t>넷째 수준</a:t>
-            </a:r>
-          </a:p>
-          <a:p>
-            <a:pPr lvl="4" rtl="0"/>
-            <a:r>
-              <a:rPr lang="ko-KR" altLang="en-US" noProof="0" dirty="0"/>
-              <a:t>다섯째 수준</a:t>
-            </a:r>
-            <a:endParaRPr lang="ko-KR" altLang="en-ZA" noProof="0" dirty="0"/>
-          </a:p>
-        </p:txBody>
-      </p:sp>
-      <p:sp>
-        <p:nvSpPr>
-          <p:cNvPr id="5" name="바닥글 개체 틀 4">
-            <a:extLst>
-              <a:ext uri="{FF2B5EF4-FFF2-40B4-BE49-F238E27FC236}">
-                <a16:creationId xmlns:a16="http://schemas.microsoft.com/office/drawing/2014/main" id="{58879C91-B77F-4273-9A27-A3535FB889DB}"/>
-              </a:ext>
-            </a:extLst>
-          </p:cNvPr>
-          <p:cNvSpPr>
-            <a:spLocks noGrp="1"/>
-          </p:cNvSpPr>
-          <p:nvPr>
-            <p:ph type="ftr" sz="quarter" idx="3"/>
-          </p:nvPr>
-        </p:nvSpPr>
-        <p:spPr>
-          <a:xfrm>
-            <a:off x="431999" y="6188628"/>
-            <a:ext cx="8784941" cy="365125"/>
-          </a:xfrm>
-          <a:prstGeom prst="rect">
-            <a:avLst/>
-          </a:prstGeom>
-        </p:spPr>
-        <p:txBody>
-          <a:bodyPr vert="horz" lIns="0" tIns="0" rIns="0" bIns="0" rtlCol="0" anchor="ctr"/>
-          <a:lstStyle>
-            <a:lvl1pPr algn="l">
-              <a:defRPr sz="1200">
-                <a:solidFill>
-                  <a:schemeClr val="tx1">
-                    <a:lumMod val="75000"/>
-                    <a:lumOff val="25000"/>
-                  </a:schemeClr>
-                </a:solidFill>
-                <a:latin typeface="맑은 고딕" panose="020B0503020000020004" pitchFamily="50" charset="-127"/>
-                <a:ea typeface="맑은 고딕" panose="020B0503020000020004" pitchFamily="50" charset="-127"/>
-              </a:defRPr>
-            </a:lvl1pPr>
-          </a:lstStyle>
-          <a:p>
-            <a:r>
-              <a:rPr lang="ko-KR" altLang="en-US" dirty="0"/>
-              <a:t>바닥글 추가</a:t>
-            </a:r>
-          </a:p>
-        </p:txBody>
-      </p:sp>
-      <p:sp>
-        <p:nvSpPr>
-          <p:cNvPr id="6" name="슬라이드 번호 개체 틀 5">
-            <a:extLst>
-              <a:ext uri="{FF2B5EF4-FFF2-40B4-BE49-F238E27FC236}">
-                <a16:creationId xmlns:a16="http://schemas.microsoft.com/office/drawing/2014/main" id="{5ECA3099-A94F-4C3E-BC29-780EDD38F722}"/>
-              </a:ext>
-            </a:extLst>
-          </p:cNvPr>
-          <p:cNvSpPr>
-            <a:spLocks noGrp="1"/>
-          </p:cNvSpPr>
-          <p:nvPr>
-            <p:ph type="sldNum" sz="quarter" idx="4"/>
-          </p:nvPr>
-        </p:nvSpPr>
-        <p:spPr>
-          <a:xfrm>
-            <a:off x="11496369" y="6155190"/>
-            <a:ext cx="432000" cy="432000"/>
-          </a:xfrm>
-          <a:prstGeom prst="ellipse">
-            <a:avLst/>
-          </a:prstGeom>
-          <a:noFill/>
-          <a:ln w="3175">
-            <a:solidFill>
-              <a:schemeClr val="accent1"/>
-            </a:solidFill>
-          </a:ln>
-        </p:spPr>
-        <p:txBody>
-          <a:bodyPr vert="horz" lIns="0" tIns="0" rIns="0" bIns="0" rtlCol="0" anchor="ctr"/>
-          <a:lstStyle>
-            <a:lvl1pPr algn="ctr">
-              <a:defRPr sz="1200" b="1" i="1">
-                <a:solidFill>
-                  <a:schemeClr val="tx1"/>
-                </a:solidFill>
-                <a:latin typeface="맑은 고딕" panose="020B0503020000020004" pitchFamily="50" charset="-127"/>
-                <a:ea typeface="맑은 고딕" panose="020B0503020000020004" pitchFamily="50" charset="-127"/>
-              </a:defRPr>
-            </a:lvl1pPr>
-          </a:lstStyle>
-          <a:p>
-            <a:fld id="{19B51A1E-902D-48AF-9020-955120F399B6}" type="slidenum">
-              <a:rPr lang="en-ZA" altLang="ko-KR" smtClean="0"/>
-              <a:pPr/>
-              <a:t>‹#›</a:t>
-            </a:fld>
-            <a:endParaRPr lang="ko-KR" altLang="en-US" dirty="0"/>
-          </a:p>
-        </p:txBody>
-      </p:sp>
-      <p:sp>
-        <p:nvSpPr>
-          <p:cNvPr id="9" name="타원 8">
-            <a:extLst>
-              <a:ext uri="{FF2B5EF4-FFF2-40B4-BE49-F238E27FC236}">
-                <a16:creationId xmlns:a16="http://schemas.microsoft.com/office/drawing/2014/main" id="{B66BF03E-F48E-4C0A-9078-07AC4DDF896A}"/>
-              </a:ext>
-            </a:extLst>
-          </p:cNvPr>
-          <p:cNvSpPr/>
-          <p:nvPr userDrawn="1"/>
-        </p:nvSpPr>
-        <p:spPr>
-          <a:xfrm>
-            <a:off x="11533871" y="6185902"/>
-            <a:ext cx="73515" cy="73515"/>
-          </a:xfrm>
-          <a:prstGeom prst="ellipse">
-            <a:avLst/>
-          </a:prstGeom>
           <a:solidFill>
-            <a:schemeClr val="accent1">
-              <a:lumMod val="60000"/>
-              <a:lumOff val="40000"/>
+            <a:schemeClr val="bg1">
+              <a:lumMod val="95000"/>
             </a:schemeClr>
           </a:solidFill>
           <a:ln>
@@ -16183,9 +16229,6 @@
           <a:p>
             <a:pPr algn="ctr" rtl="0"/>
             <a:endParaRPr lang="ko-KR" altLang="en-ZA" noProof="0" dirty="0">
-              <a:solidFill>
-                <a:schemeClr val="accent1"/>
-              </a:solidFill>
               <a:latin typeface="맑은 고딕" panose="020B0503020000020004" pitchFamily="50" charset="-127"/>
               <a:ea typeface="맑은 고딕" panose="020B0503020000020004" pitchFamily="50" charset="-127"/>
             </a:endParaRPr>
@@ -16194,10 +16237,10 @@
       </p:sp>
       <p:sp>
         <p:nvSpPr>
-          <p:cNvPr id="10" name="타원 9">
-            <a:extLst>
-              <a:ext uri="{FF2B5EF4-FFF2-40B4-BE49-F238E27FC236}">
-                <a16:creationId xmlns:a16="http://schemas.microsoft.com/office/drawing/2014/main" id="{9F827500-FC74-463C-9312-BC59104AEBD6}"/>
+          <p:cNvPr id="20" name="직사각형 19">
+            <a:extLst>
+              <a:ext uri="{FF2B5EF4-FFF2-40B4-BE49-F238E27FC236}">
+                <a16:creationId xmlns:a16="http://schemas.microsoft.com/office/drawing/2014/main" id="{2D142C1D-78E5-4AD5-BEF3-C015D6E3FEBD}"/>
               </a:ext>
             </a:extLst>
           </p:cNvPr>
@@ -16205,16 +16248,16 @@
           <p:nvPr userDrawn="1"/>
         </p:nvSpPr>
         <p:spPr>
-          <a:xfrm>
-            <a:off x="11892084" y="6561525"/>
-            <a:ext cx="100439" cy="100439"/>
-          </a:xfrm>
-          <a:prstGeom prst="ellipse">
+          <a:xfrm rot="5400000">
+            <a:off x="-3385643" y="3385642"/>
+            <a:ext cx="6858001" cy="86714"/>
+          </a:xfrm>
+          <a:prstGeom prst="rect">
             <a:avLst/>
           </a:prstGeom>
           <a:solidFill>
-            <a:schemeClr val="accent1">
-              <a:lumMod val="75000"/>
+            <a:schemeClr val="bg1">
+              <a:lumMod val="95000"/>
             </a:schemeClr>
           </a:solidFill>
           <a:ln>
@@ -16251,73 +16294,31 @@
       </p:sp>
       <p:sp>
         <p:nvSpPr>
-          <p:cNvPr id="11" name="텍스트 상자 10">
-            <a:extLst>
-              <a:ext uri="{FF2B5EF4-FFF2-40B4-BE49-F238E27FC236}">
-                <a16:creationId xmlns:a16="http://schemas.microsoft.com/office/drawing/2014/main" id="{110EE18F-610D-4230-BA82-4E5007401ADD}"/>
-              </a:ext>
-            </a:extLst>
-          </p:cNvPr>
-          <p:cNvSpPr txBox="1"/>
+          <p:cNvPr id="21" name="직사각형 20">
+            <a:extLst>
+              <a:ext uri="{FF2B5EF4-FFF2-40B4-BE49-F238E27FC236}">
+                <a16:creationId xmlns:a16="http://schemas.microsoft.com/office/drawing/2014/main" id="{300D9306-2240-47FF-AA2F-DC7C26A008A4}"/>
+              </a:ext>
+            </a:extLst>
+          </p:cNvPr>
+          <p:cNvSpPr/>
           <p:nvPr userDrawn="1"/>
         </p:nvSpPr>
         <p:spPr>
-          <a:xfrm>
-            <a:off x="8734570" y="6278857"/>
-            <a:ext cx="2510557" cy="184666"/>
+          <a:xfrm rot="5400000">
+            <a:off x="8719643" y="3385643"/>
+            <a:ext cx="6858000" cy="86714"/>
           </a:xfrm>
           <a:prstGeom prst="rect">
             <a:avLst/>
           </a:prstGeom>
-          <a:noFill/>
-        </p:spPr>
-        <p:txBody>
-          <a:bodyPr wrap="square" lIns="0" tIns="0" rIns="0" bIns="0" rtlCol="0">
-            <a:noAutofit/>
-          </a:bodyPr>
-          <a:lstStyle/>
-          <a:p>
-            <a:pPr algn="r" rtl="0"/>
-            <a:r>
-              <a:rPr lang="ko-KR" altLang="en-US" sz="1200" noProof="0" dirty="0">
-                <a:solidFill>
-                  <a:schemeClr val="tx2"/>
-                </a:solidFill>
-                <a:latin typeface="맑은 고딕" panose="020B0503020000020004" pitchFamily="50" charset="-127"/>
-                <a:ea typeface="맑은 고딕" panose="020B0503020000020004" pitchFamily="50" charset="-127"/>
-              </a:rPr>
-              <a:t>여기에 로고 또는 이름 삽입</a:t>
-            </a:r>
-          </a:p>
-        </p:txBody>
-      </p:sp>
-      <p:sp>
-        <p:nvSpPr>
-          <p:cNvPr id="14" name="타원 13">
-            <a:extLst>
-              <a:ext uri="{FF2B5EF4-FFF2-40B4-BE49-F238E27FC236}">
-                <a16:creationId xmlns:a16="http://schemas.microsoft.com/office/drawing/2014/main" id="{2AF375EA-F235-4EAA-A52F-D6BF0D6EDDCA}"/>
-              </a:ext>
-            </a:extLst>
-          </p:cNvPr>
-          <p:cNvSpPr/>
-          <p:nvPr userDrawn="1"/>
-        </p:nvSpPr>
-        <p:spPr>
-          <a:xfrm>
-            <a:off x="11342875" y="5990144"/>
-            <a:ext cx="260512" cy="260512"/>
-          </a:xfrm>
-          <a:prstGeom prst="ellipse">
-            <a:avLst/>
-          </a:prstGeom>
-          <a:noFill/>
-          <a:ln w="3175">
-            <a:solidFill>
-              <a:schemeClr val="bg1">
-                <a:lumMod val="85000"/>
-              </a:schemeClr>
-            </a:solidFill>
+          <a:solidFill>
+            <a:schemeClr val="bg1">
+              <a:lumMod val="95000"/>
+            </a:schemeClr>
+          </a:solidFill>
+          <a:ln>
+            <a:noFill/>
           </a:ln>
         </p:spPr>
         <p:style>
@@ -16342,9 +16343,6 @@
           <a:p>
             <a:pPr algn="ctr" rtl="0"/>
             <a:endParaRPr lang="ko-KR" altLang="en-ZA" noProof="0" dirty="0">
-              <a:solidFill>
-                <a:schemeClr val="accent1"/>
-              </a:solidFill>
               <a:latin typeface="맑은 고딕" panose="020B0503020000020004" pitchFamily="50" charset="-127"/>
               <a:ea typeface="맑은 고딕" panose="020B0503020000020004" pitchFamily="50" charset="-127"/>
             </a:endParaRPr>
@@ -16353,229 +16351,42 @@
       </p:sp>
       <p:sp>
         <p:nvSpPr>
-          <p:cNvPr id="18" name="직사각형 17">
-            <a:extLst>
-              <a:ext uri="{FF2B5EF4-FFF2-40B4-BE49-F238E27FC236}">
-                <a16:creationId xmlns:a16="http://schemas.microsoft.com/office/drawing/2014/main" id="{7E3C8C5B-6356-4B7C-887C-A436D7DB4059}"/>
-              </a:ext>
-            </a:extLst>
-          </p:cNvPr>
-          <p:cNvSpPr/>
-          <p:nvPr userDrawn="1"/>
+          <p:cNvPr id="4" name="슬라이드 번호 개체 틀 3"/>
+          <p:cNvSpPr>
+            <a:spLocks noGrp="1"/>
+          </p:cNvSpPr>
+          <p:nvPr>
+            <p:ph type="sldNum" sz="quarter" idx="4"/>
+          </p:nvPr>
         </p:nvSpPr>
         <p:spPr>
           <a:xfrm>
-            <a:off x="0" y="6771286"/>
-            <a:ext cx="12192000" cy="86714"/>
+            <a:off x="5908698" y="6119080"/>
+            <a:ext cx="461318" cy="365125"/>
           </a:xfrm>
           <a:prstGeom prst="rect">
             <a:avLst/>
           </a:prstGeom>
-          <a:solidFill>
-            <a:schemeClr val="bg1">
-              <a:lumMod val="95000"/>
-            </a:schemeClr>
-          </a:solidFill>
-          <a:ln>
-            <a:noFill/>
-          </a:ln>
-        </p:spPr>
-        <p:style>
-          <a:lnRef idx="2">
-            <a:schemeClr val="accent1">
-              <a:shade val="50000"/>
-            </a:schemeClr>
-          </a:lnRef>
-          <a:fillRef idx="1">
-            <a:schemeClr val="accent1"/>
-          </a:fillRef>
-          <a:effectRef idx="0">
-            <a:schemeClr val="accent1"/>
-          </a:effectRef>
-          <a:fontRef idx="minor">
-            <a:schemeClr val="lt1"/>
-          </a:fontRef>
-        </p:style>
-        <p:txBody>
-          <a:bodyPr rtlCol="0" anchor="ctr"/>
-          <a:lstStyle/>
-          <a:p>
-            <a:pPr algn="ctr" rtl="0"/>
-            <a:endParaRPr lang="ko-KR" altLang="en-ZA" noProof="0" dirty="0">
-              <a:latin typeface="맑은 고딕" panose="020B0503020000020004" pitchFamily="50" charset="-127"/>
-              <a:ea typeface="맑은 고딕" panose="020B0503020000020004" pitchFamily="50" charset="-127"/>
-            </a:endParaRPr>
-          </a:p>
-        </p:txBody>
-      </p:sp>
-      <p:sp>
-        <p:nvSpPr>
-          <p:cNvPr id="19" name="직사각형 18">
-            <a:extLst>
-              <a:ext uri="{FF2B5EF4-FFF2-40B4-BE49-F238E27FC236}">
-                <a16:creationId xmlns:a16="http://schemas.microsoft.com/office/drawing/2014/main" id="{13120C00-0FF6-411F-B2D6-C625ED6BD241}"/>
-              </a:ext>
-            </a:extLst>
-          </p:cNvPr>
-          <p:cNvSpPr/>
-          <p:nvPr userDrawn="1"/>
-        </p:nvSpPr>
-        <p:spPr>
-          <a:xfrm>
-            <a:off x="0" y="0"/>
-            <a:ext cx="12192000" cy="86714"/>
-          </a:xfrm>
-          <a:prstGeom prst="rect">
-            <a:avLst/>
-          </a:prstGeom>
-          <a:solidFill>
-            <a:schemeClr val="bg1">
-              <a:lumMod val="95000"/>
-            </a:schemeClr>
-          </a:solidFill>
-          <a:ln>
-            <a:noFill/>
-          </a:ln>
-        </p:spPr>
-        <p:style>
-          <a:lnRef idx="2">
-            <a:schemeClr val="accent1">
-              <a:shade val="50000"/>
-            </a:schemeClr>
-          </a:lnRef>
-          <a:fillRef idx="1">
-            <a:schemeClr val="accent1"/>
-          </a:fillRef>
-          <a:effectRef idx="0">
-            <a:schemeClr val="accent1"/>
-          </a:effectRef>
-          <a:fontRef idx="minor">
-            <a:schemeClr val="lt1"/>
-          </a:fontRef>
-        </p:style>
-        <p:txBody>
-          <a:bodyPr rtlCol="0" anchor="ctr"/>
-          <a:lstStyle/>
-          <a:p>
-            <a:pPr algn="ctr" rtl="0"/>
-            <a:endParaRPr lang="ko-KR" altLang="en-ZA" noProof="0" dirty="0">
-              <a:latin typeface="맑은 고딕" panose="020B0503020000020004" pitchFamily="50" charset="-127"/>
-              <a:ea typeface="맑은 고딕" panose="020B0503020000020004" pitchFamily="50" charset="-127"/>
-            </a:endParaRPr>
-          </a:p>
-        </p:txBody>
-      </p:sp>
-      <p:sp>
-        <p:nvSpPr>
-          <p:cNvPr id="20" name="직사각형 19">
-            <a:extLst>
-              <a:ext uri="{FF2B5EF4-FFF2-40B4-BE49-F238E27FC236}">
-                <a16:creationId xmlns:a16="http://schemas.microsoft.com/office/drawing/2014/main" id="{2D142C1D-78E5-4AD5-BEF3-C015D6E3FEBD}"/>
-              </a:ext>
-            </a:extLst>
-          </p:cNvPr>
-          <p:cNvSpPr/>
-          <p:nvPr userDrawn="1"/>
-        </p:nvSpPr>
-        <p:spPr>
-          <a:xfrm rot="5400000">
-            <a:off x="-3385643" y="3385642"/>
-            <a:ext cx="6858001" cy="86714"/>
-          </a:xfrm>
-          <a:prstGeom prst="rect">
-            <a:avLst/>
-          </a:prstGeom>
-          <a:solidFill>
-            <a:schemeClr val="bg1">
-              <a:lumMod val="95000"/>
-            </a:schemeClr>
-          </a:solidFill>
-          <a:ln>
-            <a:noFill/>
-          </a:ln>
-        </p:spPr>
-        <p:style>
-          <a:lnRef idx="2">
-            <a:schemeClr val="accent1">
-              <a:shade val="50000"/>
-            </a:schemeClr>
-          </a:lnRef>
-          <a:fillRef idx="1">
-            <a:schemeClr val="accent1"/>
-          </a:fillRef>
-          <a:effectRef idx="0">
-            <a:schemeClr val="accent1"/>
-          </a:effectRef>
-          <a:fontRef idx="minor">
-            <a:schemeClr val="lt1"/>
-          </a:fontRef>
-        </p:style>
-        <p:txBody>
-          <a:bodyPr rtlCol="0" anchor="ctr"/>
-          <a:lstStyle/>
-          <a:p>
-            <a:pPr algn="ctr" rtl="0"/>
-            <a:endParaRPr lang="ko-KR" altLang="en-ZA" noProof="0" dirty="0">
-              <a:latin typeface="맑은 고딕" panose="020B0503020000020004" pitchFamily="50" charset="-127"/>
-              <a:ea typeface="맑은 고딕" panose="020B0503020000020004" pitchFamily="50" charset="-127"/>
-            </a:endParaRPr>
-          </a:p>
-        </p:txBody>
-      </p:sp>
-      <p:sp>
-        <p:nvSpPr>
-          <p:cNvPr id="21" name="직사각형 20">
-            <a:extLst>
-              <a:ext uri="{FF2B5EF4-FFF2-40B4-BE49-F238E27FC236}">
-                <a16:creationId xmlns:a16="http://schemas.microsoft.com/office/drawing/2014/main" id="{300D9306-2240-47FF-AA2F-DC7C26A008A4}"/>
-              </a:ext>
-            </a:extLst>
-          </p:cNvPr>
-          <p:cNvSpPr/>
-          <p:nvPr userDrawn="1"/>
-        </p:nvSpPr>
-        <p:spPr>
-          <a:xfrm rot="5400000">
-            <a:off x="8719643" y="3385643"/>
-            <a:ext cx="6858000" cy="86714"/>
-          </a:xfrm>
-          <a:prstGeom prst="rect">
-            <a:avLst/>
-          </a:prstGeom>
-          <a:solidFill>
-            <a:schemeClr val="bg1">
-              <a:lumMod val="95000"/>
-            </a:schemeClr>
-          </a:solidFill>
-          <a:ln>
-            <a:noFill/>
-          </a:ln>
-        </p:spPr>
-        <p:style>
-          <a:lnRef idx="2">
-            <a:schemeClr val="accent1">
-              <a:shade val="50000"/>
-            </a:schemeClr>
-          </a:lnRef>
-          <a:fillRef idx="1">
-            <a:schemeClr val="accent1"/>
-          </a:fillRef>
-          <a:effectRef idx="0">
-            <a:schemeClr val="accent1"/>
-          </a:effectRef>
-          <a:fontRef idx="minor">
-            <a:schemeClr val="lt1"/>
-          </a:fontRef>
-        </p:style>
-        <p:txBody>
-          <a:bodyPr rtlCol="0" anchor="ctr"/>
-          <a:lstStyle/>
-          <a:p>
-            <a:pPr algn="ctr" rtl="0"/>
-            <a:endParaRPr lang="ko-KR" altLang="en-ZA" noProof="0" dirty="0">
-              <a:latin typeface="맑은 고딕" panose="020B0503020000020004" pitchFamily="50" charset="-127"/>
-              <a:ea typeface="맑은 고딕" panose="020B0503020000020004" pitchFamily="50" charset="-127"/>
-            </a:endParaRPr>
+        </p:spPr>
+        <p:txBody>
+          <a:bodyPr vert="horz" lIns="91440" tIns="45720" rIns="91440" bIns="45720" rtlCol="0" anchor="ctr"/>
+          <a:lstStyle>
+            <a:lvl1pPr algn="r">
+              <a:defRPr sz="1200">
+                <a:solidFill>
+                  <a:schemeClr val="tx1">
+                    <a:tint val="75000"/>
+                  </a:schemeClr>
+                </a:solidFill>
+              </a:defRPr>
+            </a:lvl1pPr>
+          </a:lstStyle>
+          <a:p>
+            <a:fld id="{AFD6F7B2-6BF5-405E-9100-D56ABF79EB94}" type="slidenum">
+              <a:rPr lang="ko-KR" altLang="en-US" smtClean="0"/>
+              <a:t>‹#›</a:t>
+            </a:fld>
+            <a:endParaRPr lang="ko-KR" altLang="en-US"/>
           </a:p>
         </p:txBody>
       </p:sp>
@@ -16978,56 +16789,36 @@
             <p:ph type="ctrTitle"/>
           </p:nvPr>
         </p:nvSpPr>
-        <p:spPr/>
+        <p:spPr>
+          <a:xfrm>
+            <a:off x="-1" y="1768422"/>
+            <a:ext cx="7457303" cy="2387600"/>
+          </a:xfrm>
+        </p:spPr>
         <p:txBody>
           <a:bodyPr rtlCol="0"/>
           <a:lstStyle/>
           <a:p>
             <a:pPr rtl="0"/>
             <a:r>
-              <a:rPr lang="ko-KR" altLang="en-US" dirty="0"/>
-              <a:t>프레젠테이션 </a:t>
+              <a:rPr lang="ko-KR" altLang="en-US" dirty="0" smtClean="0"/>
+              <a:t>신규 인력을 위한 </a:t>
+            </a:r>
+            <a:r>
+              <a:rPr lang="en-US" altLang="ko-KR" dirty="0" smtClean="0"/>
+              <a:t/>
             </a:r>
             <a:br>
-              <a:rPr lang="ko-KR" altLang="en-US" dirty="0"/>
+              <a:rPr lang="en-US" altLang="ko-KR" dirty="0" smtClean="0"/>
             </a:br>
             <a:r>
-              <a:rPr lang="ko-KR" altLang="en-US" dirty="0"/>
-              <a:t>제목</a:t>
-            </a:r>
-          </a:p>
-        </p:txBody>
-      </p:sp>
-      <p:pic>
-        <p:nvPicPr>
-          <p:cNvPr id="15" name="그림 14">
-            <a:extLst>
-              <a:ext uri="{FF2B5EF4-FFF2-40B4-BE49-F238E27FC236}">
-                <a16:creationId xmlns:a16="http://schemas.microsoft.com/office/drawing/2014/main" id="{E59089BD-A05A-4E28-AFD9-50A72EA81166}"/>
-              </a:ext>
-            </a:extLst>
-          </p:cNvPr>
-          <p:cNvPicPr>
-            <a:picLocks noChangeAspect="1"/>
-          </p:cNvPicPr>
-          <p:nvPr/>
-        </p:nvPicPr>
-        <p:blipFill>
-          <a:blip r:embed="rId4"/>
-          <a:stretch>
-            <a:fillRect/>
-          </a:stretch>
-        </p:blipFill>
-        <p:spPr>
-          <a:xfrm>
-            <a:off x="234389" y="2001190"/>
-            <a:ext cx="1034011" cy="703232"/>
-          </a:xfrm>
-          <a:prstGeom prst="rect">
-            <a:avLst/>
-          </a:prstGeom>
-        </p:spPr>
-      </p:pic>
+              <a:rPr lang="ko-KR" altLang="en-US" dirty="0" smtClean="0"/>
+              <a:t>개발 도우미</a:t>
+            </a:r>
+            <a:endParaRPr lang="ko-KR" altLang="en-US" dirty="0"/>
+          </a:p>
+        </p:txBody>
+      </p:sp>
       <p:sp>
         <p:nvSpPr>
           <p:cNvPr id="7" name="부제목 6">
@@ -17044,31 +16835,30 @@
             <p:ph type="subTitle" idx="1"/>
           </p:nvPr>
         </p:nvSpPr>
-        <p:spPr/>
+        <p:spPr>
+          <a:xfrm>
+            <a:off x="0" y="4153578"/>
+            <a:ext cx="7457302" cy="936000"/>
+          </a:xfrm>
+        </p:spPr>
         <p:txBody>
           <a:bodyPr rtlCol="0"/>
           <a:lstStyle/>
           <a:p>
             <a:pPr rtl="0"/>
             <a:r>
-              <a:rPr lang="ko-KR" altLang="en-US" dirty="0"/>
-              <a:t>피치 </a:t>
-            </a:r>
-            <a:r>
-              <a:rPr lang="ko-KR" altLang="en-US" dirty="0" err="1"/>
-              <a:t>데크</a:t>
-            </a:r>
-            <a:r>
-              <a:rPr lang="ko-KR" altLang="en-US" dirty="0"/>
-              <a:t> 기타 정보</a:t>
-            </a:r>
-            <a:br>
-              <a:rPr lang="ko-KR" altLang="en-US" dirty="0"/>
-            </a:br>
-            <a:r>
-              <a:rPr lang="ko-KR" altLang="en-US" dirty="0"/>
-              <a:t>두 줄로 확장할 수 있음</a:t>
-            </a:r>
+              <a:rPr lang="ko-KR" altLang="en-US" dirty="0" smtClean="0"/>
+              <a:t>솔루션 플랫폼 개발팀</a:t>
+            </a:r>
+            <a:endParaRPr lang="en-US" altLang="ko-KR" dirty="0" smtClean="0"/>
+          </a:p>
+          <a:p>
+            <a:pPr rtl="0"/>
+            <a:r>
+              <a:rPr lang="ko-KR" altLang="en-US" dirty="0" smtClean="0"/>
+              <a:t>이원철</a:t>
+            </a:r>
+            <a:endParaRPr lang="ko-KR" altLang="en-US" dirty="0"/>
           </a:p>
         </p:txBody>
       </p:sp>
@@ -17180,6 +16970,13 @@
   <p:clrMapOvr>
     <a:masterClrMapping/>
   </p:clrMapOvr>
+  <p:timing>
+    <p:tnLst>
+      <p:par>
+        <p:cTn id="1" dur="indefinite" restart="never" nodeType="tmRoot"/>
+      </p:par>
+    </p:tnLst>
+  </p:timing>
 </p:sld>
 </file>
 
@@ -17200,6 +16997,1340 @@
           <a:chExt cx="0" cy="0"/>
         </a:xfrm>
       </p:grpSpPr>
+      <p:sp>
+        <p:nvSpPr>
+          <p:cNvPr id="2" name="제목 1">
+            <a:extLst>
+              <a:ext uri="{FF2B5EF4-FFF2-40B4-BE49-F238E27FC236}">
+                <a16:creationId xmlns:a16="http://schemas.microsoft.com/office/drawing/2014/main" id="{F6AE7AF7-C471-4F75-854F-7A96E8243BEC}"/>
+              </a:ext>
+            </a:extLst>
+          </p:cNvPr>
+          <p:cNvSpPr>
+            <a:spLocks noGrp="1"/>
+          </p:cNvSpPr>
+          <p:nvPr>
+            <p:ph type="title"/>
+          </p:nvPr>
+        </p:nvSpPr>
+        <p:spPr/>
+        <p:txBody>
+          <a:bodyPr/>
+          <a:lstStyle/>
+          <a:p>
+            <a:endParaRPr lang="ko-KR" altLang="en-US"/>
+          </a:p>
+        </p:txBody>
+      </p:sp>
+      <p:sp>
+        <p:nvSpPr>
+          <p:cNvPr id="3" name="슬라이드 번호 개체 틀 2">
+            <a:extLst>
+              <a:ext uri="{FF2B5EF4-FFF2-40B4-BE49-F238E27FC236}">
+                <a16:creationId xmlns:a16="http://schemas.microsoft.com/office/drawing/2014/main" id="{1A028ACE-4486-42D1-B5AB-8C3C3256147C}"/>
+              </a:ext>
+            </a:extLst>
+          </p:cNvPr>
+          <p:cNvSpPr>
+            <a:spLocks noGrp="1"/>
+          </p:cNvSpPr>
+          <p:nvPr>
+            <p:ph type="sldNum" sz="quarter" idx="4294967295"/>
+          </p:nvPr>
+        </p:nvSpPr>
+        <p:spPr>
+          <a:xfrm>
+            <a:off x="10719228" y="6049533"/>
+            <a:ext cx="432000" cy="432000"/>
+          </a:xfrm>
+        </p:spPr>
+        <p:txBody>
+          <a:bodyPr/>
+          <a:lstStyle/>
+          <a:p>
+            <a:pPr rtl="0"/>
+            <a:fld id="{19B51A1E-902D-48AF-9020-955120F399B6}" type="slidenum">
+              <a:rPr lang="en-ZA" altLang="ko-KR" noProof="0" smtClean="0"/>
+              <a:pPr rtl="0"/>
+              <a:t>10</a:t>
+            </a:fld>
+            <a:endParaRPr lang="ko-KR" altLang="en-US" noProof="0" dirty="0"/>
+          </a:p>
+        </p:txBody>
+      </p:sp>
+      <p:sp>
+        <p:nvSpPr>
+          <p:cNvPr id="4" name="TextBox 3">
+            <a:extLst>
+              <a:ext uri="{FF2B5EF4-FFF2-40B4-BE49-F238E27FC236}">
+                <a16:creationId xmlns:a16="http://schemas.microsoft.com/office/drawing/2014/main" id="{D8AD52BF-5953-4C39-BDA8-57FA8154E877}"/>
+              </a:ext>
+            </a:extLst>
+          </p:cNvPr>
+          <p:cNvSpPr txBox="1"/>
+          <p:nvPr/>
+        </p:nvSpPr>
+        <p:spPr>
+          <a:xfrm>
+            <a:off x="432000" y="1506863"/>
+            <a:ext cx="5875780" cy="328186"/>
+          </a:xfrm>
+          <a:prstGeom prst="rect">
+            <a:avLst/>
+          </a:prstGeom>
+          <a:noFill/>
+        </p:spPr>
+        <p:txBody>
+          <a:bodyPr wrap="square" lIns="0" tIns="0" rIns="0" bIns="0" rtlCol="0">
+            <a:noAutofit/>
+          </a:bodyPr>
+          <a:lstStyle/>
+          <a:p>
+            <a:pPr algn="l"/>
+            <a:r>
+              <a:rPr lang="en-US" altLang="ko-KR" sz="1200" dirty="0" err="1">
+                <a:solidFill>
+                  <a:schemeClr val="tx1">
+                    <a:lumMod val="75000"/>
+                    <a:lumOff val="25000"/>
+                  </a:schemeClr>
+                </a:solidFill>
+              </a:rPr>
+              <a:t>Jupyter</a:t>
+            </a:r>
+            <a:r>
+              <a:rPr lang="en-US" altLang="ko-KR" sz="1200" dirty="0">
+                <a:solidFill>
+                  <a:schemeClr val="tx1">
+                    <a:lumMod val="75000"/>
+                    <a:lumOff val="25000"/>
+                  </a:schemeClr>
+                </a:solidFill>
+              </a:rPr>
+              <a:t> </a:t>
+            </a:r>
+            <a:r>
+              <a:rPr lang="ko-KR" altLang="en-US" sz="1200" dirty="0">
+                <a:solidFill>
+                  <a:schemeClr val="tx1">
+                    <a:lumMod val="75000"/>
+                    <a:lumOff val="25000"/>
+                  </a:schemeClr>
+                </a:solidFill>
+              </a:rPr>
+              <a:t>환경에서는 </a:t>
+            </a:r>
+            <a:r>
+              <a:rPr lang="en-US" altLang="ko-KR" sz="1200" dirty="0">
+                <a:solidFill>
+                  <a:schemeClr val="tx1">
+                    <a:lumMod val="75000"/>
+                    <a:lumOff val="25000"/>
+                  </a:schemeClr>
+                </a:solidFill>
+              </a:rPr>
+              <a:t>file load </a:t>
+            </a:r>
+            <a:r>
+              <a:rPr lang="ko-KR" altLang="en-US" sz="1200" dirty="0">
+                <a:solidFill>
+                  <a:schemeClr val="tx1">
+                    <a:lumMod val="75000"/>
+                    <a:lumOff val="25000"/>
+                  </a:schemeClr>
+                </a:solidFill>
+              </a:rPr>
+              <a:t>에 약 </a:t>
+            </a:r>
+            <a:r>
+              <a:rPr lang="en-US" altLang="ko-KR" sz="1200" dirty="0">
+                <a:solidFill>
+                  <a:schemeClr val="tx1">
+                    <a:lumMod val="75000"/>
+                    <a:lumOff val="25000"/>
+                  </a:schemeClr>
+                </a:solidFill>
+              </a:rPr>
+              <a:t>5</a:t>
+            </a:r>
+            <a:r>
+              <a:rPr lang="ko-KR" altLang="en-US" sz="1200" dirty="0">
+                <a:solidFill>
+                  <a:schemeClr val="tx1">
+                    <a:lumMod val="75000"/>
+                    <a:lumOff val="25000"/>
+                  </a:schemeClr>
+                </a:solidFill>
+              </a:rPr>
+              <a:t>초 소모되었으나</a:t>
+            </a:r>
+            <a:r>
+              <a:rPr lang="en-US" altLang="ko-KR" sz="1200" dirty="0">
+                <a:solidFill>
+                  <a:schemeClr val="tx1">
+                    <a:lumMod val="75000"/>
+                    <a:lumOff val="25000"/>
+                  </a:schemeClr>
+                </a:solidFill>
+              </a:rPr>
+              <a:t>, </a:t>
+            </a:r>
+            <a:r>
+              <a:rPr lang="en-US" altLang="ko-KR" sz="1200" dirty="0" err="1">
+                <a:solidFill>
+                  <a:schemeClr val="tx1">
+                    <a:lumMod val="75000"/>
+                    <a:lumOff val="25000"/>
+                  </a:schemeClr>
+                </a:solidFill>
+              </a:rPr>
+              <a:t>streamlit</a:t>
+            </a:r>
+            <a:r>
+              <a:rPr lang="ko-KR" altLang="en-US" sz="1200" dirty="0">
+                <a:solidFill>
+                  <a:schemeClr val="tx1">
+                    <a:lumMod val="75000"/>
+                    <a:lumOff val="25000"/>
+                  </a:schemeClr>
+                </a:solidFill>
+              </a:rPr>
+              <a:t>에서는 매우 오래 소모되어</a:t>
+            </a:r>
+            <a:r>
+              <a:rPr lang="en-US" altLang="ko-KR" sz="1200" dirty="0">
+                <a:solidFill>
+                  <a:schemeClr val="tx1">
+                    <a:lumMod val="75000"/>
+                    <a:lumOff val="25000"/>
+                  </a:schemeClr>
+                </a:solidFill>
+              </a:rPr>
+              <a:t>, </a:t>
+            </a:r>
+            <a:r>
+              <a:rPr lang="ko-KR" altLang="en-US" sz="1200" dirty="0">
+                <a:solidFill>
+                  <a:schemeClr val="tx1">
+                    <a:lumMod val="75000"/>
+                    <a:lumOff val="25000"/>
+                  </a:schemeClr>
+                </a:solidFill>
+              </a:rPr>
+              <a:t>진행 사항 표현하고자 함</a:t>
+            </a:r>
+            <a:r>
+              <a:rPr lang="en-US" altLang="ko-KR" sz="1200" dirty="0">
+                <a:solidFill>
+                  <a:schemeClr val="tx1">
+                    <a:lumMod val="75000"/>
+                    <a:lumOff val="25000"/>
+                  </a:schemeClr>
+                </a:solidFill>
+              </a:rPr>
+              <a:t>. (progress bar) </a:t>
+            </a:r>
+            <a:endParaRPr lang="ko-KR" altLang="en-US" sz="1200" dirty="0">
+              <a:solidFill>
+                <a:schemeClr val="tx1">
+                  <a:lumMod val="75000"/>
+                  <a:lumOff val="25000"/>
+                </a:schemeClr>
+              </a:solidFill>
+              <a:latin typeface="+mn-lt"/>
+            </a:endParaRPr>
+          </a:p>
+        </p:txBody>
+      </p:sp>
+      <p:sp>
+        <p:nvSpPr>
+          <p:cNvPr id="7" name="TextBox 6">
+            <a:extLst>
+              <a:ext uri="{FF2B5EF4-FFF2-40B4-BE49-F238E27FC236}">
+                <a16:creationId xmlns:a16="http://schemas.microsoft.com/office/drawing/2014/main" id="{470C52FF-8253-4B8E-BED9-46C2E602B179}"/>
+              </a:ext>
+            </a:extLst>
+          </p:cNvPr>
+          <p:cNvSpPr txBox="1"/>
+          <p:nvPr/>
+        </p:nvSpPr>
+        <p:spPr>
+          <a:xfrm>
+            <a:off x="7324164" y="2275973"/>
+            <a:ext cx="3532094" cy="328186"/>
+          </a:xfrm>
+          <a:prstGeom prst="rect">
+            <a:avLst/>
+          </a:prstGeom>
+          <a:noFill/>
+        </p:spPr>
+        <p:txBody>
+          <a:bodyPr wrap="square" lIns="0" tIns="0" rIns="0" bIns="0" rtlCol="0">
+            <a:noAutofit/>
+          </a:bodyPr>
+          <a:lstStyle/>
+          <a:p>
+            <a:pPr algn="l"/>
+            <a:r>
+              <a:rPr lang="en-US" altLang="ko-KR" sz="1200" dirty="0" err="1">
+                <a:solidFill>
+                  <a:schemeClr val="tx1">
+                    <a:lumMod val="75000"/>
+                    <a:lumOff val="25000"/>
+                  </a:schemeClr>
+                </a:solidFill>
+                <a:latin typeface="+mn-lt"/>
+              </a:rPr>
+              <a:t>Streamlit</a:t>
+            </a:r>
+            <a:r>
+              <a:rPr lang="ko-KR" altLang="en-US" sz="1200" dirty="0">
+                <a:solidFill>
+                  <a:schemeClr val="tx1">
+                    <a:lumMod val="75000"/>
+                    <a:lumOff val="25000"/>
+                  </a:schemeClr>
+                </a:solidFill>
+                <a:latin typeface="+mn-lt"/>
+              </a:rPr>
+              <a:t>이 </a:t>
+            </a:r>
+            <a:r>
+              <a:rPr lang="en-US" altLang="ko-KR" sz="1200" dirty="0">
+                <a:solidFill>
+                  <a:schemeClr val="tx1">
+                    <a:lumMod val="75000"/>
+                    <a:lumOff val="25000"/>
+                  </a:schemeClr>
+                </a:solidFill>
+                <a:latin typeface="+mn-lt"/>
+              </a:rPr>
+              <a:t>single thread </a:t>
+            </a:r>
+            <a:r>
+              <a:rPr lang="ko-KR" altLang="en-US" sz="1200" dirty="0">
+                <a:solidFill>
+                  <a:schemeClr val="tx1">
+                    <a:lumMod val="75000"/>
+                    <a:lumOff val="25000"/>
+                  </a:schemeClr>
+                </a:solidFill>
+              </a:rPr>
+              <a:t>동작하면서</a:t>
+            </a:r>
+            <a:r>
+              <a:rPr lang="en-US" altLang="ko-KR" sz="1200" dirty="0">
+                <a:solidFill>
+                  <a:schemeClr val="tx1">
+                    <a:lumMod val="75000"/>
+                    <a:lumOff val="25000"/>
+                  </a:schemeClr>
+                </a:solidFill>
+              </a:rPr>
+              <a:t>, </a:t>
+            </a:r>
+            <a:r>
+              <a:rPr lang="ko-KR" altLang="en-US" sz="1200" dirty="0">
+                <a:solidFill>
+                  <a:schemeClr val="tx1">
+                    <a:lumMod val="75000"/>
+                    <a:lumOff val="25000"/>
+                  </a:schemeClr>
+                </a:solidFill>
+              </a:rPr>
+              <a:t>뒤의 수행을 </a:t>
+            </a:r>
+            <a:r>
+              <a:rPr lang="en-US" altLang="ko-KR" sz="1200" dirty="0">
+                <a:solidFill>
+                  <a:schemeClr val="tx1">
+                    <a:lumMod val="75000"/>
+                    <a:lumOff val="25000"/>
+                  </a:schemeClr>
+                </a:solidFill>
+              </a:rPr>
+              <a:t>block</a:t>
+            </a:r>
+            <a:r>
+              <a:rPr lang="ko-KR" altLang="en-US" sz="1200" dirty="0">
+                <a:solidFill>
+                  <a:schemeClr val="tx1">
+                    <a:lumMod val="75000"/>
+                    <a:lumOff val="25000"/>
+                  </a:schemeClr>
+                </a:solidFill>
+              </a:rPr>
+              <a:t> 시킴 </a:t>
+            </a:r>
+            <a:endParaRPr lang="en-US" altLang="ko-KR" sz="1200" dirty="0">
+              <a:solidFill>
+                <a:schemeClr val="tx1">
+                  <a:lumMod val="75000"/>
+                  <a:lumOff val="25000"/>
+                </a:schemeClr>
+              </a:solidFill>
+            </a:endParaRPr>
+          </a:p>
+          <a:p>
+            <a:pPr algn="l"/>
+            <a:r>
+              <a:rPr lang="en-US" altLang="ko-KR" sz="1200" dirty="0">
+                <a:solidFill>
+                  <a:schemeClr val="tx1">
+                    <a:lumMod val="75000"/>
+                    <a:lumOff val="25000"/>
+                  </a:schemeClr>
+                </a:solidFill>
+                <a:latin typeface="+mn-lt"/>
+              </a:rPr>
+              <a:t>-&gt; </a:t>
+            </a:r>
+          </a:p>
+          <a:p>
+            <a:pPr algn="l"/>
+            <a:r>
+              <a:rPr lang="en-US" altLang="ko-KR" sz="1200" dirty="0">
+                <a:solidFill>
+                  <a:schemeClr val="tx1">
+                    <a:lumMod val="75000"/>
+                    <a:lumOff val="25000"/>
+                  </a:schemeClr>
+                </a:solidFill>
+                <a:latin typeface="+mn-lt"/>
+              </a:rPr>
+              <a:t>Progress</a:t>
+            </a:r>
+            <a:r>
+              <a:rPr lang="ko-KR" altLang="en-US" sz="1200" dirty="0">
+                <a:solidFill>
+                  <a:schemeClr val="tx1">
+                    <a:lumMod val="75000"/>
+                    <a:lumOff val="25000"/>
+                  </a:schemeClr>
+                </a:solidFill>
+                <a:latin typeface="+mn-lt"/>
+              </a:rPr>
+              <a:t> </a:t>
+            </a:r>
+            <a:r>
+              <a:rPr lang="en-US" altLang="ko-KR" sz="1200" dirty="0">
+                <a:solidFill>
+                  <a:schemeClr val="tx1">
+                    <a:lumMod val="75000"/>
+                    <a:lumOff val="25000"/>
+                  </a:schemeClr>
+                </a:solidFill>
+                <a:latin typeface="+mn-lt"/>
+              </a:rPr>
+              <a:t>bar</a:t>
+            </a:r>
+            <a:r>
+              <a:rPr lang="ko-KR" altLang="en-US" sz="1200" dirty="0">
+                <a:solidFill>
+                  <a:schemeClr val="tx1">
+                    <a:lumMod val="75000"/>
+                    <a:lumOff val="25000"/>
+                  </a:schemeClr>
+                </a:solidFill>
+                <a:latin typeface="+mn-lt"/>
+              </a:rPr>
+              <a:t>도 </a:t>
+            </a:r>
+            <a:r>
+              <a:rPr lang="en-US" altLang="ko-KR" sz="1200" dirty="0" err="1">
+                <a:solidFill>
+                  <a:schemeClr val="tx1">
+                    <a:lumMod val="75000"/>
+                    <a:lumOff val="25000"/>
+                  </a:schemeClr>
+                </a:solidFill>
+                <a:latin typeface="+mn-lt"/>
+              </a:rPr>
+              <a:t>loader.load</a:t>
+            </a:r>
+            <a:r>
+              <a:rPr lang="en-US" altLang="ko-KR" sz="1200" dirty="0">
+                <a:solidFill>
+                  <a:schemeClr val="tx1">
+                    <a:lumMod val="75000"/>
+                    <a:lumOff val="25000"/>
+                  </a:schemeClr>
+                </a:solidFill>
+                <a:latin typeface="+mn-lt"/>
+              </a:rPr>
+              <a:t>() </a:t>
+            </a:r>
+            <a:r>
+              <a:rPr lang="ko-KR" altLang="en-US" sz="1200" dirty="0">
+                <a:solidFill>
+                  <a:schemeClr val="tx1">
+                    <a:lumMod val="75000"/>
+                    <a:lumOff val="25000"/>
+                  </a:schemeClr>
+                </a:solidFill>
+                <a:latin typeface="+mn-lt"/>
+              </a:rPr>
+              <a:t>에 </a:t>
+            </a:r>
+            <a:r>
+              <a:rPr lang="en-US" altLang="ko-KR" sz="1200" dirty="0">
+                <a:solidFill>
+                  <a:schemeClr val="tx1">
+                    <a:lumMod val="75000"/>
+                    <a:lumOff val="25000"/>
+                  </a:schemeClr>
+                </a:solidFill>
+                <a:latin typeface="+mn-lt"/>
+              </a:rPr>
+              <a:t>block </a:t>
+            </a:r>
+            <a:r>
+              <a:rPr lang="ko-KR" altLang="en-US" sz="1200" dirty="0">
+                <a:solidFill>
+                  <a:schemeClr val="tx1">
+                    <a:lumMod val="75000"/>
+                    <a:lumOff val="25000"/>
+                  </a:schemeClr>
+                </a:solidFill>
+                <a:latin typeface="+mn-lt"/>
+              </a:rPr>
+              <a:t>되면서</a:t>
+            </a:r>
+            <a:r>
+              <a:rPr lang="en-US" altLang="ko-KR" sz="1200" dirty="0">
+                <a:solidFill>
+                  <a:schemeClr val="tx1">
+                    <a:lumMod val="75000"/>
+                    <a:lumOff val="25000"/>
+                  </a:schemeClr>
+                </a:solidFill>
+                <a:latin typeface="+mn-lt"/>
+              </a:rPr>
+              <a:t> </a:t>
+            </a:r>
+            <a:r>
+              <a:rPr lang="ko-KR" altLang="en-US" sz="1200" dirty="0">
+                <a:solidFill>
+                  <a:schemeClr val="tx1">
+                    <a:lumMod val="75000"/>
+                    <a:lumOff val="25000"/>
+                  </a:schemeClr>
+                </a:solidFill>
+                <a:latin typeface="+mn-lt"/>
+              </a:rPr>
+              <a:t>표시가 안됨</a:t>
+            </a:r>
+            <a:endParaRPr lang="en-US" altLang="ko-KR" sz="1200" dirty="0">
+              <a:solidFill>
+                <a:schemeClr val="tx1">
+                  <a:lumMod val="75000"/>
+                  <a:lumOff val="25000"/>
+                </a:schemeClr>
+              </a:solidFill>
+              <a:latin typeface="+mn-lt"/>
+            </a:endParaRPr>
+          </a:p>
+          <a:p>
+            <a:pPr algn="l"/>
+            <a:endParaRPr lang="en-US" altLang="ko-KR" sz="1200" dirty="0">
+              <a:solidFill>
+                <a:schemeClr val="tx1">
+                  <a:lumMod val="75000"/>
+                  <a:lumOff val="25000"/>
+                </a:schemeClr>
+              </a:solidFill>
+            </a:endParaRPr>
+          </a:p>
+        </p:txBody>
+      </p:sp>
+      <p:pic>
+        <p:nvPicPr>
+          <p:cNvPr id="9" name="그림 8">
+            <a:extLst>
+              <a:ext uri="{FF2B5EF4-FFF2-40B4-BE49-F238E27FC236}">
+                <a16:creationId xmlns:a16="http://schemas.microsoft.com/office/drawing/2014/main" id="{5E629DBF-83A9-4053-987F-2A85812BE059}"/>
+              </a:ext>
+            </a:extLst>
+          </p:cNvPr>
+          <p:cNvPicPr>
+            <a:picLocks noChangeAspect="1"/>
+          </p:cNvPicPr>
+          <p:nvPr/>
+        </p:nvPicPr>
+        <p:blipFill>
+          <a:blip r:embed="rId2"/>
+          <a:stretch>
+            <a:fillRect/>
+          </a:stretch>
+        </p:blipFill>
+        <p:spPr>
+          <a:xfrm>
+            <a:off x="275104" y="2085134"/>
+            <a:ext cx="6496050" cy="3781425"/>
+          </a:xfrm>
+          <a:prstGeom prst="rect">
+            <a:avLst/>
+          </a:prstGeom>
+        </p:spPr>
+      </p:pic>
+    </p:spTree>
+    <p:extLst>
+      <p:ext uri="{BB962C8B-B14F-4D97-AF65-F5344CB8AC3E}">
+        <p14:creationId xmlns:p14="http://schemas.microsoft.com/office/powerpoint/2010/main" val="549370765"/>
+      </p:ext>
+    </p:extLst>
+  </p:cSld>
+  <p:clrMapOvr>
+    <a:masterClrMapping/>
+  </p:clrMapOvr>
+</p:sld>
+</file>
+
+<file path=ppt/slides/slide11.xml><?xml version="1.0" encoding="utf-8"?>
+<p:sld xmlns:a="http://schemas.openxmlformats.org/drawingml/2006/main" xmlns:r="http://schemas.openxmlformats.org/officeDocument/2006/relationships" xmlns:p="http://schemas.openxmlformats.org/presentationml/2006/main">
+  <p:cSld>
+    <p:spTree>
+      <p:nvGrpSpPr>
+        <p:cNvPr id="1" name=""/>
+        <p:cNvGrpSpPr/>
+        <p:nvPr/>
+      </p:nvGrpSpPr>
+      <p:grpSpPr>
+        <a:xfrm>
+          <a:off x="0" y="0"/>
+          <a:ext cx="0" cy="0"/>
+          <a:chOff x="0" y="0"/>
+          <a:chExt cx="0" cy="0"/>
+        </a:xfrm>
+      </p:grpSpPr>
+      <p:sp>
+        <p:nvSpPr>
+          <p:cNvPr id="2" name="제목 1">
+            <a:extLst>
+              <a:ext uri="{FF2B5EF4-FFF2-40B4-BE49-F238E27FC236}">
+                <a16:creationId xmlns:a16="http://schemas.microsoft.com/office/drawing/2014/main" id="{4FBA71A8-6742-4252-BCC7-3B5A4058D41E}"/>
+              </a:ext>
+            </a:extLst>
+          </p:cNvPr>
+          <p:cNvSpPr>
+            <a:spLocks noGrp="1"/>
+          </p:cNvSpPr>
+          <p:nvPr>
+            <p:ph type="title"/>
+          </p:nvPr>
+        </p:nvSpPr>
+        <p:spPr/>
+        <p:txBody>
+          <a:bodyPr/>
+          <a:lstStyle/>
+          <a:p>
+            <a:endParaRPr lang="ko-KR" altLang="en-US"/>
+          </a:p>
+        </p:txBody>
+      </p:sp>
+      <p:sp>
+        <p:nvSpPr>
+          <p:cNvPr id="3" name="슬라이드 번호 개체 틀 2">
+            <a:extLst>
+              <a:ext uri="{FF2B5EF4-FFF2-40B4-BE49-F238E27FC236}">
+                <a16:creationId xmlns:a16="http://schemas.microsoft.com/office/drawing/2014/main" id="{91D875C5-5A28-4EF7-87DB-56F0F6C31124}"/>
+              </a:ext>
+            </a:extLst>
+          </p:cNvPr>
+          <p:cNvSpPr>
+            <a:spLocks noGrp="1"/>
+          </p:cNvSpPr>
+          <p:nvPr>
+            <p:ph type="sldNum" sz="quarter" idx="4294967295"/>
+          </p:nvPr>
+        </p:nvSpPr>
+        <p:spPr>
+          <a:xfrm>
+            <a:off x="10719228" y="6049533"/>
+            <a:ext cx="432000" cy="432000"/>
+          </a:xfrm>
+        </p:spPr>
+        <p:txBody>
+          <a:bodyPr/>
+          <a:lstStyle/>
+          <a:p>
+            <a:pPr rtl="0"/>
+            <a:fld id="{19B51A1E-902D-48AF-9020-955120F399B6}" type="slidenum">
+              <a:rPr lang="en-ZA" altLang="ko-KR" noProof="0" smtClean="0"/>
+              <a:pPr rtl="0"/>
+              <a:t>11</a:t>
+            </a:fld>
+            <a:endParaRPr lang="ko-KR" altLang="en-US" noProof="0" dirty="0"/>
+          </a:p>
+        </p:txBody>
+      </p:sp>
+      <p:pic>
+        <p:nvPicPr>
+          <p:cNvPr id="5" name="그림 4">
+            <a:extLst>
+              <a:ext uri="{FF2B5EF4-FFF2-40B4-BE49-F238E27FC236}">
+                <a16:creationId xmlns:a16="http://schemas.microsoft.com/office/drawing/2014/main" id="{DD314497-B1FE-4012-A29A-09ACB92B5486}"/>
+              </a:ext>
+            </a:extLst>
+          </p:cNvPr>
+          <p:cNvPicPr>
+            <a:picLocks noChangeAspect="1"/>
+          </p:cNvPicPr>
+          <p:nvPr/>
+        </p:nvPicPr>
+        <p:blipFill>
+          <a:blip r:embed="rId2"/>
+          <a:stretch>
+            <a:fillRect/>
+          </a:stretch>
+        </p:blipFill>
+        <p:spPr>
+          <a:xfrm>
+            <a:off x="4175872" y="1180065"/>
+            <a:ext cx="7067550" cy="5191125"/>
+          </a:xfrm>
+          <a:prstGeom prst="rect">
+            <a:avLst/>
+          </a:prstGeom>
+        </p:spPr>
+      </p:pic>
+      <p:sp>
+        <p:nvSpPr>
+          <p:cNvPr id="7" name="TextBox 6">
+            <a:extLst>
+              <a:ext uri="{FF2B5EF4-FFF2-40B4-BE49-F238E27FC236}">
+                <a16:creationId xmlns:a16="http://schemas.microsoft.com/office/drawing/2014/main" id="{4697C909-476B-4866-8A42-B31EA6995D0B}"/>
+              </a:ext>
+            </a:extLst>
+          </p:cNvPr>
+          <p:cNvSpPr txBox="1"/>
+          <p:nvPr/>
+        </p:nvSpPr>
+        <p:spPr>
+          <a:xfrm>
+            <a:off x="312083" y="1738263"/>
+            <a:ext cx="4528857" cy="1200329"/>
+          </a:xfrm>
+          <a:prstGeom prst="rect">
+            <a:avLst/>
+          </a:prstGeom>
+          <a:noFill/>
+        </p:spPr>
+        <p:txBody>
+          <a:bodyPr wrap="square">
+            <a:spAutoFit/>
+          </a:bodyPr>
+          <a:lstStyle/>
+          <a:p>
+            <a:pPr algn="l"/>
+            <a:r>
+              <a:rPr lang="en-US" altLang="ko-KR" sz="1800" dirty="0">
+                <a:solidFill>
+                  <a:schemeClr val="tx1">
+                    <a:lumMod val="75000"/>
+                    <a:lumOff val="25000"/>
+                  </a:schemeClr>
+                </a:solidFill>
+                <a:latin typeface="+mn-lt"/>
+              </a:rPr>
+              <a:t>-&gt; docx2txt </a:t>
+            </a:r>
+            <a:r>
+              <a:rPr lang="ko-KR" altLang="en-US" sz="1800" dirty="0">
+                <a:solidFill>
+                  <a:schemeClr val="tx1">
+                    <a:lumMod val="75000"/>
+                    <a:lumOff val="25000"/>
+                  </a:schemeClr>
+                </a:solidFill>
+                <a:latin typeface="+mn-lt"/>
+              </a:rPr>
+              <a:t>라이브러리로 변경</a:t>
+            </a:r>
+            <a:endParaRPr lang="en-US" altLang="ko-KR" sz="1800" dirty="0">
+              <a:solidFill>
+                <a:schemeClr val="tx1">
+                  <a:lumMod val="75000"/>
+                  <a:lumOff val="25000"/>
+                </a:schemeClr>
+              </a:solidFill>
+              <a:latin typeface="+mn-lt"/>
+            </a:endParaRPr>
+          </a:p>
+          <a:p>
+            <a:pPr algn="l"/>
+            <a:r>
+              <a:rPr lang="en-US" altLang="ko-KR" dirty="0">
+                <a:solidFill>
+                  <a:schemeClr val="tx1">
+                    <a:lumMod val="75000"/>
+                    <a:lumOff val="25000"/>
+                  </a:schemeClr>
+                </a:solidFill>
+              </a:rPr>
+              <a:t>-&gt; DB</a:t>
+            </a:r>
+            <a:r>
+              <a:rPr lang="ko-KR" altLang="en-US" dirty="0">
+                <a:solidFill>
+                  <a:schemeClr val="tx1">
+                    <a:lumMod val="75000"/>
+                    <a:lumOff val="25000"/>
+                  </a:schemeClr>
+                </a:solidFill>
+              </a:rPr>
+              <a:t> 저장도 </a:t>
+            </a:r>
+            <a:r>
+              <a:rPr lang="en-US" altLang="ko-KR" dirty="0">
+                <a:solidFill>
+                  <a:schemeClr val="tx1">
+                    <a:lumMod val="75000"/>
+                    <a:lumOff val="25000"/>
+                  </a:schemeClr>
+                </a:solidFill>
+              </a:rPr>
+              <a:t>progress bar </a:t>
+            </a:r>
+            <a:r>
+              <a:rPr lang="ko-KR" altLang="en-US" dirty="0">
+                <a:solidFill>
+                  <a:schemeClr val="tx1">
+                    <a:lumMod val="75000"/>
+                    <a:lumOff val="25000"/>
+                  </a:schemeClr>
+                </a:solidFill>
+              </a:rPr>
+              <a:t>추가하여</a:t>
+            </a:r>
+            <a:r>
+              <a:rPr lang="en-US" altLang="ko-KR" dirty="0">
+                <a:solidFill>
+                  <a:schemeClr val="tx1">
+                    <a:lumMod val="75000"/>
+                    <a:lumOff val="25000"/>
+                  </a:schemeClr>
+                </a:solidFill>
+              </a:rPr>
+              <a:t>, </a:t>
+            </a:r>
+            <a:r>
+              <a:rPr lang="ko-KR" altLang="en-US" dirty="0">
+                <a:solidFill>
+                  <a:schemeClr val="tx1">
+                    <a:lumMod val="75000"/>
+                    <a:lumOff val="25000"/>
+                  </a:schemeClr>
+                </a:solidFill>
+              </a:rPr>
+              <a:t>진행 사항 표시 </a:t>
+            </a:r>
+            <a:r>
+              <a:rPr lang="en-US" altLang="ko-KR" dirty="0">
+                <a:solidFill>
+                  <a:schemeClr val="tx1">
+                    <a:lumMod val="75000"/>
+                    <a:lumOff val="25000"/>
+                  </a:schemeClr>
+                </a:solidFill>
+              </a:rPr>
+              <a:t>(docs </a:t>
+            </a:r>
+            <a:r>
+              <a:rPr lang="ko-KR" altLang="en-US" dirty="0">
+                <a:solidFill>
+                  <a:schemeClr val="tx1">
+                    <a:lumMod val="75000"/>
+                    <a:lumOff val="25000"/>
+                  </a:schemeClr>
+                </a:solidFill>
+              </a:rPr>
+              <a:t>한번에 </a:t>
+            </a:r>
+            <a:r>
+              <a:rPr lang="ko-KR" altLang="en-US" dirty="0" err="1">
+                <a:solidFill>
+                  <a:schemeClr val="tx1">
+                    <a:lumMod val="75000"/>
+                    <a:lumOff val="25000"/>
+                  </a:schemeClr>
+                </a:solidFill>
+              </a:rPr>
+              <a:t>저장되는것을</a:t>
+            </a:r>
+            <a:r>
+              <a:rPr lang="en-US" altLang="ko-KR" dirty="0">
+                <a:solidFill>
+                  <a:schemeClr val="tx1">
+                    <a:lumMod val="75000"/>
+                    <a:lumOff val="25000"/>
+                  </a:schemeClr>
+                </a:solidFill>
+              </a:rPr>
+              <a:t>, </a:t>
+            </a:r>
+            <a:r>
+              <a:rPr lang="ko-KR" altLang="en-US" dirty="0">
+                <a:solidFill>
+                  <a:schemeClr val="tx1">
+                    <a:lumMod val="75000"/>
+                    <a:lumOff val="25000"/>
+                  </a:schemeClr>
+                </a:solidFill>
+              </a:rPr>
+              <a:t>개별 </a:t>
+            </a:r>
+            <a:r>
+              <a:rPr lang="en-US" altLang="ko-KR" dirty="0">
+                <a:solidFill>
+                  <a:schemeClr val="tx1">
+                    <a:lumMod val="75000"/>
+                    <a:lumOff val="25000"/>
+                  </a:schemeClr>
+                </a:solidFill>
+              </a:rPr>
+              <a:t>doc </a:t>
+            </a:r>
+            <a:r>
+              <a:rPr lang="ko-KR" altLang="en-US" dirty="0">
+                <a:solidFill>
+                  <a:schemeClr val="tx1">
+                    <a:lumMod val="75000"/>
+                    <a:lumOff val="25000"/>
+                  </a:schemeClr>
+                </a:solidFill>
+              </a:rPr>
+              <a:t>단위로 </a:t>
+            </a:r>
+            <a:r>
+              <a:rPr lang="en-US" altLang="ko-KR" dirty="0">
+                <a:solidFill>
+                  <a:schemeClr val="tx1">
+                    <a:lumMod val="75000"/>
+                    <a:lumOff val="25000"/>
+                  </a:schemeClr>
+                </a:solidFill>
+              </a:rPr>
+              <a:t>progress </a:t>
+            </a:r>
+            <a:r>
+              <a:rPr lang="ko-KR" altLang="en-US" dirty="0">
+                <a:solidFill>
+                  <a:schemeClr val="tx1">
+                    <a:lumMod val="75000"/>
+                    <a:lumOff val="25000"/>
+                  </a:schemeClr>
+                </a:solidFill>
+              </a:rPr>
+              <a:t>표시</a:t>
+            </a:r>
+            <a:r>
+              <a:rPr lang="en-US" altLang="ko-KR" dirty="0">
+                <a:solidFill>
+                  <a:schemeClr val="tx1">
+                    <a:lumMod val="75000"/>
+                    <a:lumOff val="25000"/>
+                  </a:schemeClr>
+                </a:solidFill>
+              </a:rPr>
+              <a:t>) </a:t>
+            </a:r>
+            <a:endParaRPr lang="ko-KR" altLang="en-US" sz="1800" dirty="0">
+              <a:solidFill>
+                <a:schemeClr val="tx1">
+                  <a:lumMod val="75000"/>
+                  <a:lumOff val="25000"/>
+                </a:schemeClr>
+              </a:solidFill>
+              <a:latin typeface="+mn-lt"/>
+            </a:endParaRPr>
+          </a:p>
+        </p:txBody>
+      </p:sp>
+      <p:pic>
+        <p:nvPicPr>
+          <p:cNvPr id="9" name="그림 8">
+            <a:extLst>
+              <a:ext uri="{FF2B5EF4-FFF2-40B4-BE49-F238E27FC236}">
+                <a16:creationId xmlns:a16="http://schemas.microsoft.com/office/drawing/2014/main" id="{374AEE62-EA47-4FA6-9237-5D2BE21D8CFC}"/>
+              </a:ext>
+            </a:extLst>
+          </p:cNvPr>
+          <p:cNvPicPr>
+            <a:picLocks noChangeAspect="1"/>
+          </p:cNvPicPr>
+          <p:nvPr/>
+        </p:nvPicPr>
+        <p:blipFill>
+          <a:blip r:embed="rId3"/>
+          <a:stretch>
+            <a:fillRect/>
+          </a:stretch>
+        </p:blipFill>
+        <p:spPr>
+          <a:xfrm>
+            <a:off x="312084" y="3137452"/>
+            <a:ext cx="4352925" cy="1276350"/>
+          </a:xfrm>
+          <a:prstGeom prst="rect">
+            <a:avLst/>
+          </a:prstGeom>
+        </p:spPr>
+      </p:pic>
+      <p:pic>
+        <p:nvPicPr>
+          <p:cNvPr id="11" name="그림 10">
+            <a:extLst>
+              <a:ext uri="{FF2B5EF4-FFF2-40B4-BE49-F238E27FC236}">
+                <a16:creationId xmlns:a16="http://schemas.microsoft.com/office/drawing/2014/main" id="{1B368E58-3688-441D-8F80-74CE79B775D2}"/>
+              </a:ext>
+            </a:extLst>
+          </p:cNvPr>
+          <p:cNvPicPr>
+            <a:picLocks noChangeAspect="1"/>
+          </p:cNvPicPr>
+          <p:nvPr/>
+        </p:nvPicPr>
+        <p:blipFill>
+          <a:blip r:embed="rId4"/>
+          <a:stretch>
+            <a:fillRect/>
+          </a:stretch>
+        </p:blipFill>
+        <p:spPr>
+          <a:xfrm>
+            <a:off x="312084" y="4700307"/>
+            <a:ext cx="8858250" cy="2162175"/>
+          </a:xfrm>
+          <a:prstGeom prst="rect">
+            <a:avLst/>
+          </a:prstGeom>
+        </p:spPr>
+      </p:pic>
+    </p:spTree>
+    <p:extLst>
+      <p:ext uri="{BB962C8B-B14F-4D97-AF65-F5344CB8AC3E}">
+        <p14:creationId xmlns:p14="http://schemas.microsoft.com/office/powerpoint/2010/main" val="1201833587"/>
+      </p:ext>
+    </p:extLst>
+  </p:cSld>
+  <p:clrMapOvr>
+    <a:masterClrMapping/>
+  </p:clrMapOvr>
+</p:sld>
+</file>
+
+<file path=ppt/slides/slide12.xml><?xml version="1.0" encoding="utf-8"?>
+<p:sld xmlns:a="http://schemas.openxmlformats.org/drawingml/2006/main" xmlns:r="http://schemas.openxmlformats.org/officeDocument/2006/relationships" xmlns:p="http://schemas.openxmlformats.org/presentationml/2006/main">
+  <p:cSld>
+    <p:spTree>
+      <p:nvGrpSpPr>
+        <p:cNvPr id="1" name=""/>
+        <p:cNvGrpSpPr/>
+        <p:nvPr/>
+      </p:nvGrpSpPr>
+      <p:grpSpPr>
+        <a:xfrm>
+          <a:off x="0" y="0"/>
+          <a:ext cx="0" cy="0"/>
+          <a:chOff x="0" y="0"/>
+          <a:chExt cx="0" cy="0"/>
+        </a:xfrm>
+      </p:grpSpPr>
+      <p:sp>
+        <p:nvSpPr>
+          <p:cNvPr id="2" name="제목 1">
+            <a:extLst>
+              <a:ext uri="{FF2B5EF4-FFF2-40B4-BE49-F238E27FC236}">
+                <a16:creationId xmlns:a16="http://schemas.microsoft.com/office/drawing/2014/main" id="{7E801633-AA69-4A0B-A26F-7E26E1486477}"/>
+              </a:ext>
+            </a:extLst>
+          </p:cNvPr>
+          <p:cNvSpPr>
+            <a:spLocks noGrp="1"/>
+          </p:cNvSpPr>
+          <p:nvPr>
+            <p:ph type="title"/>
+          </p:nvPr>
+        </p:nvSpPr>
+        <p:spPr/>
+        <p:txBody>
+          <a:bodyPr/>
+          <a:lstStyle/>
+          <a:p>
+            <a:endParaRPr lang="ko-KR" altLang="en-US"/>
+          </a:p>
+        </p:txBody>
+      </p:sp>
+      <p:sp>
+        <p:nvSpPr>
+          <p:cNvPr id="3" name="슬라이드 번호 개체 틀 2">
+            <a:extLst>
+              <a:ext uri="{FF2B5EF4-FFF2-40B4-BE49-F238E27FC236}">
+                <a16:creationId xmlns:a16="http://schemas.microsoft.com/office/drawing/2014/main" id="{BB872E07-8B45-4C70-BCF3-BDDAE60E815C}"/>
+              </a:ext>
+            </a:extLst>
+          </p:cNvPr>
+          <p:cNvSpPr>
+            <a:spLocks noGrp="1"/>
+          </p:cNvSpPr>
+          <p:nvPr>
+            <p:ph type="sldNum" sz="quarter" idx="4294967295"/>
+          </p:nvPr>
+        </p:nvSpPr>
+        <p:spPr>
+          <a:xfrm>
+            <a:off x="10719228" y="6049533"/>
+            <a:ext cx="432000" cy="432000"/>
+          </a:xfrm>
+        </p:spPr>
+        <p:txBody>
+          <a:bodyPr/>
+          <a:lstStyle/>
+          <a:p>
+            <a:pPr rtl="0"/>
+            <a:fld id="{19B51A1E-902D-48AF-9020-955120F399B6}" type="slidenum">
+              <a:rPr lang="en-ZA" altLang="ko-KR" noProof="0" smtClean="0"/>
+              <a:pPr rtl="0"/>
+              <a:t>12</a:t>
+            </a:fld>
+            <a:endParaRPr lang="ko-KR" altLang="en-US" noProof="0" dirty="0"/>
+          </a:p>
+        </p:txBody>
+      </p:sp>
+      <p:pic>
+        <p:nvPicPr>
+          <p:cNvPr id="5" name="그림 4">
+            <a:extLst>
+              <a:ext uri="{FF2B5EF4-FFF2-40B4-BE49-F238E27FC236}">
+                <a16:creationId xmlns:a16="http://schemas.microsoft.com/office/drawing/2014/main" id="{D43D2CAF-1461-4C54-BE44-F6DCF95C6726}"/>
+              </a:ext>
+            </a:extLst>
+          </p:cNvPr>
+          <p:cNvPicPr>
+            <a:picLocks noChangeAspect="1"/>
+          </p:cNvPicPr>
+          <p:nvPr/>
+        </p:nvPicPr>
+        <p:blipFill>
+          <a:blip r:embed="rId2"/>
+          <a:stretch>
+            <a:fillRect/>
+          </a:stretch>
+        </p:blipFill>
+        <p:spPr>
+          <a:xfrm>
+            <a:off x="0" y="3144223"/>
+            <a:ext cx="12192000" cy="569553"/>
+          </a:xfrm>
+          <a:prstGeom prst="rect">
+            <a:avLst/>
+          </a:prstGeom>
+        </p:spPr>
+      </p:pic>
+      <p:sp>
+        <p:nvSpPr>
+          <p:cNvPr id="6" name="TextBox 5">
+            <a:extLst>
+              <a:ext uri="{FF2B5EF4-FFF2-40B4-BE49-F238E27FC236}">
+                <a16:creationId xmlns:a16="http://schemas.microsoft.com/office/drawing/2014/main" id="{6447C6E7-29F5-4409-9332-51AF3E6902A3}"/>
+              </a:ext>
+            </a:extLst>
+          </p:cNvPr>
+          <p:cNvSpPr txBox="1"/>
+          <p:nvPr/>
+        </p:nvSpPr>
+        <p:spPr>
+          <a:xfrm>
+            <a:off x="312083" y="1738263"/>
+            <a:ext cx="4528857" cy="923330"/>
+          </a:xfrm>
+          <a:prstGeom prst="rect">
+            <a:avLst/>
+          </a:prstGeom>
+          <a:noFill/>
+        </p:spPr>
+        <p:txBody>
+          <a:bodyPr wrap="square">
+            <a:spAutoFit/>
+          </a:bodyPr>
+          <a:lstStyle/>
+          <a:p>
+            <a:pPr algn="l"/>
+            <a:r>
+              <a:rPr lang="en-US" altLang="ko-KR" dirty="0">
+                <a:solidFill>
+                  <a:schemeClr val="tx1">
+                    <a:lumMod val="75000"/>
+                    <a:lumOff val="25000"/>
+                  </a:schemeClr>
+                </a:solidFill>
+              </a:rPr>
+              <a:t>RAG</a:t>
+            </a:r>
+            <a:r>
+              <a:rPr lang="ko-KR" altLang="en-US" dirty="0">
+                <a:solidFill>
+                  <a:schemeClr val="tx1">
+                    <a:lumMod val="75000"/>
+                    <a:lumOff val="25000"/>
+                  </a:schemeClr>
+                </a:solidFill>
+              </a:rPr>
+              <a:t> </a:t>
+            </a:r>
+            <a:r>
+              <a:rPr lang="ko-KR" altLang="en-US" dirty="0" err="1">
+                <a:solidFill>
+                  <a:schemeClr val="tx1">
+                    <a:lumMod val="75000"/>
+                    <a:lumOff val="25000"/>
+                  </a:schemeClr>
+                </a:solidFill>
+              </a:rPr>
+              <a:t>질의시</a:t>
+            </a:r>
+            <a:r>
+              <a:rPr lang="en-US" altLang="ko-KR" dirty="0">
+                <a:solidFill>
+                  <a:schemeClr val="tx1">
+                    <a:lumMod val="75000"/>
+                    <a:lumOff val="25000"/>
+                  </a:schemeClr>
+                </a:solidFill>
+              </a:rPr>
+              <a:t>, </a:t>
+            </a:r>
+            <a:r>
+              <a:rPr lang="ko-KR" altLang="en-US" dirty="0">
+                <a:solidFill>
+                  <a:schemeClr val="tx1">
+                    <a:lumMod val="75000"/>
+                    <a:lumOff val="25000"/>
+                  </a:schemeClr>
+                </a:solidFill>
+              </a:rPr>
+              <a:t>이전 </a:t>
+            </a:r>
+            <a:r>
+              <a:rPr lang="en-US" altLang="ko-KR" dirty="0">
+                <a:solidFill>
+                  <a:schemeClr val="tx1">
+                    <a:lumMod val="75000"/>
+                    <a:lumOff val="25000"/>
+                  </a:schemeClr>
+                </a:solidFill>
+              </a:rPr>
+              <a:t>history </a:t>
+            </a:r>
+            <a:r>
+              <a:rPr lang="ko-KR" altLang="en-US" dirty="0">
+                <a:solidFill>
+                  <a:schemeClr val="tx1">
+                    <a:lumMod val="75000"/>
+                    <a:lumOff val="25000"/>
+                  </a:schemeClr>
+                </a:solidFill>
+              </a:rPr>
+              <a:t>를 적용했더니</a:t>
+            </a:r>
+            <a:r>
+              <a:rPr lang="en-US" altLang="ko-KR" dirty="0">
+                <a:solidFill>
+                  <a:schemeClr val="tx1">
+                    <a:lumMod val="75000"/>
+                    <a:lumOff val="25000"/>
+                  </a:schemeClr>
+                </a:solidFill>
+              </a:rPr>
+              <a:t>, </a:t>
+            </a:r>
+            <a:r>
+              <a:rPr lang="ko-KR" altLang="en-US" dirty="0">
+                <a:solidFill>
+                  <a:schemeClr val="tx1">
+                    <a:lumMod val="75000"/>
+                    <a:lumOff val="25000"/>
+                  </a:schemeClr>
+                </a:solidFill>
+              </a:rPr>
+              <a:t>여러 질문 이후</a:t>
+            </a:r>
+            <a:r>
+              <a:rPr lang="en-US" altLang="ko-KR" dirty="0">
+                <a:solidFill>
+                  <a:schemeClr val="tx1">
+                    <a:lumMod val="75000"/>
+                    <a:lumOff val="25000"/>
+                  </a:schemeClr>
+                </a:solidFill>
+              </a:rPr>
+              <a:t>, </a:t>
+            </a:r>
+            <a:r>
+              <a:rPr lang="ko-KR" altLang="en-US" dirty="0">
+                <a:solidFill>
+                  <a:schemeClr val="tx1">
+                    <a:lumMod val="75000"/>
+                    <a:lumOff val="25000"/>
+                  </a:schemeClr>
+                </a:solidFill>
+              </a:rPr>
+              <a:t>아래 메시지가 나오면서 수행이 안됨</a:t>
+            </a:r>
+            <a:r>
+              <a:rPr lang="en-US" altLang="ko-KR" dirty="0">
+                <a:solidFill>
+                  <a:schemeClr val="tx1">
+                    <a:lumMod val="75000"/>
+                    <a:lumOff val="25000"/>
+                  </a:schemeClr>
+                </a:solidFill>
+              </a:rPr>
+              <a:t>. </a:t>
+            </a:r>
+            <a:endParaRPr lang="ko-KR" altLang="en-US" sz="1800" dirty="0">
+              <a:solidFill>
+                <a:schemeClr val="tx1">
+                  <a:lumMod val="75000"/>
+                  <a:lumOff val="25000"/>
+                </a:schemeClr>
+              </a:solidFill>
+              <a:latin typeface="+mn-lt"/>
+            </a:endParaRPr>
+          </a:p>
+        </p:txBody>
+      </p:sp>
+    </p:spTree>
+    <p:extLst>
+      <p:ext uri="{BB962C8B-B14F-4D97-AF65-F5344CB8AC3E}">
+        <p14:creationId xmlns:p14="http://schemas.microsoft.com/office/powerpoint/2010/main" val="4194279988"/>
+      </p:ext>
+    </p:extLst>
+  </p:cSld>
+  <p:clrMapOvr>
+    <a:masterClrMapping/>
+  </p:clrMapOvr>
+</p:sld>
+</file>
+
+<file path=ppt/slides/slide13.xml><?xml version="1.0" encoding="utf-8"?>
+<p:sld xmlns:a="http://schemas.openxmlformats.org/drawingml/2006/main" xmlns:r="http://schemas.openxmlformats.org/officeDocument/2006/relationships" xmlns:p="http://schemas.openxmlformats.org/presentationml/2006/main">
+  <p:cSld>
+    <p:spTree>
+      <p:nvGrpSpPr>
+        <p:cNvPr id="1" name=""/>
+        <p:cNvGrpSpPr/>
+        <p:nvPr/>
+      </p:nvGrpSpPr>
+      <p:grpSpPr>
+        <a:xfrm>
+          <a:off x="0" y="0"/>
+          <a:ext cx="0" cy="0"/>
+          <a:chOff x="0" y="0"/>
+          <a:chExt cx="0" cy="0"/>
+        </a:xfrm>
+      </p:grpSpPr>
       <p:pic>
         <p:nvPicPr>
           <p:cNvPr id="19" name="그림 개체 틀 18" descr="자연 풍경 그림&#10;&#10;높은 신뢰도로 생성된 설명">
@@ -17272,7 +18403,7 @@
                 <a16:creationId xmlns:a16="http://schemas.microsoft.com/office/drawing/2014/main" id="{FE07C9EC-5158-440C-995A-EAC50D3E05DA}"/>
               </a:ext>
               <a:ext uri="{C183D7F6-B498-43B3-948B-1728B52AA6E4}">
-                <adec:decorative xmlns:adec="http://schemas.microsoft.com/office/drawing/2017/decorative" val="1"/>
+                <adec:decorative xmlns:adec="http://schemas.microsoft.com/office/drawing/2017/decorative" xmlns="" val="1"/>
               </a:ext>
             </a:extLst>
           </p:cNvPr>
@@ -17384,7 +18515,7 @@
                 <a14:useLocalDpi xmlns:a14="http://schemas.microsoft.com/office/drawing/2010/main"/>
               </a:ext>
               <a:ext uri="{96DAC541-7B7A-43D3-8B79-37D633B846F1}">
-                <asvg:svgBlip xmlns:asvg="http://schemas.microsoft.com/office/drawing/2016/SVG/main" r:embed="rId6"/>
+                <asvg:svgBlip xmlns:asvg="http://schemas.microsoft.com/office/drawing/2016/SVG/main" xmlns="" r:embed="rId6"/>
               </a:ext>
             </a:extLst>
           </a:blip>
@@ -17452,7 +18583,7 @@
                 <a14:useLocalDpi xmlns:a14="http://schemas.microsoft.com/office/drawing/2010/main"/>
               </a:ext>
               <a:ext uri="{96DAC541-7B7A-43D3-8B79-37D633B846F1}">
-                <asvg:svgBlip xmlns:asvg="http://schemas.microsoft.com/office/drawing/2016/SVG/main" r:embed="rId8"/>
+                <asvg:svgBlip xmlns:asvg="http://schemas.microsoft.com/office/drawing/2016/SVG/main" xmlns="" r:embed="rId8"/>
               </a:ext>
             </a:extLst>
           </a:blip>
@@ -17524,7 +18655,7 @@
                 <a14:useLocalDpi xmlns:a14="http://schemas.microsoft.com/office/drawing/2010/main"/>
               </a:ext>
               <a:ext uri="{96DAC541-7B7A-43D3-8B79-37D633B846F1}">
-                <asvg:svgBlip xmlns:asvg="http://schemas.microsoft.com/office/drawing/2016/SVG/main" r:embed="rId10"/>
+                <asvg:svgBlip xmlns:asvg="http://schemas.microsoft.com/office/drawing/2016/SVG/main" xmlns="" r:embed="rId10"/>
               </a:ext>
             </a:extLst>
           </a:blip>
@@ -17598,7 +18729,7 @@
                 <a14:useLocalDpi xmlns:a14="http://schemas.microsoft.com/office/drawing/2010/main" val="0"/>
               </a:ext>
               <a:ext uri="{96DAC541-7B7A-43D3-8B79-37D633B846F1}">
-                <asvg:svgBlip xmlns:asvg="http://schemas.microsoft.com/office/drawing/2016/SVG/main" r:embed="rId13"/>
+                <asvg:svgBlip xmlns:asvg="http://schemas.microsoft.com/office/drawing/2016/SVG/main" xmlns="" r:embed="rId13"/>
               </a:ext>
             </a:extLst>
           </a:blip>
@@ -17648,6 +18779,131 @@
       </p:grpSpPr>
       <p:sp>
         <p:nvSpPr>
+          <p:cNvPr id="2" name="내용 개체 틀 1"/>
+          <p:cNvSpPr>
+            <a:spLocks noGrp="1"/>
+          </p:cNvSpPr>
+          <p:nvPr>
+            <p:ph idx="1"/>
+          </p:nvPr>
+        </p:nvSpPr>
+        <p:spPr/>
+        <p:txBody>
+          <a:bodyPr/>
+          <a:lstStyle/>
+          <a:p>
+            <a:r>
+              <a:rPr lang="ko-KR" altLang="en-US" sz="2200" b="1" dirty="0" smtClean="0"/>
+              <a:t>현업에서의 개발 환경</a:t>
+            </a:r>
+            <a:endParaRPr lang="en-US" altLang="ko-KR" sz="2200" b="1" dirty="0" smtClean="0"/>
+          </a:p>
+          <a:p>
+            <a:pPr lvl="1"/>
+            <a:r>
+              <a:rPr lang="en-US" altLang="ko-KR" sz="1800" dirty="0" smtClean="0"/>
+              <a:t>Linux </a:t>
+            </a:r>
+            <a:r>
+              <a:rPr lang="ko-KR" altLang="en-US" sz="1800" dirty="0" smtClean="0"/>
+              <a:t>기반의 개발 환경</a:t>
+            </a:r>
+            <a:endParaRPr lang="en-US" altLang="ko-KR" sz="1800" dirty="0" smtClean="0"/>
+          </a:p>
+          <a:p>
+            <a:pPr lvl="1"/>
+            <a:r>
+              <a:rPr lang="ko-KR" altLang="en-US" sz="1800" dirty="0" smtClean="0"/>
+              <a:t>다양한 </a:t>
+            </a:r>
+            <a:r>
+              <a:rPr lang="en-US" altLang="ko-KR" sz="1800" dirty="0"/>
+              <a:t>open source </a:t>
+            </a:r>
+            <a:r>
+              <a:rPr lang="en-US" altLang="ko-KR" sz="1800" dirty="0" smtClean="0"/>
+              <a:t>library </a:t>
+            </a:r>
+            <a:r>
+              <a:rPr lang="ko-KR" altLang="en-US" sz="1800" dirty="0" smtClean="0"/>
+              <a:t>와 </a:t>
+            </a:r>
+            <a:r>
+              <a:rPr lang="en-US" altLang="ko-KR" sz="1800" dirty="0" smtClean="0"/>
+              <a:t>package </a:t>
+            </a:r>
+            <a:r>
+              <a:rPr lang="ko-KR" altLang="en-US" sz="1800" dirty="0" smtClean="0"/>
+              <a:t>이용한 </a:t>
+            </a:r>
+            <a:r>
+              <a:rPr lang="ko-KR" altLang="en-US" sz="1800" dirty="0"/>
+              <a:t>개발 </a:t>
+            </a:r>
+            <a:r>
+              <a:rPr lang="ko-KR" altLang="en-US" sz="1800" dirty="0" smtClean="0"/>
+              <a:t>환경</a:t>
+            </a:r>
+            <a:endParaRPr lang="en-US" altLang="ko-KR" sz="1800" dirty="0" smtClean="0"/>
+          </a:p>
+          <a:p>
+            <a:pPr lvl="1"/>
+            <a:r>
+              <a:rPr lang="en-US" altLang="ko-KR" sz="1800" dirty="0" smtClean="0"/>
+              <a:t>Python, GO, C++ </a:t>
+            </a:r>
+            <a:r>
+              <a:rPr lang="ko-KR" altLang="en-US" sz="1800" dirty="0" smtClean="0"/>
+              <a:t>등의 다양한 언어 이용</a:t>
+            </a:r>
+            <a:endParaRPr lang="en-US" altLang="ko-KR" sz="1800" dirty="0" smtClean="0"/>
+          </a:p>
+          <a:p>
+            <a:pPr lvl="1"/>
+            <a:r>
+              <a:rPr lang="en-US" altLang="ko-KR" sz="1800" dirty="0" smtClean="0"/>
+              <a:t>Virtual/Physical Server </a:t>
+            </a:r>
+            <a:r>
+              <a:rPr lang="ko-KR" altLang="en-US" sz="1800" dirty="0" smtClean="0"/>
+              <a:t>환경에서의 개발과 </a:t>
+            </a:r>
+            <a:r>
+              <a:rPr lang="en-US" altLang="ko-KR" sz="1800" dirty="0" smtClean="0"/>
+              <a:t>CI/CD workflow</a:t>
+            </a:r>
+          </a:p>
+          <a:p>
+            <a:pPr lvl="1"/>
+            <a:r>
+              <a:rPr lang="en-US" altLang="ko-KR" sz="1800" dirty="0" smtClean="0"/>
+              <a:t>…</a:t>
+            </a:r>
+          </a:p>
+          <a:p>
+            <a:pPr lvl="1"/>
+            <a:endParaRPr lang="en-US" altLang="ko-KR" sz="1800" dirty="0" smtClean="0"/>
+          </a:p>
+          <a:p>
+            <a:pPr lvl="1"/>
+            <a:endParaRPr lang="en-US" altLang="ko-KR" sz="1800" dirty="0" smtClean="0"/>
+          </a:p>
+          <a:p>
+            <a:pPr lvl="1"/>
+            <a:endParaRPr lang="en-US" altLang="ko-KR" dirty="0" smtClean="0"/>
+          </a:p>
+          <a:p>
+            <a:pPr lvl="1"/>
+            <a:endParaRPr lang="en-US" altLang="ko-KR" dirty="0" smtClean="0"/>
+          </a:p>
+          <a:p>
+            <a:pPr lvl="1"/>
+            <a:endParaRPr lang="ko-KR" altLang="en-US" dirty="0"/>
+          </a:p>
+        </p:txBody>
+      </p:sp>
+      <p:sp>
+        <p:nvSpPr>
           <p:cNvPr id="3" name="제목 2"/>
           <p:cNvSpPr>
             <a:spLocks noGrp="1"/>
@@ -17661,7 +18917,11 @@
           <a:bodyPr/>
           <a:lstStyle/>
           <a:p>
-            <a:endParaRPr lang="ko-KR" altLang="en-US"/>
+            <a:r>
+              <a:rPr lang="ko-KR" altLang="en-US" dirty="0" smtClean="0"/>
+              <a:t>배경</a:t>
+            </a:r>
+            <a:endParaRPr lang="ko-KR" altLang="en-US" dirty="0"/>
           </a:p>
         </p:txBody>
       </p:sp>
@@ -17675,7 +18935,12 @@
             <p:ph type="sldNum" sz="quarter" idx="11"/>
           </p:nvPr>
         </p:nvSpPr>
-        <p:spPr/>
+        <p:spPr>
+          <a:xfrm>
+            <a:off x="5525756" y="6085836"/>
+            <a:ext cx="432000" cy="432000"/>
+          </a:xfrm>
+        </p:spPr>
         <p:txBody>
           <a:bodyPr/>
           <a:lstStyle/>
@@ -17689,40 +18954,234 @@
           </a:p>
         </p:txBody>
       </p:sp>
-      <p:pic>
-        <p:nvPicPr>
-          <p:cNvPr id="5" name="그림 4"/>
-          <p:cNvPicPr>
-            <a:picLocks noChangeAspect="1"/>
-          </p:cNvPicPr>
+      <p:grpSp>
+        <p:nvGrpSpPr>
+          <p:cNvPr id="9" name="그룹 8"/>
+          <p:cNvGrpSpPr/>
           <p:nvPr/>
-        </p:nvPicPr>
-        <p:blipFill>
-          <a:blip r:embed="rId2"/>
-          <a:stretch>
-            <a:fillRect/>
-          </a:stretch>
-        </p:blipFill>
-        <p:spPr>
+        </p:nvGrpSpPr>
+        <p:grpSpPr>
           <a:xfrm>
-            <a:off x="870196" y="1700754"/>
-            <a:ext cx="4382112" cy="1124107"/>
-          </a:xfrm>
-          <a:prstGeom prst="rect">
-            <a:avLst/>
-          </a:prstGeom>
-        </p:spPr>
-      </p:pic>
-      <p:sp>
-        <p:nvSpPr>
-          <p:cNvPr id="6" name="TextBox 5"/>
+            <a:off x="432000" y="3887732"/>
+            <a:ext cx="4142148" cy="1189822"/>
+            <a:chOff x="716096" y="4252511"/>
+            <a:chExt cx="4638102" cy="1189822"/>
+          </a:xfrm>
+        </p:grpSpPr>
+        <p:sp>
+          <p:nvSpPr>
+            <p:cNvPr id="7" name="모서리가 둥근 직사각형 6"/>
+            <p:cNvSpPr/>
+            <p:nvPr/>
+          </p:nvSpPr>
+          <p:spPr>
+            <a:xfrm>
+              <a:off x="716096" y="4252511"/>
+              <a:ext cx="4638102" cy="1189822"/>
+            </a:xfrm>
+            <a:prstGeom prst="roundRect">
+              <a:avLst/>
+            </a:prstGeom>
+            <a:solidFill>
+              <a:schemeClr val="bg1">
+                <a:lumMod val="95000"/>
+              </a:schemeClr>
+            </a:solidFill>
+            <a:ln>
+              <a:noFill/>
+            </a:ln>
+          </p:spPr>
+          <p:style>
+            <a:lnRef idx="2">
+              <a:schemeClr val="accent1">
+                <a:shade val="50000"/>
+              </a:schemeClr>
+            </a:lnRef>
+            <a:fillRef idx="1">
+              <a:schemeClr val="accent1"/>
+            </a:fillRef>
+            <a:effectRef idx="0">
+              <a:schemeClr val="accent1"/>
+            </a:effectRef>
+            <a:fontRef idx="minor">
+              <a:schemeClr val="lt1"/>
+            </a:fontRef>
+          </p:style>
+          <p:txBody>
+            <a:bodyPr rtlCol="0" anchor="ctr"/>
+            <a:lstStyle/>
+            <a:p>
+              <a:pPr algn="ctr"/>
+              <a:endParaRPr lang="ko-KR" altLang="en-US" dirty="0"/>
+            </a:p>
+          </p:txBody>
+        </p:sp>
+        <p:sp>
+          <p:nvSpPr>
+            <p:cNvPr id="8" name="TextBox 7"/>
+            <p:cNvSpPr txBox="1"/>
+            <p:nvPr/>
+          </p:nvSpPr>
+          <p:spPr>
+            <a:xfrm>
+              <a:off x="911884" y="4573336"/>
+              <a:ext cx="4365196" cy="466785"/>
+            </a:xfrm>
+            <a:prstGeom prst="rect">
+              <a:avLst/>
+            </a:prstGeom>
+            <a:noFill/>
+          </p:spPr>
+          <p:txBody>
+            <a:bodyPr wrap="square" lIns="0" tIns="0" rIns="0" bIns="0" rtlCol="0">
+              <a:noAutofit/>
+            </a:bodyPr>
+            <a:lstStyle/>
+            <a:p>
+              <a:pPr algn="l"/>
+              <a:r>
+                <a:rPr lang="ko-KR" altLang="en-US" b="1" dirty="0" smtClean="0">
+                  <a:solidFill>
+                    <a:schemeClr val="tx1">
+                      <a:lumMod val="75000"/>
+                      <a:lumOff val="25000"/>
+                    </a:schemeClr>
+                  </a:solidFill>
+                </a:rPr>
+                <a:t>이번 </a:t>
+              </a:r>
+              <a:r>
+                <a:rPr lang="en-US" altLang="ko-KR" b="1" dirty="0" smtClean="0">
+                  <a:solidFill>
+                    <a:schemeClr val="tx1">
+                      <a:lumMod val="75000"/>
+                      <a:lumOff val="25000"/>
+                    </a:schemeClr>
+                  </a:solidFill>
+                </a:rPr>
+                <a:t>Sprint </a:t>
+              </a:r>
+              <a:r>
+                <a:rPr lang="ko-KR" altLang="en-US" b="1" dirty="0" smtClean="0">
+                  <a:solidFill>
+                    <a:schemeClr val="tx1">
+                      <a:lumMod val="75000"/>
+                      <a:lumOff val="25000"/>
+                    </a:schemeClr>
+                  </a:solidFill>
+                </a:rPr>
+                <a:t>동안</a:t>
+              </a:r>
+              <a:r>
+                <a:rPr lang="en-US" altLang="ko-KR" b="1" dirty="0" smtClean="0">
+                  <a:solidFill>
+                    <a:schemeClr val="tx1">
+                      <a:lumMod val="75000"/>
+                      <a:lumOff val="25000"/>
+                    </a:schemeClr>
+                  </a:solidFill>
+                </a:rPr>
+                <a:t> </a:t>
+              </a:r>
+              <a:r>
+                <a:rPr lang="ko-KR" altLang="en-US" b="1" dirty="0" smtClean="0">
+                  <a:solidFill>
+                    <a:schemeClr val="tx1">
+                      <a:lumMod val="75000"/>
+                      <a:lumOff val="25000"/>
+                    </a:schemeClr>
+                  </a:solidFill>
+                </a:rPr>
+                <a:t>알려준 </a:t>
+              </a:r>
+              <a:r>
+                <a:rPr lang="en-US" altLang="ko-KR" b="1" dirty="0" smtClean="0">
+                  <a:solidFill>
+                    <a:schemeClr val="tx1">
+                      <a:lumMod val="75000"/>
+                      <a:lumOff val="25000"/>
+                    </a:schemeClr>
+                  </a:solidFill>
+                </a:rPr>
+                <a:t>test </a:t>
+              </a:r>
+              <a:r>
+                <a:rPr lang="ko-KR" altLang="en-US" b="1" dirty="0" smtClean="0">
+                  <a:solidFill>
+                    <a:schemeClr val="tx1">
+                      <a:lumMod val="75000"/>
+                      <a:lumOff val="25000"/>
+                    </a:schemeClr>
+                  </a:solidFill>
+                </a:rPr>
+                <a:t>시나리오에 대해서 </a:t>
+              </a:r>
+              <a:r>
+                <a:rPr lang="en-US" altLang="ko-KR" b="1" dirty="0" smtClean="0">
+                  <a:solidFill>
+                    <a:schemeClr val="tx1">
+                      <a:lumMod val="75000"/>
+                      <a:lumOff val="25000"/>
+                    </a:schemeClr>
+                  </a:solidFill>
+                </a:rPr>
+                <a:t>TC </a:t>
+              </a:r>
+              <a:r>
+                <a:rPr lang="ko-KR" altLang="en-US" b="1" dirty="0" smtClean="0">
+                  <a:solidFill>
+                    <a:schemeClr val="tx1">
+                      <a:lumMod val="75000"/>
+                      <a:lumOff val="25000"/>
+                    </a:schemeClr>
+                  </a:solidFill>
+                </a:rPr>
+                <a:t>만들어서 </a:t>
+              </a:r>
+              <a:r>
+                <a:rPr lang="en-US" altLang="ko-KR" b="1" dirty="0" smtClean="0">
+                  <a:solidFill>
+                    <a:schemeClr val="tx1">
+                      <a:lumMod val="75000"/>
+                      <a:lumOff val="25000"/>
+                    </a:schemeClr>
+                  </a:solidFill>
+                </a:rPr>
+                <a:t>PR </a:t>
+              </a:r>
+              <a:r>
+                <a:rPr lang="ko-KR" altLang="en-US" b="1" dirty="0" smtClean="0">
+                  <a:solidFill>
+                    <a:schemeClr val="tx1">
+                      <a:lumMod val="75000"/>
+                      <a:lumOff val="25000"/>
+                    </a:schemeClr>
+                  </a:solidFill>
+                </a:rPr>
+                <a:t>올려줘요</a:t>
+              </a:r>
+              <a:endParaRPr lang="ko-KR" altLang="en-US" b="1" dirty="0" smtClean="0">
+                <a:solidFill>
+                  <a:schemeClr val="tx1">
+                    <a:lumMod val="75000"/>
+                    <a:lumOff val="25000"/>
+                  </a:schemeClr>
+                </a:solidFill>
+              </a:endParaRPr>
+            </a:p>
+          </p:txBody>
+        </p:sp>
+      </p:grpSp>
+      <p:sp>
+        <p:nvSpPr>
+          <p:cNvPr id="10" name="TextBox 9"/>
           <p:cNvSpPr txBox="1"/>
           <p:nvPr/>
         </p:nvSpPr>
         <p:spPr>
           <a:xfrm>
-            <a:off x="6712094" y="1700754"/>
-            <a:ext cx="4124781" cy="319576"/>
+            <a:off x="6477364" y="2774105"/>
+            <a:ext cx="4365196" cy="466785"/>
           </a:xfrm>
           <a:prstGeom prst="rect">
             <a:avLst/>
@@ -17730,100 +19189,717 @@
           <a:noFill/>
         </p:spPr>
         <p:txBody>
-          <a:bodyPr wrap="none" lIns="0" tIns="0" rIns="0" bIns="0" rtlCol="0">
+          <a:bodyPr wrap="square" lIns="0" tIns="0" rIns="0" bIns="0" rtlCol="0">
             <a:noAutofit/>
           </a:bodyPr>
           <a:lstStyle/>
           <a:p>
             <a:pPr algn="l"/>
             <a:r>
-              <a:rPr lang="en-US" altLang="ko-KR" sz="1200" dirty="0">
-                <a:solidFill>
-                  <a:schemeClr val="tx1">
-                    <a:lumMod val="75000"/>
-                    <a:lumOff val="25000"/>
-                  </a:schemeClr>
-                </a:solidFill>
-                <a:latin typeface="+mn-lt"/>
+              <a:rPr lang="en-US" altLang="ko-KR" b="1" dirty="0" err="1" smtClean="0">
+                <a:solidFill>
+                  <a:schemeClr val="tx1">
+                    <a:lumMod val="75000"/>
+                    <a:lumOff val="25000"/>
+                  </a:schemeClr>
+                </a:solidFill>
               </a:rPr>
-              <a:t>Word </a:t>
-            </a:r>
-            <a:r>
-              <a:rPr lang="ko-KR" altLang="en-US" sz="1200" dirty="0">
-                <a:solidFill>
-                  <a:schemeClr val="tx1">
-                    <a:lumMod val="75000"/>
-                    <a:lumOff val="25000"/>
-                  </a:schemeClr>
-                </a:solidFill>
-                <a:latin typeface="+mn-lt"/>
+              <a:t>Pytest</a:t>
+            </a:r>
+            <a:r>
+              <a:rPr lang="en-US" altLang="ko-KR" b="1" dirty="0" smtClean="0">
+                <a:solidFill>
+                  <a:schemeClr val="tx1">
+                    <a:lumMod val="75000"/>
+                    <a:lumOff val="25000"/>
+                  </a:schemeClr>
+                </a:solidFill>
               </a:rPr>
-              <a:t>파일이 </a:t>
-            </a:r>
-            <a:r>
-              <a:rPr lang="en-US" altLang="ko-KR" sz="1200" dirty="0">
-                <a:solidFill>
-                  <a:schemeClr val="tx1">
-                    <a:lumMod val="75000"/>
-                    <a:lumOff val="25000"/>
-                  </a:schemeClr>
-                </a:solidFill>
-                <a:latin typeface="+mn-lt"/>
+              <a:t>, Go test </a:t>
+            </a:r>
+            <a:r>
+              <a:rPr lang="ko-KR" altLang="en-US" b="1" dirty="0" smtClean="0">
+                <a:solidFill>
+                  <a:schemeClr val="tx1">
+                    <a:lumMod val="75000"/>
+                    <a:lumOff val="25000"/>
+                  </a:schemeClr>
+                </a:solidFill>
               </a:rPr>
-              <a:t>1</a:t>
-            </a:r>
-            <a:r>
-              <a:rPr lang="ko-KR" altLang="en-US" sz="1200" dirty="0">
-                <a:solidFill>
-                  <a:schemeClr val="tx1">
-                    <a:lumMod val="75000"/>
-                    <a:lumOff val="25000"/>
-                  </a:schemeClr>
-                </a:solidFill>
-                <a:latin typeface="+mn-lt"/>
+              <a:t>기반의 </a:t>
+            </a:r>
+            <a:r>
+              <a:rPr lang="en-US" altLang="ko-KR" b="1" dirty="0" smtClean="0">
+                <a:solidFill>
+                  <a:schemeClr val="tx1">
+                    <a:lumMod val="75000"/>
+                    <a:lumOff val="25000"/>
+                  </a:schemeClr>
+                </a:solidFill>
               </a:rPr>
-              <a:t>개 문서로 통으로 읽고 있어</a:t>
-            </a:r>
-            <a:r>
-              <a:rPr lang="en-US" altLang="ko-KR" sz="1200" dirty="0">
-                <a:solidFill>
-                  <a:schemeClr val="tx1">
-                    <a:lumMod val="75000"/>
-                    <a:lumOff val="25000"/>
-                  </a:schemeClr>
-                </a:solidFill>
-                <a:latin typeface="+mn-lt"/>
+              <a:t>TC </a:t>
+            </a:r>
+            <a:r>
+              <a:rPr lang="ko-KR" altLang="en-US" b="1" dirty="0" smtClean="0">
+                <a:solidFill>
+                  <a:schemeClr val="tx1">
+                    <a:lumMod val="75000"/>
+                    <a:lumOff val="25000"/>
+                  </a:schemeClr>
+                </a:solidFill>
+              </a:rPr>
+              <a:t>를 어떻게 만들죠</a:t>
+            </a:r>
+            <a:r>
+              <a:rPr lang="en-US" altLang="ko-KR" b="1" dirty="0" smtClean="0">
+                <a:solidFill>
+                  <a:schemeClr val="tx1">
+                    <a:lumMod val="75000"/>
+                    <a:lumOff val="25000"/>
+                  </a:schemeClr>
+                </a:solidFill>
+              </a:rPr>
+              <a:t>? </a:t>
+            </a:r>
+            <a:endParaRPr lang="ko-KR" altLang="en-US" b="1" dirty="0" smtClean="0">
+              <a:solidFill>
+                <a:schemeClr val="tx1">
+                  <a:lumMod val="75000"/>
+                  <a:lumOff val="25000"/>
+                </a:schemeClr>
+              </a:solidFill>
+            </a:endParaRPr>
+          </a:p>
+        </p:txBody>
+      </p:sp>
+      <p:sp>
+        <p:nvSpPr>
+          <p:cNvPr id="11" name="TextBox 10"/>
+          <p:cNvSpPr txBox="1"/>
+          <p:nvPr/>
+        </p:nvSpPr>
+        <p:spPr>
+          <a:xfrm>
+            <a:off x="6445985" y="3246446"/>
+            <a:ext cx="4715219" cy="466785"/>
+          </a:xfrm>
+          <a:prstGeom prst="rect">
+            <a:avLst/>
+          </a:prstGeom>
+          <a:noFill/>
+        </p:spPr>
+        <p:txBody>
+          <a:bodyPr wrap="square" lIns="0" tIns="0" rIns="0" bIns="0" rtlCol="0">
+            <a:noAutofit/>
+          </a:bodyPr>
+          <a:lstStyle/>
+          <a:p>
+            <a:pPr algn="l"/>
+            <a:r>
+              <a:rPr lang="ko-KR" altLang="en-US" b="1" dirty="0" smtClean="0">
+                <a:solidFill>
+                  <a:schemeClr val="tx1">
+                    <a:lumMod val="75000"/>
+                    <a:lumOff val="25000"/>
+                  </a:schemeClr>
+                </a:solidFill>
+              </a:rPr>
+              <a:t>가이드 대로 했더니</a:t>
+            </a:r>
+            <a:r>
+              <a:rPr lang="en-US" altLang="ko-KR" b="1" dirty="0" smtClean="0">
+                <a:solidFill>
+                  <a:schemeClr val="tx1">
+                    <a:lumMod val="75000"/>
+                    <a:lumOff val="25000"/>
+                  </a:schemeClr>
+                </a:solidFill>
+              </a:rPr>
+              <a:t>, VM </a:t>
+            </a:r>
+            <a:r>
+              <a:rPr lang="ko-KR" altLang="en-US" b="1" dirty="0" smtClean="0">
+                <a:solidFill>
+                  <a:schemeClr val="tx1">
+                    <a:lumMod val="75000"/>
+                    <a:lumOff val="25000"/>
+                  </a:schemeClr>
+                </a:solidFill>
+              </a:rPr>
+              <a:t>환경에서는 에러가 나는데</a:t>
+            </a:r>
+            <a:r>
+              <a:rPr lang="en-US" altLang="ko-KR" b="1" dirty="0" smtClean="0">
+                <a:solidFill>
+                  <a:schemeClr val="tx1">
+                    <a:lumMod val="75000"/>
+                    <a:lumOff val="25000"/>
+                  </a:schemeClr>
+                </a:solidFill>
               </a:rPr>
               <a:t>, </a:t>
             </a:r>
             <a:r>
-              <a:rPr lang="ko-KR" altLang="en-US" sz="1200" dirty="0">
-                <a:solidFill>
-                  <a:schemeClr val="tx1">
-                    <a:lumMod val="75000"/>
-                    <a:lumOff val="25000"/>
-                  </a:schemeClr>
-                </a:solidFill>
-                <a:latin typeface="+mn-lt"/>
+              <a:rPr lang="ko-KR" altLang="en-US" b="1" dirty="0" smtClean="0">
+                <a:solidFill>
+                  <a:schemeClr val="tx1">
+                    <a:lumMod val="75000"/>
+                    <a:lumOff val="25000"/>
+                  </a:schemeClr>
+                </a:solidFill>
               </a:rPr>
-              <a:t>검색 결과가 없음</a:t>
-            </a:r>
-            <a:r>
-              <a:rPr lang="en-US" altLang="ko-KR" sz="1200" dirty="0">
-                <a:solidFill>
-                  <a:schemeClr val="tx1">
-                    <a:lumMod val="75000"/>
-                    <a:lumOff val="25000"/>
-                  </a:schemeClr>
-                </a:solidFill>
-                <a:latin typeface="+mn-lt"/>
+              <a:t>어떻게 해결해요</a:t>
+            </a:r>
+            <a:r>
+              <a:rPr lang="en-US" altLang="ko-KR" b="1" dirty="0" smtClean="0">
+                <a:solidFill>
+                  <a:schemeClr val="tx1">
+                    <a:lumMod val="75000"/>
+                    <a:lumOff val="25000"/>
+                  </a:schemeClr>
+                </a:solidFill>
               </a:rPr>
-              <a:t>. </a:t>
-            </a:r>
-          </a:p>
+              <a:t>? </a:t>
+            </a:r>
+            <a:endParaRPr lang="ko-KR" altLang="en-US" b="1" dirty="0" smtClean="0">
+              <a:solidFill>
+                <a:schemeClr val="tx1">
+                  <a:lumMod val="75000"/>
+                  <a:lumOff val="25000"/>
+                </a:schemeClr>
+              </a:solidFill>
+            </a:endParaRPr>
+          </a:p>
+        </p:txBody>
+      </p:sp>
+      <p:sp>
+        <p:nvSpPr>
+          <p:cNvPr id="12" name="TextBox 11"/>
+          <p:cNvSpPr txBox="1"/>
+          <p:nvPr/>
+        </p:nvSpPr>
+        <p:spPr>
+          <a:xfrm>
+            <a:off x="6445985" y="3937206"/>
+            <a:ext cx="5587562" cy="466785"/>
+          </a:xfrm>
+          <a:prstGeom prst="rect">
+            <a:avLst/>
+          </a:prstGeom>
+          <a:noFill/>
+        </p:spPr>
+        <p:txBody>
+          <a:bodyPr wrap="square" lIns="0" tIns="0" rIns="0" bIns="0" rtlCol="0">
+            <a:noAutofit/>
+          </a:bodyPr>
+          <a:lstStyle/>
           <a:p>
             <a:pPr algn="l"/>
-            <a:endParaRPr lang="ko-KR" altLang="en-US" sz="1200" dirty="0">
+            <a:r>
+              <a:rPr lang="en-US" altLang="ko-KR" b="1" dirty="0" err="1" smtClean="0">
+                <a:solidFill>
+                  <a:schemeClr val="tx1">
+                    <a:lumMod val="75000"/>
+                    <a:lumOff val="25000"/>
+                  </a:schemeClr>
+                </a:solidFill>
+              </a:rPr>
+              <a:t>Pkg</a:t>
+            </a:r>
+            <a:r>
+              <a:rPr lang="en-US" altLang="ko-KR" b="1" dirty="0" smtClean="0">
+                <a:solidFill>
+                  <a:schemeClr val="tx1">
+                    <a:lumMod val="75000"/>
+                    <a:lumOff val="25000"/>
+                  </a:schemeClr>
+                </a:solidFill>
+              </a:rPr>
+              <a:t> </a:t>
+            </a:r>
+            <a:r>
+              <a:rPr lang="ko-KR" altLang="en-US" b="1" dirty="0" smtClean="0">
+                <a:solidFill>
+                  <a:schemeClr val="tx1">
+                    <a:lumMod val="75000"/>
+                    <a:lumOff val="25000"/>
+                  </a:schemeClr>
+                </a:solidFill>
+              </a:rPr>
+              <a:t>가 없다는데</a:t>
+            </a:r>
+            <a:r>
+              <a:rPr lang="en-US" altLang="ko-KR" b="1" dirty="0" smtClean="0">
+                <a:solidFill>
+                  <a:schemeClr val="tx1">
+                    <a:lumMod val="75000"/>
+                    <a:lumOff val="25000"/>
+                  </a:schemeClr>
+                </a:solidFill>
+              </a:rPr>
+              <a:t>, </a:t>
+            </a:r>
+            <a:r>
+              <a:rPr lang="ko-KR" altLang="en-US" b="1" dirty="0" smtClean="0">
+                <a:solidFill>
+                  <a:schemeClr val="tx1">
+                    <a:lumMod val="75000"/>
+                    <a:lumOff val="25000"/>
+                  </a:schemeClr>
+                </a:solidFill>
+              </a:rPr>
+              <a:t>어디서</a:t>
+            </a:r>
+            <a:r>
+              <a:rPr lang="en-US" altLang="ko-KR" b="1" dirty="0" smtClean="0">
+                <a:solidFill>
+                  <a:schemeClr val="tx1">
+                    <a:lumMod val="75000"/>
+                    <a:lumOff val="25000"/>
+                  </a:schemeClr>
+                </a:solidFill>
+              </a:rPr>
+              <a:t>/</a:t>
+            </a:r>
+            <a:r>
+              <a:rPr lang="ko-KR" altLang="en-US" b="1" dirty="0" smtClean="0">
+                <a:solidFill>
+                  <a:schemeClr val="tx1">
+                    <a:lumMod val="75000"/>
+                    <a:lumOff val="25000"/>
+                  </a:schemeClr>
+                </a:solidFill>
+              </a:rPr>
+              <a:t>어떻게 받고 설치해요</a:t>
+            </a:r>
+            <a:r>
+              <a:rPr lang="en-US" altLang="ko-KR" b="1" dirty="0" smtClean="0">
+                <a:solidFill>
+                  <a:schemeClr val="tx1">
+                    <a:lumMod val="75000"/>
+                    <a:lumOff val="25000"/>
+                  </a:schemeClr>
+                </a:solidFill>
+              </a:rPr>
+              <a:t>? </a:t>
+            </a:r>
+            <a:endParaRPr lang="ko-KR" altLang="en-US" b="1" dirty="0" smtClean="0">
+              <a:solidFill>
+                <a:schemeClr val="tx1">
+                  <a:lumMod val="75000"/>
+                  <a:lumOff val="25000"/>
+                </a:schemeClr>
+              </a:solidFill>
+            </a:endParaRPr>
+          </a:p>
+        </p:txBody>
+      </p:sp>
+      <p:sp>
+        <p:nvSpPr>
+          <p:cNvPr id="13" name="TextBox 12"/>
+          <p:cNvSpPr txBox="1"/>
+          <p:nvPr/>
+        </p:nvSpPr>
+        <p:spPr>
+          <a:xfrm>
+            <a:off x="6428553" y="4382073"/>
+            <a:ext cx="5587562" cy="466785"/>
+          </a:xfrm>
+          <a:prstGeom prst="rect">
+            <a:avLst/>
+          </a:prstGeom>
+          <a:noFill/>
+        </p:spPr>
+        <p:txBody>
+          <a:bodyPr wrap="square" lIns="0" tIns="0" rIns="0" bIns="0" rtlCol="0">
+            <a:noAutofit/>
+          </a:bodyPr>
+          <a:lstStyle/>
+          <a:p>
+            <a:pPr algn="l"/>
+            <a:r>
+              <a:rPr lang="en-US" altLang="ko-KR" b="1" dirty="0" err="1" smtClean="0">
+                <a:solidFill>
+                  <a:schemeClr val="tx1">
+                    <a:lumMod val="75000"/>
+                    <a:lumOff val="25000"/>
+                  </a:schemeClr>
+                </a:solidFill>
+              </a:rPr>
+              <a:t>Vscode</a:t>
+            </a:r>
+            <a:r>
+              <a:rPr lang="en-US" altLang="ko-KR" b="1" dirty="0" smtClean="0">
+                <a:solidFill>
+                  <a:schemeClr val="tx1">
+                    <a:lumMod val="75000"/>
+                    <a:lumOff val="25000"/>
+                  </a:schemeClr>
+                </a:solidFill>
+              </a:rPr>
+              <a:t> </a:t>
+            </a:r>
+            <a:r>
+              <a:rPr lang="ko-KR" altLang="en-US" b="1" dirty="0" smtClean="0">
+                <a:solidFill>
+                  <a:schemeClr val="tx1">
+                    <a:lumMod val="75000"/>
+                    <a:lumOff val="25000"/>
+                  </a:schemeClr>
+                </a:solidFill>
+              </a:rPr>
+              <a:t>에서 </a:t>
+            </a:r>
+            <a:r>
+              <a:rPr lang="en-US" altLang="ko-KR" b="1" dirty="0" smtClean="0">
+                <a:solidFill>
+                  <a:schemeClr val="tx1">
+                    <a:lumMod val="75000"/>
+                    <a:lumOff val="25000"/>
+                  </a:schemeClr>
+                </a:solidFill>
+              </a:rPr>
+              <a:t>debug </a:t>
+            </a:r>
+            <a:r>
+              <a:rPr lang="ko-KR" altLang="en-US" b="1" dirty="0" smtClean="0">
+                <a:solidFill>
+                  <a:schemeClr val="tx1">
+                    <a:lumMod val="75000"/>
+                    <a:lumOff val="25000"/>
+                  </a:schemeClr>
+                </a:solidFill>
+              </a:rPr>
+              <a:t>는 어떻게 해야해요</a:t>
+            </a:r>
+            <a:r>
+              <a:rPr lang="en-US" altLang="ko-KR" b="1" dirty="0" smtClean="0">
+                <a:solidFill>
+                  <a:schemeClr val="tx1">
+                    <a:lumMod val="75000"/>
+                    <a:lumOff val="25000"/>
+                  </a:schemeClr>
+                </a:solidFill>
+              </a:rPr>
+              <a:t>? </a:t>
+            </a:r>
+            <a:endParaRPr lang="ko-KR" altLang="en-US" b="1" dirty="0" smtClean="0">
+              <a:solidFill>
+                <a:schemeClr val="tx1">
+                  <a:lumMod val="75000"/>
+                  <a:lumOff val="25000"/>
+                </a:schemeClr>
+              </a:solidFill>
+            </a:endParaRPr>
+          </a:p>
+        </p:txBody>
+      </p:sp>
+      <p:sp>
+        <p:nvSpPr>
+          <p:cNvPr id="14" name="TextBox 13"/>
+          <p:cNvSpPr txBox="1"/>
+          <p:nvPr/>
+        </p:nvSpPr>
+        <p:spPr>
+          <a:xfrm>
+            <a:off x="6428553" y="4909258"/>
+            <a:ext cx="5587562" cy="466785"/>
+          </a:xfrm>
+          <a:prstGeom prst="rect">
+            <a:avLst/>
+          </a:prstGeom>
+          <a:noFill/>
+        </p:spPr>
+        <p:txBody>
+          <a:bodyPr wrap="square" lIns="0" tIns="0" rIns="0" bIns="0" rtlCol="0">
+            <a:noAutofit/>
+          </a:bodyPr>
+          <a:lstStyle/>
+          <a:p>
+            <a:pPr algn="l"/>
+            <a:r>
+              <a:rPr lang="ko-KR" altLang="en-US" b="1" dirty="0" smtClean="0">
+                <a:solidFill>
+                  <a:schemeClr val="tx1">
+                    <a:lumMod val="75000"/>
+                    <a:lumOff val="25000"/>
+                  </a:schemeClr>
+                </a:solidFill>
+              </a:rPr>
+              <a:t>우리</a:t>
+            </a:r>
+            <a:r>
+              <a:rPr lang="en-US" altLang="ko-KR" b="1" dirty="0" smtClean="0">
+                <a:solidFill>
+                  <a:schemeClr val="tx1">
+                    <a:lumMod val="75000"/>
+                    <a:lumOff val="25000"/>
+                  </a:schemeClr>
+                </a:solidFill>
+              </a:rPr>
+              <a:t> S/W</a:t>
+            </a:r>
+            <a:r>
+              <a:rPr lang="ko-KR" altLang="en-US" b="1" dirty="0" smtClean="0">
+                <a:solidFill>
+                  <a:schemeClr val="tx1">
+                    <a:lumMod val="75000"/>
+                    <a:lumOff val="25000"/>
+                  </a:schemeClr>
+                </a:solidFill>
+              </a:rPr>
+              <a:t>는 어떻게 설치하고 실행해요</a:t>
+            </a:r>
+            <a:r>
+              <a:rPr lang="en-US" altLang="ko-KR" b="1" dirty="0" smtClean="0">
+                <a:solidFill>
+                  <a:schemeClr val="tx1">
+                    <a:lumMod val="75000"/>
+                    <a:lumOff val="25000"/>
+                  </a:schemeClr>
+                </a:solidFill>
+              </a:rPr>
+              <a:t>?  </a:t>
+            </a:r>
+            <a:endParaRPr lang="ko-KR" altLang="en-US" b="1" dirty="0" smtClean="0">
+              <a:solidFill>
+                <a:schemeClr val="tx1">
+                  <a:lumMod val="75000"/>
+                  <a:lumOff val="25000"/>
+                </a:schemeClr>
+              </a:solidFill>
+            </a:endParaRPr>
+          </a:p>
+        </p:txBody>
+      </p:sp>
+      <p:sp>
+        <p:nvSpPr>
+          <p:cNvPr id="15" name="TextBox 14"/>
+          <p:cNvSpPr txBox="1"/>
+          <p:nvPr/>
+        </p:nvSpPr>
+        <p:spPr>
+          <a:xfrm>
+            <a:off x="6477364" y="5358216"/>
+            <a:ext cx="5587562" cy="466785"/>
+          </a:xfrm>
+          <a:prstGeom prst="rect">
+            <a:avLst/>
+          </a:prstGeom>
+          <a:noFill/>
+        </p:spPr>
+        <p:txBody>
+          <a:bodyPr wrap="square" lIns="0" tIns="0" rIns="0" bIns="0" rtlCol="0">
+            <a:noAutofit/>
+          </a:bodyPr>
+          <a:lstStyle/>
+          <a:p>
+            <a:pPr algn="l"/>
+            <a:r>
+              <a:rPr lang="ko-KR" altLang="en-US" b="1" dirty="0" err="1" smtClean="0">
+                <a:solidFill>
+                  <a:schemeClr val="tx1">
+                    <a:lumMod val="75000"/>
+                    <a:lumOff val="25000"/>
+                  </a:schemeClr>
+                </a:solidFill>
+              </a:rPr>
+              <a:t>말씀하신게</a:t>
+            </a:r>
+            <a:r>
+              <a:rPr lang="ko-KR" altLang="en-US" b="1" dirty="0" smtClean="0">
+                <a:solidFill>
+                  <a:schemeClr val="tx1">
+                    <a:lumMod val="75000"/>
+                    <a:lumOff val="25000"/>
+                  </a:schemeClr>
+                </a:solidFill>
+              </a:rPr>
+              <a:t> 뭔지 모르겠어요</a:t>
+            </a:r>
+            <a:r>
+              <a:rPr lang="en-US" altLang="ko-KR" b="1" dirty="0">
+                <a:solidFill>
+                  <a:schemeClr val="tx1">
+                    <a:lumMod val="75000"/>
+                    <a:lumOff val="25000"/>
+                  </a:schemeClr>
+                </a:solidFill>
+              </a:rPr>
+              <a:t>,</a:t>
+            </a:r>
+            <a:endParaRPr lang="ko-KR" altLang="en-US" b="1" dirty="0" smtClean="0">
+              <a:solidFill>
+                <a:schemeClr val="tx1">
+                  <a:lumMod val="75000"/>
+                  <a:lumOff val="25000"/>
+                </a:schemeClr>
+              </a:solidFill>
+            </a:endParaRPr>
+          </a:p>
+        </p:txBody>
+      </p:sp>
+      <p:sp>
+        <p:nvSpPr>
+          <p:cNvPr id="16" name="TextBox 15"/>
+          <p:cNvSpPr txBox="1"/>
+          <p:nvPr/>
+        </p:nvSpPr>
+        <p:spPr>
+          <a:xfrm>
+            <a:off x="6477364" y="5768749"/>
+            <a:ext cx="5587562" cy="466785"/>
+          </a:xfrm>
+          <a:prstGeom prst="rect">
+            <a:avLst/>
+          </a:prstGeom>
+          <a:noFill/>
+        </p:spPr>
+        <p:txBody>
+          <a:bodyPr wrap="square" lIns="0" tIns="0" rIns="0" bIns="0" rtlCol="0">
+            <a:noAutofit/>
+          </a:bodyPr>
+          <a:lstStyle/>
+          <a:p>
+            <a:pPr algn="l"/>
+            <a:r>
+              <a:rPr lang="en-US" altLang="ko-KR" b="1" dirty="0" smtClean="0">
+                <a:solidFill>
+                  <a:schemeClr val="tx1">
+                    <a:lumMod val="75000"/>
+                    <a:lumOff val="25000"/>
+                  </a:schemeClr>
+                </a:solidFill>
+              </a:rPr>
+              <a:t>CI/CD workflow </a:t>
+            </a:r>
+            <a:r>
+              <a:rPr lang="ko-KR" altLang="en-US" b="1" dirty="0" smtClean="0">
+                <a:solidFill>
+                  <a:schemeClr val="tx1">
+                    <a:lumMod val="75000"/>
+                    <a:lumOff val="25000"/>
+                  </a:schemeClr>
+                </a:solidFill>
+              </a:rPr>
+              <a:t>는 어디서</a:t>
+            </a:r>
+            <a:r>
+              <a:rPr lang="en-US" altLang="ko-KR" b="1" dirty="0" smtClean="0">
+                <a:solidFill>
+                  <a:schemeClr val="tx1">
+                    <a:lumMod val="75000"/>
+                    <a:lumOff val="25000"/>
+                  </a:schemeClr>
+                </a:solidFill>
+              </a:rPr>
+              <a:t>/</a:t>
+            </a:r>
+            <a:r>
+              <a:rPr lang="ko-KR" altLang="en-US" b="1" dirty="0" smtClean="0">
+                <a:solidFill>
+                  <a:schemeClr val="tx1">
+                    <a:lumMod val="75000"/>
+                    <a:lumOff val="25000"/>
+                  </a:schemeClr>
+                </a:solidFill>
+              </a:rPr>
+              <a:t>어떻게 수정해요</a:t>
+            </a:r>
+            <a:r>
+              <a:rPr lang="en-US" altLang="ko-KR" b="1" dirty="0" smtClean="0">
+                <a:solidFill>
+                  <a:schemeClr val="tx1">
+                    <a:lumMod val="75000"/>
+                    <a:lumOff val="25000"/>
+                  </a:schemeClr>
+                </a:solidFill>
+              </a:rPr>
+              <a:t>? </a:t>
+            </a:r>
+            <a:endParaRPr lang="ko-KR" altLang="en-US" b="1" dirty="0" smtClean="0">
+              <a:solidFill>
+                <a:schemeClr val="tx1">
+                  <a:lumMod val="75000"/>
+                  <a:lumOff val="25000"/>
+                </a:schemeClr>
+              </a:solidFill>
+            </a:endParaRPr>
+          </a:p>
+        </p:txBody>
+      </p:sp>
+      <p:sp>
+        <p:nvSpPr>
+          <p:cNvPr id="17" name="오른쪽 화살표 16"/>
+          <p:cNvSpPr/>
+          <p:nvPr/>
+        </p:nvSpPr>
+        <p:spPr>
+          <a:xfrm>
+            <a:off x="5043356" y="4255472"/>
+            <a:ext cx="914400" cy="454342"/>
+          </a:xfrm>
+          <a:prstGeom prst="rightArrow">
+            <a:avLst/>
+          </a:prstGeom>
+          <a:solidFill>
+            <a:schemeClr val="bg1">
+              <a:lumMod val="95000"/>
+            </a:schemeClr>
+          </a:solidFill>
+          <a:ln>
+            <a:noFill/>
+          </a:ln>
+        </p:spPr>
+        <p:style>
+          <a:lnRef idx="2">
+            <a:schemeClr val="accent1">
+              <a:shade val="50000"/>
+            </a:schemeClr>
+          </a:lnRef>
+          <a:fillRef idx="1">
+            <a:schemeClr val="accent1"/>
+          </a:fillRef>
+          <a:effectRef idx="0">
+            <a:schemeClr val="accent1"/>
+          </a:effectRef>
+          <a:fontRef idx="minor">
+            <a:schemeClr val="lt1"/>
+          </a:fontRef>
+        </p:style>
+        <p:txBody>
+          <a:bodyPr rtlCol="0" anchor="ctr"/>
+          <a:lstStyle/>
+          <a:p>
+            <a:pPr algn="ctr"/>
+            <a:endParaRPr lang="ko-KR" altLang="en-US"/>
+          </a:p>
+        </p:txBody>
+      </p:sp>
+      <p:sp>
+        <p:nvSpPr>
+          <p:cNvPr id="18" name="TextBox 17"/>
+          <p:cNvSpPr txBox="1"/>
+          <p:nvPr/>
+        </p:nvSpPr>
+        <p:spPr>
+          <a:xfrm>
+            <a:off x="4737253" y="5077554"/>
+            <a:ext cx="1220503" cy="452913"/>
+          </a:xfrm>
+          <a:prstGeom prst="rect">
+            <a:avLst/>
+          </a:prstGeom>
+          <a:noFill/>
+        </p:spPr>
+        <p:txBody>
+          <a:bodyPr wrap="square" lIns="0" tIns="0" rIns="0" bIns="0" rtlCol="0">
+            <a:noAutofit/>
+          </a:bodyPr>
+          <a:lstStyle/>
+          <a:p>
+            <a:pPr algn="l"/>
+            <a:endParaRPr lang="ko-KR" altLang="en-US" sz="1200" dirty="0" smtClean="0">
               <a:solidFill>
                 <a:schemeClr val="tx1">
                   <a:lumMod val="75000"/>
@@ -17835,40 +19911,16 @@
           </a:p>
         </p:txBody>
       </p:sp>
-      <p:pic>
-        <p:nvPicPr>
-          <p:cNvPr id="7" name="그림 6"/>
-          <p:cNvPicPr>
-            <a:picLocks noChangeAspect="1"/>
-          </p:cNvPicPr>
-          <p:nvPr/>
-        </p:nvPicPr>
-        <p:blipFill>
-          <a:blip r:embed="rId3"/>
-          <a:stretch>
-            <a:fillRect/>
-          </a:stretch>
-        </p:blipFill>
-        <p:spPr>
-          <a:xfrm>
-            <a:off x="-110035" y="3049955"/>
-            <a:ext cx="6754168" cy="2172003"/>
-          </a:xfrm>
-          <a:prstGeom prst="rect">
-            <a:avLst/>
-          </a:prstGeom>
-        </p:spPr>
-      </p:pic>
-      <p:sp>
-        <p:nvSpPr>
-          <p:cNvPr id="8" name="TextBox 7"/>
+      <p:sp>
+        <p:nvSpPr>
+          <p:cNvPr id="19" name="TextBox 18"/>
           <p:cNvSpPr txBox="1"/>
           <p:nvPr/>
         </p:nvSpPr>
         <p:spPr>
           <a:xfrm>
-            <a:off x="7803588" y="3898197"/>
-            <a:ext cx="4124781" cy="319576"/>
+            <a:off x="6477364" y="6161455"/>
+            <a:ext cx="4365196" cy="466785"/>
           </a:xfrm>
           <a:prstGeom prst="rect">
             <a:avLst/>
@@ -17876,14 +19928,14 @@
           <a:noFill/>
         </p:spPr>
         <p:txBody>
-          <a:bodyPr wrap="none" lIns="0" tIns="0" rIns="0" bIns="0" rtlCol="0">
+          <a:bodyPr wrap="square" lIns="0" tIns="0" rIns="0" bIns="0" rtlCol="0">
             <a:noAutofit/>
           </a:bodyPr>
           <a:lstStyle/>
           <a:p>
             <a:pPr algn="l"/>
             <a:r>
-              <a:rPr lang="en-US" altLang="ko-KR" sz="1200" dirty="0">
+              <a:rPr lang="en-US" altLang="ko-KR" b="1" dirty="0" smtClean="0">
                 <a:solidFill>
                   <a:schemeClr val="tx1">
                     <a:lumMod val="75000"/>
@@ -17891,132 +19943,36 @@
                   </a:schemeClr>
                 </a:solidFill>
               </a:rPr>
-              <a:t>‘\n’ , ‘.’ </a:t>
-            </a:r>
-            <a:r>
-              <a:rPr lang="ko-KR" altLang="en-US" sz="1200" dirty="0">
-                <a:solidFill>
-                  <a:schemeClr val="tx1">
-                    <a:lumMod val="75000"/>
-                    <a:lumOff val="25000"/>
-                  </a:schemeClr>
-                </a:solidFill>
-              </a:rPr>
-              <a:t>기준으로 </a:t>
-            </a:r>
-            <a:r>
-              <a:rPr lang="en-US" altLang="ko-KR" sz="1200" dirty="0">
-                <a:solidFill>
-                  <a:schemeClr val="tx1">
-                    <a:lumMod val="75000"/>
-                    <a:lumOff val="25000"/>
-                  </a:schemeClr>
-                </a:solidFill>
-              </a:rPr>
-              <a:t>sentence </a:t>
-            </a:r>
-            <a:r>
-              <a:rPr lang="ko-KR" altLang="en-US" sz="1200" dirty="0">
-                <a:solidFill>
-                  <a:schemeClr val="tx1">
-                    <a:lumMod val="75000"/>
-                    <a:lumOff val="25000"/>
-                  </a:schemeClr>
-                </a:solidFill>
-              </a:rPr>
-              <a:t>로 나누고</a:t>
-            </a:r>
-            <a:r>
-              <a:rPr lang="en-US" altLang="ko-KR" sz="1200" dirty="0">
-                <a:solidFill>
-                  <a:schemeClr val="tx1">
-                    <a:lumMod val="75000"/>
-                    <a:lumOff val="25000"/>
-                  </a:schemeClr>
-                </a:solidFill>
-              </a:rPr>
-              <a:t>, </a:t>
-            </a:r>
-            <a:r>
-              <a:rPr lang="ko-KR" altLang="en-US" sz="1200" dirty="0">
-                <a:solidFill>
-                  <a:schemeClr val="tx1">
-                    <a:lumMod val="75000"/>
-                    <a:lumOff val="25000"/>
-                  </a:schemeClr>
-                </a:solidFill>
-              </a:rPr>
-              <a:t>이를 </a:t>
-            </a:r>
-            <a:r>
-              <a:rPr lang="en-US" altLang="ko-KR" sz="1200" dirty="0">
-                <a:solidFill>
-                  <a:schemeClr val="tx1">
-                    <a:lumMod val="75000"/>
-                    <a:lumOff val="25000"/>
-                  </a:schemeClr>
-                </a:solidFill>
-              </a:rPr>
-              <a:t>embedding</a:t>
-            </a:r>
-            <a:endParaRPr lang="en-US" altLang="ko-KR" sz="1200" dirty="0">
+              <a:t>…</a:t>
+            </a:r>
+            <a:endParaRPr lang="ko-KR" altLang="en-US" b="1" dirty="0" smtClean="0">
               <a:solidFill>
                 <a:schemeClr val="tx1">
                   <a:lumMod val="75000"/>
                   <a:lumOff val="25000"/>
                 </a:schemeClr>
               </a:solidFill>
-              <a:latin typeface="+mn-lt"/>
             </a:endParaRPr>
           </a:p>
-          <a:p>
-            <a:pPr algn="l"/>
-            <a:endParaRPr lang="ko-KR" altLang="en-US" sz="1200" dirty="0">
-              <a:solidFill>
-                <a:schemeClr val="tx1">
-                  <a:lumMod val="75000"/>
-                  <a:lumOff val="25000"/>
-                </a:schemeClr>
-              </a:solidFill>
-              <a:latin typeface="+mn-lt"/>
-            </a:endParaRPr>
-          </a:p>
-        </p:txBody>
-      </p:sp>
-      <p:pic>
-        <p:nvPicPr>
-          <p:cNvPr id="9" name="그림 8"/>
-          <p:cNvPicPr>
-            <a:picLocks noChangeAspect="1"/>
-          </p:cNvPicPr>
-          <p:nvPr/>
-        </p:nvPicPr>
-        <p:blipFill>
-          <a:blip r:embed="rId4"/>
-          <a:stretch>
-            <a:fillRect/>
-          </a:stretch>
-        </p:blipFill>
-        <p:spPr>
-          <a:xfrm>
-            <a:off x="171424" y="5365535"/>
-            <a:ext cx="6191250" cy="600075"/>
-          </a:xfrm>
-          <a:prstGeom prst="rect">
-            <a:avLst/>
-          </a:prstGeom>
-        </p:spPr>
-      </p:pic>
+        </p:txBody>
+      </p:sp>
     </p:spTree>
     <p:extLst>
       <p:ext uri="{BB962C8B-B14F-4D97-AF65-F5344CB8AC3E}">
-        <p14:creationId xmlns:p14="http://schemas.microsoft.com/office/powerpoint/2010/main" val="3710735103"/>
+        <p14:creationId xmlns:p14="http://schemas.microsoft.com/office/powerpoint/2010/main" val="3032982876"/>
       </p:ext>
     </p:extLst>
   </p:cSld>
   <p:clrMapOvr>
     <a:masterClrMapping/>
   </p:clrMapOvr>
+  <p:timing>
+    <p:tnLst>
+      <p:par>
+        <p:cTn id="1" dur="indefinite" restart="never" nodeType="tmRoot"/>
+      </p:par>
+    </p:tnLst>
+  </p:timing>
 </p:sld>
 </file>
 
@@ -18039,7 +19995,56 @@
       </p:grpSpPr>
       <p:sp>
         <p:nvSpPr>
-          <p:cNvPr id="3" name="제목 2"/>
+          <p:cNvPr id="35" name="직사각형 34"/>
+          <p:cNvSpPr/>
+          <p:nvPr/>
+        </p:nvSpPr>
+        <p:spPr>
+          <a:xfrm>
+            <a:off x="154236" y="2478795"/>
+            <a:ext cx="5158478" cy="3640285"/>
+          </a:xfrm>
+          <a:prstGeom prst="rect">
+            <a:avLst/>
+          </a:prstGeom>
+          <a:solidFill>
+            <a:schemeClr val="accent4">
+              <a:lumMod val="20000"/>
+              <a:lumOff val="80000"/>
+            </a:schemeClr>
+          </a:solidFill>
+          <a:ln>
+            <a:noFill/>
+          </a:ln>
+        </p:spPr>
+        <p:style>
+          <a:lnRef idx="2">
+            <a:schemeClr val="accent1">
+              <a:shade val="50000"/>
+            </a:schemeClr>
+          </a:lnRef>
+          <a:fillRef idx="1">
+            <a:schemeClr val="accent1"/>
+          </a:fillRef>
+          <a:effectRef idx="0">
+            <a:schemeClr val="accent1"/>
+          </a:effectRef>
+          <a:fontRef idx="minor">
+            <a:schemeClr val="lt1"/>
+          </a:fontRef>
+        </p:style>
+        <p:txBody>
+          <a:bodyPr rtlCol="0" anchor="ctr"/>
+          <a:lstStyle/>
+          <a:p>
+            <a:pPr algn="ctr"/>
+            <a:endParaRPr lang="ko-KR" altLang="en-US"/>
+          </a:p>
+        </p:txBody>
+      </p:sp>
+      <p:sp>
+        <p:nvSpPr>
+          <p:cNvPr id="2" name="제목 1"/>
           <p:cNvSpPr>
             <a:spLocks noGrp="1"/>
           </p:cNvSpPr>
@@ -18052,18 +20057,22 @@
           <a:bodyPr/>
           <a:lstStyle/>
           <a:p>
-            <a:endParaRPr lang="ko-KR" altLang="en-US"/>
-          </a:p>
-        </p:txBody>
-      </p:sp>
-      <p:sp>
-        <p:nvSpPr>
-          <p:cNvPr id="4" name="슬라이드 번호 개체 틀 3"/>
+            <a:r>
+              <a:rPr lang="ko-KR" altLang="en-US" dirty="0" smtClean="0"/>
+              <a:t>배경</a:t>
+            </a:r>
+            <a:endParaRPr lang="ko-KR" altLang="en-US" dirty="0"/>
+          </a:p>
+        </p:txBody>
+      </p:sp>
+      <p:sp>
+        <p:nvSpPr>
+          <p:cNvPr id="3" name="슬라이드 번호 개체 틀 2"/>
           <p:cNvSpPr>
             <a:spLocks noGrp="1"/>
           </p:cNvSpPr>
           <p:nvPr>
-            <p:ph type="sldNum" sz="quarter" idx="11"/>
+            <p:ph type="sldNum" sz="quarter" idx="4"/>
           </p:nvPr>
         </p:nvSpPr>
         <p:spPr/>
@@ -18071,97 +20080,267 @@
           <a:bodyPr/>
           <a:lstStyle/>
           <a:p>
-            <a:fld id="{19B51A1E-902D-48AF-9020-955120F399B6}" type="slidenum">
-              <a:rPr lang="en-ZA" altLang="ko-KR" smtClean="0"/>
-              <a:pPr/>
+            <a:fld id="{AFD6F7B2-6BF5-405E-9100-D56ABF79EB94}" type="slidenum">
+              <a:rPr lang="ko-KR" altLang="en-US" smtClean="0"/>
               <a:t>3</a:t>
             </a:fld>
-            <a:endParaRPr lang="ko-KR" altLang="en-US" dirty="0"/>
-          </a:p>
-        </p:txBody>
-      </p:sp>
-      <p:sp>
-        <p:nvSpPr>
-          <p:cNvPr id="5" name="TextBox 4"/>
-          <p:cNvSpPr txBox="1"/>
+            <a:endParaRPr lang="ko-KR" altLang="en-US"/>
+          </a:p>
+        </p:txBody>
+      </p:sp>
+      <p:sp>
+        <p:nvSpPr>
+          <p:cNvPr id="4" name="내용 개체 틀 1"/>
+          <p:cNvSpPr txBox="1">
+            <a:spLocks/>
+          </p:cNvSpPr>
           <p:nvPr/>
         </p:nvSpPr>
         <p:spPr>
           <a:xfrm>
-            <a:off x="569842" y="1285461"/>
-            <a:ext cx="10429461" cy="927652"/>
+            <a:off x="432000" y="1152000"/>
+            <a:ext cx="11340000" cy="4680000"/>
           </a:xfrm>
           <a:prstGeom prst="rect">
             <a:avLst/>
           </a:prstGeom>
-          <a:noFill/>
-        </p:spPr>
-        <p:txBody>
-          <a:bodyPr wrap="square" lIns="0" tIns="0" rIns="0" bIns="0" rtlCol="0">
-            <a:noAutofit/>
-          </a:bodyPr>
-          <a:lstStyle/>
-          <a:p>
-            <a:pPr algn="l"/>
-            <a:r>
-              <a:rPr lang="ko-KR" altLang="en-US" sz="1200" dirty="0">
-                <a:solidFill>
-                  <a:schemeClr val="tx1">
-                    <a:lumMod val="75000"/>
-                    <a:lumOff val="25000"/>
-                  </a:schemeClr>
-                </a:solidFill>
-              </a:rPr>
-              <a:t>엉뚱한 답변</a:t>
-            </a:r>
-            <a:endParaRPr lang="en-US" altLang="ko-KR" sz="1200" dirty="0">
-              <a:solidFill>
-                <a:schemeClr val="tx1">
-                  <a:lumMod val="75000"/>
-                  <a:lumOff val="25000"/>
-                </a:schemeClr>
-              </a:solidFill>
-            </a:endParaRPr>
-          </a:p>
-          <a:p>
-            <a:pPr algn="l"/>
-            <a:endParaRPr lang="en-US" altLang="ko-KR" sz="1200" dirty="0">
-              <a:solidFill>
-                <a:schemeClr val="tx1">
-                  <a:lumMod val="75000"/>
-                  <a:lumOff val="25000"/>
-                </a:schemeClr>
-              </a:solidFill>
-              <a:latin typeface="+mn-lt"/>
-            </a:endParaRPr>
-          </a:p>
-          <a:p>
-            <a:r>
-              <a:rPr lang="en-US" altLang="ko-KR" dirty="0" err="1"/>
-              <a:t>emdeding_id</a:t>
-            </a:r>
-            <a:r>
-              <a:rPr lang="en-US" altLang="ko-KR" dirty="0"/>
-              <a:t> = "sentence-transformers/paraphrase-multilingual-MiniLM-L12-v2"</a:t>
-            </a:r>
-          </a:p>
-          <a:p>
-            <a:pPr algn="l"/>
-            <a:endParaRPr lang="ko-KR" altLang="en-US" sz="1200" dirty="0">
-              <a:solidFill>
-                <a:schemeClr val="tx1">
-                  <a:lumMod val="75000"/>
-                  <a:lumOff val="25000"/>
-                </a:schemeClr>
-              </a:solidFill>
-              <a:latin typeface="+mn-lt"/>
-            </a:endParaRPr>
+        </p:spPr>
+        <p:txBody>
+          <a:bodyPr/>
+          <a:lstStyle>
+            <a:lvl1pPr marL="266700" indent="-266700" algn="l" defTabSz="914400" rtl="0" eaLnBrk="1" latinLnBrk="1" hangingPunct="1">
+              <a:lnSpc>
+                <a:spcPct val="90000"/>
+              </a:lnSpc>
+              <a:spcBef>
+                <a:spcPts val="1000"/>
+              </a:spcBef>
+              <a:buFont typeface="Arial" panose="020B0604020202020204" pitchFamily="34" charset="0"/>
+              <a:buChar char="•"/>
+              <a:defRPr sz="1800" kern="1200">
+                <a:solidFill>
+                  <a:schemeClr val="tx1">
+                    <a:lumMod val="75000"/>
+                    <a:lumOff val="25000"/>
+                  </a:schemeClr>
+                </a:solidFill>
+                <a:latin typeface="맑은 고딕" panose="020B0503020000020004" pitchFamily="50" charset="-127"/>
+                <a:ea typeface="맑은 고딕" panose="020B0503020000020004" pitchFamily="50" charset="-127"/>
+                <a:cs typeface="+mn-cs"/>
+              </a:defRPr>
+            </a:lvl1pPr>
+            <a:lvl2pPr marL="542925" indent="-276225" algn="l" defTabSz="914400" rtl="0" eaLnBrk="1" latinLnBrk="1" hangingPunct="1">
+              <a:lnSpc>
+                <a:spcPct val="90000"/>
+              </a:lnSpc>
+              <a:spcBef>
+                <a:spcPts val="500"/>
+              </a:spcBef>
+              <a:buFont typeface="Arial" panose="020B0604020202020204" pitchFamily="34" charset="0"/>
+              <a:buChar char="•"/>
+              <a:defRPr sz="1600" kern="1200">
+                <a:solidFill>
+                  <a:schemeClr val="tx1">
+                    <a:lumMod val="75000"/>
+                    <a:lumOff val="25000"/>
+                  </a:schemeClr>
+                </a:solidFill>
+                <a:latin typeface="맑은 고딕" panose="020B0503020000020004" pitchFamily="50" charset="-127"/>
+                <a:ea typeface="맑은 고딕" panose="020B0503020000020004" pitchFamily="50" charset="-127"/>
+                <a:cs typeface="+mn-cs"/>
+              </a:defRPr>
+            </a:lvl2pPr>
+            <a:lvl3pPr marL="809625" indent="-266700" algn="l" defTabSz="914400" rtl="0" eaLnBrk="1" latinLnBrk="1" hangingPunct="1">
+              <a:lnSpc>
+                <a:spcPct val="90000"/>
+              </a:lnSpc>
+              <a:spcBef>
+                <a:spcPts val="500"/>
+              </a:spcBef>
+              <a:buFont typeface="Arial" panose="020B0604020202020204" pitchFamily="34" charset="0"/>
+              <a:buChar char="•"/>
+              <a:defRPr sz="1400" kern="1200">
+                <a:solidFill>
+                  <a:schemeClr val="tx1">
+                    <a:lumMod val="75000"/>
+                    <a:lumOff val="25000"/>
+                  </a:schemeClr>
+                </a:solidFill>
+                <a:latin typeface="맑은 고딕" panose="020B0503020000020004" pitchFamily="50" charset="-127"/>
+                <a:ea typeface="맑은 고딕" panose="020B0503020000020004" pitchFamily="50" charset="-127"/>
+                <a:cs typeface="+mn-cs"/>
+              </a:defRPr>
+            </a:lvl3pPr>
+            <a:lvl4pPr marL="1076325" indent="-266700" algn="l" defTabSz="914400" rtl="0" eaLnBrk="1" latinLnBrk="1" hangingPunct="1">
+              <a:lnSpc>
+                <a:spcPct val="90000"/>
+              </a:lnSpc>
+              <a:spcBef>
+                <a:spcPts val="500"/>
+              </a:spcBef>
+              <a:buFont typeface="Arial" panose="020B0604020202020204" pitchFamily="34" charset="0"/>
+              <a:buChar char="•"/>
+              <a:defRPr sz="1400" kern="1200">
+                <a:solidFill>
+                  <a:schemeClr val="tx1">
+                    <a:lumMod val="75000"/>
+                    <a:lumOff val="25000"/>
+                  </a:schemeClr>
+                </a:solidFill>
+                <a:latin typeface="맑은 고딕" panose="020B0503020000020004" pitchFamily="50" charset="-127"/>
+                <a:ea typeface="맑은 고딕" panose="020B0503020000020004" pitchFamily="50" charset="-127"/>
+                <a:cs typeface="+mn-cs"/>
+              </a:defRPr>
+            </a:lvl4pPr>
+            <a:lvl5pPr marL="1343025" indent="-266700" algn="l" defTabSz="914400" rtl="0" eaLnBrk="1" latinLnBrk="1" hangingPunct="1">
+              <a:lnSpc>
+                <a:spcPct val="90000"/>
+              </a:lnSpc>
+              <a:spcBef>
+                <a:spcPts val="500"/>
+              </a:spcBef>
+              <a:buFont typeface="Arial" panose="020B0604020202020204" pitchFamily="34" charset="0"/>
+              <a:buChar char="•"/>
+              <a:defRPr sz="1400" kern="1200">
+                <a:solidFill>
+                  <a:schemeClr val="tx1">
+                    <a:lumMod val="75000"/>
+                    <a:lumOff val="25000"/>
+                  </a:schemeClr>
+                </a:solidFill>
+                <a:latin typeface="맑은 고딕" panose="020B0503020000020004" pitchFamily="50" charset="-127"/>
+                <a:ea typeface="맑은 고딕" panose="020B0503020000020004" pitchFamily="50" charset="-127"/>
+                <a:cs typeface="+mn-cs"/>
+              </a:defRPr>
+            </a:lvl5pPr>
+            <a:lvl6pPr marL="2514600" indent="-228600" algn="l" defTabSz="914400" rtl="0" eaLnBrk="1" latinLnBrk="1" hangingPunct="1">
+              <a:lnSpc>
+                <a:spcPct val="90000"/>
+              </a:lnSpc>
+              <a:spcBef>
+                <a:spcPts val="500"/>
+              </a:spcBef>
+              <a:buFont typeface="Arial" panose="020B0604020202020204" pitchFamily="34" charset="0"/>
+              <a:buChar char="•"/>
+              <a:defRPr sz="1800" kern="1200">
+                <a:solidFill>
+                  <a:schemeClr val="tx1"/>
+                </a:solidFill>
+                <a:latin typeface="+mn-lt"/>
+                <a:ea typeface="+mn-ea"/>
+                <a:cs typeface="+mn-cs"/>
+              </a:defRPr>
+            </a:lvl6pPr>
+            <a:lvl7pPr marL="2971800" indent="-228600" algn="l" defTabSz="914400" rtl="0" eaLnBrk="1" latinLnBrk="1" hangingPunct="1">
+              <a:lnSpc>
+                <a:spcPct val="90000"/>
+              </a:lnSpc>
+              <a:spcBef>
+                <a:spcPts val="500"/>
+              </a:spcBef>
+              <a:buFont typeface="Arial" panose="020B0604020202020204" pitchFamily="34" charset="0"/>
+              <a:buChar char="•"/>
+              <a:defRPr sz="1800" kern="1200">
+                <a:solidFill>
+                  <a:schemeClr val="tx1"/>
+                </a:solidFill>
+                <a:latin typeface="+mn-lt"/>
+                <a:ea typeface="+mn-ea"/>
+                <a:cs typeface="+mn-cs"/>
+              </a:defRPr>
+            </a:lvl7pPr>
+            <a:lvl8pPr marL="3429000" indent="-228600" algn="l" defTabSz="914400" rtl="0" eaLnBrk="1" latinLnBrk="1" hangingPunct="1">
+              <a:lnSpc>
+                <a:spcPct val="90000"/>
+              </a:lnSpc>
+              <a:spcBef>
+                <a:spcPts val="500"/>
+              </a:spcBef>
+              <a:buFont typeface="Arial" panose="020B0604020202020204" pitchFamily="34" charset="0"/>
+              <a:buChar char="•"/>
+              <a:defRPr sz="1800" kern="1200">
+                <a:solidFill>
+                  <a:schemeClr val="tx1"/>
+                </a:solidFill>
+                <a:latin typeface="+mn-lt"/>
+                <a:ea typeface="+mn-ea"/>
+                <a:cs typeface="+mn-cs"/>
+              </a:defRPr>
+            </a:lvl8pPr>
+            <a:lvl9pPr marL="3886200" indent="-228600" algn="l" defTabSz="914400" rtl="0" eaLnBrk="1" latinLnBrk="1" hangingPunct="1">
+              <a:lnSpc>
+                <a:spcPct val="90000"/>
+              </a:lnSpc>
+              <a:spcBef>
+                <a:spcPts val="500"/>
+              </a:spcBef>
+              <a:buFont typeface="Arial" panose="020B0604020202020204" pitchFamily="34" charset="0"/>
+              <a:buChar char="•"/>
+              <a:defRPr sz="1800" kern="1200">
+                <a:solidFill>
+                  <a:schemeClr val="tx1"/>
+                </a:solidFill>
+                <a:latin typeface="+mn-lt"/>
+                <a:ea typeface="+mn-ea"/>
+                <a:cs typeface="+mn-cs"/>
+              </a:defRPr>
+            </a:lvl9pPr>
+          </a:lstStyle>
+          <a:p>
+            <a:r>
+              <a:rPr lang="en-US" altLang="ko-KR" sz="2200" b="1" dirty="0" err="1" smtClean="0"/>
+              <a:t>Chatbot</a:t>
+            </a:r>
+            <a:r>
+              <a:rPr lang="en-US" altLang="ko-KR" sz="2200" b="1" dirty="0" smtClean="0"/>
+              <a:t> </a:t>
+            </a:r>
+            <a:r>
+              <a:rPr lang="ko-KR" altLang="en-US" sz="2200" b="1" dirty="0" smtClean="0"/>
+              <a:t>통한 개발 도우미</a:t>
+            </a:r>
+            <a:endParaRPr lang="en-US" altLang="ko-KR" sz="2200" b="1" dirty="0" smtClean="0"/>
+          </a:p>
+          <a:p>
+            <a:pPr lvl="1"/>
+            <a:r>
+              <a:rPr lang="ko-KR" altLang="en-US" dirty="0" smtClean="0"/>
+              <a:t>현업에서 부딪히는 많은 문제들에 대한 가이드 할 수 있는 경험 많은 개발자 </a:t>
+            </a:r>
+            <a:r>
+              <a:rPr lang="en-US" altLang="ko-KR" dirty="0" smtClean="0"/>
+              <a:t>Bot</a:t>
+            </a:r>
+          </a:p>
+          <a:p>
+            <a:pPr lvl="1"/>
+            <a:endParaRPr lang="en-US" altLang="ko-KR" dirty="0"/>
+          </a:p>
+          <a:p>
+            <a:pPr lvl="1"/>
+            <a:endParaRPr lang="en-US" altLang="ko-KR" dirty="0" smtClean="0"/>
+          </a:p>
+          <a:p>
+            <a:pPr lvl="1"/>
+            <a:endParaRPr lang="en-US" altLang="ko-KR" sz="1800" dirty="0" smtClean="0"/>
+          </a:p>
+          <a:p>
+            <a:pPr lvl="1"/>
+            <a:endParaRPr lang="en-US" altLang="ko-KR" dirty="0" smtClean="0"/>
+          </a:p>
+          <a:p>
+            <a:pPr lvl="1"/>
+            <a:endParaRPr lang="en-US" altLang="ko-KR" dirty="0" smtClean="0"/>
+          </a:p>
+          <a:p>
+            <a:pPr lvl="1"/>
+            <a:endParaRPr lang="ko-KR" altLang="en-US" dirty="0"/>
           </a:p>
         </p:txBody>
       </p:sp>
       <p:pic>
         <p:nvPicPr>
-          <p:cNvPr id="6" name="그림 5"/>
+          <p:cNvPr id="5" name="그림 4"/>
           <p:cNvPicPr>
             <a:picLocks noChangeAspect="1"/>
           </p:cNvPicPr>
@@ -18175,24 +20354,58 @@
         </p:blipFill>
         <p:spPr>
           <a:xfrm>
-            <a:off x="702364" y="2098407"/>
-            <a:ext cx="5088836" cy="1662546"/>
+            <a:off x="6370016" y="3051484"/>
+            <a:ext cx="1773012" cy="2049326"/>
           </a:xfrm>
           <a:prstGeom prst="rect">
             <a:avLst/>
           </a:prstGeom>
         </p:spPr>
       </p:pic>
-      <p:sp>
-        <p:nvSpPr>
-          <p:cNvPr id="8" name="TextBox 7"/>
+      <p:cxnSp>
+        <p:nvCxnSpPr>
+          <p:cNvPr id="7" name="직선 화살표 연결선 6"/>
+          <p:cNvCxnSpPr/>
+          <p:nvPr/>
+        </p:nvCxnSpPr>
+        <p:spPr>
+          <a:xfrm flipV="1">
+            <a:off x="5312714" y="4237395"/>
+            <a:ext cx="909239" cy="6714"/>
+          </a:xfrm>
+          <a:prstGeom prst="straightConnector1">
+            <a:avLst/>
+          </a:prstGeom>
+          <a:ln w="76200">
+            <a:headEnd type="triangle"/>
+            <a:tailEnd type="triangle"/>
+          </a:ln>
+        </p:spPr>
+        <p:style>
+          <a:lnRef idx="1">
+            <a:schemeClr val="accent1"/>
+          </a:lnRef>
+          <a:fillRef idx="0">
+            <a:schemeClr val="accent1"/>
+          </a:fillRef>
+          <a:effectRef idx="0">
+            <a:schemeClr val="accent1"/>
+          </a:effectRef>
+          <a:fontRef idx="minor">
+            <a:schemeClr val="tx1"/>
+          </a:fontRef>
+        </p:style>
+      </p:cxnSp>
+      <p:sp>
+        <p:nvSpPr>
+          <p:cNvPr id="10" name="TextBox 9"/>
           <p:cNvSpPr txBox="1"/>
           <p:nvPr/>
         </p:nvSpPr>
         <p:spPr>
           <a:xfrm>
-            <a:off x="576469" y="3772852"/>
-            <a:ext cx="10429461" cy="927652"/>
+            <a:off x="480811" y="2603963"/>
+            <a:ext cx="4365196" cy="466785"/>
           </a:xfrm>
           <a:prstGeom prst="rect">
             <a:avLst/>
@@ -18207,7 +20420,7 @@
           <a:p>
             <a:pPr algn="l"/>
             <a:r>
-              <a:rPr lang="ko-KR" altLang="en-US" sz="1200" dirty="0">
+              <a:rPr lang="en-US" altLang="ko-KR" b="1" dirty="0" err="1" smtClean="0">
                 <a:solidFill>
                   <a:schemeClr val="tx1">
                     <a:lumMod val="75000"/>
@@ -18215,155 +20428,1071 @@
                   </a:schemeClr>
                 </a:solidFill>
               </a:rPr>
-              <a:t>한글 질문에 좀 더 적합한 모델로 변경</a:t>
-            </a:r>
-            <a:endParaRPr lang="en-US" altLang="ko-KR" sz="1200" dirty="0">
+              <a:t>Pytest</a:t>
+            </a:r>
+            <a:r>
+              <a:rPr lang="en-US" altLang="ko-KR" b="1" dirty="0" smtClean="0">
+                <a:solidFill>
+                  <a:schemeClr val="tx1">
+                    <a:lumMod val="75000"/>
+                    <a:lumOff val="25000"/>
+                  </a:schemeClr>
+                </a:solidFill>
+              </a:rPr>
+              <a:t>, Go test </a:t>
+            </a:r>
+            <a:r>
+              <a:rPr lang="ko-KR" altLang="en-US" b="1" dirty="0" smtClean="0">
+                <a:solidFill>
+                  <a:schemeClr val="tx1">
+                    <a:lumMod val="75000"/>
+                    <a:lumOff val="25000"/>
+                  </a:schemeClr>
+                </a:solidFill>
+              </a:rPr>
+              <a:t>기반의 </a:t>
+            </a:r>
+            <a:r>
+              <a:rPr lang="en-US" altLang="ko-KR" b="1" dirty="0" smtClean="0">
+                <a:solidFill>
+                  <a:schemeClr val="tx1">
+                    <a:lumMod val="75000"/>
+                    <a:lumOff val="25000"/>
+                  </a:schemeClr>
+                </a:solidFill>
+              </a:rPr>
+              <a:t>TC </a:t>
+            </a:r>
+            <a:r>
+              <a:rPr lang="ko-KR" altLang="en-US" b="1" dirty="0" smtClean="0">
+                <a:solidFill>
+                  <a:schemeClr val="tx1">
+                    <a:lumMod val="75000"/>
+                    <a:lumOff val="25000"/>
+                  </a:schemeClr>
+                </a:solidFill>
+              </a:rPr>
+              <a:t>를 어떻게 만들죠</a:t>
+            </a:r>
+            <a:r>
+              <a:rPr lang="en-US" altLang="ko-KR" b="1" dirty="0" smtClean="0">
+                <a:solidFill>
+                  <a:schemeClr val="tx1">
+                    <a:lumMod val="75000"/>
+                    <a:lumOff val="25000"/>
+                  </a:schemeClr>
+                </a:solidFill>
+              </a:rPr>
+              <a:t>? </a:t>
+            </a:r>
+            <a:endParaRPr lang="ko-KR" altLang="en-US" b="1" dirty="0" smtClean="0">
               <a:solidFill>
                 <a:schemeClr val="tx1">
                   <a:lumMod val="75000"/>
                   <a:lumOff val="25000"/>
                 </a:schemeClr>
               </a:solidFill>
-              <a:latin typeface="+mn-lt"/>
             </a:endParaRPr>
           </a:p>
-          <a:p>
-            <a:r>
-              <a:rPr lang="en-US" altLang="ko-KR" dirty="0" err="1">
-                <a:solidFill>
-                  <a:srgbClr val="CCCCCC"/>
-                </a:solidFill>
-                <a:latin typeface="Consolas" panose="020B0609020204030204" pitchFamily="49" charset="0"/>
+        </p:txBody>
+      </p:sp>
+      <p:sp>
+        <p:nvSpPr>
+          <p:cNvPr id="11" name="TextBox 10"/>
+          <p:cNvSpPr txBox="1"/>
+          <p:nvPr/>
+        </p:nvSpPr>
+        <p:spPr>
+          <a:xfrm>
+            <a:off x="449432" y="3076304"/>
+            <a:ext cx="4715219" cy="466785"/>
+          </a:xfrm>
+          <a:prstGeom prst="rect">
+            <a:avLst/>
+          </a:prstGeom>
+          <a:noFill/>
+        </p:spPr>
+        <p:txBody>
+          <a:bodyPr wrap="square" lIns="0" tIns="0" rIns="0" bIns="0" rtlCol="0">
+            <a:noAutofit/>
+          </a:bodyPr>
+          <a:lstStyle/>
+          <a:p>
+            <a:pPr algn="l"/>
+            <a:r>
+              <a:rPr lang="ko-KR" altLang="en-US" b="1" dirty="0" smtClean="0">
+                <a:solidFill>
+                  <a:schemeClr val="tx1">
+                    <a:lumMod val="75000"/>
+                    <a:lumOff val="25000"/>
+                  </a:schemeClr>
+                </a:solidFill>
               </a:rPr>
-              <a:t>emdeding_id</a:t>
-            </a:r>
-            <a:r>
-              <a:rPr lang="en-US" altLang="ko-KR" dirty="0">
-                <a:solidFill>
-                  <a:srgbClr val="CCCCCC"/>
-                </a:solidFill>
-                <a:latin typeface="Consolas" panose="020B0609020204030204" pitchFamily="49" charset="0"/>
+              <a:t>가이드 대로 했더니</a:t>
+            </a:r>
+            <a:r>
+              <a:rPr lang="en-US" altLang="ko-KR" b="1" dirty="0" smtClean="0">
+                <a:solidFill>
+                  <a:schemeClr val="tx1">
+                    <a:lumMod val="75000"/>
+                    <a:lumOff val="25000"/>
+                  </a:schemeClr>
+                </a:solidFill>
               </a:rPr>
-              <a:t> </a:t>
-            </a:r>
-            <a:r>
-              <a:rPr lang="en-US" altLang="ko-KR" dirty="0">
-                <a:solidFill>
-                  <a:srgbClr val="D4D4D4"/>
-                </a:solidFill>
-                <a:latin typeface="Consolas" panose="020B0609020204030204" pitchFamily="49" charset="0"/>
+              <a:t>, VM </a:t>
+            </a:r>
+            <a:r>
+              <a:rPr lang="ko-KR" altLang="en-US" b="1" dirty="0" smtClean="0">
+                <a:solidFill>
+                  <a:schemeClr val="tx1">
+                    <a:lumMod val="75000"/>
+                    <a:lumOff val="25000"/>
+                  </a:schemeClr>
+                </a:solidFill>
               </a:rPr>
-              <a:t>=</a:t>
-            </a:r>
-            <a:r>
-              <a:rPr lang="en-US" altLang="ko-KR" dirty="0">
-                <a:solidFill>
-                  <a:srgbClr val="CCCCCC"/>
-                </a:solidFill>
-                <a:latin typeface="Consolas" panose="020B0609020204030204" pitchFamily="49" charset="0"/>
+              <a:t>환경에서는 에러가 나는데</a:t>
+            </a:r>
+            <a:r>
+              <a:rPr lang="en-US" altLang="ko-KR" b="1" dirty="0" smtClean="0">
+                <a:solidFill>
+                  <a:schemeClr val="tx1">
+                    <a:lumMod val="75000"/>
+                    <a:lumOff val="25000"/>
+                  </a:schemeClr>
+                </a:solidFill>
               </a:rPr>
-              <a:t> </a:t>
-            </a:r>
-            <a:r>
-              <a:rPr lang="en-US" altLang="ko-KR" dirty="0">
-                <a:solidFill>
-                  <a:srgbClr val="CE9178"/>
-                </a:solidFill>
-                <a:latin typeface="Consolas" panose="020B0609020204030204" pitchFamily="49" charset="0"/>
+              <a:t>, </a:t>
+            </a:r>
+            <a:r>
+              <a:rPr lang="ko-KR" altLang="en-US" b="1" dirty="0" smtClean="0">
+                <a:solidFill>
+                  <a:schemeClr val="tx1">
+                    <a:lumMod val="75000"/>
+                    <a:lumOff val="25000"/>
+                  </a:schemeClr>
+                </a:solidFill>
               </a:rPr>
-              <a:t>"</a:t>
-            </a:r>
-            <a:r>
-              <a:rPr lang="en-US" altLang="ko-KR" dirty="0" err="1">
-                <a:solidFill>
-                  <a:srgbClr val="CE9178"/>
-                </a:solidFill>
-                <a:latin typeface="Consolas" panose="020B0609020204030204" pitchFamily="49" charset="0"/>
+              <a:t>어떻게 해결해요</a:t>
+            </a:r>
+            <a:r>
+              <a:rPr lang="en-US" altLang="ko-KR" b="1" dirty="0" smtClean="0">
+                <a:solidFill>
+                  <a:schemeClr val="tx1">
+                    <a:lumMod val="75000"/>
+                    <a:lumOff val="25000"/>
+                  </a:schemeClr>
+                </a:solidFill>
               </a:rPr>
-              <a:t>jhgan</a:t>
-            </a:r>
-            <a:r>
-              <a:rPr lang="en-US" altLang="ko-KR" dirty="0">
-                <a:solidFill>
-                  <a:srgbClr val="CE9178"/>
-                </a:solidFill>
-                <a:latin typeface="Consolas" panose="020B0609020204030204" pitchFamily="49" charset="0"/>
-              </a:rPr>
-              <a:t>/</a:t>
-            </a:r>
-            <a:r>
-              <a:rPr lang="en-US" altLang="ko-KR" dirty="0" err="1">
-                <a:solidFill>
-                  <a:srgbClr val="CE9178"/>
-                </a:solidFill>
-                <a:latin typeface="Consolas" panose="020B0609020204030204" pitchFamily="49" charset="0"/>
-              </a:rPr>
-              <a:t>ko-sbert-sts</a:t>
-            </a:r>
-            <a:r>
-              <a:rPr lang="en-US" altLang="ko-KR" dirty="0">
-                <a:solidFill>
-                  <a:srgbClr val="CE9178"/>
-                </a:solidFill>
-                <a:latin typeface="Consolas" panose="020B0609020204030204" pitchFamily="49" charset="0"/>
-              </a:rPr>
-              <a:t>"</a:t>
-            </a:r>
-            <a:endParaRPr lang="en-US" altLang="ko-KR" dirty="0">
-              <a:solidFill>
-                <a:srgbClr val="CCCCCC"/>
-              </a:solidFill>
-              <a:latin typeface="Consolas" panose="020B0609020204030204" pitchFamily="49" charset="0"/>
-            </a:endParaRPr>
-          </a:p>
-          <a:p>
-            <a:pPr algn="l"/>
-            <a:endParaRPr lang="ko-KR" altLang="en-US" sz="1200" dirty="0">
+              <a:t>? </a:t>
+            </a:r>
+            <a:endParaRPr lang="ko-KR" altLang="en-US" b="1" dirty="0" smtClean="0">
               <a:solidFill>
                 <a:schemeClr val="tx1">
                   <a:lumMod val="75000"/>
                   <a:lumOff val="25000"/>
                 </a:schemeClr>
               </a:solidFill>
-              <a:latin typeface="+mn-lt"/>
             </a:endParaRPr>
           </a:p>
         </p:txBody>
       </p:sp>
-      <p:pic>
-        <p:nvPicPr>
-          <p:cNvPr id="9" name="그림 8"/>
-          <p:cNvPicPr>
-            <a:picLocks noChangeAspect="1"/>
-          </p:cNvPicPr>
+      <p:sp>
+        <p:nvSpPr>
+          <p:cNvPr id="12" name="TextBox 11"/>
+          <p:cNvSpPr txBox="1"/>
           <p:nvPr/>
-        </p:nvPicPr>
-        <p:blipFill>
-          <a:blip r:embed="rId3"/>
-          <a:stretch>
-            <a:fillRect/>
-          </a:stretch>
-        </p:blipFill>
+        </p:nvSpPr>
         <p:spPr>
           <a:xfrm>
-            <a:off x="569842" y="4333748"/>
-            <a:ext cx="6782747" cy="2267266"/>
+            <a:off x="456406" y="3748355"/>
+            <a:ext cx="4856308" cy="466785"/>
           </a:xfrm>
           <a:prstGeom prst="rect">
             <a:avLst/>
           </a:prstGeom>
-        </p:spPr>
-      </p:pic>
+          <a:noFill/>
+        </p:spPr>
+        <p:txBody>
+          <a:bodyPr wrap="square" lIns="0" tIns="0" rIns="0" bIns="0" rtlCol="0">
+            <a:noAutofit/>
+          </a:bodyPr>
+          <a:lstStyle/>
+          <a:p>
+            <a:pPr algn="l"/>
+            <a:r>
+              <a:rPr lang="en-US" altLang="ko-KR" b="1" dirty="0" err="1" smtClean="0">
+                <a:solidFill>
+                  <a:schemeClr val="tx1">
+                    <a:lumMod val="75000"/>
+                    <a:lumOff val="25000"/>
+                  </a:schemeClr>
+                </a:solidFill>
+              </a:rPr>
+              <a:t>Pkg</a:t>
+            </a:r>
+            <a:r>
+              <a:rPr lang="en-US" altLang="ko-KR" b="1" dirty="0" smtClean="0">
+                <a:solidFill>
+                  <a:schemeClr val="tx1">
+                    <a:lumMod val="75000"/>
+                    <a:lumOff val="25000"/>
+                  </a:schemeClr>
+                </a:solidFill>
+              </a:rPr>
+              <a:t> </a:t>
+            </a:r>
+            <a:r>
+              <a:rPr lang="ko-KR" altLang="en-US" b="1" dirty="0" smtClean="0">
+                <a:solidFill>
+                  <a:schemeClr val="tx1">
+                    <a:lumMod val="75000"/>
+                    <a:lumOff val="25000"/>
+                  </a:schemeClr>
+                </a:solidFill>
+              </a:rPr>
+              <a:t>가 없다는데</a:t>
+            </a:r>
+            <a:r>
+              <a:rPr lang="en-US" altLang="ko-KR" b="1" dirty="0" smtClean="0">
+                <a:solidFill>
+                  <a:schemeClr val="tx1">
+                    <a:lumMod val="75000"/>
+                    <a:lumOff val="25000"/>
+                  </a:schemeClr>
+                </a:solidFill>
+              </a:rPr>
+              <a:t>, </a:t>
+            </a:r>
+            <a:r>
+              <a:rPr lang="ko-KR" altLang="en-US" b="1" dirty="0" smtClean="0">
+                <a:solidFill>
+                  <a:schemeClr val="tx1">
+                    <a:lumMod val="75000"/>
+                    <a:lumOff val="25000"/>
+                  </a:schemeClr>
+                </a:solidFill>
+              </a:rPr>
+              <a:t>어디서</a:t>
+            </a:r>
+            <a:r>
+              <a:rPr lang="en-US" altLang="ko-KR" b="1" dirty="0" smtClean="0">
+                <a:solidFill>
+                  <a:schemeClr val="tx1">
+                    <a:lumMod val="75000"/>
+                    <a:lumOff val="25000"/>
+                  </a:schemeClr>
+                </a:solidFill>
+              </a:rPr>
+              <a:t>/</a:t>
+            </a:r>
+            <a:r>
+              <a:rPr lang="ko-KR" altLang="en-US" b="1" dirty="0" smtClean="0">
+                <a:solidFill>
+                  <a:schemeClr val="tx1">
+                    <a:lumMod val="75000"/>
+                    <a:lumOff val="25000"/>
+                  </a:schemeClr>
+                </a:solidFill>
+              </a:rPr>
+              <a:t>어떻게 받고 설치해요</a:t>
+            </a:r>
+            <a:r>
+              <a:rPr lang="en-US" altLang="ko-KR" b="1" dirty="0" smtClean="0">
+                <a:solidFill>
+                  <a:schemeClr val="tx1">
+                    <a:lumMod val="75000"/>
+                    <a:lumOff val="25000"/>
+                  </a:schemeClr>
+                </a:solidFill>
+              </a:rPr>
+              <a:t>? </a:t>
+            </a:r>
+            <a:endParaRPr lang="ko-KR" altLang="en-US" b="1" dirty="0" smtClean="0">
+              <a:solidFill>
+                <a:schemeClr val="tx1">
+                  <a:lumMod val="75000"/>
+                  <a:lumOff val="25000"/>
+                </a:schemeClr>
+              </a:solidFill>
+            </a:endParaRPr>
+          </a:p>
+        </p:txBody>
+      </p:sp>
+      <p:sp>
+        <p:nvSpPr>
+          <p:cNvPr id="13" name="TextBox 12"/>
+          <p:cNvSpPr txBox="1"/>
+          <p:nvPr/>
+        </p:nvSpPr>
+        <p:spPr>
+          <a:xfrm>
+            <a:off x="456406" y="4221674"/>
+            <a:ext cx="5587562" cy="466785"/>
+          </a:xfrm>
+          <a:prstGeom prst="rect">
+            <a:avLst/>
+          </a:prstGeom>
+          <a:noFill/>
+        </p:spPr>
+        <p:txBody>
+          <a:bodyPr wrap="square" lIns="0" tIns="0" rIns="0" bIns="0" rtlCol="0">
+            <a:noAutofit/>
+          </a:bodyPr>
+          <a:lstStyle/>
+          <a:p>
+            <a:pPr algn="l"/>
+            <a:r>
+              <a:rPr lang="en-US" altLang="ko-KR" b="1" dirty="0" err="1" smtClean="0">
+                <a:solidFill>
+                  <a:schemeClr val="tx1">
+                    <a:lumMod val="75000"/>
+                    <a:lumOff val="25000"/>
+                  </a:schemeClr>
+                </a:solidFill>
+              </a:rPr>
+              <a:t>Vscode</a:t>
+            </a:r>
+            <a:r>
+              <a:rPr lang="en-US" altLang="ko-KR" b="1" dirty="0" smtClean="0">
+                <a:solidFill>
+                  <a:schemeClr val="tx1">
+                    <a:lumMod val="75000"/>
+                    <a:lumOff val="25000"/>
+                  </a:schemeClr>
+                </a:solidFill>
+              </a:rPr>
+              <a:t> </a:t>
+            </a:r>
+            <a:r>
+              <a:rPr lang="ko-KR" altLang="en-US" b="1" dirty="0" smtClean="0">
+                <a:solidFill>
+                  <a:schemeClr val="tx1">
+                    <a:lumMod val="75000"/>
+                    <a:lumOff val="25000"/>
+                  </a:schemeClr>
+                </a:solidFill>
+              </a:rPr>
+              <a:t>에서 </a:t>
+            </a:r>
+            <a:r>
+              <a:rPr lang="en-US" altLang="ko-KR" b="1" dirty="0" smtClean="0">
+                <a:solidFill>
+                  <a:schemeClr val="tx1">
+                    <a:lumMod val="75000"/>
+                    <a:lumOff val="25000"/>
+                  </a:schemeClr>
+                </a:solidFill>
+              </a:rPr>
+              <a:t>debug </a:t>
+            </a:r>
+            <a:r>
+              <a:rPr lang="ko-KR" altLang="en-US" b="1" dirty="0" smtClean="0">
+                <a:solidFill>
+                  <a:schemeClr val="tx1">
+                    <a:lumMod val="75000"/>
+                    <a:lumOff val="25000"/>
+                  </a:schemeClr>
+                </a:solidFill>
+              </a:rPr>
+              <a:t>는 어떻게 해야해요</a:t>
+            </a:r>
+            <a:r>
+              <a:rPr lang="en-US" altLang="ko-KR" b="1" dirty="0" smtClean="0">
+                <a:solidFill>
+                  <a:schemeClr val="tx1">
+                    <a:lumMod val="75000"/>
+                    <a:lumOff val="25000"/>
+                  </a:schemeClr>
+                </a:solidFill>
+              </a:rPr>
+              <a:t>? </a:t>
+            </a:r>
+            <a:endParaRPr lang="ko-KR" altLang="en-US" b="1" dirty="0" smtClean="0">
+              <a:solidFill>
+                <a:schemeClr val="tx1">
+                  <a:lumMod val="75000"/>
+                  <a:lumOff val="25000"/>
+                </a:schemeClr>
+              </a:solidFill>
+            </a:endParaRPr>
+          </a:p>
+        </p:txBody>
+      </p:sp>
+      <p:sp>
+        <p:nvSpPr>
+          <p:cNvPr id="14" name="TextBox 13"/>
+          <p:cNvSpPr txBox="1"/>
+          <p:nvPr/>
+        </p:nvSpPr>
+        <p:spPr>
+          <a:xfrm>
+            <a:off x="432000" y="4739116"/>
+            <a:ext cx="5587562" cy="466785"/>
+          </a:xfrm>
+          <a:prstGeom prst="rect">
+            <a:avLst/>
+          </a:prstGeom>
+          <a:noFill/>
+        </p:spPr>
+        <p:txBody>
+          <a:bodyPr wrap="square" lIns="0" tIns="0" rIns="0" bIns="0" rtlCol="0">
+            <a:noAutofit/>
+          </a:bodyPr>
+          <a:lstStyle/>
+          <a:p>
+            <a:pPr algn="l"/>
+            <a:r>
+              <a:rPr lang="ko-KR" altLang="en-US" b="1" dirty="0" smtClean="0">
+                <a:solidFill>
+                  <a:schemeClr val="tx1">
+                    <a:lumMod val="75000"/>
+                    <a:lumOff val="25000"/>
+                  </a:schemeClr>
+                </a:solidFill>
+              </a:rPr>
+              <a:t>우리</a:t>
+            </a:r>
+            <a:r>
+              <a:rPr lang="en-US" altLang="ko-KR" b="1" dirty="0" smtClean="0">
+                <a:solidFill>
+                  <a:schemeClr val="tx1">
+                    <a:lumMod val="75000"/>
+                    <a:lumOff val="25000"/>
+                  </a:schemeClr>
+                </a:solidFill>
+              </a:rPr>
+              <a:t> S/W</a:t>
+            </a:r>
+            <a:r>
+              <a:rPr lang="ko-KR" altLang="en-US" b="1" dirty="0" smtClean="0">
+                <a:solidFill>
+                  <a:schemeClr val="tx1">
+                    <a:lumMod val="75000"/>
+                    <a:lumOff val="25000"/>
+                  </a:schemeClr>
+                </a:solidFill>
+              </a:rPr>
+              <a:t>는 어떻게 설치하고 실행해요</a:t>
+            </a:r>
+            <a:r>
+              <a:rPr lang="en-US" altLang="ko-KR" b="1" dirty="0" smtClean="0">
+                <a:solidFill>
+                  <a:schemeClr val="tx1">
+                    <a:lumMod val="75000"/>
+                    <a:lumOff val="25000"/>
+                  </a:schemeClr>
+                </a:solidFill>
+              </a:rPr>
+              <a:t>?  </a:t>
+            </a:r>
+            <a:endParaRPr lang="ko-KR" altLang="en-US" b="1" dirty="0" smtClean="0">
+              <a:solidFill>
+                <a:schemeClr val="tx1">
+                  <a:lumMod val="75000"/>
+                  <a:lumOff val="25000"/>
+                </a:schemeClr>
+              </a:solidFill>
+            </a:endParaRPr>
+          </a:p>
+        </p:txBody>
+      </p:sp>
+      <p:sp>
+        <p:nvSpPr>
+          <p:cNvPr id="15" name="TextBox 14"/>
+          <p:cNvSpPr txBox="1"/>
+          <p:nvPr/>
+        </p:nvSpPr>
+        <p:spPr>
+          <a:xfrm>
+            <a:off x="480811" y="5188074"/>
+            <a:ext cx="5587562" cy="466785"/>
+          </a:xfrm>
+          <a:prstGeom prst="rect">
+            <a:avLst/>
+          </a:prstGeom>
+          <a:noFill/>
+        </p:spPr>
+        <p:txBody>
+          <a:bodyPr wrap="square" lIns="0" tIns="0" rIns="0" bIns="0" rtlCol="0">
+            <a:noAutofit/>
+          </a:bodyPr>
+          <a:lstStyle/>
+          <a:p>
+            <a:pPr algn="l"/>
+            <a:r>
+              <a:rPr lang="ko-KR" altLang="en-US" b="1" dirty="0" err="1" smtClean="0">
+                <a:solidFill>
+                  <a:schemeClr val="tx1">
+                    <a:lumMod val="75000"/>
+                    <a:lumOff val="25000"/>
+                  </a:schemeClr>
+                </a:solidFill>
+              </a:rPr>
+              <a:t>말씀하신게</a:t>
+            </a:r>
+            <a:r>
+              <a:rPr lang="ko-KR" altLang="en-US" b="1" dirty="0" smtClean="0">
+                <a:solidFill>
+                  <a:schemeClr val="tx1">
+                    <a:lumMod val="75000"/>
+                    <a:lumOff val="25000"/>
+                  </a:schemeClr>
+                </a:solidFill>
+              </a:rPr>
+              <a:t> 뭔지 모르겠어요</a:t>
+            </a:r>
+            <a:r>
+              <a:rPr lang="en-US" altLang="ko-KR" b="1" dirty="0">
+                <a:solidFill>
+                  <a:schemeClr val="tx1">
+                    <a:lumMod val="75000"/>
+                    <a:lumOff val="25000"/>
+                  </a:schemeClr>
+                </a:solidFill>
+              </a:rPr>
+              <a:t>,</a:t>
+            </a:r>
+            <a:endParaRPr lang="ko-KR" altLang="en-US" b="1" dirty="0" smtClean="0">
+              <a:solidFill>
+                <a:schemeClr val="tx1">
+                  <a:lumMod val="75000"/>
+                  <a:lumOff val="25000"/>
+                </a:schemeClr>
+              </a:solidFill>
+            </a:endParaRPr>
+          </a:p>
+        </p:txBody>
+      </p:sp>
+      <p:sp>
+        <p:nvSpPr>
+          <p:cNvPr id="16" name="TextBox 15"/>
+          <p:cNvSpPr txBox="1"/>
+          <p:nvPr/>
+        </p:nvSpPr>
+        <p:spPr>
+          <a:xfrm>
+            <a:off x="480811" y="5598607"/>
+            <a:ext cx="5587562" cy="466785"/>
+          </a:xfrm>
+          <a:prstGeom prst="rect">
+            <a:avLst/>
+          </a:prstGeom>
+          <a:noFill/>
+        </p:spPr>
+        <p:txBody>
+          <a:bodyPr wrap="square" lIns="0" tIns="0" rIns="0" bIns="0" rtlCol="0">
+            <a:noAutofit/>
+          </a:bodyPr>
+          <a:lstStyle/>
+          <a:p>
+            <a:pPr algn="l"/>
+            <a:r>
+              <a:rPr lang="en-US" altLang="ko-KR" b="1" dirty="0" smtClean="0">
+                <a:solidFill>
+                  <a:schemeClr val="tx1">
+                    <a:lumMod val="75000"/>
+                    <a:lumOff val="25000"/>
+                  </a:schemeClr>
+                </a:solidFill>
+              </a:rPr>
+              <a:t>CI/CD workflow </a:t>
+            </a:r>
+            <a:r>
+              <a:rPr lang="ko-KR" altLang="en-US" b="1" dirty="0" smtClean="0">
+                <a:solidFill>
+                  <a:schemeClr val="tx1">
+                    <a:lumMod val="75000"/>
+                    <a:lumOff val="25000"/>
+                  </a:schemeClr>
+                </a:solidFill>
+              </a:rPr>
+              <a:t>는 어디서</a:t>
+            </a:r>
+            <a:r>
+              <a:rPr lang="en-US" altLang="ko-KR" b="1" dirty="0" smtClean="0">
+                <a:solidFill>
+                  <a:schemeClr val="tx1">
+                    <a:lumMod val="75000"/>
+                    <a:lumOff val="25000"/>
+                  </a:schemeClr>
+                </a:solidFill>
+              </a:rPr>
+              <a:t>/</a:t>
+            </a:r>
+            <a:r>
+              <a:rPr lang="ko-KR" altLang="en-US" b="1" dirty="0" smtClean="0">
+                <a:solidFill>
+                  <a:schemeClr val="tx1">
+                    <a:lumMod val="75000"/>
+                    <a:lumOff val="25000"/>
+                  </a:schemeClr>
+                </a:solidFill>
+              </a:rPr>
+              <a:t>어떻게 수정해요</a:t>
+            </a:r>
+            <a:r>
+              <a:rPr lang="en-US" altLang="ko-KR" b="1" dirty="0" smtClean="0">
+                <a:solidFill>
+                  <a:schemeClr val="tx1">
+                    <a:lumMod val="75000"/>
+                    <a:lumOff val="25000"/>
+                  </a:schemeClr>
+                </a:solidFill>
+              </a:rPr>
+              <a:t>? </a:t>
+            </a:r>
+            <a:endParaRPr lang="ko-KR" altLang="en-US" b="1" dirty="0" smtClean="0">
+              <a:solidFill>
+                <a:schemeClr val="tx1">
+                  <a:lumMod val="75000"/>
+                  <a:lumOff val="25000"/>
+                </a:schemeClr>
+              </a:solidFill>
+            </a:endParaRPr>
+          </a:p>
+        </p:txBody>
+      </p:sp>
+      <p:sp>
+        <p:nvSpPr>
+          <p:cNvPr id="20" name="모서리가 둥근 직사각형 19"/>
+          <p:cNvSpPr/>
+          <p:nvPr/>
+        </p:nvSpPr>
+        <p:spPr>
+          <a:xfrm>
+            <a:off x="9200330" y="2919304"/>
+            <a:ext cx="2423709" cy="308102"/>
+          </a:xfrm>
+          <a:prstGeom prst="roundRect">
+            <a:avLst/>
+          </a:prstGeom>
+          <a:solidFill>
+            <a:schemeClr val="accent5">
+              <a:lumMod val="40000"/>
+              <a:lumOff val="60000"/>
+            </a:schemeClr>
+          </a:solidFill>
+          <a:ln>
+            <a:noFill/>
+          </a:ln>
+        </p:spPr>
+        <p:style>
+          <a:lnRef idx="2">
+            <a:schemeClr val="accent1">
+              <a:shade val="50000"/>
+            </a:schemeClr>
+          </a:lnRef>
+          <a:fillRef idx="1">
+            <a:schemeClr val="accent1"/>
+          </a:fillRef>
+          <a:effectRef idx="0">
+            <a:schemeClr val="accent1"/>
+          </a:effectRef>
+          <a:fontRef idx="minor">
+            <a:schemeClr val="lt1"/>
+          </a:fontRef>
+        </p:style>
+        <p:txBody>
+          <a:bodyPr rtlCol="0" anchor="ctr"/>
+          <a:lstStyle/>
+          <a:p>
+            <a:pPr algn="ctr"/>
+            <a:r>
+              <a:rPr lang="ko-KR" altLang="en-US" dirty="0" smtClean="0">
+                <a:solidFill>
+                  <a:schemeClr val="tx1">
+                    <a:lumMod val="85000"/>
+                    <a:lumOff val="15000"/>
+                  </a:schemeClr>
+                </a:solidFill>
+              </a:rPr>
+              <a:t>개인 </a:t>
+            </a:r>
+            <a:r>
+              <a:rPr lang="en-US" altLang="ko-KR" dirty="0" smtClean="0">
+                <a:solidFill>
+                  <a:schemeClr val="tx1">
+                    <a:lumMod val="85000"/>
+                    <a:lumOff val="15000"/>
+                  </a:schemeClr>
+                </a:solidFill>
+              </a:rPr>
+              <a:t>wiki pages</a:t>
+            </a:r>
+            <a:endParaRPr lang="ko-KR" altLang="en-US" dirty="0">
+              <a:solidFill>
+                <a:schemeClr val="tx1">
+                  <a:lumMod val="85000"/>
+                  <a:lumOff val="15000"/>
+                </a:schemeClr>
+              </a:solidFill>
+            </a:endParaRPr>
+          </a:p>
+        </p:txBody>
+      </p:sp>
+      <p:sp>
+        <p:nvSpPr>
+          <p:cNvPr id="22" name="모서리가 둥근 직사각형 21"/>
+          <p:cNvSpPr/>
+          <p:nvPr/>
+        </p:nvSpPr>
+        <p:spPr>
+          <a:xfrm>
+            <a:off x="9200329" y="3840630"/>
+            <a:ext cx="2423710" cy="557052"/>
+          </a:xfrm>
+          <a:prstGeom prst="roundRect">
+            <a:avLst/>
+          </a:prstGeom>
+          <a:solidFill>
+            <a:srgbClr val="AAC1F4"/>
+          </a:solidFill>
+          <a:ln>
+            <a:noFill/>
+          </a:ln>
+        </p:spPr>
+        <p:style>
+          <a:lnRef idx="2">
+            <a:schemeClr val="accent1">
+              <a:shade val="50000"/>
+            </a:schemeClr>
+          </a:lnRef>
+          <a:fillRef idx="1">
+            <a:schemeClr val="accent1"/>
+          </a:fillRef>
+          <a:effectRef idx="0">
+            <a:schemeClr val="accent1"/>
+          </a:effectRef>
+          <a:fontRef idx="minor">
+            <a:schemeClr val="lt1"/>
+          </a:fontRef>
+        </p:style>
+        <p:txBody>
+          <a:bodyPr rtlCol="0" anchor="ctr"/>
+          <a:lstStyle/>
+          <a:p>
+            <a:pPr algn="ctr"/>
+            <a:r>
+              <a:rPr lang="en-US" altLang="ko-KR" dirty="0" smtClean="0">
+                <a:solidFill>
+                  <a:schemeClr val="tx1">
+                    <a:lumMod val="85000"/>
+                    <a:lumOff val="15000"/>
+                  </a:schemeClr>
+                </a:solidFill>
+              </a:rPr>
+              <a:t>Mosaic/wiki</a:t>
+            </a:r>
+            <a:r>
+              <a:rPr lang="ko-KR" altLang="en-US" dirty="0" smtClean="0">
+                <a:solidFill>
+                  <a:schemeClr val="tx1">
+                    <a:lumMod val="85000"/>
+                    <a:lumOff val="15000"/>
+                  </a:schemeClr>
+                </a:solidFill>
+              </a:rPr>
+              <a:t>에서의 </a:t>
+            </a:r>
+            <a:r>
+              <a:rPr lang="en-US" altLang="ko-KR" dirty="0" smtClean="0">
+                <a:solidFill>
+                  <a:schemeClr val="tx1">
+                    <a:lumMod val="85000"/>
+                    <a:lumOff val="15000"/>
+                  </a:schemeClr>
+                </a:solidFill>
+              </a:rPr>
+              <a:t/>
+            </a:r>
+            <a:br>
+              <a:rPr lang="en-US" altLang="ko-KR" dirty="0" smtClean="0">
+                <a:solidFill>
+                  <a:schemeClr val="tx1">
+                    <a:lumMod val="85000"/>
+                    <a:lumOff val="15000"/>
+                  </a:schemeClr>
+                </a:solidFill>
+              </a:rPr>
+            </a:br>
+            <a:r>
+              <a:rPr lang="en-US" altLang="ko-KR" dirty="0" smtClean="0">
+                <a:solidFill>
+                  <a:schemeClr val="tx1">
+                    <a:lumMod val="85000"/>
+                    <a:lumOff val="15000"/>
+                  </a:schemeClr>
+                </a:solidFill>
+              </a:rPr>
+              <a:t>trouble shooting</a:t>
+            </a:r>
+            <a:endParaRPr lang="ko-KR" altLang="en-US" dirty="0">
+              <a:solidFill>
+                <a:schemeClr val="tx1">
+                  <a:lumMod val="85000"/>
+                  <a:lumOff val="15000"/>
+                </a:schemeClr>
+              </a:solidFill>
+            </a:endParaRPr>
+          </a:p>
+        </p:txBody>
+      </p:sp>
+      <p:sp>
+        <p:nvSpPr>
+          <p:cNvPr id="23" name="모서리가 둥근 직사각형 22"/>
+          <p:cNvSpPr/>
+          <p:nvPr/>
+        </p:nvSpPr>
+        <p:spPr>
+          <a:xfrm>
+            <a:off x="9200330" y="4837907"/>
+            <a:ext cx="2423710" cy="557052"/>
+          </a:xfrm>
+          <a:prstGeom prst="roundRect">
+            <a:avLst/>
+          </a:prstGeom>
+          <a:solidFill>
+            <a:srgbClr val="AAC1F4"/>
+          </a:solidFill>
+          <a:ln>
+            <a:noFill/>
+          </a:ln>
+        </p:spPr>
+        <p:style>
+          <a:lnRef idx="2">
+            <a:schemeClr val="accent1">
+              <a:shade val="50000"/>
+            </a:schemeClr>
+          </a:lnRef>
+          <a:fillRef idx="1">
+            <a:schemeClr val="accent1"/>
+          </a:fillRef>
+          <a:effectRef idx="0">
+            <a:schemeClr val="accent1"/>
+          </a:effectRef>
+          <a:fontRef idx="minor">
+            <a:schemeClr val="lt1"/>
+          </a:fontRef>
+        </p:style>
+        <p:txBody>
+          <a:bodyPr rtlCol="0" anchor="ctr"/>
+          <a:lstStyle/>
+          <a:p>
+            <a:pPr algn="ctr"/>
+            <a:r>
+              <a:rPr lang="ko-KR" altLang="en-US" dirty="0" smtClean="0">
+                <a:solidFill>
+                  <a:schemeClr val="tx1">
+                    <a:lumMod val="85000"/>
+                    <a:lumOff val="15000"/>
+                  </a:schemeClr>
+                </a:solidFill>
+              </a:rPr>
+              <a:t>기술 설명 </a:t>
+            </a:r>
+            <a:r>
+              <a:rPr lang="en-US" altLang="ko-KR" dirty="0" smtClean="0">
+                <a:solidFill>
+                  <a:schemeClr val="tx1">
+                    <a:lumMod val="85000"/>
+                    <a:lumOff val="15000"/>
+                  </a:schemeClr>
+                </a:solidFill>
+              </a:rPr>
+              <a:t>wiki</a:t>
+            </a:r>
+            <a:endParaRPr lang="ko-KR" altLang="en-US" dirty="0">
+              <a:solidFill>
+                <a:schemeClr val="tx1">
+                  <a:lumMod val="85000"/>
+                  <a:lumOff val="15000"/>
+                </a:schemeClr>
+              </a:solidFill>
+            </a:endParaRPr>
+          </a:p>
+        </p:txBody>
+      </p:sp>
+      <p:cxnSp>
+        <p:nvCxnSpPr>
+          <p:cNvPr id="25" name="직선 화살표 연결선 24"/>
+          <p:cNvCxnSpPr>
+            <a:stCxn id="20" idx="1"/>
+          </p:cNvCxnSpPr>
+          <p:nvPr/>
+        </p:nvCxnSpPr>
+        <p:spPr>
+          <a:xfrm flipH="1">
+            <a:off x="8212112" y="3073355"/>
+            <a:ext cx="988218" cy="585191"/>
+          </a:xfrm>
+          <a:prstGeom prst="straightConnector1">
+            <a:avLst/>
+          </a:prstGeom>
+          <a:ln>
+            <a:headEnd type="triangle"/>
+            <a:tailEnd type="triangle"/>
+          </a:ln>
+        </p:spPr>
+        <p:style>
+          <a:lnRef idx="1">
+            <a:schemeClr val="accent1"/>
+          </a:lnRef>
+          <a:fillRef idx="0">
+            <a:schemeClr val="accent1"/>
+          </a:fillRef>
+          <a:effectRef idx="0">
+            <a:schemeClr val="accent1"/>
+          </a:effectRef>
+          <a:fontRef idx="minor">
+            <a:schemeClr val="tx1"/>
+          </a:fontRef>
+        </p:style>
+      </p:cxnSp>
+      <p:cxnSp>
+        <p:nvCxnSpPr>
+          <p:cNvPr id="26" name="직선 화살표 연결선 25"/>
+          <p:cNvCxnSpPr>
+            <a:stCxn id="22" idx="1"/>
+          </p:cNvCxnSpPr>
+          <p:nvPr/>
+        </p:nvCxnSpPr>
+        <p:spPr>
+          <a:xfrm flipH="1">
+            <a:off x="8212112" y="4119156"/>
+            <a:ext cx="988217" cy="38893"/>
+          </a:xfrm>
+          <a:prstGeom prst="straightConnector1">
+            <a:avLst/>
+          </a:prstGeom>
+          <a:ln>
+            <a:headEnd type="triangle"/>
+            <a:tailEnd type="triangle"/>
+          </a:ln>
+        </p:spPr>
+        <p:style>
+          <a:lnRef idx="1">
+            <a:schemeClr val="accent1"/>
+          </a:lnRef>
+          <a:fillRef idx="0">
+            <a:schemeClr val="accent1"/>
+          </a:fillRef>
+          <a:effectRef idx="0">
+            <a:schemeClr val="accent1"/>
+          </a:effectRef>
+          <a:fontRef idx="minor">
+            <a:schemeClr val="tx1"/>
+          </a:fontRef>
+        </p:style>
+      </p:cxnSp>
+      <p:cxnSp>
+        <p:nvCxnSpPr>
+          <p:cNvPr id="28" name="직선 화살표 연결선 27"/>
+          <p:cNvCxnSpPr>
+            <a:stCxn id="23" idx="1"/>
+          </p:cNvCxnSpPr>
+          <p:nvPr/>
+        </p:nvCxnSpPr>
+        <p:spPr>
+          <a:xfrm flipH="1" flipV="1">
+            <a:off x="8212112" y="4694011"/>
+            <a:ext cx="988218" cy="422422"/>
+          </a:xfrm>
+          <a:prstGeom prst="straightConnector1">
+            <a:avLst/>
+          </a:prstGeom>
+          <a:ln>
+            <a:headEnd type="triangle"/>
+            <a:tailEnd type="triangle"/>
+          </a:ln>
+        </p:spPr>
+        <p:style>
+          <a:lnRef idx="1">
+            <a:schemeClr val="accent1"/>
+          </a:lnRef>
+          <a:fillRef idx="0">
+            <a:schemeClr val="accent1"/>
+          </a:fillRef>
+          <a:effectRef idx="0">
+            <a:schemeClr val="accent1"/>
+          </a:effectRef>
+          <a:fontRef idx="minor">
+            <a:schemeClr val="tx1"/>
+          </a:fontRef>
+        </p:style>
+      </p:cxnSp>
+      <p:sp>
+        <p:nvSpPr>
+          <p:cNvPr id="36" name="TextBox 35"/>
+          <p:cNvSpPr txBox="1"/>
+          <p:nvPr/>
+        </p:nvSpPr>
+        <p:spPr>
+          <a:xfrm>
+            <a:off x="9200329" y="3264494"/>
+            <a:ext cx="2556905" cy="224278"/>
+          </a:xfrm>
+          <a:prstGeom prst="rect">
+            <a:avLst/>
+          </a:prstGeom>
+          <a:noFill/>
+        </p:spPr>
+        <p:txBody>
+          <a:bodyPr wrap="square" lIns="0" tIns="0" rIns="0" bIns="0" rtlCol="0">
+            <a:noAutofit/>
+          </a:bodyPr>
+          <a:lstStyle/>
+          <a:p>
+            <a:pPr algn="l"/>
+            <a:r>
+              <a:rPr lang="en-US" altLang="ko-KR" sz="1100" b="1" dirty="0" smtClean="0">
+                <a:solidFill>
+                  <a:schemeClr val="tx1">
+                    <a:lumMod val="75000"/>
+                    <a:lumOff val="25000"/>
+                  </a:schemeClr>
+                </a:solidFill>
+              </a:rPr>
+              <a:t>*Project : </a:t>
+            </a:r>
+            <a:r>
+              <a:rPr lang="ko-KR" altLang="en-US" sz="1100" b="1" dirty="0" smtClean="0">
+                <a:solidFill>
+                  <a:schemeClr val="tx1">
+                    <a:lumMod val="75000"/>
+                    <a:lumOff val="25000"/>
+                  </a:schemeClr>
+                </a:solidFill>
+              </a:rPr>
+              <a:t>이들 중 한 페이지 내용 사용</a:t>
+            </a:r>
+            <a:endParaRPr lang="ko-KR" altLang="en-US" sz="1100" b="1" dirty="0" smtClean="0">
+              <a:solidFill>
+                <a:schemeClr val="tx1">
+                  <a:lumMod val="75000"/>
+                  <a:lumOff val="25000"/>
+                </a:schemeClr>
+              </a:solidFill>
+            </a:endParaRPr>
+          </a:p>
+        </p:txBody>
+      </p:sp>
     </p:spTree>
     <p:extLst>
       <p:ext uri="{BB962C8B-B14F-4D97-AF65-F5344CB8AC3E}">
-        <p14:creationId xmlns:p14="http://schemas.microsoft.com/office/powerpoint/2010/main" val="868814447"/>
+        <p14:creationId xmlns:p14="http://schemas.microsoft.com/office/powerpoint/2010/main" val="2703278056"/>
       </p:ext>
     </p:extLst>
   </p:cSld>
   <p:clrMapOvr>
     <a:masterClrMapping/>
   </p:clrMapOvr>
+  <p:timing>
+    <p:tnLst>
+      <p:par>
+        <p:cTn id="1" dur="indefinite" restart="never" nodeType="tmRoot"/>
+      </p:par>
+    </p:tnLst>
+  </p:timing>
 </p:sld>
 </file>
 
@@ -18399,7 +21528,11 @@
           <a:bodyPr/>
           <a:lstStyle/>
           <a:p>
-            <a:endParaRPr lang="ko-KR" altLang="en-US"/>
+            <a:r>
+              <a:rPr lang="en-US" altLang="ko-KR" smtClean="0"/>
+              <a:t>Architecture</a:t>
+            </a:r>
+            <a:endParaRPr lang="ko-KR" altLang="en-US" dirty="0"/>
           </a:p>
         </p:txBody>
       </p:sp>
@@ -18410,7 +21543,7 @@
             <a:spLocks noGrp="1"/>
           </p:cNvSpPr>
           <p:nvPr>
-            <p:ph type="sldNum" sz="quarter" idx="11"/>
+            <p:ph type="sldNum" sz="quarter" idx="4"/>
           </p:nvPr>
         </p:nvSpPr>
         <p:spPr/>
@@ -18418,238 +21551,31 @@
           <a:bodyPr/>
           <a:lstStyle/>
           <a:p>
-            <a:pPr rtl="0"/>
-            <a:fld id="{19B51A1E-902D-48AF-9020-955120F399B6}" type="slidenum">
-              <a:rPr lang="en-ZA" altLang="ko-KR" noProof="0" smtClean="0"/>
-              <a:pPr rtl="0"/>
+            <a:fld id="{AFD6F7B2-6BF5-405E-9100-D56ABF79EB94}" type="slidenum">
+              <a:rPr lang="ko-KR" altLang="en-US" smtClean="0"/>
               <a:t>4</a:t>
             </a:fld>
-            <a:endParaRPr lang="ko-KR" altLang="en-US" noProof="0" dirty="0"/>
-          </a:p>
-        </p:txBody>
-      </p:sp>
-      <p:pic>
-        <p:nvPicPr>
-          <p:cNvPr id="7" name="그림 6">
-            <a:extLst>
-              <a:ext uri="{FF2B5EF4-FFF2-40B4-BE49-F238E27FC236}">
-                <a16:creationId xmlns:a16="http://schemas.microsoft.com/office/drawing/2014/main" id="{E456E680-91E7-4B5E-BF8F-30234A8B6A52}"/>
-              </a:ext>
-            </a:extLst>
-          </p:cNvPr>
-          <p:cNvPicPr>
-            <a:picLocks noChangeAspect="1"/>
-          </p:cNvPicPr>
-          <p:nvPr/>
-        </p:nvPicPr>
-        <p:blipFill>
-          <a:blip r:embed="rId2"/>
-          <a:stretch>
-            <a:fillRect/>
-          </a:stretch>
-        </p:blipFill>
-        <p:spPr>
-          <a:xfrm>
-            <a:off x="236163" y="864000"/>
-            <a:ext cx="9496425" cy="3524250"/>
-          </a:xfrm>
-          <a:prstGeom prst="rect">
-            <a:avLst/>
-          </a:prstGeom>
-        </p:spPr>
-      </p:pic>
-      <p:sp>
-        <p:nvSpPr>
-          <p:cNvPr id="8" name="TextBox 7">
-            <a:extLst>
-              <a:ext uri="{FF2B5EF4-FFF2-40B4-BE49-F238E27FC236}">
-                <a16:creationId xmlns:a16="http://schemas.microsoft.com/office/drawing/2014/main" id="{34754495-4A0A-4E89-8051-CDA084ADA917}"/>
-              </a:ext>
-            </a:extLst>
-          </p:cNvPr>
-          <p:cNvSpPr txBox="1"/>
-          <p:nvPr/>
-        </p:nvSpPr>
-        <p:spPr>
-          <a:xfrm>
-            <a:off x="300902" y="4656157"/>
-            <a:ext cx="2460229" cy="328186"/>
-          </a:xfrm>
-          <a:prstGeom prst="rect">
-            <a:avLst/>
-          </a:prstGeom>
-          <a:noFill/>
-        </p:spPr>
-        <p:txBody>
-          <a:bodyPr wrap="square" lIns="0" tIns="0" rIns="0" bIns="0" rtlCol="0">
-            <a:noAutofit/>
-          </a:bodyPr>
-          <a:lstStyle/>
-          <a:p>
-            <a:pPr algn="l"/>
-            <a:r>
-              <a:rPr lang="ko-KR" altLang="en-US" sz="1200" dirty="0">
-                <a:solidFill>
-                  <a:schemeClr val="tx1">
-                    <a:lumMod val="75000"/>
-                    <a:lumOff val="25000"/>
-                  </a:schemeClr>
-                </a:solidFill>
-              </a:rPr>
-              <a:t>의미 없는 답변을 반복 생성</a:t>
-            </a:r>
-            <a:endParaRPr lang="en-US" altLang="ko-KR" dirty="0"/>
-          </a:p>
-          <a:p>
-            <a:pPr algn="l"/>
-            <a:endParaRPr lang="ko-KR" altLang="en-US" sz="1200" dirty="0">
-              <a:solidFill>
-                <a:schemeClr val="tx1">
-                  <a:lumMod val="75000"/>
-                  <a:lumOff val="25000"/>
-                </a:schemeClr>
-              </a:solidFill>
-              <a:latin typeface="+mn-lt"/>
-            </a:endParaRPr>
-          </a:p>
-        </p:txBody>
-      </p:sp>
-      <p:pic>
-        <p:nvPicPr>
-          <p:cNvPr id="10" name="그림 9">
-            <a:extLst>
-              <a:ext uri="{FF2B5EF4-FFF2-40B4-BE49-F238E27FC236}">
-                <a16:creationId xmlns:a16="http://schemas.microsoft.com/office/drawing/2014/main" id="{A13DEA67-09F3-412B-9209-D77F97E12306}"/>
-              </a:ext>
-            </a:extLst>
-          </p:cNvPr>
-          <p:cNvPicPr>
-            <a:picLocks noChangeAspect="1"/>
-          </p:cNvPicPr>
-          <p:nvPr/>
-        </p:nvPicPr>
-        <p:blipFill>
-          <a:blip r:embed="rId3"/>
-          <a:stretch>
-            <a:fillRect/>
-          </a:stretch>
-        </p:blipFill>
-        <p:spPr>
-          <a:xfrm>
-            <a:off x="2761131" y="2626125"/>
-            <a:ext cx="8839200" cy="3390900"/>
-          </a:xfrm>
-          <a:prstGeom prst="rect">
-            <a:avLst/>
-          </a:prstGeom>
-        </p:spPr>
-      </p:pic>
-      <p:sp>
-        <p:nvSpPr>
-          <p:cNvPr id="11" name="TextBox 10">
-            <a:extLst>
-              <a:ext uri="{FF2B5EF4-FFF2-40B4-BE49-F238E27FC236}">
-                <a16:creationId xmlns:a16="http://schemas.microsoft.com/office/drawing/2014/main" id="{A099E1BA-9711-48C0-B45C-BC79520855AB}"/>
-              </a:ext>
-            </a:extLst>
-          </p:cNvPr>
-          <p:cNvSpPr txBox="1"/>
-          <p:nvPr/>
-        </p:nvSpPr>
-        <p:spPr>
-          <a:xfrm>
-            <a:off x="5518360" y="6043004"/>
-            <a:ext cx="2460229" cy="328186"/>
-          </a:xfrm>
-          <a:prstGeom prst="rect">
-            <a:avLst/>
-          </a:prstGeom>
-          <a:noFill/>
-        </p:spPr>
-        <p:txBody>
-          <a:bodyPr wrap="square" lIns="0" tIns="0" rIns="0" bIns="0" rtlCol="0">
-            <a:noAutofit/>
-          </a:bodyPr>
-          <a:lstStyle/>
-          <a:p>
-            <a:pPr algn="l"/>
-            <a:r>
-              <a:rPr lang="en-US" altLang="ko-KR" sz="1200" dirty="0">
-                <a:solidFill>
-                  <a:schemeClr val="tx1">
-                    <a:lumMod val="75000"/>
-                    <a:lumOff val="25000"/>
-                  </a:schemeClr>
-                </a:solidFill>
-              </a:rPr>
-              <a:t>Model</a:t>
-            </a:r>
-            <a:r>
-              <a:rPr lang="ko-KR" altLang="en-US" sz="1200" dirty="0">
-                <a:solidFill>
-                  <a:schemeClr val="tx1">
-                    <a:lumMod val="75000"/>
-                    <a:lumOff val="25000"/>
-                  </a:schemeClr>
-                </a:solidFill>
-              </a:rPr>
-              <a:t> 변경과</a:t>
-            </a:r>
-            <a:r>
-              <a:rPr lang="en-US" altLang="ko-KR" sz="1200" dirty="0">
-                <a:solidFill>
-                  <a:schemeClr val="tx1">
-                    <a:lumMod val="75000"/>
-                    <a:lumOff val="25000"/>
-                  </a:schemeClr>
-                </a:solidFill>
-              </a:rPr>
-              <a:t>, prompt </a:t>
-            </a:r>
-            <a:r>
-              <a:rPr lang="ko-KR" altLang="en-US" sz="1200" dirty="0">
-                <a:solidFill>
-                  <a:schemeClr val="tx1">
-                    <a:lumMod val="75000"/>
-                    <a:lumOff val="25000"/>
-                  </a:schemeClr>
-                </a:solidFill>
-              </a:rPr>
-              <a:t>변경 해도 개선이 없음</a:t>
-            </a:r>
-            <a:r>
-              <a:rPr lang="en-US" altLang="ko-KR" sz="1200" dirty="0">
-                <a:solidFill>
-                  <a:schemeClr val="tx1">
-                    <a:lumMod val="75000"/>
-                    <a:lumOff val="25000"/>
-                  </a:schemeClr>
-                </a:solidFill>
-              </a:rPr>
-              <a:t>. </a:t>
-            </a:r>
-            <a:endParaRPr lang="ko-KR" altLang="en-US" sz="1200" dirty="0">
-              <a:solidFill>
-                <a:schemeClr val="tx1">
-                  <a:lumMod val="75000"/>
-                  <a:lumOff val="25000"/>
-                </a:schemeClr>
-              </a:solidFill>
-              <a:latin typeface="+mn-lt"/>
-            </a:endParaRPr>
+            <a:endParaRPr lang="ko-KR" altLang="en-US"/>
           </a:p>
         </p:txBody>
       </p:sp>
     </p:spTree>
     <p:extLst>
       <p:ext uri="{BB962C8B-B14F-4D97-AF65-F5344CB8AC3E}">
-        <p14:creationId xmlns:p14="http://schemas.microsoft.com/office/powerpoint/2010/main" val="2710040418"/>
+        <p14:creationId xmlns:p14="http://schemas.microsoft.com/office/powerpoint/2010/main" val="3894471036"/>
       </p:ext>
     </p:extLst>
   </p:cSld>
   <p:clrMapOvr>
     <a:masterClrMapping/>
   </p:clrMapOvr>
+  <p:timing>
+    <p:tnLst>
+      <p:par>
+        <p:cTn id="1" dur="indefinite" restart="never" nodeType="tmRoot"/>
+      </p:par>
+    </p:tnLst>
+  </p:timing>
 </p:sld>
 </file>
 
@@ -18672,13 +21598,7 @@
       </p:grpSpPr>
       <p:sp>
         <p:nvSpPr>
-          <p:cNvPr id="2" name="제목 1">
-            <a:extLst>
-              <a:ext uri="{FF2B5EF4-FFF2-40B4-BE49-F238E27FC236}">
-                <a16:creationId xmlns:a16="http://schemas.microsoft.com/office/drawing/2014/main" id="{366A866F-395E-47DA-B715-C43305D59A3C}"/>
-              </a:ext>
-            </a:extLst>
-          </p:cNvPr>
+          <p:cNvPr id="3" name="제목 2"/>
           <p:cNvSpPr>
             <a:spLocks noGrp="1"/>
           </p:cNvSpPr>
@@ -18697,13 +21617,7 @@
       </p:sp>
       <p:sp>
         <p:nvSpPr>
-          <p:cNvPr id="3" name="슬라이드 번호 개체 틀 2">
-            <a:extLst>
-              <a:ext uri="{FF2B5EF4-FFF2-40B4-BE49-F238E27FC236}">
-                <a16:creationId xmlns:a16="http://schemas.microsoft.com/office/drawing/2014/main" id="{CE807BD8-40DD-4C99-AE4D-10BF2780EB69}"/>
-              </a:ext>
-            </a:extLst>
-          </p:cNvPr>
+          <p:cNvPr id="4" name="슬라이드 번호 개체 틀 3"/>
           <p:cNvSpPr>
             <a:spLocks noGrp="1"/>
           </p:cNvSpPr>
@@ -18716,25 +21630,18 @@
           <a:bodyPr/>
           <a:lstStyle/>
           <a:p>
-            <a:pPr rtl="0"/>
             <a:fld id="{19B51A1E-902D-48AF-9020-955120F399B6}" type="slidenum">
-              <a:rPr lang="en-ZA" altLang="ko-KR" noProof="0" smtClean="0"/>
-              <a:pPr rtl="0"/>
+              <a:rPr lang="en-ZA" altLang="ko-KR" smtClean="0"/>
+              <a:pPr/>
               <a:t>5</a:t>
             </a:fld>
-            <a:endParaRPr lang="ko-KR" altLang="en-US" noProof="0" dirty="0"/>
+            <a:endParaRPr lang="ko-KR" altLang="en-US" dirty="0"/>
           </a:p>
         </p:txBody>
       </p:sp>
       <p:pic>
         <p:nvPicPr>
-          <p:cNvPr id="5" name="그림 4">
-            <a:extLst>
-              <a:ext uri="{FF2B5EF4-FFF2-40B4-BE49-F238E27FC236}">
-                <a16:creationId xmlns:a16="http://schemas.microsoft.com/office/drawing/2014/main" id="{DB13B996-4612-48B2-9AAC-81DF4B9E8E17}"/>
-              </a:ext>
-            </a:extLst>
-          </p:cNvPr>
+          <p:cNvPr id="5" name="그림 4"/>
           <p:cNvPicPr>
             <a:picLocks noChangeAspect="1"/>
           </p:cNvPicPr>
@@ -18748,8 +21655,8 @@
         </p:blipFill>
         <p:spPr>
           <a:xfrm>
-            <a:off x="645178" y="1932734"/>
-            <a:ext cx="3209925" cy="733425"/>
+            <a:off x="870196" y="1700754"/>
+            <a:ext cx="4382112" cy="1124107"/>
           </a:xfrm>
           <a:prstGeom prst="rect">
             <a:avLst/>
@@ -18758,20 +21665,14 @@
       </p:pic>
       <p:sp>
         <p:nvSpPr>
-          <p:cNvPr id="6" name="TextBox 5">
-            <a:extLst>
-              <a:ext uri="{FF2B5EF4-FFF2-40B4-BE49-F238E27FC236}">
-                <a16:creationId xmlns:a16="http://schemas.microsoft.com/office/drawing/2014/main" id="{758475B8-44AF-4897-A743-ACE0B0176D25}"/>
-              </a:ext>
-            </a:extLst>
-          </p:cNvPr>
+          <p:cNvPr id="6" name="TextBox 5"/>
           <p:cNvSpPr txBox="1"/>
           <p:nvPr/>
         </p:nvSpPr>
         <p:spPr>
           <a:xfrm>
-            <a:off x="758102" y="2896392"/>
-            <a:ext cx="2460229" cy="328186"/>
+            <a:off x="6712094" y="1700754"/>
+            <a:ext cx="4124781" cy="319576"/>
           </a:xfrm>
           <a:prstGeom prst="rect">
             <a:avLst/>
@@ -18779,14 +21680,14 @@
           <a:noFill/>
         </p:spPr>
         <p:txBody>
-          <a:bodyPr wrap="square" lIns="0" tIns="0" rIns="0" bIns="0" rtlCol="0">
+          <a:bodyPr wrap="none" lIns="0" tIns="0" rIns="0" bIns="0" rtlCol="0">
             <a:noAutofit/>
           </a:bodyPr>
           <a:lstStyle/>
           <a:p>
             <a:pPr algn="l"/>
             <a:r>
-              <a:rPr lang="en-US" altLang="ko-KR" sz="1200" dirty="0" err="1">
+              <a:rPr lang="en-US" altLang="ko-KR" sz="1200" dirty="0">
                 <a:solidFill>
                   <a:schemeClr val="tx1">
                     <a:lumMod val="75000"/>
@@ -18795,7 +21696,7 @@
                 </a:solidFill>
                 <a:latin typeface="+mn-lt"/>
               </a:rPr>
-              <a:t>Repetiion</a:t>
+              <a:t>Word </a:t>
             </a:r>
             <a:r>
               <a:rPr lang="ko-KR" altLang="en-US" sz="1200" dirty="0">
@@ -18807,7 +21708,7 @@
                 </a:solidFill>
                 <a:latin typeface="+mn-lt"/>
               </a:rPr>
-              <a:t> </a:t>
+              <a:t>파일이 </a:t>
             </a:r>
             <a:r>
               <a:rPr lang="en-US" altLang="ko-KR" sz="1200" dirty="0">
@@ -18817,19 +21718,21 @@
                     <a:lumOff val="25000"/>
                   </a:schemeClr>
                 </a:solidFill>
+                <a:latin typeface="+mn-lt"/>
               </a:rPr>
-              <a:t>_</a:t>
-            </a:r>
-            <a:r>
-              <a:rPr lang="en-US" altLang="ko-KR" sz="1200" dirty="0" err="1">
-                <a:solidFill>
-                  <a:schemeClr val="tx1">
-                    <a:lumMod val="75000"/>
-                    <a:lumOff val="25000"/>
-                  </a:schemeClr>
-                </a:solidFill>
+              <a:t>1</a:t>
+            </a:r>
+            <a:r>
+              <a:rPr lang="ko-KR" altLang="en-US" sz="1200" dirty="0">
+                <a:solidFill>
+                  <a:schemeClr val="tx1">
+                    <a:lumMod val="75000"/>
+                    <a:lumOff val="25000"/>
+                  </a:schemeClr>
+                </a:solidFill>
+                <a:latin typeface="+mn-lt"/>
               </a:rPr>
-              <a:t>penaly</a:t>
+              <a:t>개 문서로 통으로 읽고 있어</a:t>
             </a:r>
             <a:r>
               <a:rPr lang="en-US" altLang="ko-KR" sz="1200" dirty="0">
@@ -18839,8 +21742,9 @@
                     <a:lumOff val="25000"/>
                   </a:schemeClr>
                 </a:solidFill>
+                <a:latin typeface="+mn-lt"/>
               </a:rPr>
-              <a:t> </a:t>
+              <a:t>, </a:t>
             </a:r>
             <a:r>
               <a:rPr lang="ko-KR" altLang="en-US" sz="1200" dirty="0">
@@ -18850,9 +21754,25 @@
                     <a:lumOff val="25000"/>
                   </a:schemeClr>
                 </a:solidFill>
+                <a:latin typeface="+mn-lt"/>
               </a:rPr>
-              <a:t>부여로 개선 확인</a:t>
-            </a:r>
+              <a:t>검색 결과가 없음</a:t>
+            </a:r>
+            <a:r>
+              <a:rPr lang="en-US" altLang="ko-KR" sz="1200" dirty="0">
+                <a:solidFill>
+                  <a:schemeClr val="tx1">
+                    <a:lumMod val="75000"/>
+                    <a:lumOff val="25000"/>
+                  </a:schemeClr>
+                </a:solidFill>
+                <a:latin typeface="+mn-lt"/>
+              </a:rPr>
+              <a:t>. </a:t>
+            </a:r>
+          </a:p>
+          <a:p>
+            <a:pPr algn="l"/>
             <a:endParaRPr lang="ko-KR" altLang="en-US" sz="1200" dirty="0">
               <a:solidFill>
                 <a:schemeClr val="tx1">
@@ -18867,13 +21787,7 @@
       </p:sp>
       <p:pic>
         <p:nvPicPr>
-          <p:cNvPr id="8" name="그림 7">
-            <a:extLst>
-              <a:ext uri="{FF2B5EF4-FFF2-40B4-BE49-F238E27FC236}">
-                <a16:creationId xmlns:a16="http://schemas.microsoft.com/office/drawing/2014/main" id="{98D80F32-E192-42C3-BAA3-5DFA28E914C5}"/>
-              </a:ext>
-            </a:extLst>
-          </p:cNvPr>
+          <p:cNvPr id="7" name="그림 6"/>
           <p:cNvPicPr>
             <a:picLocks noChangeAspect="1"/>
           </p:cNvPicPr>
@@ -18887,8 +21801,8 @@
         </p:blipFill>
         <p:spPr>
           <a:xfrm>
-            <a:off x="2461932" y="3224578"/>
-            <a:ext cx="9563100" cy="2876550"/>
+            <a:off x="-110035" y="3049955"/>
+            <a:ext cx="6754168" cy="2172003"/>
           </a:xfrm>
           <a:prstGeom prst="rect">
             <a:avLst/>
@@ -18897,20 +21811,14 @@
       </p:pic>
       <p:sp>
         <p:nvSpPr>
-          <p:cNvPr id="9" name="TextBox 8">
-            <a:extLst>
-              <a:ext uri="{FF2B5EF4-FFF2-40B4-BE49-F238E27FC236}">
-                <a16:creationId xmlns:a16="http://schemas.microsoft.com/office/drawing/2014/main" id="{F68503FB-D29D-4AB8-B361-8A6ED94CF53B}"/>
-              </a:ext>
-            </a:extLst>
-          </p:cNvPr>
+          <p:cNvPr id="8" name="TextBox 7"/>
           <p:cNvSpPr txBox="1"/>
           <p:nvPr/>
         </p:nvSpPr>
         <p:spPr>
           <a:xfrm>
-            <a:off x="4675678" y="6299345"/>
-            <a:ext cx="4387640" cy="328186"/>
+            <a:off x="7803588" y="3898197"/>
+            <a:ext cx="4124781" cy="319576"/>
           </a:xfrm>
           <a:prstGeom prst="rect">
             <a:avLst/>
@@ -18918,13 +21826,24 @@
           <a:noFill/>
         </p:spPr>
         <p:txBody>
-          <a:bodyPr wrap="square" lIns="0" tIns="0" rIns="0" bIns="0" rtlCol="0">
+          <a:bodyPr wrap="none" lIns="0" tIns="0" rIns="0" bIns="0" rtlCol="0">
             <a:noAutofit/>
           </a:bodyPr>
           <a:lstStyle/>
           <a:p>
             <a:pPr algn="l"/>
             <a:r>
+              <a:rPr lang="en-US" altLang="ko-KR" sz="1200" dirty="0">
+                <a:solidFill>
+                  <a:schemeClr val="tx1">
+                    <a:lumMod val="75000"/>
+                    <a:lumOff val="25000"/>
+                  </a:schemeClr>
+                </a:solidFill>
+              </a:rPr>
+              <a:t>‘\n’ , ‘.’ </a:t>
+            </a:r>
+            <a:r>
               <a:rPr lang="ko-KR" altLang="en-US" sz="1200" dirty="0">
                 <a:solidFill>
                   <a:schemeClr val="tx1">
@@ -18932,9 +21851,63 @@
                     <a:lumOff val="25000"/>
                   </a:schemeClr>
                 </a:solidFill>
-                <a:latin typeface="+mn-lt"/>
               </a:rPr>
-              <a:t>하지만 여전히 중복된 표현이 존재</a:t>
+              <a:t>기준으로 </a:t>
+            </a:r>
+            <a:r>
+              <a:rPr lang="en-US" altLang="ko-KR" sz="1200" dirty="0">
+                <a:solidFill>
+                  <a:schemeClr val="tx1">
+                    <a:lumMod val="75000"/>
+                    <a:lumOff val="25000"/>
+                  </a:schemeClr>
+                </a:solidFill>
+              </a:rPr>
+              <a:t>sentence </a:t>
+            </a:r>
+            <a:r>
+              <a:rPr lang="ko-KR" altLang="en-US" sz="1200" dirty="0">
+                <a:solidFill>
+                  <a:schemeClr val="tx1">
+                    <a:lumMod val="75000"/>
+                    <a:lumOff val="25000"/>
+                  </a:schemeClr>
+                </a:solidFill>
+              </a:rPr>
+              <a:t>로 나누고</a:t>
+            </a:r>
+            <a:r>
+              <a:rPr lang="en-US" altLang="ko-KR" sz="1200" dirty="0">
+                <a:solidFill>
+                  <a:schemeClr val="tx1">
+                    <a:lumMod val="75000"/>
+                    <a:lumOff val="25000"/>
+                  </a:schemeClr>
+                </a:solidFill>
+              </a:rPr>
+              <a:t>, </a:t>
+            </a:r>
+            <a:r>
+              <a:rPr lang="ko-KR" altLang="en-US" sz="1200" dirty="0">
+                <a:solidFill>
+                  <a:schemeClr val="tx1">
+                    <a:lumMod val="75000"/>
+                    <a:lumOff val="25000"/>
+                  </a:schemeClr>
+                </a:solidFill>
+              </a:rPr>
+              <a:t>이를 </a:t>
+            </a:r>
+            <a:r>
+              <a:rPr lang="en-US" altLang="ko-KR" sz="1200" dirty="0">
+                <a:solidFill>
+                  <a:schemeClr val="tx1">
+                    <a:lumMod val="75000"/>
+                    <a:lumOff val="25000"/>
+                  </a:schemeClr>
+                </a:solidFill>
+              </a:rPr>
+              <a:t>embedding</a:t>
             </a:r>
             <a:endParaRPr lang="en-US" altLang="ko-KR" sz="1200" dirty="0">
               <a:solidFill>
@@ -18948,138 +21921,6 @@
           </a:p>
           <a:p>
             <a:pPr algn="l"/>
-            <a:r>
-              <a:rPr lang="en-US" altLang="ko-KR" sz="1200" dirty="0">
-                <a:solidFill>
-                  <a:schemeClr val="tx1">
-                    <a:lumMod val="75000"/>
-                    <a:lumOff val="25000"/>
-                  </a:schemeClr>
-                </a:solidFill>
-              </a:rPr>
-              <a:t>-&gt; 7B model </a:t>
-            </a:r>
-            <a:r>
-              <a:rPr lang="ko-KR" altLang="en-US" sz="1200" dirty="0">
-                <a:solidFill>
-                  <a:schemeClr val="tx1">
-                    <a:lumMod val="75000"/>
-                    <a:lumOff val="25000"/>
-                  </a:schemeClr>
-                </a:solidFill>
-              </a:rPr>
-              <a:t>은 </a:t>
-            </a:r>
-            <a:r>
-              <a:rPr lang="en-US" altLang="ko-KR" sz="1200" dirty="0">
-                <a:solidFill>
-                  <a:schemeClr val="tx1">
-                    <a:lumMod val="75000"/>
-                    <a:lumOff val="25000"/>
-                  </a:schemeClr>
-                </a:solidFill>
-              </a:rPr>
-              <a:t>kernel crash </a:t>
-            </a:r>
-            <a:r>
-              <a:rPr lang="ko-KR" altLang="en-US" sz="1200" dirty="0">
-                <a:solidFill>
-                  <a:schemeClr val="tx1">
-                    <a:lumMod val="75000"/>
-                    <a:lumOff val="25000"/>
-                  </a:schemeClr>
-                </a:solidFill>
-              </a:rPr>
-              <a:t>유발 </a:t>
-            </a:r>
-            <a:r>
-              <a:rPr lang="en-US" altLang="ko-KR" sz="1200" dirty="0">
-                <a:solidFill>
-                  <a:schemeClr val="tx1">
-                    <a:lumMod val="75000"/>
-                    <a:lumOff val="25000"/>
-                  </a:schemeClr>
-                </a:solidFill>
-              </a:rPr>
-              <a:t>-&gt; 4bit </a:t>
-            </a:r>
-            <a:r>
-              <a:rPr lang="en-US" altLang="ko-KR" sz="1200" dirty="0" err="1">
-                <a:solidFill>
-                  <a:schemeClr val="tx1">
-                    <a:lumMod val="75000"/>
-                    <a:lumOff val="25000"/>
-                  </a:schemeClr>
-                </a:solidFill>
-              </a:rPr>
-              <a:t>quatization</a:t>
-            </a:r>
-            <a:r>
-              <a:rPr lang="en-US" altLang="ko-KR" sz="1200" dirty="0">
-                <a:solidFill>
-                  <a:schemeClr val="tx1">
-                    <a:lumMod val="75000"/>
-                    <a:lumOff val="25000"/>
-                  </a:schemeClr>
-                </a:solidFill>
-              </a:rPr>
-              <a:t> </a:t>
-            </a:r>
-            <a:r>
-              <a:rPr lang="ko-KR" altLang="en-US" sz="1200" dirty="0">
-                <a:solidFill>
-                  <a:schemeClr val="tx1">
-                    <a:lumMod val="75000"/>
-                    <a:lumOff val="25000"/>
-                  </a:schemeClr>
-                </a:solidFill>
-              </a:rPr>
-              <a:t>방법 사용  </a:t>
-            </a:r>
-            <a:r>
-              <a:rPr lang="en-US" altLang="ko-KR" sz="1200" dirty="0">
-                <a:solidFill>
-                  <a:schemeClr val="tx1">
-                    <a:lumMod val="75000"/>
-                    <a:lumOff val="25000"/>
-                  </a:schemeClr>
-                </a:solidFill>
-              </a:rPr>
-              <a:t>-&gt; </a:t>
-            </a:r>
-            <a:r>
-              <a:rPr lang="ko-KR" altLang="en-US" sz="1200" dirty="0">
-                <a:solidFill>
-                  <a:schemeClr val="tx1">
-                    <a:lumMod val="75000"/>
-                    <a:lumOff val="25000"/>
-                  </a:schemeClr>
-                </a:solidFill>
-              </a:rPr>
-              <a:t>적합한 모델 검색</a:t>
-            </a:r>
-            <a:r>
-              <a:rPr lang="en-US" altLang="ko-KR" sz="1200" dirty="0">
-                <a:solidFill>
-                  <a:schemeClr val="tx1">
-                    <a:lumMod val="75000"/>
-                    <a:lumOff val="25000"/>
-                  </a:schemeClr>
-                </a:solidFill>
-              </a:rPr>
-              <a:t>/download</a:t>
-            </a:r>
-            <a:r>
-              <a:rPr lang="ko-KR" altLang="en-US" sz="1200" dirty="0">
-                <a:solidFill>
-                  <a:schemeClr val="tx1">
-                    <a:lumMod val="75000"/>
-                    <a:lumOff val="25000"/>
-                  </a:schemeClr>
-                </a:solidFill>
-              </a:rPr>
-              <a:t>에 많은 시간 소모</a:t>
-            </a:r>
             <a:endParaRPr lang="ko-KR" altLang="en-US" sz="1200" dirty="0">
               <a:solidFill>
                 <a:schemeClr val="tx1">
@@ -19092,16 +21933,47 @@
           </a:p>
         </p:txBody>
       </p:sp>
+      <p:pic>
+        <p:nvPicPr>
+          <p:cNvPr id="9" name="그림 8"/>
+          <p:cNvPicPr>
+            <a:picLocks noChangeAspect="1"/>
+          </p:cNvPicPr>
+          <p:nvPr/>
+        </p:nvPicPr>
+        <p:blipFill>
+          <a:blip r:embed="rId4"/>
+          <a:stretch>
+            <a:fillRect/>
+          </a:stretch>
+        </p:blipFill>
+        <p:spPr>
+          <a:xfrm>
+            <a:off x="171424" y="5365535"/>
+            <a:ext cx="6191250" cy="600075"/>
+          </a:xfrm>
+          <a:prstGeom prst="rect">
+            <a:avLst/>
+          </a:prstGeom>
+        </p:spPr>
+      </p:pic>
     </p:spTree>
     <p:extLst>
       <p:ext uri="{BB962C8B-B14F-4D97-AF65-F5344CB8AC3E}">
-        <p14:creationId xmlns:p14="http://schemas.microsoft.com/office/powerpoint/2010/main" val="3982167595"/>
+        <p14:creationId xmlns:p14="http://schemas.microsoft.com/office/powerpoint/2010/main" val="3710735103"/>
       </p:ext>
     </p:extLst>
   </p:cSld>
   <p:clrMapOvr>
     <a:masterClrMapping/>
   </p:clrMapOvr>
+  <p:timing>
+    <p:tnLst>
+      <p:par>
+        <p:cTn id="1" dur="indefinite" restart="never" nodeType="tmRoot"/>
+      </p:par>
+    </p:tnLst>
+  </p:timing>
 </p:sld>
 </file>
 
@@ -19124,13 +21996,7 @@
       </p:grpSpPr>
       <p:sp>
         <p:nvSpPr>
-          <p:cNvPr id="2" name="제목 1">
-            <a:extLst>
-              <a:ext uri="{FF2B5EF4-FFF2-40B4-BE49-F238E27FC236}">
-                <a16:creationId xmlns:a16="http://schemas.microsoft.com/office/drawing/2014/main" id="{18D81F6F-B418-4FE3-AD24-8255F8ED8339}"/>
-              </a:ext>
-            </a:extLst>
-          </p:cNvPr>
+          <p:cNvPr id="3" name="제목 2"/>
           <p:cNvSpPr>
             <a:spLocks noGrp="1"/>
           </p:cNvSpPr>
@@ -19149,13 +22015,7 @@
       </p:sp>
       <p:sp>
         <p:nvSpPr>
-          <p:cNvPr id="3" name="슬라이드 번호 개체 틀 2">
-            <a:extLst>
-              <a:ext uri="{FF2B5EF4-FFF2-40B4-BE49-F238E27FC236}">
-                <a16:creationId xmlns:a16="http://schemas.microsoft.com/office/drawing/2014/main" id="{FBE3FE46-08CE-4258-B7FA-0127A097F18B}"/>
-              </a:ext>
-            </a:extLst>
-          </p:cNvPr>
+          <p:cNvPr id="4" name="슬라이드 번호 개체 틀 3"/>
           <p:cNvSpPr>
             <a:spLocks noGrp="1"/>
           </p:cNvSpPr>
@@ -19168,25 +22028,97 @@
           <a:bodyPr/>
           <a:lstStyle/>
           <a:p>
-            <a:pPr rtl="0"/>
             <a:fld id="{19B51A1E-902D-48AF-9020-955120F399B6}" type="slidenum">
-              <a:rPr lang="en-ZA" altLang="ko-KR" noProof="0" smtClean="0"/>
-              <a:pPr rtl="0"/>
+              <a:rPr lang="en-ZA" altLang="ko-KR" smtClean="0"/>
+              <a:pPr/>
               <a:t>6</a:t>
             </a:fld>
-            <a:endParaRPr lang="ko-KR" altLang="en-US" noProof="0" dirty="0"/>
+            <a:endParaRPr lang="ko-KR" altLang="en-US" dirty="0"/>
+          </a:p>
+        </p:txBody>
+      </p:sp>
+      <p:sp>
+        <p:nvSpPr>
+          <p:cNvPr id="5" name="TextBox 4"/>
+          <p:cNvSpPr txBox="1"/>
+          <p:nvPr/>
+        </p:nvSpPr>
+        <p:spPr>
+          <a:xfrm>
+            <a:off x="569842" y="1285461"/>
+            <a:ext cx="10429461" cy="927652"/>
+          </a:xfrm>
+          <a:prstGeom prst="rect">
+            <a:avLst/>
+          </a:prstGeom>
+          <a:noFill/>
+        </p:spPr>
+        <p:txBody>
+          <a:bodyPr wrap="square" lIns="0" tIns="0" rIns="0" bIns="0" rtlCol="0">
+            <a:noAutofit/>
+          </a:bodyPr>
+          <a:lstStyle/>
+          <a:p>
+            <a:pPr algn="l"/>
+            <a:r>
+              <a:rPr lang="ko-KR" altLang="en-US" sz="1200" dirty="0">
+                <a:solidFill>
+                  <a:schemeClr val="tx1">
+                    <a:lumMod val="75000"/>
+                    <a:lumOff val="25000"/>
+                  </a:schemeClr>
+                </a:solidFill>
+              </a:rPr>
+              <a:t>엉뚱한 답변</a:t>
+            </a:r>
+            <a:endParaRPr lang="en-US" altLang="ko-KR" sz="1200" dirty="0">
+              <a:solidFill>
+                <a:schemeClr val="tx1">
+                  <a:lumMod val="75000"/>
+                  <a:lumOff val="25000"/>
+                </a:schemeClr>
+              </a:solidFill>
+            </a:endParaRPr>
+          </a:p>
+          <a:p>
+            <a:pPr algn="l"/>
+            <a:endParaRPr lang="en-US" altLang="ko-KR" sz="1200" dirty="0">
+              <a:solidFill>
+                <a:schemeClr val="tx1">
+                  <a:lumMod val="75000"/>
+                  <a:lumOff val="25000"/>
+                </a:schemeClr>
+              </a:solidFill>
+              <a:latin typeface="+mn-lt"/>
+            </a:endParaRPr>
+          </a:p>
+          <a:p>
+            <a:r>
+              <a:rPr lang="en-US" altLang="ko-KR" dirty="0" err="1"/>
+              <a:t>emdeding_id</a:t>
+            </a:r>
+            <a:r>
+              <a:rPr lang="en-US" altLang="ko-KR" dirty="0"/>
+              <a:t> = "sentence-transformers/paraphrase-multilingual-MiniLM-L12-v2"</a:t>
+            </a:r>
+          </a:p>
+          <a:p>
+            <a:pPr algn="l"/>
+            <a:endParaRPr lang="ko-KR" altLang="en-US" sz="1200" dirty="0">
+              <a:solidFill>
+                <a:schemeClr val="tx1">
+                  <a:lumMod val="75000"/>
+                  <a:lumOff val="25000"/>
+                </a:schemeClr>
+              </a:solidFill>
+              <a:latin typeface="+mn-lt"/>
+            </a:endParaRPr>
           </a:p>
         </p:txBody>
       </p:sp>
       <p:pic>
         <p:nvPicPr>
-          <p:cNvPr id="5" name="그림 4">
-            <a:extLst>
-              <a:ext uri="{FF2B5EF4-FFF2-40B4-BE49-F238E27FC236}">
-                <a16:creationId xmlns:a16="http://schemas.microsoft.com/office/drawing/2014/main" id="{0E03F736-14C5-485A-BF5C-A8B1D2D9E133}"/>
-              </a:ext>
-            </a:extLst>
-          </p:cNvPr>
+          <p:cNvPr id="6" name="그림 5"/>
           <p:cNvPicPr>
             <a:picLocks noChangeAspect="1"/>
           </p:cNvPicPr>
@@ -19200,8 +22132,8 @@
         </p:blipFill>
         <p:spPr>
           <a:xfrm>
-            <a:off x="3495675" y="3086100"/>
-            <a:ext cx="5200650" cy="685800"/>
+            <a:off x="702364" y="2098407"/>
+            <a:ext cx="5088836" cy="1662546"/>
           </a:xfrm>
           <a:prstGeom prst="rect">
             <a:avLst/>
@@ -19210,20 +22142,14 @@
       </p:pic>
       <p:sp>
         <p:nvSpPr>
-          <p:cNvPr id="6" name="TextBox 5">
-            <a:extLst>
-              <a:ext uri="{FF2B5EF4-FFF2-40B4-BE49-F238E27FC236}">
-                <a16:creationId xmlns:a16="http://schemas.microsoft.com/office/drawing/2014/main" id="{CF32BBDC-6214-4EBF-AE93-96E9241F8ECE}"/>
-              </a:ext>
-            </a:extLst>
-          </p:cNvPr>
+          <p:cNvPr id="8" name="TextBox 7"/>
           <p:cNvSpPr txBox="1"/>
           <p:nvPr/>
         </p:nvSpPr>
         <p:spPr>
           <a:xfrm>
-            <a:off x="776032" y="2510910"/>
-            <a:ext cx="5875780" cy="328186"/>
+            <a:off x="576469" y="3772852"/>
+            <a:ext cx="10429461" cy="927652"/>
           </a:xfrm>
           <a:prstGeom prst="rect">
             <a:avLst/>
@@ -19238,137 +22164,132 @@
           <a:p>
             <a:pPr algn="l"/>
             <a:r>
-              <a:rPr lang="en-US" altLang="ko-KR" sz="1200" dirty="0">
-                <a:solidFill>
-                  <a:schemeClr val="tx1">
-                    <a:lumMod val="75000"/>
-                    <a:lumOff val="25000"/>
-                  </a:schemeClr>
-                </a:solidFill>
-                <a:latin typeface="+mn-lt"/>
+              <a:rPr lang="ko-KR" altLang="en-US" sz="1200" dirty="0">
+                <a:solidFill>
+                  <a:schemeClr val="tx1">
+                    <a:lumMod val="75000"/>
+                    <a:lumOff val="25000"/>
+                  </a:schemeClr>
+                </a:solidFill>
               </a:rPr>
-              <a:t>Model</a:t>
-            </a:r>
-            <a:r>
-              <a:rPr lang="ko-KR" altLang="en-US" sz="1200" dirty="0">
-                <a:solidFill>
-                  <a:schemeClr val="tx1">
-                    <a:lumMod val="75000"/>
-                    <a:lumOff val="25000"/>
-                  </a:schemeClr>
-                </a:solidFill>
-                <a:latin typeface="+mn-lt"/>
+              <a:t>한글 질문에 좀 더 적합한 모델로 변경</a:t>
+            </a:r>
+            <a:endParaRPr lang="en-US" altLang="ko-KR" sz="1200" dirty="0">
+              <a:solidFill>
+                <a:schemeClr val="tx1">
+                  <a:lumMod val="75000"/>
+                  <a:lumOff val="25000"/>
+                </a:schemeClr>
+              </a:solidFill>
+              <a:latin typeface="+mn-lt"/>
+            </a:endParaRPr>
+          </a:p>
+          <a:p>
+            <a:r>
+              <a:rPr lang="en-US" altLang="ko-KR" dirty="0" err="1">
+                <a:solidFill>
+                  <a:srgbClr val="CCCCCC"/>
+                </a:solidFill>
+                <a:latin typeface="Consolas" panose="020B0609020204030204" pitchFamily="49" charset="0"/>
               </a:rPr>
-              <a:t> 변경 </a:t>
-            </a:r>
-            <a:r>
-              <a:rPr lang="en-US" altLang="ko-KR" sz="1200" dirty="0">
-                <a:solidFill>
-                  <a:schemeClr val="tx1">
-                    <a:lumMod val="75000"/>
-                    <a:lumOff val="25000"/>
-                  </a:schemeClr>
-                </a:solidFill>
-                <a:latin typeface="+mn-lt"/>
-              </a:rPr>
-              <a:t>(</a:t>
-            </a:r>
-            <a:r>
-              <a:rPr lang="en-US" altLang="ko-KR" sz="1200" dirty="0" err="1">
-                <a:solidFill>
-                  <a:schemeClr val="tx1">
-                    <a:lumMod val="75000"/>
-                    <a:lumOff val="25000"/>
-                  </a:schemeClr>
-                </a:solidFill>
-                <a:latin typeface="+mn-lt"/>
-              </a:rPr>
-              <a:t>gen_model_id</a:t>
-            </a:r>
-            <a:r>
-              <a:rPr lang="en-US" altLang="ko-KR" sz="1200" dirty="0">
-                <a:solidFill>
-                  <a:schemeClr val="tx1">
-                    <a:lumMod val="75000"/>
-                    <a:lumOff val="25000"/>
-                  </a:schemeClr>
-                </a:solidFill>
-                <a:latin typeface="+mn-lt"/>
-              </a:rPr>
-              <a:t> = "</a:t>
-            </a:r>
-            <a:r>
-              <a:rPr lang="en-US" altLang="ko-KR" sz="1200" dirty="0" err="1">
-                <a:solidFill>
-                  <a:schemeClr val="tx1">
-                    <a:lumMod val="75000"/>
-                    <a:lumOff val="25000"/>
-                  </a:schemeClr>
-                </a:solidFill>
-                <a:latin typeface="+mn-lt"/>
-              </a:rPr>
-              <a:t>mlabonne</a:t>
-            </a:r>
-            <a:r>
-              <a:rPr lang="en-US" altLang="ko-KR" sz="1200" dirty="0">
-                <a:solidFill>
-                  <a:schemeClr val="tx1">
-                    <a:lumMod val="75000"/>
-                    <a:lumOff val="25000"/>
-                  </a:schemeClr>
-                </a:solidFill>
-                <a:latin typeface="+mn-lt"/>
-              </a:rPr>
-              <a:t>/gemma-2b“) </a:t>
-            </a:r>
-            <a:r>
-              <a:rPr lang="ko-KR" altLang="en-US" sz="1200" dirty="0">
-                <a:solidFill>
-                  <a:schemeClr val="tx1">
-                    <a:lumMod val="75000"/>
-                    <a:lumOff val="25000"/>
-                  </a:schemeClr>
-                </a:solidFill>
-                <a:latin typeface="+mn-lt"/>
-              </a:rPr>
-              <a:t>으로</a:t>
-            </a:r>
-            <a:r>
-              <a:rPr lang="en-US" altLang="ko-KR" sz="1200" dirty="0">
-                <a:solidFill>
-                  <a:schemeClr val="tx1">
-                    <a:lumMod val="75000"/>
-                    <a:lumOff val="25000"/>
-                  </a:schemeClr>
-                </a:solidFill>
-                <a:latin typeface="+mn-lt"/>
+              <a:t>emdeding_id</a:t>
+            </a:r>
+            <a:r>
+              <a:rPr lang="en-US" altLang="ko-KR" dirty="0">
+                <a:solidFill>
+                  <a:srgbClr val="CCCCCC"/>
+                </a:solidFill>
+                <a:latin typeface="Consolas" panose="020B0609020204030204" pitchFamily="49" charset="0"/>
               </a:rPr>
               <a:t> </a:t>
             </a:r>
             <a:r>
-              <a:rPr lang="ko-KR" altLang="en-US" sz="1200" dirty="0">
-                <a:solidFill>
-                  <a:schemeClr val="tx1">
-                    <a:lumMod val="75000"/>
-                    <a:lumOff val="25000"/>
-                  </a:schemeClr>
-                </a:solidFill>
-                <a:latin typeface="+mn-lt"/>
+              <a:rPr lang="en-US" altLang="ko-KR" dirty="0">
+                <a:solidFill>
+                  <a:srgbClr val="D4D4D4"/>
+                </a:solidFill>
+                <a:latin typeface="Consolas" panose="020B0609020204030204" pitchFamily="49" charset="0"/>
               </a:rPr>
-              <a:t>자연어 처리 개선</a:t>
-            </a:r>
+              <a:t>=</a:t>
+            </a:r>
+            <a:r>
+              <a:rPr lang="en-US" altLang="ko-KR" dirty="0">
+                <a:solidFill>
+                  <a:srgbClr val="CCCCCC"/>
+                </a:solidFill>
+                <a:latin typeface="Consolas" panose="020B0609020204030204" pitchFamily="49" charset="0"/>
+              </a:rPr>
+              <a:t> </a:t>
+            </a:r>
+            <a:r>
+              <a:rPr lang="en-US" altLang="ko-KR" dirty="0">
+                <a:solidFill>
+                  <a:srgbClr val="CE9178"/>
+                </a:solidFill>
+                <a:latin typeface="Consolas" panose="020B0609020204030204" pitchFamily="49" charset="0"/>
+              </a:rPr>
+              <a:t>"</a:t>
+            </a:r>
+            <a:r>
+              <a:rPr lang="en-US" altLang="ko-KR" dirty="0" err="1">
+                <a:solidFill>
+                  <a:srgbClr val="CE9178"/>
+                </a:solidFill>
+                <a:latin typeface="Consolas" panose="020B0609020204030204" pitchFamily="49" charset="0"/>
+              </a:rPr>
+              <a:t>jhgan</a:t>
+            </a:r>
+            <a:r>
+              <a:rPr lang="en-US" altLang="ko-KR" dirty="0">
+                <a:solidFill>
+                  <a:srgbClr val="CE9178"/>
+                </a:solidFill>
+                <a:latin typeface="Consolas" panose="020B0609020204030204" pitchFamily="49" charset="0"/>
+              </a:rPr>
+              <a:t>/</a:t>
+            </a:r>
+            <a:r>
+              <a:rPr lang="en-US" altLang="ko-KR" dirty="0" err="1">
+                <a:solidFill>
+                  <a:srgbClr val="CE9178"/>
+                </a:solidFill>
+                <a:latin typeface="Consolas" panose="020B0609020204030204" pitchFamily="49" charset="0"/>
+              </a:rPr>
+              <a:t>ko-sbert-sts</a:t>
+            </a:r>
+            <a:r>
+              <a:rPr lang="en-US" altLang="ko-KR" dirty="0">
+                <a:solidFill>
+                  <a:srgbClr val="CE9178"/>
+                </a:solidFill>
+                <a:latin typeface="Consolas" panose="020B0609020204030204" pitchFamily="49" charset="0"/>
+              </a:rPr>
+              <a:t>"</a:t>
+            </a:r>
+            <a:endParaRPr lang="en-US" altLang="ko-KR" dirty="0">
+              <a:solidFill>
+                <a:srgbClr val="CCCCCC"/>
+              </a:solidFill>
+              <a:latin typeface="Consolas" panose="020B0609020204030204" pitchFamily="49" charset="0"/>
+            </a:endParaRPr>
+          </a:p>
+          <a:p>
+            <a:pPr algn="l"/>
+            <a:endParaRPr lang="ko-KR" altLang="en-US" sz="1200" dirty="0">
+              <a:solidFill>
+                <a:schemeClr val="tx1">
+                  <a:lumMod val="75000"/>
+                  <a:lumOff val="25000"/>
+                </a:schemeClr>
+              </a:solidFill>
+              <a:latin typeface="+mn-lt"/>
+            </a:endParaRPr>
           </a:p>
         </p:txBody>
       </p:sp>
       <p:pic>
         <p:nvPicPr>
-          <p:cNvPr id="8" name="그림 7">
-            <a:extLst>
-              <a:ext uri="{FF2B5EF4-FFF2-40B4-BE49-F238E27FC236}">
-                <a16:creationId xmlns:a16="http://schemas.microsoft.com/office/drawing/2014/main" id="{E47A0BE9-9034-4F71-A70E-D2831F66BF49}"/>
-              </a:ext>
-            </a:extLst>
-          </p:cNvPr>
+          <p:cNvPr id="9" name="그림 8"/>
           <p:cNvPicPr>
             <a:picLocks noChangeAspect="1"/>
           </p:cNvPicPr>
@@ -19382,8 +22303,8 @@
         </p:blipFill>
         <p:spPr>
           <a:xfrm>
-            <a:off x="152400" y="4259725"/>
-            <a:ext cx="12192000" cy="452561"/>
+            <a:off x="569842" y="4333748"/>
+            <a:ext cx="6782747" cy="2267266"/>
           </a:xfrm>
           <a:prstGeom prst="rect">
             <a:avLst/>
@@ -19393,7 +22314,7 @@
     </p:spTree>
     <p:extLst>
       <p:ext uri="{BB962C8B-B14F-4D97-AF65-F5344CB8AC3E}">
-        <p14:creationId xmlns:p14="http://schemas.microsoft.com/office/powerpoint/2010/main" val="4058079450"/>
+        <p14:creationId xmlns:p14="http://schemas.microsoft.com/office/powerpoint/2010/main" val="868814447"/>
       </p:ext>
     </p:extLst>
   </p:cSld>
@@ -19422,13 +22343,7 @@
       </p:grpSpPr>
       <p:sp>
         <p:nvSpPr>
-          <p:cNvPr id="2" name="제목 1">
-            <a:extLst>
-              <a:ext uri="{FF2B5EF4-FFF2-40B4-BE49-F238E27FC236}">
-                <a16:creationId xmlns:a16="http://schemas.microsoft.com/office/drawing/2014/main" id="{F6AE7AF7-C471-4F75-854F-7A96E8243BEC}"/>
-              </a:ext>
-            </a:extLst>
-          </p:cNvPr>
+          <p:cNvPr id="2" name="제목 1"/>
           <p:cNvSpPr>
             <a:spLocks noGrp="1"/>
           </p:cNvSpPr>
@@ -19447,21 +22362,20 @@
       </p:sp>
       <p:sp>
         <p:nvSpPr>
-          <p:cNvPr id="3" name="슬라이드 번호 개체 틀 2">
-            <a:extLst>
-              <a:ext uri="{FF2B5EF4-FFF2-40B4-BE49-F238E27FC236}">
-                <a16:creationId xmlns:a16="http://schemas.microsoft.com/office/drawing/2014/main" id="{1A028ACE-4486-42D1-B5AB-8C3C3256147C}"/>
-              </a:ext>
-            </a:extLst>
-          </p:cNvPr>
+          <p:cNvPr id="3" name="슬라이드 번호 개체 틀 2"/>
           <p:cNvSpPr>
             <a:spLocks noGrp="1"/>
           </p:cNvSpPr>
           <p:nvPr>
-            <p:ph type="sldNum" sz="quarter" idx="11"/>
+            <p:ph type="sldNum" sz="quarter" idx="4294967295"/>
           </p:nvPr>
         </p:nvSpPr>
-        <p:spPr/>
+        <p:spPr>
+          <a:xfrm>
+            <a:off x="10719228" y="6049533"/>
+            <a:ext cx="432000" cy="432000"/>
+          </a:xfrm>
+        </p:spPr>
         <p:txBody>
           <a:bodyPr/>
           <a:lstStyle/>
@@ -19476,497 +22390,12 @@
           </a:p>
         </p:txBody>
       </p:sp>
-      <p:sp>
-        <p:nvSpPr>
-          <p:cNvPr id="4" name="TextBox 3">
-            <a:extLst>
-              <a:ext uri="{FF2B5EF4-FFF2-40B4-BE49-F238E27FC236}">
-                <a16:creationId xmlns:a16="http://schemas.microsoft.com/office/drawing/2014/main" id="{D8AD52BF-5953-4C39-BDA8-57FA8154E877}"/>
-              </a:ext>
-            </a:extLst>
-          </p:cNvPr>
-          <p:cNvSpPr txBox="1"/>
-          <p:nvPr/>
-        </p:nvSpPr>
-        <p:spPr>
-          <a:xfrm>
-            <a:off x="432000" y="1506863"/>
-            <a:ext cx="5875780" cy="328186"/>
-          </a:xfrm>
-          <a:prstGeom prst="rect">
-            <a:avLst/>
-          </a:prstGeom>
-          <a:noFill/>
-        </p:spPr>
-        <p:txBody>
-          <a:bodyPr wrap="square" lIns="0" tIns="0" rIns="0" bIns="0" rtlCol="0">
-            <a:noAutofit/>
-          </a:bodyPr>
-          <a:lstStyle/>
-          <a:p>
-            <a:pPr algn="l"/>
-            <a:r>
-              <a:rPr lang="en-US" altLang="ko-KR" sz="1200" dirty="0" err="1">
-                <a:solidFill>
-                  <a:schemeClr val="tx1">
-                    <a:lumMod val="75000"/>
-                    <a:lumOff val="25000"/>
-                  </a:schemeClr>
-                </a:solidFill>
-              </a:rPr>
-              <a:t>Jupyter</a:t>
-            </a:r>
-            <a:r>
-              <a:rPr lang="en-US" altLang="ko-KR" sz="1200" dirty="0">
-                <a:solidFill>
-                  <a:schemeClr val="tx1">
-                    <a:lumMod val="75000"/>
-                    <a:lumOff val="25000"/>
-                  </a:schemeClr>
-                </a:solidFill>
-              </a:rPr>
-              <a:t> </a:t>
-            </a:r>
-            <a:r>
-              <a:rPr lang="ko-KR" altLang="en-US" sz="1200" dirty="0">
-                <a:solidFill>
-                  <a:schemeClr val="tx1">
-                    <a:lumMod val="75000"/>
-                    <a:lumOff val="25000"/>
-                  </a:schemeClr>
-                </a:solidFill>
-              </a:rPr>
-              <a:t>환경에서는 </a:t>
-            </a:r>
-            <a:r>
-              <a:rPr lang="en-US" altLang="ko-KR" sz="1200" dirty="0">
-                <a:solidFill>
-                  <a:schemeClr val="tx1">
-                    <a:lumMod val="75000"/>
-                    <a:lumOff val="25000"/>
-                  </a:schemeClr>
-                </a:solidFill>
-              </a:rPr>
-              <a:t>file load </a:t>
-            </a:r>
-            <a:r>
-              <a:rPr lang="ko-KR" altLang="en-US" sz="1200" dirty="0">
-                <a:solidFill>
-                  <a:schemeClr val="tx1">
-                    <a:lumMod val="75000"/>
-                    <a:lumOff val="25000"/>
-                  </a:schemeClr>
-                </a:solidFill>
-              </a:rPr>
-              <a:t>에 약 </a:t>
-            </a:r>
-            <a:r>
-              <a:rPr lang="en-US" altLang="ko-KR" sz="1200" dirty="0">
-                <a:solidFill>
-                  <a:schemeClr val="tx1">
-                    <a:lumMod val="75000"/>
-                    <a:lumOff val="25000"/>
-                  </a:schemeClr>
-                </a:solidFill>
-              </a:rPr>
-              <a:t>5</a:t>
-            </a:r>
-            <a:r>
-              <a:rPr lang="ko-KR" altLang="en-US" sz="1200" dirty="0">
-                <a:solidFill>
-                  <a:schemeClr val="tx1">
-                    <a:lumMod val="75000"/>
-                    <a:lumOff val="25000"/>
-                  </a:schemeClr>
-                </a:solidFill>
-              </a:rPr>
-              <a:t>초 소모되었으나</a:t>
-            </a:r>
-            <a:r>
-              <a:rPr lang="en-US" altLang="ko-KR" sz="1200" dirty="0">
-                <a:solidFill>
-                  <a:schemeClr val="tx1">
-                    <a:lumMod val="75000"/>
-                    <a:lumOff val="25000"/>
-                  </a:schemeClr>
-                </a:solidFill>
-              </a:rPr>
-              <a:t>, </a:t>
-            </a:r>
-            <a:r>
-              <a:rPr lang="en-US" altLang="ko-KR" sz="1200" dirty="0" err="1">
-                <a:solidFill>
-                  <a:schemeClr val="tx1">
-                    <a:lumMod val="75000"/>
-                    <a:lumOff val="25000"/>
-                  </a:schemeClr>
-                </a:solidFill>
-              </a:rPr>
-              <a:t>streamlit</a:t>
-            </a:r>
-            <a:r>
-              <a:rPr lang="ko-KR" altLang="en-US" sz="1200" dirty="0">
-                <a:solidFill>
-                  <a:schemeClr val="tx1">
-                    <a:lumMod val="75000"/>
-                    <a:lumOff val="25000"/>
-                  </a:schemeClr>
-                </a:solidFill>
-              </a:rPr>
-              <a:t>에서는 매우 오래 소모되어</a:t>
-            </a:r>
-            <a:r>
-              <a:rPr lang="en-US" altLang="ko-KR" sz="1200" dirty="0">
-                <a:solidFill>
-                  <a:schemeClr val="tx1">
-                    <a:lumMod val="75000"/>
-                    <a:lumOff val="25000"/>
-                  </a:schemeClr>
-                </a:solidFill>
-              </a:rPr>
-              <a:t>, </a:t>
-            </a:r>
-            <a:r>
-              <a:rPr lang="ko-KR" altLang="en-US" sz="1200" dirty="0">
-                <a:solidFill>
-                  <a:schemeClr val="tx1">
-                    <a:lumMod val="75000"/>
-                    <a:lumOff val="25000"/>
-                  </a:schemeClr>
-                </a:solidFill>
-              </a:rPr>
-              <a:t>진행 사항 표현하고자 함</a:t>
-            </a:r>
-            <a:r>
-              <a:rPr lang="en-US" altLang="ko-KR" sz="1200" dirty="0">
-                <a:solidFill>
-                  <a:schemeClr val="tx1">
-                    <a:lumMod val="75000"/>
-                    <a:lumOff val="25000"/>
-                  </a:schemeClr>
-                </a:solidFill>
-              </a:rPr>
-              <a:t>. (progress bar) </a:t>
-            </a:r>
-            <a:endParaRPr lang="ko-KR" altLang="en-US" sz="1200" dirty="0">
-              <a:solidFill>
-                <a:schemeClr val="tx1">
-                  <a:lumMod val="75000"/>
-                  <a:lumOff val="25000"/>
-                </a:schemeClr>
-              </a:solidFill>
-              <a:latin typeface="+mn-lt"/>
-            </a:endParaRPr>
-          </a:p>
-        </p:txBody>
-      </p:sp>
-      <p:sp>
-        <p:nvSpPr>
-          <p:cNvPr id="7" name="TextBox 6">
-            <a:extLst>
-              <a:ext uri="{FF2B5EF4-FFF2-40B4-BE49-F238E27FC236}">
-                <a16:creationId xmlns:a16="http://schemas.microsoft.com/office/drawing/2014/main" id="{470C52FF-8253-4B8E-BED9-46C2E602B179}"/>
-              </a:ext>
-            </a:extLst>
-          </p:cNvPr>
-          <p:cNvSpPr txBox="1"/>
-          <p:nvPr/>
-        </p:nvSpPr>
-        <p:spPr>
-          <a:xfrm>
-            <a:off x="7324164" y="2275973"/>
-            <a:ext cx="3532094" cy="328186"/>
-          </a:xfrm>
-          <a:prstGeom prst="rect">
-            <a:avLst/>
-          </a:prstGeom>
-          <a:noFill/>
-        </p:spPr>
-        <p:txBody>
-          <a:bodyPr wrap="square" lIns="0" tIns="0" rIns="0" bIns="0" rtlCol="0">
-            <a:noAutofit/>
-          </a:bodyPr>
-          <a:lstStyle/>
-          <a:p>
-            <a:pPr algn="l"/>
-            <a:r>
-              <a:rPr lang="en-US" altLang="ko-KR" sz="1200" dirty="0" err="1">
-                <a:solidFill>
-                  <a:schemeClr val="tx1">
-                    <a:lumMod val="75000"/>
-                    <a:lumOff val="25000"/>
-                  </a:schemeClr>
-                </a:solidFill>
-                <a:latin typeface="+mn-lt"/>
-              </a:rPr>
-              <a:t>Streamlit</a:t>
-            </a:r>
-            <a:r>
-              <a:rPr lang="ko-KR" altLang="en-US" sz="1200" dirty="0">
-                <a:solidFill>
-                  <a:schemeClr val="tx1">
-                    <a:lumMod val="75000"/>
-                    <a:lumOff val="25000"/>
-                  </a:schemeClr>
-                </a:solidFill>
-                <a:latin typeface="+mn-lt"/>
-              </a:rPr>
-              <a:t>이 </a:t>
-            </a:r>
-            <a:r>
-              <a:rPr lang="en-US" altLang="ko-KR" sz="1200" dirty="0">
-                <a:solidFill>
-                  <a:schemeClr val="tx1">
-                    <a:lumMod val="75000"/>
-                    <a:lumOff val="25000"/>
-                  </a:schemeClr>
-                </a:solidFill>
-                <a:latin typeface="+mn-lt"/>
-              </a:rPr>
-              <a:t>single thread </a:t>
-            </a:r>
-            <a:r>
-              <a:rPr lang="ko-KR" altLang="en-US" sz="1200" dirty="0">
-                <a:solidFill>
-                  <a:schemeClr val="tx1">
-                    <a:lumMod val="75000"/>
-                    <a:lumOff val="25000"/>
-                  </a:schemeClr>
-                </a:solidFill>
-              </a:rPr>
-              <a:t>동작하면서</a:t>
-            </a:r>
-            <a:r>
-              <a:rPr lang="en-US" altLang="ko-KR" sz="1200" dirty="0">
-                <a:solidFill>
-                  <a:schemeClr val="tx1">
-                    <a:lumMod val="75000"/>
-                    <a:lumOff val="25000"/>
-                  </a:schemeClr>
-                </a:solidFill>
-              </a:rPr>
-              <a:t>, </a:t>
-            </a:r>
-            <a:r>
-              <a:rPr lang="ko-KR" altLang="en-US" sz="1200" dirty="0">
-                <a:solidFill>
-                  <a:schemeClr val="tx1">
-                    <a:lumMod val="75000"/>
-                    <a:lumOff val="25000"/>
-                  </a:schemeClr>
-                </a:solidFill>
-              </a:rPr>
-              <a:t>뒤의 수행을 </a:t>
-            </a:r>
-            <a:r>
-              <a:rPr lang="en-US" altLang="ko-KR" sz="1200" dirty="0">
-                <a:solidFill>
-                  <a:schemeClr val="tx1">
-                    <a:lumMod val="75000"/>
-                    <a:lumOff val="25000"/>
-                  </a:schemeClr>
-                </a:solidFill>
-              </a:rPr>
-              <a:t>block</a:t>
-            </a:r>
-            <a:r>
-              <a:rPr lang="ko-KR" altLang="en-US" sz="1200" dirty="0">
-                <a:solidFill>
-                  <a:schemeClr val="tx1">
-                    <a:lumMod val="75000"/>
-                    <a:lumOff val="25000"/>
-                  </a:schemeClr>
-                </a:solidFill>
-              </a:rPr>
-              <a:t> 시킴 </a:t>
-            </a:r>
-            <a:endParaRPr lang="en-US" altLang="ko-KR" sz="1200" dirty="0">
-              <a:solidFill>
-                <a:schemeClr val="tx1">
-                  <a:lumMod val="75000"/>
-                  <a:lumOff val="25000"/>
-                </a:schemeClr>
-              </a:solidFill>
-            </a:endParaRPr>
-          </a:p>
-          <a:p>
-            <a:pPr algn="l"/>
-            <a:r>
-              <a:rPr lang="en-US" altLang="ko-KR" sz="1200" dirty="0">
-                <a:solidFill>
-                  <a:schemeClr val="tx1">
-                    <a:lumMod val="75000"/>
-                    <a:lumOff val="25000"/>
-                  </a:schemeClr>
-                </a:solidFill>
-                <a:latin typeface="+mn-lt"/>
-              </a:rPr>
-              <a:t>-&gt; </a:t>
-            </a:r>
-          </a:p>
-          <a:p>
-            <a:pPr algn="l"/>
-            <a:r>
-              <a:rPr lang="en-US" altLang="ko-KR" sz="1200" dirty="0">
-                <a:solidFill>
-                  <a:schemeClr val="tx1">
-                    <a:lumMod val="75000"/>
-                    <a:lumOff val="25000"/>
-                  </a:schemeClr>
-                </a:solidFill>
-                <a:latin typeface="+mn-lt"/>
-              </a:rPr>
-              <a:t>Progress</a:t>
-            </a:r>
-            <a:r>
-              <a:rPr lang="ko-KR" altLang="en-US" sz="1200" dirty="0">
-                <a:solidFill>
-                  <a:schemeClr val="tx1">
-                    <a:lumMod val="75000"/>
-                    <a:lumOff val="25000"/>
-                  </a:schemeClr>
-                </a:solidFill>
-                <a:latin typeface="+mn-lt"/>
-              </a:rPr>
-              <a:t> </a:t>
-            </a:r>
-            <a:r>
-              <a:rPr lang="en-US" altLang="ko-KR" sz="1200" dirty="0">
-                <a:solidFill>
-                  <a:schemeClr val="tx1">
-                    <a:lumMod val="75000"/>
-                    <a:lumOff val="25000"/>
-                  </a:schemeClr>
-                </a:solidFill>
-                <a:latin typeface="+mn-lt"/>
-              </a:rPr>
-              <a:t>bar</a:t>
-            </a:r>
-            <a:r>
-              <a:rPr lang="ko-KR" altLang="en-US" sz="1200" dirty="0">
-                <a:solidFill>
-                  <a:schemeClr val="tx1">
-                    <a:lumMod val="75000"/>
-                    <a:lumOff val="25000"/>
-                  </a:schemeClr>
-                </a:solidFill>
-                <a:latin typeface="+mn-lt"/>
-              </a:rPr>
-              <a:t>도 </a:t>
-            </a:r>
-            <a:r>
-              <a:rPr lang="en-US" altLang="ko-KR" sz="1200" dirty="0" err="1">
-                <a:solidFill>
-                  <a:schemeClr val="tx1">
-                    <a:lumMod val="75000"/>
-                    <a:lumOff val="25000"/>
-                  </a:schemeClr>
-                </a:solidFill>
-                <a:latin typeface="+mn-lt"/>
-              </a:rPr>
-              <a:t>loader.load</a:t>
-            </a:r>
-            <a:r>
-              <a:rPr lang="en-US" altLang="ko-KR" sz="1200" dirty="0">
-                <a:solidFill>
-                  <a:schemeClr val="tx1">
-                    <a:lumMod val="75000"/>
-                    <a:lumOff val="25000"/>
-                  </a:schemeClr>
-                </a:solidFill>
-                <a:latin typeface="+mn-lt"/>
-              </a:rPr>
-              <a:t>() </a:t>
-            </a:r>
-            <a:r>
-              <a:rPr lang="ko-KR" altLang="en-US" sz="1200" dirty="0">
-                <a:solidFill>
-                  <a:schemeClr val="tx1">
-                    <a:lumMod val="75000"/>
-                    <a:lumOff val="25000"/>
-                  </a:schemeClr>
-                </a:solidFill>
-                <a:latin typeface="+mn-lt"/>
-              </a:rPr>
-              <a:t>에 </a:t>
-            </a:r>
-            <a:r>
-              <a:rPr lang="en-US" altLang="ko-KR" sz="1200" dirty="0">
-                <a:solidFill>
-                  <a:schemeClr val="tx1">
-                    <a:lumMod val="75000"/>
-                    <a:lumOff val="25000"/>
-                  </a:schemeClr>
-                </a:solidFill>
-                <a:latin typeface="+mn-lt"/>
-              </a:rPr>
-              <a:t>block </a:t>
-            </a:r>
-            <a:r>
-              <a:rPr lang="ko-KR" altLang="en-US" sz="1200" dirty="0">
-                <a:solidFill>
-                  <a:schemeClr val="tx1">
-                    <a:lumMod val="75000"/>
-                    <a:lumOff val="25000"/>
-                  </a:schemeClr>
-                </a:solidFill>
-                <a:latin typeface="+mn-lt"/>
-              </a:rPr>
-              <a:t>되면서</a:t>
-            </a:r>
-            <a:r>
-              <a:rPr lang="en-US" altLang="ko-KR" sz="1200" dirty="0">
-                <a:solidFill>
-                  <a:schemeClr val="tx1">
-                    <a:lumMod val="75000"/>
-                    <a:lumOff val="25000"/>
-                  </a:schemeClr>
-                </a:solidFill>
-                <a:latin typeface="+mn-lt"/>
-              </a:rPr>
-              <a:t> </a:t>
-            </a:r>
-            <a:r>
-              <a:rPr lang="ko-KR" altLang="en-US" sz="1200" dirty="0">
-                <a:solidFill>
-                  <a:schemeClr val="tx1">
-                    <a:lumMod val="75000"/>
-                    <a:lumOff val="25000"/>
-                  </a:schemeClr>
-                </a:solidFill>
-                <a:latin typeface="+mn-lt"/>
-              </a:rPr>
-              <a:t>표시가 안됨</a:t>
-            </a:r>
-            <a:endParaRPr lang="en-US" altLang="ko-KR" sz="1200" dirty="0">
-              <a:solidFill>
-                <a:schemeClr val="tx1">
-                  <a:lumMod val="75000"/>
-                  <a:lumOff val="25000"/>
-                </a:schemeClr>
-              </a:solidFill>
-              <a:latin typeface="+mn-lt"/>
-            </a:endParaRPr>
-          </a:p>
-          <a:p>
-            <a:pPr algn="l"/>
-            <a:endParaRPr lang="en-US" altLang="ko-KR" sz="1200" dirty="0">
-              <a:solidFill>
-                <a:schemeClr val="tx1">
-                  <a:lumMod val="75000"/>
-                  <a:lumOff val="25000"/>
-                </a:schemeClr>
-              </a:solidFill>
-            </a:endParaRPr>
-          </a:p>
-        </p:txBody>
-      </p:sp>
       <p:pic>
         <p:nvPicPr>
-          <p:cNvPr id="9" name="그림 8">
-            <a:extLst>
-              <a:ext uri="{FF2B5EF4-FFF2-40B4-BE49-F238E27FC236}">
-                <a16:creationId xmlns:a16="http://schemas.microsoft.com/office/drawing/2014/main" id="{5E629DBF-83A9-4053-987F-2A85812BE059}"/>
+          <p:cNvPr id="7" name="그림 6">
+            <a:extLst>
+              <a:ext uri="{FF2B5EF4-FFF2-40B4-BE49-F238E27FC236}">
+                <a16:creationId xmlns:a16="http://schemas.microsoft.com/office/drawing/2014/main" id="{E456E680-91E7-4B5E-BF8F-30234A8B6A52}"/>
               </a:ext>
             </a:extLst>
           </p:cNvPr>
@@ -19983,18 +22412,200 @@
         </p:blipFill>
         <p:spPr>
           <a:xfrm>
-            <a:off x="275104" y="2085134"/>
-            <a:ext cx="6496050" cy="3781425"/>
+            <a:off x="236163" y="864000"/>
+            <a:ext cx="9496425" cy="3524250"/>
           </a:xfrm>
           <a:prstGeom prst="rect">
             <a:avLst/>
           </a:prstGeom>
         </p:spPr>
       </p:pic>
+      <p:sp>
+        <p:nvSpPr>
+          <p:cNvPr id="8" name="TextBox 7">
+            <a:extLst>
+              <a:ext uri="{FF2B5EF4-FFF2-40B4-BE49-F238E27FC236}">
+                <a16:creationId xmlns:a16="http://schemas.microsoft.com/office/drawing/2014/main" id="{34754495-4A0A-4E89-8051-CDA084ADA917}"/>
+              </a:ext>
+            </a:extLst>
+          </p:cNvPr>
+          <p:cNvSpPr txBox="1"/>
+          <p:nvPr/>
+        </p:nvSpPr>
+        <p:spPr>
+          <a:xfrm>
+            <a:off x="300902" y="4656157"/>
+            <a:ext cx="2460229" cy="328186"/>
+          </a:xfrm>
+          <a:prstGeom prst="rect">
+            <a:avLst/>
+          </a:prstGeom>
+          <a:noFill/>
+        </p:spPr>
+        <p:txBody>
+          <a:bodyPr wrap="square" lIns="0" tIns="0" rIns="0" bIns="0" rtlCol="0">
+            <a:noAutofit/>
+          </a:bodyPr>
+          <a:lstStyle/>
+          <a:p>
+            <a:pPr algn="l"/>
+            <a:r>
+              <a:rPr lang="ko-KR" altLang="en-US" sz="1200" dirty="0">
+                <a:solidFill>
+                  <a:schemeClr val="tx1">
+                    <a:lumMod val="75000"/>
+                    <a:lumOff val="25000"/>
+                  </a:schemeClr>
+                </a:solidFill>
+              </a:rPr>
+              <a:t>의미 없는 답변을 반복 생성</a:t>
+            </a:r>
+            <a:endParaRPr lang="en-US" altLang="ko-KR" dirty="0"/>
+          </a:p>
+          <a:p>
+            <a:pPr algn="l"/>
+            <a:endParaRPr lang="ko-KR" altLang="en-US" sz="1200" dirty="0">
+              <a:solidFill>
+                <a:schemeClr val="tx1">
+                  <a:lumMod val="75000"/>
+                  <a:lumOff val="25000"/>
+                </a:schemeClr>
+              </a:solidFill>
+              <a:latin typeface="+mn-lt"/>
+            </a:endParaRPr>
+          </a:p>
+        </p:txBody>
+      </p:sp>
+      <p:pic>
+        <p:nvPicPr>
+          <p:cNvPr id="10" name="그림 9">
+            <a:extLst>
+              <a:ext uri="{FF2B5EF4-FFF2-40B4-BE49-F238E27FC236}">
+                <a16:creationId xmlns:a16="http://schemas.microsoft.com/office/drawing/2014/main" id="{A13DEA67-09F3-412B-9209-D77F97E12306}"/>
+              </a:ext>
+            </a:extLst>
+          </p:cNvPr>
+          <p:cNvPicPr>
+            <a:picLocks noChangeAspect="1"/>
+          </p:cNvPicPr>
+          <p:nvPr/>
+        </p:nvPicPr>
+        <p:blipFill>
+          <a:blip r:embed="rId3"/>
+          <a:stretch>
+            <a:fillRect/>
+          </a:stretch>
+        </p:blipFill>
+        <p:spPr>
+          <a:xfrm>
+            <a:off x="2761131" y="2626125"/>
+            <a:ext cx="8839200" cy="3390900"/>
+          </a:xfrm>
+          <a:prstGeom prst="rect">
+            <a:avLst/>
+          </a:prstGeom>
+        </p:spPr>
+      </p:pic>
+      <p:sp>
+        <p:nvSpPr>
+          <p:cNvPr id="11" name="TextBox 10">
+            <a:extLst>
+              <a:ext uri="{FF2B5EF4-FFF2-40B4-BE49-F238E27FC236}">
+                <a16:creationId xmlns:a16="http://schemas.microsoft.com/office/drawing/2014/main" id="{A099E1BA-9711-48C0-B45C-BC79520855AB}"/>
+              </a:ext>
+            </a:extLst>
+          </p:cNvPr>
+          <p:cNvSpPr txBox="1"/>
+          <p:nvPr/>
+        </p:nvSpPr>
+        <p:spPr>
+          <a:xfrm>
+            <a:off x="5518360" y="6043004"/>
+            <a:ext cx="2460229" cy="328186"/>
+          </a:xfrm>
+          <a:prstGeom prst="rect">
+            <a:avLst/>
+          </a:prstGeom>
+          <a:noFill/>
+        </p:spPr>
+        <p:txBody>
+          <a:bodyPr wrap="square" lIns="0" tIns="0" rIns="0" bIns="0" rtlCol="0">
+            <a:noAutofit/>
+          </a:bodyPr>
+          <a:lstStyle/>
+          <a:p>
+            <a:pPr algn="l"/>
+            <a:r>
+              <a:rPr lang="en-US" altLang="ko-KR" sz="1200" dirty="0">
+                <a:solidFill>
+                  <a:schemeClr val="tx1">
+                    <a:lumMod val="75000"/>
+                    <a:lumOff val="25000"/>
+                  </a:schemeClr>
+                </a:solidFill>
+              </a:rPr>
+              <a:t>Model</a:t>
+            </a:r>
+            <a:r>
+              <a:rPr lang="ko-KR" altLang="en-US" sz="1200" dirty="0">
+                <a:solidFill>
+                  <a:schemeClr val="tx1">
+                    <a:lumMod val="75000"/>
+                    <a:lumOff val="25000"/>
+                  </a:schemeClr>
+                </a:solidFill>
+              </a:rPr>
+              <a:t> 변경과</a:t>
+            </a:r>
+            <a:r>
+              <a:rPr lang="en-US" altLang="ko-KR" sz="1200" dirty="0">
+                <a:solidFill>
+                  <a:schemeClr val="tx1">
+                    <a:lumMod val="75000"/>
+                    <a:lumOff val="25000"/>
+                  </a:schemeClr>
+                </a:solidFill>
+              </a:rPr>
+              <a:t>, prompt </a:t>
+            </a:r>
+            <a:r>
+              <a:rPr lang="ko-KR" altLang="en-US" sz="1200" dirty="0">
+                <a:solidFill>
+                  <a:schemeClr val="tx1">
+                    <a:lumMod val="75000"/>
+                    <a:lumOff val="25000"/>
+                  </a:schemeClr>
+                </a:solidFill>
+              </a:rPr>
+              <a:t>변경 해도 개선이 없음</a:t>
+            </a:r>
+            <a:r>
+              <a:rPr lang="en-US" altLang="ko-KR" sz="1200" dirty="0">
+                <a:solidFill>
+                  <a:schemeClr val="tx1">
+                    <a:lumMod val="75000"/>
+                    <a:lumOff val="25000"/>
+                  </a:schemeClr>
+                </a:solidFill>
+              </a:rPr>
+              <a:t>. </a:t>
+            </a:r>
+            <a:endParaRPr lang="ko-KR" altLang="en-US" sz="1200" dirty="0">
+              <a:solidFill>
+                <a:schemeClr val="tx1">
+                  <a:lumMod val="75000"/>
+                  <a:lumOff val="25000"/>
+                </a:schemeClr>
+              </a:solidFill>
+              <a:latin typeface="+mn-lt"/>
+            </a:endParaRPr>
+          </a:p>
+        </p:txBody>
+      </p:sp>
     </p:spTree>
     <p:extLst>
       <p:ext uri="{BB962C8B-B14F-4D97-AF65-F5344CB8AC3E}">
-        <p14:creationId xmlns:p14="http://schemas.microsoft.com/office/powerpoint/2010/main" val="549370765"/>
+        <p14:creationId xmlns:p14="http://schemas.microsoft.com/office/powerpoint/2010/main" val="2710040418"/>
       </p:ext>
     </p:extLst>
   </p:cSld>
@@ -20026,7 +22637,7 @@
           <p:cNvPr id="2" name="제목 1">
             <a:extLst>
               <a:ext uri="{FF2B5EF4-FFF2-40B4-BE49-F238E27FC236}">
-                <a16:creationId xmlns:a16="http://schemas.microsoft.com/office/drawing/2014/main" id="{4FBA71A8-6742-4252-BCC7-3B5A4058D41E}"/>
+                <a16:creationId xmlns:a16="http://schemas.microsoft.com/office/drawing/2014/main" id="{366A866F-395E-47DA-B715-C43305D59A3C}"/>
               </a:ext>
             </a:extLst>
           </p:cNvPr>
@@ -20051,7 +22662,7 @@
           <p:cNvPr id="3" name="슬라이드 번호 개체 틀 2">
             <a:extLst>
               <a:ext uri="{FF2B5EF4-FFF2-40B4-BE49-F238E27FC236}">
-                <a16:creationId xmlns:a16="http://schemas.microsoft.com/office/drawing/2014/main" id="{91D875C5-5A28-4EF7-87DB-56F0F6C31124}"/>
+                <a16:creationId xmlns:a16="http://schemas.microsoft.com/office/drawing/2014/main" id="{CE807BD8-40DD-4C99-AE4D-10BF2780EB69}"/>
               </a:ext>
             </a:extLst>
           </p:cNvPr>
@@ -20059,10 +22670,15 @@
             <a:spLocks noGrp="1"/>
           </p:cNvSpPr>
           <p:nvPr>
-            <p:ph type="sldNum" sz="quarter" idx="11"/>
+            <p:ph type="sldNum" sz="quarter" idx="4294967295"/>
           </p:nvPr>
         </p:nvSpPr>
-        <p:spPr/>
+        <p:spPr>
+          <a:xfrm>
+            <a:off x="10719228" y="6049533"/>
+            <a:ext cx="432000" cy="432000"/>
+          </a:xfrm>
+        </p:spPr>
         <p:txBody>
           <a:bodyPr/>
           <a:lstStyle/>
@@ -20082,7 +22698,7 @@
           <p:cNvPr id="5" name="그림 4">
             <a:extLst>
               <a:ext uri="{FF2B5EF4-FFF2-40B4-BE49-F238E27FC236}">
-                <a16:creationId xmlns:a16="http://schemas.microsoft.com/office/drawing/2014/main" id="{DD314497-B1FE-4012-A29A-09ACB92B5486}"/>
+                <a16:creationId xmlns:a16="http://schemas.microsoft.com/office/drawing/2014/main" id="{DB13B996-4612-48B2-9AAC-81DF4B9E8E17}"/>
               </a:ext>
             </a:extLst>
           </p:cNvPr>
@@ -20099,8 +22715,8 @@
         </p:blipFill>
         <p:spPr>
           <a:xfrm>
-            <a:off x="4175872" y="1180065"/>
-            <a:ext cx="7067550" cy="5191125"/>
+            <a:off x="645178" y="1932734"/>
+            <a:ext cx="3209925" cy="733425"/>
           </a:xfrm>
           <a:prstGeom prst="rect">
             <a:avLst/>
@@ -20109,10 +22725,10 @@
       </p:pic>
       <p:sp>
         <p:nvSpPr>
-          <p:cNvPr id="7" name="TextBox 6">
-            <a:extLst>
-              <a:ext uri="{FF2B5EF4-FFF2-40B4-BE49-F238E27FC236}">
-                <a16:creationId xmlns:a16="http://schemas.microsoft.com/office/drawing/2014/main" id="{4697C909-476B-4866-8A42-B31EA6995D0B}"/>
+          <p:cNvPr id="6" name="TextBox 5">
+            <a:extLst>
+              <a:ext uri="{FF2B5EF4-FFF2-40B4-BE49-F238E27FC236}">
+                <a16:creationId xmlns:a16="http://schemas.microsoft.com/office/drawing/2014/main" id="{758475B8-44AF-4897-A743-ACE0B0176D25}"/>
               </a:ext>
             </a:extLst>
           </p:cNvPr>
@@ -20121,8 +22737,8 @@
         </p:nvSpPr>
         <p:spPr>
           <a:xfrm>
-            <a:off x="312083" y="1738263"/>
-            <a:ext cx="4528857" cy="1200329"/>
+            <a:off x="758102" y="2896392"/>
+            <a:ext cx="2460229" cy="328186"/>
           </a:xfrm>
           <a:prstGeom prst="rect">
             <a:avLst/>
@@ -20130,14 +22746,14 @@
           <a:noFill/>
         </p:spPr>
         <p:txBody>
-          <a:bodyPr wrap="square">
-            <a:spAutoFit/>
+          <a:bodyPr wrap="square" lIns="0" tIns="0" rIns="0" bIns="0" rtlCol="0">
+            <a:noAutofit/>
           </a:bodyPr>
           <a:lstStyle/>
           <a:p>
             <a:pPr algn="l"/>
             <a:r>
-              <a:rPr lang="en-US" altLang="ko-KR" sz="1800" dirty="0">
+              <a:rPr lang="en-US" altLang="ko-KR" sz="1200" dirty="0" err="1">
                 <a:solidFill>
                   <a:schemeClr val="tx1">
                     <a:lumMod val="75000"/>
@@ -20146,10 +22762,10 @@
                 </a:solidFill>
                 <a:latin typeface="+mn-lt"/>
               </a:rPr>
-              <a:t>-&gt; docx2txt </a:t>
-            </a:r>
-            <a:r>
-              <a:rPr lang="ko-KR" altLang="en-US" sz="1800" dirty="0">
+              <a:t>Repetiion</a:t>
+            </a:r>
+            <a:r>
+              <a:rPr lang="ko-KR" altLang="en-US" sz="1200" dirty="0">
                 <a:solidFill>
                   <a:schemeClr val="tx1">
                     <a:lumMod val="75000"/>
@@ -20158,9 +22774,53 @@
                 </a:solidFill>
                 <a:latin typeface="+mn-lt"/>
               </a:rPr>
-              <a:t>라이브러리로 변경</a:t>
-            </a:r>
-            <a:endParaRPr lang="en-US" altLang="ko-KR" sz="1800" dirty="0">
+              <a:t> </a:t>
+            </a:r>
+            <a:r>
+              <a:rPr lang="en-US" altLang="ko-KR" sz="1200" dirty="0">
+                <a:solidFill>
+                  <a:schemeClr val="tx1">
+                    <a:lumMod val="75000"/>
+                    <a:lumOff val="25000"/>
+                  </a:schemeClr>
+                </a:solidFill>
+              </a:rPr>
+              <a:t>_</a:t>
+            </a:r>
+            <a:r>
+              <a:rPr lang="en-US" altLang="ko-KR" sz="1200" dirty="0" err="1">
+                <a:solidFill>
+                  <a:schemeClr val="tx1">
+                    <a:lumMod val="75000"/>
+                    <a:lumOff val="25000"/>
+                  </a:schemeClr>
+                </a:solidFill>
+              </a:rPr>
+              <a:t>penaly</a:t>
+            </a:r>
+            <a:r>
+              <a:rPr lang="en-US" altLang="ko-KR" sz="1200" dirty="0">
+                <a:solidFill>
+                  <a:schemeClr val="tx1">
+                    <a:lumMod val="75000"/>
+                    <a:lumOff val="25000"/>
+                  </a:schemeClr>
+                </a:solidFill>
+              </a:rPr>
+              <a:t> </a:t>
+            </a:r>
+            <a:r>
+              <a:rPr lang="ko-KR" altLang="en-US" sz="1200" dirty="0">
+                <a:solidFill>
+                  <a:schemeClr val="tx1">
+                    <a:lumMod val="75000"/>
+                    <a:lumOff val="25000"/>
+                  </a:schemeClr>
+                </a:solidFill>
+              </a:rPr>
+              <a:t>부여로 개선 확인</a:t>
+            </a:r>
+            <a:endParaRPr lang="ko-KR" altLang="en-US" sz="1200" dirty="0">
               <a:solidFill>
                 <a:schemeClr val="tx1">
                   <a:lumMod val="75000"/>
@@ -20170,202 +22830,14 @@
               <a:latin typeface="+mn-lt"/>
             </a:endParaRPr>
           </a:p>
-          <a:p>
-            <a:pPr algn="l"/>
-            <a:r>
-              <a:rPr lang="en-US" altLang="ko-KR" dirty="0">
-                <a:solidFill>
-                  <a:schemeClr val="tx1">
-                    <a:lumMod val="75000"/>
-                    <a:lumOff val="25000"/>
-                  </a:schemeClr>
-                </a:solidFill>
-              </a:rPr>
-              <a:t>-&gt; DB</a:t>
-            </a:r>
-            <a:r>
-              <a:rPr lang="ko-KR" altLang="en-US" dirty="0">
-                <a:solidFill>
-                  <a:schemeClr val="tx1">
-                    <a:lumMod val="75000"/>
-                    <a:lumOff val="25000"/>
-                  </a:schemeClr>
-                </a:solidFill>
-              </a:rPr>
-              <a:t> 저장도 </a:t>
-            </a:r>
-            <a:r>
-              <a:rPr lang="en-US" altLang="ko-KR" dirty="0">
-                <a:solidFill>
-                  <a:schemeClr val="tx1">
-                    <a:lumMod val="75000"/>
-                    <a:lumOff val="25000"/>
-                  </a:schemeClr>
-                </a:solidFill>
-              </a:rPr>
-              <a:t>progress bar </a:t>
-            </a:r>
-            <a:r>
-              <a:rPr lang="ko-KR" altLang="en-US" dirty="0">
-                <a:solidFill>
-                  <a:schemeClr val="tx1">
-                    <a:lumMod val="75000"/>
-                    <a:lumOff val="25000"/>
-                  </a:schemeClr>
-                </a:solidFill>
-              </a:rPr>
-              <a:t>추가하여</a:t>
-            </a:r>
-            <a:r>
-              <a:rPr lang="en-US" altLang="ko-KR" dirty="0">
-                <a:solidFill>
-                  <a:schemeClr val="tx1">
-                    <a:lumMod val="75000"/>
-                    <a:lumOff val="25000"/>
-                  </a:schemeClr>
-                </a:solidFill>
-              </a:rPr>
-              <a:t>, </a:t>
-            </a:r>
-            <a:r>
-              <a:rPr lang="ko-KR" altLang="en-US" dirty="0">
-                <a:solidFill>
-                  <a:schemeClr val="tx1">
-                    <a:lumMod val="75000"/>
-                    <a:lumOff val="25000"/>
-                  </a:schemeClr>
-                </a:solidFill>
-              </a:rPr>
-              <a:t>진행 사항 표시 </a:t>
-            </a:r>
-            <a:r>
-              <a:rPr lang="en-US" altLang="ko-KR" dirty="0">
-                <a:solidFill>
-                  <a:schemeClr val="tx1">
-                    <a:lumMod val="75000"/>
-                    <a:lumOff val="25000"/>
-                  </a:schemeClr>
-                </a:solidFill>
-              </a:rPr>
-              <a:t>(docs </a:t>
-            </a:r>
-            <a:r>
-              <a:rPr lang="ko-KR" altLang="en-US" dirty="0">
-                <a:solidFill>
-                  <a:schemeClr val="tx1">
-                    <a:lumMod val="75000"/>
-                    <a:lumOff val="25000"/>
-                  </a:schemeClr>
-                </a:solidFill>
-              </a:rPr>
-              <a:t>한번에 </a:t>
-            </a:r>
-            <a:r>
-              <a:rPr lang="ko-KR" altLang="en-US" dirty="0" err="1">
-                <a:solidFill>
-                  <a:schemeClr val="tx1">
-                    <a:lumMod val="75000"/>
-                    <a:lumOff val="25000"/>
-                  </a:schemeClr>
-                </a:solidFill>
-              </a:rPr>
-              <a:t>저장되는것을</a:t>
-            </a:r>
-            <a:r>
-              <a:rPr lang="en-US" altLang="ko-KR" dirty="0">
-                <a:solidFill>
-                  <a:schemeClr val="tx1">
-                    <a:lumMod val="75000"/>
-                    <a:lumOff val="25000"/>
-                  </a:schemeClr>
-                </a:solidFill>
-              </a:rPr>
-              <a:t>, </a:t>
-            </a:r>
-            <a:r>
-              <a:rPr lang="ko-KR" altLang="en-US" dirty="0">
-                <a:solidFill>
-                  <a:schemeClr val="tx1">
-                    <a:lumMod val="75000"/>
-                    <a:lumOff val="25000"/>
-                  </a:schemeClr>
-                </a:solidFill>
-              </a:rPr>
-              <a:t>개별 </a:t>
-            </a:r>
-            <a:r>
-              <a:rPr lang="en-US" altLang="ko-KR" dirty="0">
-                <a:solidFill>
-                  <a:schemeClr val="tx1">
-                    <a:lumMod val="75000"/>
-                    <a:lumOff val="25000"/>
-                  </a:schemeClr>
-                </a:solidFill>
-              </a:rPr>
-              <a:t>doc </a:t>
-            </a:r>
-            <a:r>
-              <a:rPr lang="ko-KR" altLang="en-US" dirty="0">
-                <a:solidFill>
-                  <a:schemeClr val="tx1">
-                    <a:lumMod val="75000"/>
-                    <a:lumOff val="25000"/>
-                  </a:schemeClr>
-                </a:solidFill>
-              </a:rPr>
-              <a:t>단위로 </a:t>
-            </a:r>
-            <a:r>
-              <a:rPr lang="en-US" altLang="ko-KR" dirty="0">
-                <a:solidFill>
-                  <a:schemeClr val="tx1">
-                    <a:lumMod val="75000"/>
-                    <a:lumOff val="25000"/>
-                  </a:schemeClr>
-                </a:solidFill>
-              </a:rPr>
-              <a:t>progress </a:t>
-            </a:r>
-            <a:r>
-              <a:rPr lang="ko-KR" altLang="en-US" dirty="0">
-                <a:solidFill>
-                  <a:schemeClr val="tx1">
-                    <a:lumMod val="75000"/>
-                    <a:lumOff val="25000"/>
-                  </a:schemeClr>
-                </a:solidFill>
-              </a:rPr>
-              <a:t>표시</a:t>
-            </a:r>
-            <a:r>
-              <a:rPr lang="en-US" altLang="ko-KR" dirty="0">
-                <a:solidFill>
-                  <a:schemeClr val="tx1">
-                    <a:lumMod val="75000"/>
-                    <a:lumOff val="25000"/>
-                  </a:schemeClr>
-                </a:solidFill>
-              </a:rPr>
-              <a:t>) </a:t>
-            </a:r>
-            <a:endParaRPr lang="ko-KR" altLang="en-US" sz="1800" dirty="0">
-              <a:solidFill>
-                <a:schemeClr val="tx1">
-                  <a:lumMod val="75000"/>
-                  <a:lumOff val="25000"/>
-                </a:schemeClr>
-              </a:solidFill>
-              <a:latin typeface="+mn-lt"/>
-            </a:endParaRPr>
-          </a:p>
         </p:txBody>
       </p:sp>
       <p:pic>
         <p:nvPicPr>
-          <p:cNvPr id="9" name="그림 8">
-            <a:extLst>
-              <a:ext uri="{FF2B5EF4-FFF2-40B4-BE49-F238E27FC236}">
-                <a16:creationId xmlns:a16="http://schemas.microsoft.com/office/drawing/2014/main" id="{374AEE62-EA47-4FA6-9237-5D2BE21D8CFC}"/>
+          <p:cNvPr id="8" name="그림 7">
+            <a:extLst>
+              <a:ext uri="{FF2B5EF4-FFF2-40B4-BE49-F238E27FC236}">
+                <a16:creationId xmlns:a16="http://schemas.microsoft.com/office/drawing/2014/main" id="{98D80F32-E192-42C3-BAA3-5DFA28E914C5}"/>
               </a:ext>
             </a:extLst>
           </p:cNvPr>
@@ -20382,48 +22854,215 @@
         </p:blipFill>
         <p:spPr>
           <a:xfrm>
-            <a:off x="312084" y="3137452"/>
-            <a:ext cx="4352925" cy="1276350"/>
+            <a:off x="2461932" y="3224578"/>
+            <a:ext cx="9563100" cy="2876550"/>
           </a:xfrm>
           <a:prstGeom prst="rect">
             <a:avLst/>
           </a:prstGeom>
         </p:spPr>
       </p:pic>
-      <p:pic>
-        <p:nvPicPr>
-          <p:cNvPr id="11" name="그림 10">
-            <a:extLst>
-              <a:ext uri="{FF2B5EF4-FFF2-40B4-BE49-F238E27FC236}">
-                <a16:creationId xmlns:a16="http://schemas.microsoft.com/office/drawing/2014/main" id="{1B368E58-3688-441D-8F80-74CE79B775D2}"/>
-              </a:ext>
-            </a:extLst>
-          </p:cNvPr>
-          <p:cNvPicPr>
-            <a:picLocks noChangeAspect="1"/>
-          </p:cNvPicPr>
+      <p:sp>
+        <p:nvSpPr>
+          <p:cNvPr id="9" name="TextBox 8">
+            <a:extLst>
+              <a:ext uri="{FF2B5EF4-FFF2-40B4-BE49-F238E27FC236}">
+                <a16:creationId xmlns:a16="http://schemas.microsoft.com/office/drawing/2014/main" id="{F68503FB-D29D-4AB8-B361-8A6ED94CF53B}"/>
+              </a:ext>
+            </a:extLst>
+          </p:cNvPr>
+          <p:cNvSpPr txBox="1"/>
           <p:nvPr/>
-        </p:nvPicPr>
-        <p:blipFill>
-          <a:blip r:embed="rId4"/>
-          <a:stretch>
-            <a:fillRect/>
-          </a:stretch>
-        </p:blipFill>
+        </p:nvSpPr>
         <p:spPr>
           <a:xfrm>
-            <a:off x="312084" y="4700307"/>
-            <a:ext cx="8858250" cy="2162175"/>
+            <a:off x="4675678" y="6299345"/>
+            <a:ext cx="4387640" cy="328186"/>
           </a:xfrm>
           <a:prstGeom prst="rect">
             <a:avLst/>
           </a:prstGeom>
-        </p:spPr>
-      </p:pic>
+          <a:noFill/>
+        </p:spPr>
+        <p:txBody>
+          <a:bodyPr wrap="square" lIns="0" tIns="0" rIns="0" bIns="0" rtlCol="0">
+            <a:noAutofit/>
+          </a:bodyPr>
+          <a:lstStyle/>
+          <a:p>
+            <a:pPr algn="l"/>
+            <a:r>
+              <a:rPr lang="ko-KR" altLang="en-US" sz="1200" dirty="0">
+                <a:solidFill>
+                  <a:schemeClr val="tx1">
+                    <a:lumMod val="75000"/>
+                    <a:lumOff val="25000"/>
+                  </a:schemeClr>
+                </a:solidFill>
+                <a:latin typeface="+mn-lt"/>
+              </a:rPr>
+              <a:t>하지만 여전히 중복된 표현이 존재</a:t>
+            </a:r>
+            <a:endParaRPr lang="en-US" altLang="ko-KR" sz="1200" dirty="0">
+              <a:solidFill>
+                <a:schemeClr val="tx1">
+                  <a:lumMod val="75000"/>
+                  <a:lumOff val="25000"/>
+                </a:schemeClr>
+              </a:solidFill>
+              <a:latin typeface="+mn-lt"/>
+            </a:endParaRPr>
+          </a:p>
+          <a:p>
+            <a:pPr algn="l"/>
+            <a:r>
+              <a:rPr lang="en-US" altLang="ko-KR" sz="1200" dirty="0">
+                <a:solidFill>
+                  <a:schemeClr val="tx1">
+                    <a:lumMod val="75000"/>
+                    <a:lumOff val="25000"/>
+                  </a:schemeClr>
+                </a:solidFill>
+              </a:rPr>
+              <a:t>-&gt; 7B model </a:t>
+            </a:r>
+            <a:r>
+              <a:rPr lang="ko-KR" altLang="en-US" sz="1200" dirty="0">
+                <a:solidFill>
+                  <a:schemeClr val="tx1">
+                    <a:lumMod val="75000"/>
+                    <a:lumOff val="25000"/>
+                  </a:schemeClr>
+                </a:solidFill>
+              </a:rPr>
+              <a:t>은 </a:t>
+            </a:r>
+            <a:r>
+              <a:rPr lang="en-US" altLang="ko-KR" sz="1200" dirty="0">
+                <a:solidFill>
+                  <a:schemeClr val="tx1">
+                    <a:lumMod val="75000"/>
+                    <a:lumOff val="25000"/>
+                  </a:schemeClr>
+                </a:solidFill>
+              </a:rPr>
+              <a:t>kernel crash </a:t>
+            </a:r>
+            <a:r>
+              <a:rPr lang="ko-KR" altLang="en-US" sz="1200" dirty="0">
+                <a:solidFill>
+                  <a:schemeClr val="tx1">
+                    <a:lumMod val="75000"/>
+                    <a:lumOff val="25000"/>
+                  </a:schemeClr>
+                </a:solidFill>
+              </a:rPr>
+              <a:t>유발 </a:t>
+            </a:r>
+            <a:r>
+              <a:rPr lang="en-US" altLang="ko-KR" sz="1200" dirty="0">
+                <a:solidFill>
+                  <a:schemeClr val="tx1">
+                    <a:lumMod val="75000"/>
+                    <a:lumOff val="25000"/>
+                  </a:schemeClr>
+                </a:solidFill>
+              </a:rPr>
+              <a:t>-&gt; 4bit </a:t>
+            </a:r>
+            <a:r>
+              <a:rPr lang="en-US" altLang="ko-KR" sz="1200" dirty="0" err="1">
+                <a:solidFill>
+                  <a:schemeClr val="tx1">
+                    <a:lumMod val="75000"/>
+                    <a:lumOff val="25000"/>
+                  </a:schemeClr>
+                </a:solidFill>
+              </a:rPr>
+              <a:t>quatization</a:t>
+            </a:r>
+            <a:r>
+              <a:rPr lang="en-US" altLang="ko-KR" sz="1200" dirty="0">
+                <a:solidFill>
+                  <a:schemeClr val="tx1">
+                    <a:lumMod val="75000"/>
+                    <a:lumOff val="25000"/>
+                  </a:schemeClr>
+                </a:solidFill>
+              </a:rPr>
+              <a:t> </a:t>
+            </a:r>
+            <a:r>
+              <a:rPr lang="ko-KR" altLang="en-US" sz="1200" dirty="0">
+                <a:solidFill>
+                  <a:schemeClr val="tx1">
+                    <a:lumMod val="75000"/>
+                    <a:lumOff val="25000"/>
+                  </a:schemeClr>
+                </a:solidFill>
+              </a:rPr>
+              <a:t>방법 사용  </a:t>
+            </a:r>
+            <a:r>
+              <a:rPr lang="en-US" altLang="ko-KR" sz="1200" dirty="0">
+                <a:solidFill>
+                  <a:schemeClr val="tx1">
+                    <a:lumMod val="75000"/>
+                    <a:lumOff val="25000"/>
+                  </a:schemeClr>
+                </a:solidFill>
+              </a:rPr>
+              <a:t>-&gt; </a:t>
+            </a:r>
+            <a:r>
+              <a:rPr lang="ko-KR" altLang="en-US" sz="1200" dirty="0">
+                <a:solidFill>
+                  <a:schemeClr val="tx1">
+                    <a:lumMod val="75000"/>
+                    <a:lumOff val="25000"/>
+                  </a:schemeClr>
+                </a:solidFill>
+              </a:rPr>
+              <a:t>적합한 모델 검색</a:t>
+            </a:r>
+            <a:r>
+              <a:rPr lang="en-US" altLang="ko-KR" sz="1200" dirty="0">
+                <a:solidFill>
+                  <a:schemeClr val="tx1">
+                    <a:lumMod val="75000"/>
+                    <a:lumOff val="25000"/>
+                  </a:schemeClr>
+                </a:solidFill>
+              </a:rPr>
+              <a:t>/download</a:t>
+            </a:r>
+            <a:r>
+              <a:rPr lang="ko-KR" altLang="en-US" sz="1200" dirty="0">
+                <a:solidFill>
+                  <a:schemeClr val="tx1">
+                    <a:lumMod val="75000"/>
+                    <a:lumOff val="25000"/>
+                  </a:schemeClr>
+                </a:solidFill>
+              </a:rPr>
+              <a:t>에 많은 시간 소모</a:t>
+            </a:r>
+            <a:endParaRPr lang="ko-KR" altLang="en-US" sz="1200" dirty="0">
+              <a:solidFill>
+                <a:schemeClr val="tx1">
+                  <a:lumMod val="75000"/>
+                  <a:lumOff val="25000"/>
+                </a:schemeClr>
+              </a:solidFill>
+              <a:latin typeface="+mn-lt"/>
+            </a:endParaRPr>
+          </a:p>
+        </p:txBody>
+      </p:sp>
     </p:spTree>
     <p:extLst>
       <p:ext uri="{BB962C8B-B14F-4D97-AF65-F5344CB8AC3E}">
-        <p14:creationId xmlns:p14="http://schemas.microsoft.com/office/powerpoint/2010/main" val="1201833587"/>
+        <p14:creationId xmlns:p14="http://schemas.microsoft.com/office/powerpoint/2010/main" val="3982167595"/>
       </p:ext>
     </p:extLst>
   </p:cSld>
@@ -20455,7 +23094,7 @@
           <p:cNvPr id="2" name="제목 1">
             <a:extLst>
               <a:ext uri="{FF2B5EF4-FFF2-40B4-BE49-F238E27FC236}">
-                <a16:creationId xmlns:a16="http://schemas.microsoft.com/office/drawing/2014/main" id="{7E801633-AA69-4A0B-A26F-7E26E1486477}"/>
+                <a16:creationId xmlns:a16="http://schemas.microsoft.com/office/drawing/2014/main" id="{18D81F6F-B418-4FE3-AD24-8255F8ED8339}"/>
               </a:ext>
             </a:extLst>
           </p:cNvPr>
@@ -20480,7 +23119,7 @@
           <p:cNvPr id="3" name="슬라이드 번호 개체 틀 2">
             <a:extLst>
               <a:ext uri="{FF2B5EF4-FFF2-40B4-BE49-F238E27FC236}">
-                <a16:creationId xmlns:a16="http://schemas.microsoft.com/office/drawing/2014/main" id="{BB872E07-8B45-4C70-BCF3-BDDAE60E815C}"/>
+                <a16:creationId xmlns:a16="http://schemas.microsoft.com/office/drawing/2014/main" id="{FBE3FE46-08CE-4258-B7FA-0127A097F18B}"/>
               </a:ext>
             </a:extLst>
           </p:cNvPr>
@@ -20488,10 +23127,15 @@
             <a:spLocks noGrp="1"/>
           </p:cNvSpPr>
           <p:nvPr>
-            <p:ph type="sldNum" sz="quarter" idx="11"/>
+            <p:ph type="sldNum" sz="quarter" idx="4294967295"/>
           </p:nvPr>
         </p:nvSpPr>
-        <p:spPr/>
+        <p:spPr>
+          <a:xfrm>
+            <a:off x="10719228" y="6049533"/>
+            <a:ext cx="432000" cy="432000"/>
+          </a:xfrm>
+        </p:spPr>
         <p:txBody>
           <a:bodyPr/>
           <a:lstStyle/>
@@ -20511,7 +23155,7 @@
           <p:cNvPr id="5" name="그림 4">
             <a:extLst>
               <a:ext uri="{FF2B5EF4-FFF2-40B4-BE49-F238E27FC236}">
-                <a16:creationId xmlns:a16="http://schemas.microsoft.com/office/drawing/2014/main" id="{D43D2CAF-1461-4C54-BE44-F6DCF95C6726}"/>
+                <a16:creationId xmlns:a16="http://schemas.microsoft.com/office/drawing/2014/main" id="{0E03F736-14C5-485A-BF5C-A8B1D2D9E133}"/>
               </a:ext>
             </a:extLst>
           </p:cNvPr>
@@ -20528,8 +23172,8 @@
         </p:blipFill>
         <p:spPr>
           <a:xfrm>
-            <a:off x="0" y="3144223"/>
-            <a:ext cx="12192000" cy="569553"/>
+            <a:off x="3495675" y="3086100"/>
+            <a:ext cx="5200650" cy="685800"/>
           </a:xfrm>
           <a:prstGeom prst="rect">
             <a:avLst/>
@@ -20541,7 +23185,7 @@
           <p:cNvPr id="6" name="TextBox 5">
             <a:extLst>
               <a:ext uri="{FF2B5EF4-FFF2-40B4-BE49-F238E27FC236}">
-                <a16:creationId xmlns:a16="http://schemas.microsoft.com/office/drawing/2014/main" id="{6447C6E7-29F5-4409-9332-51AF3E6902A3}"/>
+                <a16:creationId xmlns:a16="http://schemas.microsoft.com/office/drawing/2014/main" id="{CF32BBDC-6214-4EBF-AE93-96E9241F8ECE}"/>
               </a:ext>
             </a:extLst>
           </p:cNvPr>
@@ -20550,8 +23194,8 @@
         </p:nvSpPr>
         <p:spPr>
           <a:xfrm>
-            <a:off x="312083" y="1738263"/>
-            <a:ext cx="4528857" cy="923330"/>
+            <a:off x="776032" y="2510910"/>
+            <a:ext cx="5875780" cy="328186"/>
           </a:xfrm>
           <a:prstGeom prst="rect">
             <a:avLst/>
@@ -20559,160 +23203,169 @@
           <a:noFill/>
         </p:spPr>
         <p:txBody>
-          <a:bodyPr wrap="square">
-            <a:spAutoFit/>
+          <a:bodyPr wrap="square" lIns="0" tIns="0" rIns="0" bIns="0" rtlCol="0">
+            <a:noAutofit/>
           </a:bodyPr>
           <a:lstStyle/>
           <a:p>
             <a:pPr algn="l"/>
             <a:r>
-              <a:rPr lang="en-US" altLang="ko-KR" dirty="0">
-                <a:solidFill>
-                  <a:schemeClr val="tx1">
-                    <a:lumMod val="75000"/>
-                    <a:lumOff val="25000"/>
-                  </a:schemeClr>
-                </a:solidFill>
+              <a:rPr lang="en-US" altLang="ko-KR" sz="1200" dirty="0">
+                <a:solidFill>
+                  <a:schemeClr val="tx1">
+                    <a:lumMod val="75000"/>
+                    <a:lumOff val="25000"/>
+                  </a:schemeClr>
+                </a:solidFill>
+                <a:latin typeface="+mn-lt"/>
               </a:rPr>
-              <a:t>RAG</a:t>
-            </a:r>
-            <a:r>
-              <a:rPr lang="ko-KR" altLang="en-US" dirty="0">
-                <a:solidFill>
-                  <a:schemeClr val="tx1">
-                    <a:lumMod val="75000"/>
-                    <a:lumOff val="25000"/>
-                  </a:schemeClr>
-                </a:solidFill>
+              <a:t>Model</a:t>
+            </a:r>
+            <a:r>
+              <a:rPr lang="ko-KR" altLang="en-US" sz="1200" dirty="0">
+                <a:solidFill>
+                  <a:schemeClr val="tx1">
+                    <a:lumMod val="75000"/>
+                    <a:lumOff val="25000"/>
+                  </a:schemeClr>
+                </a:solidFill>
+                <a:latin typeface="+mn-lt"/>
+              </a:rPr>
+              <a:t> 변경 </a:t>
+            </a:r>
+            <a:r>
+              <a:rPr lang="en-US" altLang="ko-KR" sz="1200" dirty="0">
+                <a:solidFill>
+                  <a:schemeClr val="tx1">
+                    <a:lumMod val="75000"/>
+                    <a:lumOff val="25000"/>
+                  </a:schemeClr>
+                </a:solidFill>
+                <a:latin typeface="+mn-lt"/>
+              </a:rPr>
+              <a:t>(</a:t>
+            </a:r>
+            <a:r>
+              <a:rPr lang="en-US" altLang="ko-KR" sz="1200" dirty="0" err="1">
+                <a:solidFill>
+                  <a:schemeClr val="tx1">
+                    <a:lumMod val="75000"/>
+                    <a:lumOff val="25000"/>
+                  </a:schemeClr>
+                </a:solidFill>
+                <a:latin typeface="+mn-lt"/>
+              </a:rPr>
+              <a:t>gen_model_id</a:t>
+            </a:r>
+            <a:r>
+              <a:rPr lang="en-US" altLang="ko-KR" sz="1200" dirty="0">
+                <a:solidFill>
+                  <a:schemeClr val="tx1">
+                    <a:lumMod val="75000"/>
+                    <a:lumOff val="25000"/>
+                  </a:schemeClr>
+                </a:solidFill>
+                <a:latin typeface="+mn-lt"/>
+              </a:rPr>
+              <a:t> = "</a:t>
+            </a:r>
+            <a:r>
+              <a:rPr lang="en-US" altLang="ko-KR" sz="1200" dirty="0" err="1">
+                <a:solidFill>
+                  <a:schemeClr val="tx1">
+                    <a:lumMod val="75000"/>
+                    <a:lumOff val="25000"/>
+                  </a:schemeClr>
+                </a:solidFill>
+                <a:latin typeface="+mn-lt"/>
+              </a:rPr>
+              <a:t>mlabonne</a:t>
+            </a:r>
+            <a:r>
+              <a:rPr lang="en-US" altLang="ko-KR" sz="1200" dirty="0">
+                <a:solidFill>
+                  <a:schemeClr val="tx1">
+                    <a:lumMod val="75000"/>
+                    <a:lumOff val="25000"/>
+                  </a:schemeClr>
+                </a:solidFill>
+                <a:latin typeface="+mn-lt"/>
+              </a:rPr>
+              <a:t>/gemma-2b“) </a:t>
+            </a:r>
+            <a:r>
+              <a:rPr lang="ko-KR" altLang="en-US" sz="1200" dirty="0">
+                <a:solidFill>
+                  <a:schemeClr val="tx1">
+                    <a:lumMod val="75000"/>
+                    <a:lumOff val="25000"/>
+                  </a:schemeClr>
+                </a:solidFill>
+                <a:latin typeface="+mn-lt"/>
+              </a:rPr>
+              <a:t>으로</a:t>
+            </a:r>
+            <a:r>
+              <a:rPr lang="en-US" altLang="ko-KR" sz="1200" dirty="0">
+                <a:solidFill>
+                  <a:schemeClr val="tx1">
+                    <a:lumMod val="75000"/>
+                    <a:lumOff val="25000"/>
+                  </a:schemeClr>
+                </a:solidFill>
+                <a:latin typeface="+mn-lt"/>
               </a:rPr>
               <a:t> </a:t>
             </a:r>
             <a:r>
-              <a:rPr lang="ko-KR" altLang="en-US" dirty="0" err="1">
-                <a:solidFill>
-                  <a:schemeClr val="tx1">
-                    <a:lumMod val="75000"/>
-                    <a:lumOff val="25000"/>
-                  </a:schemeClr>
-                </a:solidFill>
+              <a:rPr lang="ko-KR" altLang="en-US" sz="1200" dirty="0">
+                <a:solidFill>
+                  <a:schemeClr val="tx1">
+                    <a:lumMod val="75000"/>
+                    <a:lumOff val="25000"/>
+                  </a:schemeClr>
+                </a:solidFill>
+                <a:latin typeface="+mn-lt"/>
               </a:rPr>
-              <a:t>질의시</a:t>
-            </a:r>
-            <a:r>
-              <a:rPr lang="en-US" altLang="ko-KR" dirty="0">
-                <a:solidFill>
-                  <a:schemeClr val="tx1">
-                    <a:lumMod val="75000"/>
-                    <a:lumOff val="25000"/>
-                  </a:schemeClr>
-                </a:solidFill>
-              </a:rPr>
-              <a:t>, </a:t>
-            </a:r>
-            <a:r>
-              <a:rPr lang="ko-KR" altLang="en-US" dirty="0">
-                <a:solidFill>
-                  <a:schemeClr val="tx1">
-                    <a:lumMod val="75000"/>
-                    <a:lumOff val="25000"/>
-                  </a:schemeClr>
-                </a:solidFill>
-              </a:rPr>
-              <a:t>이전 </a:t>
-            </a:r>
-            <a:r>
-              <a:rPr lang="en-US" altLang="ko-KR" dirty="0">
-                <a:solidFill>
-                  <a:schemeClr val="tx1">
-                    <a:lumMod val="75000"/>
-                    <a:lumOff val="25000"/>
-                  </a:schemeClr>
-                </a:solidFill>
-              </a:rPr>
-              <a:t>history </a:t>
-            </a:r>
-            <a:r>
-              <a:rPr lang="ko-KR" altLang="en-US" dirty="0">
-                <a:solidFill>
-                  <a:schemeClr val="tx1">
-                    <a:lumMod val="75000"/>
-                    <a:lumOff val="25000"/>
-                  </a:schemeClr>
-                </a:solidFill>
-              </a:rPr>
-              <a:t>를 적용했더니</a:t>
-            </a:r>
-            <a:r>
-              <a:rPr lang="en-US" altLang="ko-KR" dirty="0">
-                <a:solidFill>
-                  <a:schemeClr val="tx1">
-                    <a:lumMod val="75000"/>
-                    <a:lumOff val="25000"/>
-                  </a:schemeClr>
-                </a:solidFill>
-              </a:rPr>
-              <a:t>, </a:t>
-            </a:r>
-            <a:r>
-              <a:rPr lang="ko-KR" altLang="en-US" dirty="0">
-                <a:solidFill>
-                  <a:schemeClr val="tx1">
-                    <a:lumMod val="75000"/>
-                    <a:lumOff val="25000"/>
-                  </a:schemeClr>
-                </a:solidFill>
-              </a:rPr>
-              <a:t>여러 질문 이후</a:t>
-            </a:r>
-            <a:r>
-              <a:rPr lang="en-US" altLang="ko-KR" dirty="0">
-                <a:solidFill>
-                  <a:schemeClr val="tx1">
-                    <a:lumMod val="75000"/>
-                    <a:lumOff val="25000"/>
-                  </a:schemeClr>
-                </a:solidFill>
-              </a:rPr>
-              <a:t>, </a:t>
-            </a:r>
-            <a:r>
-              <a:rPr lang="ko-KR" altLang="en-US" dirty="0">
-                <a:solidFill>
-                  <a:schemeClr val="tx1">
-                    <a:lumMod val="75000"/>
-                    <a:lumOff val="25000"/>
-                  </a:schemeClr>
-                </a:solidFill>
-              </a:rPr>
-              <a:t>아래 메시지가 나오면서 수행이 안됨</a:t>
-            </a:r>
-            <a:r>
-              <a:rPr lang="en-US" altLang="ko-KR" dirty="0">
-                <a:solidFill>
-                  <a:schemeClr val="tx1">
-                    <a:lumMod val="75000"/>
-                    <a:lumOff val="25000"/>
-                  </a:schemeClr>
-                </a:solidFill>
-              </a:rPr>
-              <a:t>. </a:t>
-            </a:r>
-            <a:endParaRPr lang="ko-KR" altLang="en-US" sz="1800" dirty="0">
-              <a:solidFill>
-                <a:schemeClr val="tx1">
-                  <a:lumMod val="75000"/>
-                  <a:lumOff val="25000"/>
-                </a:schemeClr>
-              </a:solidFill>
-              <a:latin typeface="+mn-lt"/>
-            </a:endParaRPr>
-          </a:p>
-        </p:txBody>
-      </p:sp>
+              <a:t>자연어 처리 개선</a:t>
+            </a:r>
+          </a:p>
+        </p:txBody>
+      </p:sp>
+      <p:pic>
+        <p:nvPicPr>
+          <p:cNvPr id="8" name="그림 7">
+            <a:extLst>
+              <a:ext uri="{FF2B5EF4-FFF2-40B4-BE49-F238E27FC236}">
+                <a16:creationId xmlns:a16="http://schemas.microsoft.com/office/drawing/2014/main" id="{E47A0BE9-9034-4F71-A70E-D2831F66BF49}"/>
+              </a:ext>
+            </a:extLst>
+          </p:cNvPr>
+          <p:cNvPicPr>
+            <a:picLocks noChangeAspect="1"/>
+          </p:cNvPicPr>
+          <p:nvPr/>
+        </p:nvPicPr>
+        <p:blipFill>
+          <a:blip r:embed="rId3"/>
+          <a:stretch>
+            <a:fillRect/>
+          </a:stretch>
+        </p:blipFill>
+        <p:spPr>
+          <a:xfrm>
+            <a:off x="152400" y="4259725"/>
+            <a:ext cx="12192000" cy="452561"/>
+          </a:xfrm>
+          <a:prstGeom prst="rect">
+            <a:avLst/>
+          </a:prstGeom>
+        </p:spPr>
+      </p:pic>
     </p:spTree>
     <p:extLst>
       <p:ext uri="{BB962C8B-B14F-4D97-AF65-F5344CB8AC3E}">
-        <p14:creationId xmlns:p14="http://schemas.microsoft.com/office/powerpoint/2010/main" val="4194279988"/>
+        <p14:creationId xmlns:p14="http://schemas.microsoft.com/office/powerpoint/2010/main" val="4058079450"/>
       </p:ext>
     </p:extLst>
   </p:cSld>
